--- a/figures.pptx
+++ b/figures.pptx
@@ -550,11 +550,11 @@
         </c:dLbls>
         <c:marker val="1"/>
         <c:smooth val="0"/>
-        <c:axId val="249615584"/>
-        <c:axId val="249617264"/>
+        <c:axId val="169822960"/>
+        <c:axId val="169825200"/>
       </c:lineChart>
       <c:catAx>
-        <c:axId val="249615584"/>
+        <c:axId val="169822960"/>
         <c:scaling>
           <c:orientation val="minMax"/>
         </c:scaling>
@@ -566,7 +566,7 @@
         <c:majorTickMark val="out"/>
         <c:minorTickMark val="none"/>
         <c:tickLblPos val="nextTo"/>
-        <c:crossAx val="249617264"/>
+        <c:crossAx val="169825200"/>
         <c:crosses val="autoZero"/>
         <c:auto val="1"/>
         <c:lblAlgn val="ctr"/>
@@ -574,7 +574,7 @@
         <c:noMultiLvlLbl val="0"/>
       </c:catAx>
       <c:valAx>
-        <c:axId val="249617264"/>
+        <c:axId val="169825200"/>
         <c:scaling>
           <c:orientation val="minMax"/>
         </c:scaling>
@@ -586,14 +586,13 @@
         <c:majorTickMark val="out"/>
         <c:minorTickMark val="none"/>
         <c:tickLblPos val="nextTo"/>
-        <c:crossAx val="249615584"/>
+        <c:crossAx val="169822960"/>
         <c:crosses val="autoZero"/>
         <c:crossBetween val="between"/>
       </c:valAx>
     </c:plotArea>
     <c:legend>
       <c:legendPos val="b"/>
-      <c:layout/>
       <c:overlay val="0"/>
     </c:legend>
     <c:plotVisOnly val="1"/>
@@ -606,8 +605,9 @@
     <a:p>
       <a:pPr>
         <a:defRPr sz="1600">
-          <a:latin typeface="Times New Roman" pitchFamily="18" charset="0"/>
-          <a:cs typeface="Times New Roman" pitchFamily="18" charset="0"/>
+          <a:latin typeface="CMU Serif" panose="02000603000000000000" pitchFamily="2" charset="0"/>
+          <a:ea typeface="CMU Serif" panose="02000603000000000000" pitchFamily="2" charset="0"/>
+          <a:cs typeface="CMU Serif" panose="02000603000000000000" pitchFamily="2" charset="0"/>
         </a:defRPr>
       </a:pPr>
       <a:endParaRPr lang="en-US"/>
@@ -774,11 +774,11 @@
           <c:showBubbleSize val="0"/>
         </c:dLbls>
         <c:gapWidth val="150"/>
-        <c:axId val="249601056"/>
-        <c:axId val="249601616"/>
+        <c:axId val="129441728"/>
+        <c:axId val="129442288"/>
       </c:barChart>
       <c:catAx>
-        <c:axId val="249601056"/>
+        <c:axId val="129441728"/>
         <c:scaling>
           <c:orientation val="minMax"/>
         </c:scaling>
@@ -788,7 +788,7 @@
         <c:majorTickMark val="out"/>
         <c:minorTickMark val="none"/>
         <c:tickLblPos val="nextTo"/>
-        <c:crossAx val="249601616"/>
+        <c:crossAx val="129442288"/>
         <c:crosses val="autoZero"/>
         <c:auto val="1"/>
         <c:lblAlgn val="ctr"/>
@@ -796,7 +796,7 @@
         <c:noMultiLvlLbl val="0"/>
       </c:catAx>
       <c:valAx>
-        <c:axId val="249601616"/>
+        <c:axId val="129442288"/>
         <c:scaling>
           <c:orientation val="minMax"/>
         </c:scaling>
@@ -807,14 +807,13 @@
         <c:majorTickMark val="out"/>
         <c:minorTickMark val="none"/>
         <c:tickLblPos val="nextTo"/>
-        <c:crossAx val="249601056"/>
+        <c:crossAx val="129441728"/>
         <c:crosses val="autoZero"/>
         <c:crossBetween val="between"/>
       </c:valAx>
     </c:plotArea>
     <c:legend>
       <c:legendPos val="b"/>
-      <c:layout/>
       <c:overlay val="0"/>
     </c:legend>
     <c:plotVisOnly val="1"/>
@@ -827,8 +826,9 @@
     <a:p>
       <a:pPr>
         <a:defRPr sz="1600">
-          <a:latin typeface="Times New Roman" pitchFamily="18" charset="0"/>
-          <a:cs typeface="Times New Roman" pitchFamily="18" charset="0"/>
+          <a:latin typeface="CMU Serif" panose="02000603000000000000" pitchFamily="2" charset="0"/>
+          <a:ea typeface="CMU Serif" panose="02000603000000000000" pitchFamily="2" charset="0"/>
+          <a:cs typeface="CMU Serif" panose="02000603000000000000" pitchFamily="2" charset="0"/>
         </a:defRPr>
       </a:pPr>
       <a:endParaRPr lang="en-US"/>
@@ -855,7 +855,6 @@
   </mc:AlternateContent>
   <c:chart>
     <c:title>
-      <c:layout/>
       <c:overlay val="0"/>
       <c:spPr>
         <a:noFill/>
@@ -876,9 +875,9 @@
                   <a:lumOff val="35000"/>
                 </a:schemeClr>
               </a:solidFill>
-              <a:latin typeface="Times New Roman" panose="02020603050405020304" pitchFamily="18" charset="0"/>
-              <a:ea typeface="+mn-ea"/>
-              <a:cs typeface="Times New Roman" panose="02020603050405020304" pitchFamily="18" charset="0"/>
+              <a:latin typeface="CMU Serif" panose="02000603000000000000" pitchFamily="2" charset="0"/>
+              <a:ea typeface="CMU Serif" panose="02000603000000000000" pitchFamily="2" charset="0"/>
+              <a:cs typeface="CMU Serif" panose="02000603000000000000" pitchFamily="2" charset="0"/>
             </a:defRPr>
           </a:pPr>
           <a:endParaRPr lang="en-US"/>
@@ -1007,9 +1006,9 @@
                         <a:lumOff val="25000"/>
                       </a:schemeClr>
                     </a:solidFill>
-                    <a:latin typeface="Times New Roman" panose="02020603050405020304" pitchFamily="18" charset="0"/>
-                    <a:ea typeface="+mn-ea"/>
-                    <a:cs typeface="Times New Roman" panose="02020603050405020304" pitchFamily="18" charset="0"/>
+                    <a:latin typeface="CMU Serif" panose="02000603000000000000" pitchFamily="2" charset="0"/>
+                    <a:ea typeface="CMU Serif" panose="02000603000000000000" pitchFamily="2" charset="0"/>
+                    <a:cs typeface="CMU Serif" panose="02000603000000000000" pitchFamily="2" charset="0"/>
                   </a:defRPr>
                 </a:pPr>
                 <a:endParaRPr lang="en-US"/>
@@ -1038,9 +1037,7 @@
               </c:spPr>
             </c:leaderLines>
             <c:extLst>
-              <c:ext xmlns:c15="http://schemas.microsoft.com/office/drawing/2012/chart" uri="{CE6537A1-D6FC-4f65-9D91-7224C49458BB}">
-                <c15:layout/>
-              </c:ext>
+              <c:ext xmlns:c15="http://schemas.microsoft.com/office/drawing/2012/chart" uri="{CE6537A1-D6FC-4f65-9D91-7224C49458BB}"/>
             </c:extLst>
           </c:dLbls>
           <c:cat>
@@ -1113,7 +1110,6 @@
     </c:plotArea>
     <c:legend>
       <c:legendPos val="b"/>
-      <c:layout/>
       <c:overlay val="0"/>
       <c:spPr>
         <a:noFill/>
@@ -1134,9 +1130,9 @@
                   <a:lumOff val="35000"/>
                 </a:schemeClr>
               </a:solidFill>
-              <a:latin typeface="Times New Roman" panose="02020603050405020304" pitchFamily="18" charset="0"/>
-              <a:ea typeface="+mn-ea"/>
-              <a:cs typeface="Times New Roman" panose="02020603050405020304" pitchFamily="18" charset="0"/>
+              <a:latin typeface="CMU Serif" panose="02000603000000000000" pitchFamily="2" charset="0"/>
+              <a:ea typeface="CMU Serif" panose="02000603000000000000" pitchFamily="2" charset="0"/>
+              <a:cs typeface="CMU Serif" panose="02000603000000000000" pitchFamily="2" charset="0"/>
             </a:defRPr>
           </a:pPr>
           <a:endParaRPr lang="en-US"/>
@@ -1160,8 +1156,9 @@
     <a:p>
       <a:pPr>
         <a:defRPr>
-          <a:latin typeface="Times New Roman" panose="02020603050405020304" pitchFamily="18" charset="0"/>
-          <a:cs typeface="Times New Roman" panose="02020603050405020304" pitchFamily="18" charset="0"/>
+          <a:latin typeface="CMU Serif" panose="02000603000000000000" pitchFamily="2" charset="0"/>
+          <a:ea typeface="CMU Serif" panose="02000603000000000000" pitchFamily="2" charset="0"/>
+          <a:cs typeface="CMU Serif" panose="02000603000000000000" pitchFamily="2" charset="0"/>
         </a:defRPr>
       </a:pPr>
       <a:endParaRPr lang="en-US"/>
@@ -1188,7 +1185,6 @@
   </mc:AlternateContent>
   <c:chart>
     <c:title>
-      <c:layout/>
       <c:overlay val="0"/>
       <c:spPr>
         <a:noFill/>
@@ -1209,9 +1205,9 @@
                   <a:lumOff val="35000"/>
                 </a:schemeClr>
               </a:solidFill>
-              <a:latin typeface="Times New Roman" panose="02020603050405020304" pitchFamily="18" charset="0"/>
-              <a:ea typeface="+mn-ea"/>
-              <a:cs typeface="Times New Roman" panose="02020603050405020304" pitchFamily="18" charset="0"/>
+              <a:latin typeface="CMU Serif" panose="02000603000000000000" pitchFamily="2" charset="0"/>
+              <a:ea typeface="CMU Serif" panose="02000603000000000000" pitchFamily="2" charset="0"/>
+              <a:cs typeface="CMU Serif" panose="02000603000000000000" pitchFamily="2" charset="0"/>
             </a:defRPr>
           </a:pPr>
           <a:endParaRPr lang="en-US"/>
@@ -1329,9 +1325,7 @@
               <a:effectLst/>
             </c:spPr>
             <c:txPr>
-              <a:bodyPr rot="0" spcFirstLastPara="1" vertOverflow="ellipsis" vert="horz" wrap="square" lIns="38100" tIns="19050" rIns="38100" bIns="19050" anchor="ctr" anchorCtr="1">
-                <a:spAutoFit/>
-              </a:bodyPr>
+              <a:bodyPr rot="0" spcFirstLastPara="1" vertOverflow="ellipsis" vert="horz" wrap="square" anchor="ctr" anchorCtr="1"/>
               <a:lstStyle/>
               <a:p>
                 <a:pPr>
@@ -1342,9 +1336,9 @@
                         <a:lumOff val="25000"/>
                       </a:schemeClr>
                     </a:solidFill>
-                    <a:latin typeface="Times New Roman" panose="02020603050405020304" pitchFamily="18" charset="0"/>
-                    <a:ea typeface="+mn-ea"/>
-                    <a:cs typeface="Times New Roman" panose="02020603050405020304" pitchFamily="18" charset="0"/>
+                    <a:latin typeface="CMU Serif" panose="02000603000000000000" pitchFamily="2" charset="0"/>
+                    <a:ea typeface="CMU Serif" panose="02000603000000000000" pitchFamily="2" charset="0"/>
+                    <a:cs typeface="CMU Serif" panose="02000603000000000000" pitchFamily="2" charset="0"/>
                   </a:defRPr>
                 </a:pPr>
                 <a:endParaRPr lang="en-US"/>
@@ -1373,9 +1367,7 @@
               </c:spPr>
             </c:leaderLines>
             <c:extLst>
-              <c:ext xmlns:c15="http://schemas.microsoft.com/office/drawing/2012/chart" uri="{CE6537A1-D6FC-4f65-9D91-7224C49458BB}">
-                <c15:layout/>
-              </c:ext>
+              <c:ext xmlns:c15="http://schemas.microsoft.com/office/drawing/2012/chart" uri="{CE6537A1-D6FC-4f65-9D91-7224C49458BB}"/>
             </c:extLst>
           </c:dLbls>
           <c:cat>
@@ -1448,7 +1440,6 @@
     </c:plotArea>
     <c:legend>
       <c:legendPos val="b"/>
-      <c:layout/>
       <c:overlay val="0"/>
       <c:spPr>
         <a:noFill/>
@@ -1469,9 +1460,9 @@
                   <a:lumOff val="35000"/>
                 </a:schemeClr>
               </a:solidFill>
-              <a:latin typeface="Times New Roman" panose="02020603050405020304" pitchFamily="18" charset="0"/>
-              <a:ea typeface="+mn-ea"/>
-              <a:cs typeface="Times New Roman" panose="02020603050405020304" pitchFamily="18" charset="0"/>
+              <a:latin typeface="CMU Serif" panose="02000603000000000000" pitchFamily="2" charset="0"/>
+              <a:ea typeface="CMU Serif" panose="02000603000000000000" pitchFamily="2" charset="0"/>
+              <a:cs typeface="CMU Serif" panose="02000603000000000000" pitchFamily="2" charset="0"/>
             </a:defRPr>
           </a:pPr>
           <a:endParaRPr lang="en-US"/>
@@ -1495,8 +1486,9 @@
     <a:p>
       <a:pPr>
         <a:defRPr>
-          <a:latin typeface="Times New Roman" panose="02020603050405020304" pitchFamily="18" charset="0"/>
-          <a:cs typeface="Times New Roman" panose="02020603050405020304" pitchFamily="18" charset="0"/>
+          <a:latin typeface="CMU Serif" panose="02000603000000000000" pitchFamily="2" charset="0"/>
+          <a:ea typeface="CMU Serif" panose="02000603000000000000" pitchFamily="2" charset="0"/>
+          <a:cs typeface="CMU Serif" panose="02000603000000000000" pitchFamily="2" charset="0"/>
         </a:defRPr>
       </a:pPr>
       <a:endParaRPr lang="en-US"/>
@@ -1523,7 +1515,6 @@
   </mc:AlternateContent>
   <c:chart>
     <c:title>
-      <c:layout/>
       <c:overlay val="0"/>
       <c:spPr>
         <a:noFill/>
@@ -1544,9 +1535,9 @@
                   <a:lumOff val="35000"/>
                 </a:schemeClr>
               </a:solidFill>
-              <a:latin typeface="Times New Roman" panose="02020603050405020304" pitchFamily="18" charset="0"/>
-              <a:ea typeface="+mn-ea"/>
-              <a:cs typeface="Times New Roman" panose="02020603050405020304" pitchFamily="18" charset="0"/>
+              <a:latin typeface="CMU Serif" panose="02000603000000000000" pitchFamily="2" charset="0"/>
+              <a:ea typeface="CMU Serif" panose="02000603000000000000" pitchFamily="2" charset="0"/>
+              <a:cs typeface="CMU Serif" panose="02000603000000000000" pitchFamily="2" charset="0"/>
             </a:defRPr>
           </a:pPr>
           <a:endParaRPr lang="en-US"/>
@@ -1664,9 +1655,7 @@
               <a:effectLst/>
             </c:spPr>
             <c:txPr>
-              <a:bodyPr rot="0" spcFirstLastPara="1" vertOverflow="ellipsis" vert="horz" wrap="square" lIns="38100" tIns="19050" rIns="38100" bIns="19050" anchor="ctr" anchorCtr="1">
-                <a:spAutoFit/>
-              </a:bodyPr>
+              <a:bodyPr rot="0" spcFirstLastPara="1" vertOverflow="ellipsis" vert="horz" wrap="square" anchor="ctr" anchorCtr="1"/>
               <a:lstStyle/>
               <a:p>
                 <a:pPr>
@@ -1677,9 +1666,9 @@
                         <a:lumOff val="25000"/>
                       </a:schemeClr>
                     </a:solidFill>
-                    <a:latin typeface="Times New Roman" panose="02020603050405020304" pitchFamily="18" charset="0"/>
-                    <a:ea typeface="+mn-ea"/>
-                    <a:cs typeface="Times New Roman" panose="02020603050405020304" pitchFamily="18" charset="0"/>
+                    <a:latin typeface="CMU Serif" panose="02000603000000000000" pitchFamily="2" charset="0"/>
+                    <a:ea typeface="CMU Serif" panose="02000603000000000000" pitchFamily="2" charset="0"/>
+                    <a:cs typeface="CMU Serif" panose="02000603000000000000" pitchFamily="2" charset="0"/>
                   </a:defRPr>
                 </a:pPr>
                 <a:endParaRPr lang="en-US"/>
@@ -1708,9 +1697,7 @@
               </c:spPr>
             </c:leaderLines>
             <c:extLst>
-              <c:ext xmlns:c15="http://schemas.microsoft.com/office/drawing/2012/chart" uri="{CE6537A1-D6FC-4f65-9D91-7224C49458BB}">
-                <c15:layout/>
-              </c:ext>
+              <c:ext xmlns:c15="http://schemas.microsoft.com/office/drawing/2012/chart" uri="{CE6537A1-D6FC-4f65-9D91-7224C49458BB}"/>
             </c:extLst>
           </c:dLbls>
           <c:cat>
@@ -1783,7 +1770,6 @@
     </c:plotArea>
     <c:legend>
       <c:legendPos val="b"/>
-      <c:layout/>
       <c:overlay val="0"/>
       <c:spPr>
         <a:noFill/>
@@ -1804,9 +1790,9 @@
                   <a:lumOff val="35000"/>
                 </a:schemeClr>
               </a:solidFill>
-              <a:latin typeface="Times New Roman" panose="02020603050405020304" pitchFamily="18" charset="0"/>
-              <a:ea typeface="+mn-ea"/>
-              <a:cs typeface="Times New Roman" panose="02020603050405020304" pitchFamily="18" charset="0"/>
+              <a:latin typeface="CMU Serif" panose="02000603000000000000" pitchFamily="2" charset="0"/>
+              <a:ea typeface="CMU Serif" panose="02000603000000000000" pitchFamily="2" charset="0"/>
+              <a:cs typeface="CMU Serif" panose="02000603000000000000" pitchFamily="2" charset="0"/>
             </a:defRPr>
           </a:pPr>
           <a:endParaRPr lang="en-US"/>
@@ -1830,8 +1816,9 @@
     <a:p>
       <a:pPr>
         <a:defRPr>
-          <a:latin typeface="Times New Roman" panose="02020603050405020304" pitchFamily="18" charset="0"/>
-          <a:cs typeface="Times New Roman" panose="02020603050405020304" pitchFamily="18" charset="0"/>
+          <a:latin typeface="CMU Serif" panose="02000603000000000000" pitchFamily="2" charset="0"/>
+          <a:ea typeface="CMU Serif" panose="02000603000000000000" pitchFamily="2" charset="0"/>
+          <a:cs typeface="CMU Serif" panose="02000603000000000000" pitchFamily="2" charset="0"/>
         </a:defRPr>
       </a:pPr>
       <a:endParaRPr lang="en-US"/>
@@ -1858,7 +1845,6 @@
   </mc:AlternateContent>
   <c:chart>
     <c:title>
-      <c:layout/>
       <c:overlay val="0"/>
       <c:spPr>
         <a:noFill/>
@@ -1879,7 +1865,7 @@
                   <a:lumOff val="35000"/>
                 </a:schemeClr>
               </a:solidFill>
-              <a:latin typeface="Times New Roman" panose="02020603050405020304" pitchFamily="18" charset="0"/>
+              <a:latin typeface="CMU Serif" panose="02000603000000000000" pitchFamily="2" charset="0"/>
               <a:ea typeface="+mn-ea"/>
               <a:cs typeface="Times New Roman" panose="02020603050405020304" pitchFamily="18" charset="0"/>
             </a:defRPr>
@@ -1999,9 +1985,7 @@
               <a:effectLst/>
             </c:spPr>
             <c:txPr>
-              <a:bodyPr rot="0" spcFirstLastPara="1" vertOverflow="ellipsis" vert="horz" wrap="square" lIns="38100" tIns="19050" rIns="38100" bIns="19050" anchor="ctr" anchorCtr="1">
-                <a:spAutoFit/>
-              </a:bodyPr>
+              <a:bodyPr rot="0" spcFirstLastPara="1" vertOverflow="ellipsis" vert="horz" wrap="square" anchor="ctr" anchorCtr="1"/>
               <a:lstStyle/>
               <a:p>
                 <a:pPr>
@@ -2012,7 +1996,7 @@
                         <a:lumOff val="25000"/>
                       </a:schemeClr>
                     </a:solidFill>
-                    <a:latin typeface="Times New Roman" panose="02020603050405020304" pitchFamily="18" charset="0"/>
+                    <a:latin typeface="CMU Serif" panose="02000603000000000000" pitchFamily="2" charset="0"/>
                     <a:ea typeface="+mn-ea"/>
                     <a:cs typeface="Times New Roman" panose="02020603050405020304" pitchFamily="18" charset="0"/>
                   </a:defRPr>
@@ -2043,9 +2027,7 @@
               </c:spPr>
             </c:leaderLines>
             <c:extLst>
-              <c:ext xmlns:c15="http://schemas.microsoft.com/office/drawing/2012/chart" uri="{CE6537A1-D6FC-4f65-9D91-7224C49458BB}">
-                <c15:layout/>
-              </c:ext>
+              <c:ext xmlns:c15="http://schemas.microsoft.com/office/drawing/2012/chart" uri="{CE6537A1-D6FC-4f65-9D91-7224C49458BB}"/>
             </c:extLst>
           </c:dLbls>
           <c:cat>
@@ -2118,7 +2100,6 @@
     </c:plotArea>
     <c:legend>
       <c:legendPos val="b"/>
-      <c:layout/>
       <c:overlay val="0"/>
       <c:spPr>
         <a:noFill/>
@@ -2139,7 +2120,7 @@
                   <a:lumOff val="35000"/>
                 </a:schemeClr>
               </a:solidFill>
-              <a:latin typeface="Times New Roman" panose="02020603050405020304" pitchFamily="18" charset="0"/>
+              <a:latin typeface="CMU Serif" panose="02000603000000000000" pitchFamily="2" charset="0"/>
               <a:ea typeface="+mn-ea"/>
               <a:cs typeface="Times New Roman" panose="02020603050405020304" pitchFamily="18" charset="0"/>
             </a:defRPr>
@@ -2164,8 +2145,8 @@
     <a:lstStyle/>
     <a:p>
       <a:pPr>
-        <a:defRPr>
-          <a:latin typeface="Times New Roman" panose="02020603050405020304" pitchFamily="18" charset="0"/>
+        <a:defRPr baseline="0">
+          <a:latin typeface="CMU Serif" panose="02000603000000000000" pitchFamily="2" charset="0"/>
           <a:cs typeface="Times New Roman" panose="02020603050405020304" pitchFamily="18" charset="0"/>
         </a:defRPr>
       </a:pPr>
@@ -2193,7 +2174,6 @@
   </mc:AlternateContent>
   <c:chart>
     <c:title>
-      <c:layout/>
       <c:overlay val="0"/>
       <c:spPr>
         <a:noFill/>
@@ -2214,9 +2194,9 @@
                   <a:lumOff val="35000"/>
                 </a:schemeClr>
               </a:solidFill>
-              <a:latin typeface="Times New Roman" panose="02020603050405020304" pitchFamily="18" charset="0"/>
-              <a:ea typeface="+mn-ea"/>
-              <a:cs typeface="Times New Roman" panose="02020603050405020304" pitchFamily="18" charset="0"/>
+              <a:latin typeface="CMU Serif" panose="02000603000000000000" pitchFamily="2" charset="0"/>
+              <a:ea typeface="CMU Serif" panose="02000603000000000000" pitchFamily="2" charset="0"/>
+              <a:cs typeface="CMU Serif" panose="02000603000000000000" pitchFamily="2" charset="0"/>
             </a:defRPr>
           </a:pPr>
           <a:endParaRPr lang="en-US"/>
@@ -2334,9 +2314,7 @@
               <a:effectLst/>
             </c:spPr>
             <c:txPr>
-              <a:bodyPr rot="0" spcFirstLastPara="1" vertOverflow="ellipsis" vert="horz" wrap="square" lIns="38100" tIns="19050" rIns="38100" bIns="19050" anchor="ctr" anchorCtr="1">
-                <a:spAutoFit/>
-              </a:bodyPr>
+              <a:bodyPr rot="0" spcFirstLastPara="1" vertOverflow="ellipsis" vert="horz" wrap="square" anchor="ctr" anchorCtr="1"/>
               <a:lstStyle/>
               <a:p>
                 <a:pPr>
@@ -2347,9 +2325,9 @@
                         <a:lumOff val="25000"/>
                       </a:schemeClr>
                     </a:solidFill>
-                    <a:latin typeface="Times New Roman" panose="02020603050405020304" pitchFamily="18" charset="0"/>
-                    <a:ea typeface="+mn-ea"/>
-                    <a:cs typeface="Times New Roman" panose="02020603050405020304" pitchFamily="18" charset="0"/>
+                    <a:latin typeface="CMU Serif" panose="02000603000000000000" pitchFamily="2" charset="0"/>
+                    <a:ea typeface="CMU Serif" panose="02000603000000000000" pitchFamily="2" charset="0"/>
+                    <a:cs typeface="CMU Serif" panose="02000603000000000000" pitchFamily="2" charset="0"/>
                   </a:defRPr>
                 </a:pPr>
                 <a:endParaRPr lang="en-US"/>
@@ -2378,9 +2356,7 @@
               </c:spPr>
             </c:leaderLines>
             <c:extLst>
-              <c:ext xmlns:c15="http://schemas.microsoft.com/office/drawing/2012/chart" uri="{CE6537A1-D6FC-4f65-9D91-7224C49458BB}">
-                <c15:layout/>
-              </c:ext>
+              <c:ext xmlns:c15="http://schemas.microsoft.com/office/drawing/2012/chart" uri="{CE6537A1-D6FC-4f65-9D91-7224C49458BB}"/>
             </c:extLst>
           </c:dLbls>
           <c:cat>
@@ -2453,7 +2429,6 @@
     </c:plotArea>
     <c:legend>
       <c:legendPos val="b"/>
-      <c:layout/>
       <c:overlay val="0"/>
       <c:spPr>
         <a:noFill/>
@@ -2474,9 +2449,9 @@
                   <a:lumOff val="35000"/>
                 </a:schemeClr>
               </a:solidFill>
-              <a:latin typeface="Times New Roman" panose="02020603050405020304" pitchFamily="18" charset="0"/>
-              <a:ea typeface="+mn-ea"/>
-              <a:cs typeface="Times New Roman" panose="02020603050405020304" pitchFamily="18" charset="0"/>
+              <a:latin typeface="CMU Serif" panose="02000603000000000000" pitchFamily="2" charset="0"/>
+              <a:ea typeface="CMU Serif" panose="02000603000000000000" pitchFamily="2" charset="0"/>
+              <a:cs typeface="CMU Serif" panose="02000603000000000000" pitchFamily="2" charset="0"/>
             </a:defRPr>
           </a:pPr>
           <a:endParaRPr lang="en-US"/>
@@ -2500,8 +2475,9 @@
     <a:p>
       <a:pPr>
         <a:defRPr>
-          <a:latin typeface="Times New Roman" panose="02020603050405020304" pitchFamily="18" charset="0"/>
-          <a:cs typeface="Times New Roman" panose="02020603050405020304" pitchFamily="18" charset="0"/>
+          <a:latin typeface="CMU Serif" panose="02000603000000000000" pitchFamily="2" charset="0"/>
+          <a:ea typeface="CMU Serif" panose="02000603000000000000" pitchFamily="2" charset="0"/>
+          <a:cs typeface="CMU Serif" panose="02000603000000000000" pitchFamily="2" charset="0"/>
         </a:defRPr>
       </a:pPr>
       <a:endParaRPr lang="en-US"/>
@@ -2528,7 +2504,6 @@
   </mc:AlternateContent>
   <c:chart>
     <c:title>
-      <c:layout/>
       <c:overlay val="0"/>
       <c:spPr>
         <a:noFill/>
@@ -2549,9 +2524,9 @@
                   <a:lumOff val="35000"/>
                 </a:schemeClr>
               </a:solidFill>
-              <a:latin typeface="Times New Roman" panose="02020603050405020304" pitchFamily="18" charset="0"/>
-              <a:ea typeface="+mn-ea"/>
-              <a:cs typeface="Times New Roman" panose="02020603050405020304" pitchFamily="18" charset="0"/>
+              <a:latin typeface="CMU Serif" panose="02000603000000000000" pitchFamily="2" charset="0"/>
+              <a:ea typeface="CMU Serif" panose="02000603000000000000" pitchFamily="2" charset="0"/>
+              <a:cs typeface="CMU Serif" panose="02000603000000000000" pitchFamily="2" charset="0"/>
             </a:defRPr>
           </a:pPr>
           <a:endParaRPr lang="en-US"/>
@@ -2635,9 +2610,7 @@
               <a:effectLst/>
             </c:spPr>
             <c:txPr>
-              <a:bodyPr rot="0" spcFirstLastPara="1" vertOverflow="ellipsis" vert="horz" wrap="square" lIns="38100" tIns="19050" rIns="38100" bIns="19050" anchor="ctr" anchorCtr="1">
-                <a:spAutoFit/>
-              </a:bodyPr>
+              <a:bodyPr rot="0" spcFirstLastPara="1" vertOverflow="ellipsis" vert="horz" wrap="square" anchor="ctr" anchorCtr="1"/>
               <a:lstStyle/>
               <a:p>
                 <a:pPr>
@@ -2648,9 +2621,9 @@
                         <a:lumOff val="25000"/>
                       </a:schemeClr>
                     </a:solidFill>
-                    <a:latin typeface="Times New Roman" panose="02020603050405020304" pitchFamily="18" charset="0"/>
-                    <a:ea typeface="+mn-ea"/>
-                    <a:cs typeface="Times New Roman" panose="02020603050405020304" pitchFamily="18" charset="0"/>
+                    <a:latin typeface="CMU Serif" panose="02000603000000000000" pitchFamily="2" charset="0"/>
+                    <a:ea typeface="CMU Serif" panose="02000603000000000000" pitchFamily="2" charset="0"/>
+                    <a:cs typeface="CMU Serif" panose="02000603000000000000" pitchFamily="2" charset="0"/>
                   </a:defRPr>
                 </a:pPr>
                 <a:endParaRPr lang="en-US"/>
@@ -2679,9 +2652,7 @@
               </c:spPr>
             </c:leaderLines>
             <c:extLst>
-              <c:ext xmlns:c15="http://schemas.microsoft.com/office/drawing/2012/chart" uri="{CE6537A1-D6FC-4f65-9D91-7224C49458BB}">
-                <c15:layout/>
-              </c:ext>
+              <c:ext xmlns:c15="http://schemas.microsoft.com/office/drawing/2012/chart" uri="{CE6537A1-D6FC-4f65-9D91-7224C49458BB}"/>
             </c:extLst>
           </c:dLbls>
           <c:cat>
@@ -2742,7 +2713,6 @@
     </c:plotArea>
     <c:legend>
       <c:legendPos val="b"/>
-      <c:layout/>
       <c:overlay val="0"/>
       <c:spPr>
         <a:noFill/>
@@ -2763,9 +2733,9 @@
                   <a:lumOff val="35000"/>
                 </a:schemeClr>
               </a:solidFill>
-              <a:latin typeface="Times New Roman" panose="02020603050405020304" pitchFamily="18" charset="0"/>
-              <a:ea typeface="+mn-ea"/>
-              <a:cs typeface="Times New Roman" panose="02020603050405020304" pitchFamily="18" charset="0"/>
+              <a:latin typeface="CMU Serif" panose="02000603000000000000" pitchFamily="2" charset="0"/>
+              <a:ea typeface="CMU Serif" panose="02000603000000000000" pitchFamily="2" charset="0"/>
+              <a:cs typeface="CMU Serif" panose="02000603000000000000" pitchFamily="2" charset="0"/>
             </a:defRPr>
           </a:pPr>
           <a:endParaRPr lang="en-US"/>
@@ -2789,8 +2759,9 @@
     <a:p>
       <a:pPr>
         <a:defRPr>
-          <a:latin typeface="Times New Roman" panose="02020603050405020304" pitchFamily="18" charset="0"/>
-          <a:cs typeface="Times New Roman" panose="02020603050405020304" pitchFamily="18" charset="0"/>
+          <a:latin typeface="CMU Serif" panose="02000603000000000000" pitchFamily="2" charset="0"/>
+          <a:ea typeface="CMU Serif" panose="02000603000000000000" pitchFamily="2" charset="0"/>
+          <a:cs typeface="CMU Serif" panose="02000603000000000000" pitchFamily="2" charset="0"/>
         </a:defRPr>
       </a:pPr>
       <a:endParaRPr lang="en-US"/>
@@ -9051,9 +9022,9 @@
               <a:solidFill>
                 <a:sysClr val="window" lastClr="FFFFFF"/>
               </a:solidFill>
-              <a:latin typeface="Times New Roman" pitchFamily="18" charset="0"/>
-              <a:ea typeface="+mn-ea"/>
-              <a:cs typeface="Times New Roman" pitchFamily="18" charset="0"/>
+              <a:latin typeface="CMU Serif" panose="02000603000000000000" pitchFamily="2" charset="0"/>
+              <a:ea typeface="CMU Serif" panose="02000603000000000000" pitchFamily="2" charset="0"/>
+              <a:cs typeface="CMU Serif" panose="02000603000000000000" pitchFamily="2" charset="0"/>
             </a:rPr>
             <a:t>Bus Transport in SL</a:t>
           </a:r>
@@ -9061,9 +9032,9 @@
             <a:solidFill>
               <a:sysClr val="window" lastClr="FFFFFF"/>
             </a:solidFill>
-            <a:latin typeface="Times New Roman" pitchFamily="18" charset="0"/>
-            <a:ea typeface="+mn-ea"/>
-            <a:cs typeface="Times New Roman" pitchFamily="18" charset="0"/>
+            <a:latin typeface="CMU Serif" panose="02000603000000000000" pitchFamily="2" charset="0"/>
+            <a:ea typeface="CMU Serif" panose="02000603000000000000" pitchFamily="2" charset="0"/>
+            <a:cs typeface="CMU Serif" panose="02000603000000000000" pitchFamily="2" charset="0"/>
           </a:endParaRPr>
         </a:p>
       </dgm:t>
@@ -9133,9 +9104,9 @@
               <a:solidFill>
                 <a:sysClr val="window" lastClr="FFFFFF"/>
               </a:solidFill>
-              <a:latin typeface="Times New Roman" pitchFamily="18" charset="0"/>
-              <a:ea typeface="+mn-ea"/>
-              <a:cs typeface="Times New Roman" pitchFamily="18" charset="0"/>
+              <a:latin typeface="CMU Serif" panose="02000603000000000000" pitchFamily="2" charset="0"/>
+              <a:ea typeface="CMU Serif" panose="02000603000000000000" pitchFamily="2" charset="0"/>
+              <a:cs typeface="CMU Serif" panose="02000603000000000000" pitchFamily="2" charset="0"/>
             </a:rPr>
             <a:t>Privately-Owned</a:t>
           </a:r>
@@ -9143,9 +9114,9 @@
             <a:solidFill>
               <a:sysClr val="window" lastClr="FFFFFF"/>
             </a:solidFill>
-            <a:latin typeface="Times New Roman" pitchFamily="18" charset="0"/>
-            <a:ea typeface="+mn-ea"/>
-            <a:cs typeface="Times New Roman" pitchFamily="18" charset="0"/>
+            <a:latin typeface="CMU Serif" panose="02000603000000000000" pitchFamily="2" charset="0"/>
+            <a:ea typeface="CMU Serif" panose="02000603000000000000" pitchFamily="2" charset="0"/>
+            <a:cs typeface="CMU Serif" panose="02000603000000000000" pitchFamily="2" charset="0"/>
           </a:endParaRPr>
         </a:p>
       </dgm:t>
@@ -9215,9 +9186,9 @@
               <a:solidFill>
                 <a:sysClr val="window" lastClr="FFFFFF"/>
               </a:solidFill>
-              <a:latin typeface="Times New Roman" pitchFamily="18" charset="0"/>
-              <a:ea typeface="+mn-ea"/>
-              <a:cs typeface="Times New Roman" pitchFamily="18" charset="0"/>
+              <a:latin typeface="CMU Serif" panose="02000603000000000000" pitchFamily="2" charset="0"/>
+              <a:ea typeface="CMU Serif" panose="02000603000000000000" pitchFamily="2" charset="0"/>
+              <a:cs typeface="CMU Serif" panose="02000603000000000000" pitchFamily="2" charset="0"/>
             </a:rPr>
             <a:t>Inter-Provincial</a:t>
           </a:r>
@@ -9225,9 +9196,9 @@
             <a:solidFill>
               <a:sysClr val="window" lastClr="FFFFFF"/>
             </a:solidFill>
-            <a:latin typeface="Times New Roman" pitchFamily="18" charset="0"/>
-            <a:ea typeface="+mn-ea"/>
-            <a:cs typeface="Times New Roman" pitchFamily="18" charset="0"/>
+            <a:latin typeface="CMU Serif" panose="02000603000000000000" pitchFamily="2" charset="0"/>
+            <a:ea typeface="CMU Serif" panose="02000603000000000000" pitchFamily="2" charset="0"/>
+            <a:cs typeface="CMU Serif" panose="02000603000000000000" pitchFamily="2" charset="0"/>
           </a:endParaRPr>
         </a:p>
       </dgm:t>
@@ -9297,9 +9268,9 @@
               <a:solidFill>
                 <a:sysClr val="window" lastClr="FFFFFF"/>
               </a:solidFill>
-              <a:latin typeface="Times New Roman" pitchFamily="18" charset="0"/>
-              <a:ea typeface="+mn-ea"/>
-              <a:cs typeface="Times New Roman" pitchFamily="18" charset="0"/>
+              <a:latin typeface="CMU Serif" panose="02000603000000000000" pitchFamily="2" charset="0"/>
+              <a:ea typeface="CMU Serif" panose="02000603000000000000" pitchFamily="2" charset="0"/>
+              <a:cs typeface="CMU Serif" panose="02000603000000000000" pitchFamily="2" charset="0"/>
             </a:rPr>
             <a:t>Intra-Provincial</a:t>
           </a:r>
@@ -9307,9 +9278,9 @@
             <a:solidFill>
               <a:sysClr val="window" lastClr="FFFFFF"/>
             </a:solidFill>
-            <a:latin typeface="Times New Roman" pitchFamily="18" charset="0"/>
-            <a:ea typeface="+mn-ea"/>
-            <a:cs typeface="Times New Roman" pitchFamily="18" charset="0"/>
+            <a:latin typeface="CMU Serif" panose="02000603000000000000" pitchFamily="2" charset="0"/>
+            <a:ea typeface="CMU Serif" panose="02000603000000000000" pitchFamily="2" charset="0"/>
+            <a:cs typeface="CMU Serif" panose="02000603000000000000" pitchFamily="2" charset="0"/>
           </a:endParaRPr>
         </a:p>
       </dgm:t>
@@ -9379,9 +9350,9 @@
               <a:solidFill>
                 <a:sysClr val="window" lastClr="FFFFFF"/>
               </a:solidFill>
-              <a:latin typeface="Times New Roman" pitchFamily="18" charset="0"/>
-              <a:ea typeface="+mn-ea"/>
-              <a:cs typeface="Times New Roman" pitchFamily="18" charset="0"/>
+              <a:latin typeface="CMU Serif" panose="02000603000000000000" pitchFamily="2" charset="0"/>
+              <a:ea typeface="CMU Serif" panose="02000603000000000000" pitchFamily="2" charset="0"/>
+              <a:cs typeface="CMU Serif" panose="02000603000000000000" pitchFamily="2" charset="0"/>
             </a:rPr>
             <a:t>NTC</a:t>
           </a:r>
@@ -9389,9 +9360,9 @@
             <a:solidFill>
               <a:sysClr val="window" lastClr="FFFFFF"/>
             </a:solidFill>
-            <a:latin typeface="Times New Roman" pitchFamily="18" charset="0"/>
-            <a:ea typeface="+mn-ea"/>
-            <a:cs typeface="Times New Roman" pitchFamily="18" charset="0"/>
+            <a:latin typeface="CMU Serif" panose="02000603000000000000" pitchFamily="2" charset="0"/>
+            <a:ea typeface="CMU Serif" panose="02000603000000000000" pitchFamily="2" charset="0"/>
+            <a:cs typeface="CMU Serif" panose="02000603000000000000" pitchFamily="2" charset="0"/>
           </a:endParaRPr>
         </a:p>
       </dgm:t>
@@ -9461,9 +9432,9 @@
               <a:solidFill>
                 <a:sysClr val="window" lastClr="FFFFFF"/>
               </a:solidFill>
-              <a:latin typeface="Times New Roman" pitchFamily="18" charset="0"/>
-              <a:ea typeface="+mn-ea"/>
-              <a:cs typeface="Times New Roman" pitchFamily="18" charset="0"/>
+              <a:latin typeface="CMU Serif" panose="02000603000000000000" pitchFamily="2" charset="0"/>
+              <a:ea typeface="CMU Serif" panose="02000603000000000000" pitchFamily="2" charset="0"/>
+              <a:cs typeface="CMU Serif" panose="02000603000000000000" pitchFamily="2" charset="0"/>
             </a:rPr>
             <a:t>RPTA - WP</a:t>
           </a:r>
@@ -9471,9 +9442,9 @@
             <a:solidFill>
               <a:sysClr val="window" lastClr="FFFFFF"/>
             </a:solidFill>
-            <a:latin typeface="Times New Roman" pitchFamily="18" charset="0"/>
-            <a:ea typeface="+mn-ea"/>
-            <a:cs typeface="Times New Roman" pitchFamily="18" charset="0"/>
+            <a:latin typeface="CMU Serif" panose="02000603000000000000" pitchFamily="2" charset="0"/>
+            <a:ea typeface="CMU Serif" panose="02000603000000000000" pitchFamily="2" charset="0"/>
+            <a:cs typeface="CMU Serif" panose="02000603000000000000" pitchFamily="2" charset="0"/>
           </a:endParaRPr>
         </a:p>
       </dgm:t>
@@ -9543,9 +9514,9 @@
               <a:solidFill>
                 <a:sysClr val="windowText" lastClr="000000"/>
               </a:solidFill>
-              <a:latin typeface="Times New Roman" pitchFamily="18" charset="0"/>
-              <a:ea typeface="+mn-ea"/>
-              <a:cs typeface="Times New Roman" pitchFamily="18" charset="0"/>
+              <a:latin typeface="CMU Serif" panose="02000603000000000000" pitchFamily="2" charset="0"/>
+              <a:ea typeface="CMU Serif" panose="02000603000000000000" pitchFamily="2" charset="0"/>
+              <a:cs typeface="CMU Serif" panose="02000603000000000000" pitchFamily="2" charset="0"/>
             </a:rPr>
             <a:t>State-Owned</a:t>
           </a:r>
@@ -9553,9 +9524,9 @@
             <a:solidFill>
               <a:sysClr val="windowText" lastClr="000000"/>
             </a:solidFill>
-            <a:latin typeface="Times New Roman" pitchFamily="18" charset="0"/>
-            <a:ea typeface="+mn-ea"/>
-            <a:cs typeface="Times New Roman" pitchFamily="18" charset="0"/>
+            <a:latin typeface="CMU Serif" panose="02000603000000000000" pitchFamily="2" charset="0"/>
+            <a:ea typeface="CMU Serif" panose="02000603000000000000" pitchFamily="2" charset="0"/>
+            <a:cs typeface="CMU Serif" panose="02000603000000000000" pitchFamily="2" charset="0"/>
           </a:endParaRPr>
         </a:p>
       </dgm:t>
@@ -9625,9 +9596,9 @@
               <a:solidFill>
                 <a:sysClr val="windowText" lastClr="000000"/>
               </a:solidFill>
-              <a:latin typeface="Times New Roman" pitchFamily="18" charset="0"/>
-              <a:ea typeface="+mn-ea"/>
-              <a:cs typeface="Times New Roman" pitchFamily="18" charset="0"/>
+              <a:latin typeface="CMU Serif" panose="02000603000000000000" pitchFamily="2" charset="0"/>
+              <a:ea typeface="CMU Serif" panose="02000603000000000000" pitchFamily="2" charset="0"/>
+              <a:cs typeface="CMU Serif" panose="02000603000000000000" pitchFamily="2" charset="0"/>
             </a:rPr>
             <a:t>Islandwide</a:t>
           </a:r>
@@ -9635,9 +9606,9 @@
             <a:solidFill>
               <a:sysClr val="windowText" lastClr="000000"/>
             </a:solidFill>
-            <a:latin typeface="Times New Roman" pitchFamily="18" charset="0"/>
-            <a:ea typeface="+mn-ea"/>
-            <a:cs typeface="Times New Roman" pitchFamily="18" charset="0"/>
+            <a:latin typeface="CMU Serif" panose="02000603000000000000" pitchFamily="2" charset="0"/>
+            <a:ea typeface="CMU Serif" panose="02000603000000000000" pitchFamily="2" charset="0"/>
+            <a:cs typeface="CMU Serif" panose="02000603000000000000" pitchFamily="2" charset="0"/>
           </a:endParaRPr>
         </a:p>
       </dgm:t>
@@ -9707,9 +9678,9 @@
               <a:solidFill>
                 <a:sysClr val="windowText" lastClr="000000"/>
               </a:solidFill>
-              <a:latin typeface="Times New Roman" pitchFamily="18" charset="0"/>
-              <a:ea typeface="+mn-ea"/>
-              <a:cs typeface="Times New Roman" pitchFamily="18" charset="0"/>
+              <a:latin typeface="CMU Serif" panose="02000603000000000000" pitchFamily="2" charset="0"/>
+              <a:ea typeface="CMU Serif" panose="02000603000000000000" pitchFamily="2" charset="0"/>
+              <a:cs typeface="CMU Serif" panose="02000603000000000000" pitchFamily="2" charset="0"/>
             </a:rPr>
             <a:t>SLTB</a:t>
           </a:r>
@@ -9717,9 +9688,9 @@
             <a:solidFill>
               <a:sysClr val="windowText" lastClr="000000"/>
             </a:solidFill>
-            <a:latin typeface="Times New Roman" pitchFamily="18" charset="0"/>
-            <a:ea typeface="+mn-ea"/>
-            <a:cs typeface="Times New Roman" pitchFamily="18" charset="0"/>
+            <a:latin typeface="CMU Serif" panose="02000603000000000000" pitchFamily="2" charset="0"/>
+            <a:ea typeface="CMU Serif" panose="02000603000000000000" pitchFamily="2" charset="0"/>
+            <a:cs typeface="CMU Serif" panose="02000603000000000000" pitchFamily="2" charset="0"/>
           </a:endParaRPr>
         </a:p>
       </dgm:t>
@@ -10093,7 +10064,7 @@
 <dgm:dataModel xmlns:dgm="http://schemas.openxmlformats.org/drawingml/2006/diagram" xmlns:a="http://schemas.openxmlformats.org/drawingml/2006/main">
   <dgm:ptLst>
     <dgm:pt modelId="{D33C6BF0-0481-4AEE-9E5D-F7852DAC93E8}" type="doc">
-      <dgm:prSet loTypeId="urn:microsoft.com/office/officeart/2005/8/layout/hierarchy4" loCatId="list" qsTypeId="urn:microsoft.com/office/officeart/2005/8/quickstyle/simple1" qsCatId="simple" csTypeId="urn:microsoft.com/office/officeart/2005/8/colors/accent3_1" csCatId="accent3" phldr="1"/>
+      <dgm:prSet loTypeId="urn:microsoft.com/office/officeart/2005/8/layout/radial1" loCatId="relationship" qsTypeId="urn:microsoft.com/office/officeart/2005/8/quickstyle/simple1" qsCatId="simple" csTypeId="urn:microsoft.com/office/officeart/2005/8/colors/accent3_1" csCatId="accent3" phldr="1"/>
       <dgm:spPr/>
       <dgm:t>
         <a:bodyPr/>
@@ -10110,11 +10081,6 @@
           <a:off x="3009" y="654"/>
           <a:ext cx="7493330" cy="1387226"/>
         </a:xfrm>
-        <a:prstGeom prst="roundRect">
-          <a:avLst>
-            <a:gd name="adj" fmla="val 10000"/>
-          </a:avLst>
-        </a:prstGeom>
         <a:solidFill>
           <a:sysClr val="window" lastClr="FFFFFF">
             <a:hueOff val="0"/>
@@ -10142,7 +10108,7 @@
         <a:lstStyle/>
         <a:p>
           <a:r>
-            <a:rPr lang="en-US" sz="1800" dirty="0" smtClean="0">
+            <a:rPr lang="en-US" sz="1600" dirty="0" smtClean="0">
               <a:solidFill>
                 <a:sysClr val="windowText" lastClr="000000">
                   <a:hueOff val="0"/>
@@ -10151,13 +10117,13 @@
                   <a:alphaOff val="0"/>
                 </a:sysClr>
               </a:solidFill>
-              <a:latin typeface="Times New Roman" pitchFamily="18" charset="0"/>
-              <a:ea typeface="+mn-ea"/>
-              <a:cs typeface="Times New Roman" pitchFamily="18" charset="0"/>
+              <a:latin typeface="CMU Serif" panose="02000603000000000000" pitchFamily="2" charset="0"/>
+              <a:ea typeface="CMU Serif" panose="02000603000000000000" pitchFamily="2" charset="0"/>
+              <a:cs typeface="CMU Serif" panose="02000603000000000000" pitchFamily="2" charset="0"/>
             </a:rPr>
             <a:t>Stakeholders</a:t>
           </a:r>
-          <a:endParaRPr lang="en-US" sz="1800" dirty="0">
+          <a:endParaRPr lang="en-US" sz="1600" dirty="0">
             <a:solidFill>
               <a:sysClr val="windowText" lastClr="000000">
                 <a:hueOff val="0"/>
@@ -10166,9 +10132,9 @@
                 <a:alphaOff val="0"/>
               </a:sysClr>
             </a:solidFill>
-            <a:latin typeface="Times New Roman" pitchFamily="18" charset="0"/>
-            <a:ea typeface="+mn-ea"/>
-            <a:cs typeface="Times New Roman" pitchFamily="18" charset="0"/>
+            <a:latin typeface="CMU Serif" panose="02000603000000000000" pitchFamily="2" charset="0"/>
+            <a:ea typeface="CMU Serif" panose="02000603000000000000" pitchFamily="2" charset="0"/>
+            <a:cs typeface="CMU Serif" panose="02000603000000000000" pitchFamily="2" charset="0"/>
           </a:endParaRPr>
         </a:p>
       </dgm:t>
@@ -10231,11 +10197,6 @@
           <a:off x="3009" y="1583918"/>
           <a:ext cx="1404297" cy="1387226"/>
         </a:xfrm>
-        <a:prstGeom prst="roundRect">
-          <a:avLst>
-            <a:gd name="adj" fmla="val 10000"/>
-          </a:avLst>
-        </a:prstGeom>
         <a:solidFill>
           <a:srgbClr val="92D050"/>
         </a:solidFill>
@@ -10254,7 +10215,7 @@
         <a:lstStyle/>
         <a:p>
           <a:r>
-            <a:rPr lang="en-US" sz="1800" dirty="0" smtClean="0">
+            <a:rPr lang="en-US" sz="1600" dirty="0" smtClean="0">
               <a:solidFill>
                 <a:sysClr val="windowText" lastClr="000000">
                   <a:hueOff val="0"/>
@@ -10263,13 +10224,13 @@
                   <a:alphaOff val="0"/>
                 </a:sysClr>
               </a:solidFill>
-              <a:latin typeface="Times New Roman" pitchFamily="18" charset="0"/>
-              <a:ea typeface="+mn-ea"/>
-              <a:cs typeface="Times New Roman" pitchFamily="18" charset="0"/>
+              <a:latin typeface="CMU Serif" panose="02000603000000000000" pitchFamily="2" charset="0"/>
+              <a:ea typeface="CMU Serif" panose="02000603000000000000" pitchFamily="2" charset="0"/>
+              <a:cs typeface="CMU Serif" panose="02000603000000000000" pitchFamily="2" charset="0"/>
             </a:rPr>
             <a:t>Bus Owners / Operators</a:t>
           </a:r>
-          <a:endParaRPr lang="en-US" sz="1800" dirty="0">
+          <a:endParaRPr lang="en-US" sz="1600" dirty="0">
             <a:solidFill>
               <a:sysClr val="windowText" lastClr="000000">
                 <a:hueOff val="0"/>
@@ -10278,9 +10239,9 @@
                 <a:alphaOff val="0"/>
               </a:sysClr>
             </a:solidFill>
-            <a:latin typeface="Times New Roman" pitchFamily="18" charset="0"/>
-            <a:ea typeface="+mn-ea"/>
-            <a:cs typeface="Times New Roman" pitchFamily="18" charset="0"/>
+            <a:latin typeface="CMU Serif" panose="02000603000000000000" pitchFamily="2" charset="0"/>
+            <a:ea typeface="CMU Serif" panose="02000603000000000000" pitchFamily="2" charset="0"/>
+            <a:cs typeface="CMU Serif" panose="02000603000000000000" pitchFamily="2" charset="0"/>
           </a:endParaRPr>
         </a:p>
       </dgm:t>
@@ -10326,11 +10287,6 @@
           <a:off x="1525268" y="1583918"/>
           <a:ext cx="1404297" cy="1387226"/>
         </a:xfrm>
-        <a:prstGeom prst="roundRect">
-          <a:avLst>
-            <a:gd name="adj" fmla="val 10000"/>
-          </a:avLst>
-        </a:prstGeom>
         <a:solidFill>
           <a:srgbClr val="92D050"/>
         </a:solidFill>
@@ -10353,7 +10309,7 @@
         <a:lstStyle/>
         <a:p>
           <a:r>
-            <a:rPr lang="en-US" sz="1800" dirty="0" smtClean="0">
+            <a:rPr lang="en-US" sz="1600" dirty="0" smtClean="0">
               <a:solidFill>
                 <a:sysClr val="windowText" lastClr="000000">
                   <a:hueOff val="0"/>
@@ -10362,13 +10318,13 @@
                   <a:alphaOff val="0"/>
                 </a:sysClr>
               </a:solidFill>
-              <a:latin typeface="Times New Roman" pitchFamily="18" charset="0"/>
-              <a:ea typeface="+mn-ea"/>
-              <a:cs typeface="Times New Roman" pitchFamily="18" charset="0"/>
+              <a:latin typeface="CMU Serif" panose="02000603000000000000" pitchFamily="2" charset="0"/>
+              <a:ea typeface="CMU Serif" panose="02000603000000000000" pitchFamily="2" charset="0"/>
+              <a:cs typeface="CMU Serif" panose="02000603000000000000" pitchFamily="2" charset="0"/>
             </a:rPr>
             <a:t>Commuters</a:t>
           </a:r>
-          <a:endParaRPr lang="en-US" sz="1800" dirty="0">
+          <a:endParaRPr lang="en-US" sz="1600" dirty="0">
             <a:solidFill>
               <a:sysClr val="windowText" lastClr="000000">
                 <a:hueOff val="0"/>
@@ -10377,9 +10333,9 @@
                 <a:alphaOff val="0"/>
               </a:sysClr>
             </a:solidFill>
-            <a:latin typeface="Times New Roman" pitchFamily="18" charset="0"/>
-            <a:ea typeface="+mn-ea"/>
-            <a:cs typeface="Times New Roman" pitchFamily="18" charset="0"/>
+            <a:latin typeface="CMU Serif" panose="02000603000000000000" pitchFamily="2" charset="0"/>
+            <a:ea typeface="CMU Serif" panose="02000603000000000000" pitchFamily="2" charset="0"/>
+            <a:cs typeface="CMU Serif" panose="02000603000000000000" pitchFamily="2" charset="0"/>
           </a:endParaRPr>
         </a:p>
       </dgm:t>
@@ -10419,11 +10375,6 @@
           <a:off x="3047526" y="1583918"/>
           <a:ext cx="1404297" cy="1387226"/>
         </a:xfrm>
-        <a:prstGeom prst="roundRect">
-          <a:avLst>
-            <a:gd name="adj" fmla="val 10000"/>
-          </a:avLst>
-        </a:prstGeom>
         <a:solidFill>
           <a:sysClr val="window" lastClr="FFFFFF">
             <a:hueOff val="0"/>
@@ -10451,7 +10402,7 @@
         <a:lstStyle/>
         <a:p>
           <a:r>
-            <a:rPr lang="en-US" sz="1800" dirty="0" smtClean="0">
+            <a:rPr lang="en-US" sz="1600" dirty="0" smtClean="0">
               <a:solidFill>
                 <a:sysClr val="windowText" lastClr="000000">
                   <a:hueOff val="0"/>
@@ -10460,13 +10411,13 @@
                   <a:alphaOff val="0"/>
                 </a:sysClr>
               </a:solidFill>
-              <a:latin typeface="Times New Roman" pitchFamily="18" charset="0"/>
-              <a:ea typeface="+mn-ea"/>
-              <a:cs typeface="Times New Roman" pitchFamily="18" charset="0"/>
+              <a:latin typeface="CMU Serif" panose="02000603000000000000" pitchFamily="2" charset="0"/>
+              <a:ea typeface="CMU Serif" panose="02000603000000000000" pitchFamily="2" charset="0"/>
+              <a:cs typeface="CMU Serif" panose="02000603000000000000" pitchFamily="2" charset="0"/>
             </a:rPr>
-            <a:t>WP-RPTA</a:t>
+            <a:t>WP RPTA</a:t>
           </a:r>
-          <a:endParaRPr lang="en-US" sz="1800" dirty="0">
+          <a:endParaRPr lang="en-US" sz="1600" dirty="0">
             <a:solidFill>
               <a:sysClr val="windowText" lastClr="000000">
                 <a:hueOff val="0"/>
@@ -10475,9 +10426,9 @@
                 <a:alphaOff val="0"/>
               </a:sysClr>
             </a:solidFill>
-            <a:latin typeface="Times New Roman" pitchFamily="18" charset="0"/>
-            <a:ea typeface="+mn-ea"/>
-            <a:cs typeface="Times New Roman" pitchFamily="18" charset="0"/>
+            <a:latin typeface="CMU Serif" panose="02000603000000000000" pitchFamily="2" charset="0"/>
+            <a:ea typeface="CMU Serif" panose="02000603000000000000" pitchFamily="2" charset="0"/>
+            <a:cs typeface="CMU Serif" panose="02000603000000000000" pitchFamily="2" charset="0"/>
           </a:endParaRPr>
         </a:p>
       </dgm:t>
@@ -10517,11 +10468,6 @@
           <a:off x="4569784" y="1583918"/>
           <a:ext cx="1404297" cy="1387226"/>
         </a:xfrm>
-        <a:prstGeom prst="roundRect">
-          <a:avLst>
-            <a:gd name="adj" fmla="val 10000"/>
-          </a:avLst>
-        </a:prstGeom>
         <a:solidFill>
           <a:sysClr val="window" lastClr="FFFFFF">
             <a:hueOff val="0"/>
@@ -10549,7 +10495,7 @@
         <a:lstStyle/>
         <a:p>
           <a:r>
-            <a:rPr lang="en-US" sz="1800" dirty="0" smtClean="0">
+            <a:rPr lang="en-US" sz="1600" dirty="0" smtClean="0">
               <a:solidFill>
                 <a:sysClr val="windowText" lastClr="000000">
                   <a:hueOff val="0"/>
@@ -10558,13 +10504,13 @@
                   <a:alphaOff val="0"/>
                 </a:sysClr>
               </a:solidFill>
-              <a:latin typeface="Times New Roman" pitchFamily="18" charset="0"/>
-              <a:ea typeface="+mn-ea"/>
-              <a:cs typeface="Times New Roman" pitchFamily="18" charset="0"/>
+              <a:latin typeface="CMU Serif" panose="02000603000000000000" pitchFamily="2" charset="0"/>
+              <a:ea typeface="CMU Serif" panose="02000603000000000000" pitchFamily="2" charset="0"/>
+              <a:cs typeface="CMU Serif" panose="02000603000000000000" pitchFamily="2" charset="0"/>
             </a:rPr>
             <a:t>Government</a:t>
           </a:r>
-          <a:endParaRPr lang="en-US" sz="1800" dirty="0">
+          <a:endParaRPr lang="en-US" sz="1600" dirty="0">
             <a:solidFill>
               <a:sysClr val="windowText" lastClr="000000">
                 <a:hueOff val="0"/>
@@ -10573,9 +10519,9 @@
                 <a:alphaOff val="0"/>
               </a:sysClr>
             </a:solidFill>
-            <a:latin typeface="Times New Roman" pitchFamily="18" charset="0"/>
-            <a:ea typeface="+mn-ea"/>
-            <a:cs typeface="Times New Roman" pitchFamily="18" charset="0"/>
+            <a:latin typeface="CMU Serif" panose="02000603000000000000" pitchFamily="2" charset="0"/>
+            <a:ea typeface="CMU Serif" panose="02000603000000000000" pitchFamily="2" charset="0"/>
+            <a:cs typeface="CMU Serif" panose="02000603000000000000" pitchFamily="2" charset="0"/>
           </a:endParaRPr>
         </a:p>
       </dgm:t>
@@ -10615,11 +10561,6 @@
           <a:off x="6092042" y="1583918"/>
           <a:ext cx="1404297" cy="1387226"/>
         </a:xfrm>
-        <a:prstGeom prst="roundRect">
-          <a:avLst>
-            <a:gd name="adj" fmla="val 10000"/>
-          </a:avLst>
-        </a:prstGeom>
         <a:solidFill>
           <a:sysClr val="window" lastClr="FFFFFF">
             <a:hueOff val="0"/>
@@ -10647,7 +10588,7 @@
         <a:lstStyle/>
         <a:p>
           <a:r>
-            <a:rPr lang="en-US" sz="1800" dirty="0" smtClean="0">
+            <a:rPr lang="en-US" sz="1600" dirty="0" smtClean="0">
               <a:solidFill>
                 <a:sysClr val="windowText" lastClr="000000">
                   <a:hueOff val="0"/>
@@ -10656,13 +10597,13 @@
                   <a:alphaOff val="0"/>
                 </a:sysClr>
               </a:solidFill>
-              <a:latin typeface="Times New Roman" pitchFamily="18" charset="0"/>
-              <a:ea typeface="+mn-ea"/>
-              <a:cs typeface="Times New Roman" pitchFamily="18" charset="0"/>
+              <a:latin typeface="CMU Serif" panose="02000603000000000000" pitchFamily="2" charset="0"/>
+              <a:ea typeface="CMU Serif" panose="02000603000000000000" pitchFamily="2" charset="0"/>
+              <a:cs typeface="CMU Serif" panose="02000603000000000000" pitchFamily="2" charset="0"/>
             </a:rPr>
             <a:t>Other Motorists</a:t>
           </a:r>
-          <a:endParaRPr lang="en-US" sz="1800" dirty="0">
+          <a:endParaRPr lang="en-US" sz="1600" dirty="0">
             <a:solidFill>
               <a:sysClr val="windowText" lastClr="000000">
                 <a:hueOff val="0"/>
@@ -10671,9 +10612,9 @@
                 <a:alphaOff val="0"/>
               </a:sysClr>
             </a:solidFill>
-            <a:latin typeface="Times New Roman" pitchFamily="18" charset="0"/>
-            <a:ea typeface="+mn-ea"/>
-            <a:cs typeface="Times New Roman" pitchFamily="18" charset="0"/>
+            <a:latin typeface="CMU Serif" panose="02000603000000000000" pitchFamily="2" charset="0"/>
+            <a:ea typeface="CMU Serif" panose="02000603000000000000" pitchFamily="2" charset="0"/>
+            <a:cs typeface="CMU Serif" panose="02000603000000000000" pitchFamily="2" charset="0"/>
           </a:endParaRPr>
         </a:p>
       </dgm:t>
@@ -10706,14 +10647,13 @@
         </a:p>
       </dgm:t>
     </dgm:pt>
-    <dgm:pt modelId="{7B115302-F540-4B5C-AB4C-985945CDF087}" type="pres">
-      <dgm:prSet presAssocID="{D33C6BF0-0481-4AEE-9E5D-F7852DAC93E8}" presName="Name0" presStyleCnt="0">
+    <dgm:pt modelId="{ED641053-5E43-4946-BDBE-DC4CEB718CA6}" type="pres">
+      <dgm:prSet presAssocID="{D33C6BF0-0481-4AEE-9E5D-F7852DAC93E8}" presName="cycle" presStyleCnt="0">
         <dgm:presLayoutVars>
-          <dgm:chPref val="1"/>
+          <dgm:chMax val="1"/>
           <dgm:dir/>
-          <dgm:animOne val="branch"/>
-          <dgm:animLvl val="lvl"/>
-          <dgm:resizeHandles/>
+          <dgm:animLvl val="ctr"/>
+          <dgm:resizeHandles val="exact"/>
         </dgm:presLayoutVars>
       </dgm:prSet>
       <dgm:spPr/>
@@ -10725,14 +10665,43 @@
         </a:p>
       </dgm:t>
     </dgm:pt>
-    <dgm:pt modelId="{EB2437A7-6230-4461-8402-1B0480CCA4E4}" type="pres">
-      <dgm:prSet presAssocID="{557F11B6-A875-41F8-A922-72EE1E018BCF}" presName="vertOne" presStyleCnt="0"/>
+    <dgm:pt modelId="{390DFB29-A6D4-4494-A795-A2B148A8932F}" type="pres">
+      <dgm:prSet presAssocID="{557F11B6-A875-41F8-A922-72EE1E018BCF}" presName="centerShape" presStyleLbl="node0" presStyleIdx="0" presStyleCnt="1"/>
       <dgm:spPr/>
+      <dgm:t>
+        <a:bodyPr/>
+        <a:lstStyle/>
+        <a:p>
+          <a:endParaRPr lang="en-US"/>
+        </a:p>
+      </dgm:t>
     </dgm:pt>
-    <dgm:pt modelId="{378A8F3F-CBD1-4055-9ADA-BC46980BA392}" type="pres">
-      <dgm:prSet presAssocID="{557F11B6-A875-41F8-A922-72EE1E018BCF}" presName="txOne" presStyleLbl="node0" presStyleIdx="0" presStyleCnt="1" custScaleY="70780">
+    <dgm:pt modelId="{0B6605A2-2D0B-449C-9D24-98EA0C5EB1F6}" type="pres">
+      <dgm:prSet presAssocID="{323A91A3-C5CC-46C6-BE4D-EA9D1DFFF9FB}" presName="Name9" presStyleLbl="parChTrans1D2" presStyleIdx="0" presStyleCnt="5"/>
+      <dgm:spPr/>
+      <dgm:t>
+        <a:bodyPr/>
+        <a:lstStyle/>
+        <a:p>
+          <a:endParaRPr lang="en-US"/>
+        </a:p>
+      </dgm:t>
+    </dgm:pt>
+    <dgm:pt modelId="{CDDDB9CB-78A4-48F5-885A-7757B77C0DF3}" type="pres">
+      <dgm:prSet presAssocID="{323A91A3-C5CC-46C6-BE4D-EA9D1DFFF9FB}" presName="connTx" presStyleLbl="parChTrans1D2" presStyleIdx="0" presStyleCnt="5"/>
+      <dgm:spPr/>
+      <dgm:t>
+        <a:bodyPr/>
+        <a:lstStyle/>
+        <a:p>
+          <a:endParaRPr lang="en-US"/>
+        </a:p>
+      </dgm:t>
+    </dgm:pt>
+    <dgm:pt modelId="{6F388D02-9212-4FC7-BE7F-0E8501BD580F}" type="pres">
+      <dgm:prSet presAssocID="{7A84AE93-83D1-4602-BAD9-2FC99966B81C}" presName="node" presStyleLbl="node1" presStyleIdx="0" presStyleCnt="5" custScaleX="96034" custScaleY="96034" custRadScaleRad="100000">
         <dgm:presLayoutVars>
-          <dgm:chPref val="3"/>
+          <dgm:bulletEnabled val="1"/>
         </dgm:presLayoutVars>
       </dgm:prSet>
       <dgm:spPr/>
@@ -10744,22 +10713,32 @@
         </a:p>
       </dgm:t>
     </dgm:pt>
-    <dgm:pt modelId="{3A0B952D-24D6-4686-B3E8-5222B0DC4198}" type="pres">
-      <dgm:prSet presAssocID="{557F11B6-A875-41F8-A922-72EE1E018BCF}" presName="parTransOne" presStyleCnt="0"/>
+    <dgm:pt modelId="{F471BEC3-EDBF-484F-AE6A-80C532D5361B}" type="pres">
+      <dgm:prSet presAssocID="{38616715-CEE5-458E-85AF-47A12300D930}" presName="Name9" presStyleLbl="parChTrans1D2" presStyleIdx="1" presStyleCnt="5"/>
       <dgm:spPr/>
+      <dgm:t>
+        <a:bodyPr/>
+        <a:lstStyle/>
+        <a:p>
+          <a:endParaRPr lang="en-US"/>
+        </a:p>
+      </dgm:t>
     </dgm:pt>
-    <dgm:pt modelId="{70A47989-D8DC-4976-BC67-BF46BD36A15A}" type="pres">
-      <dgm:prSet presAssocID="{557F11B6-A875-41F8-A922-72EE1E018BCF}" presName="horzOne" presStyleCnt="0"/>
+    <dgm:pt modelId="{8486C68B-E1FE-4F4A-8AC1-D424C5B61060}" type="pres">
+      <dgm:prSet presAssocID="{38616715-CEE5-458E-85AF-47A12300D930}" presName="connTx" presStyleLbl="parChTrans1D2" presStyleIdx="1" presStyleCnt="5"/>
       <dgm:spPr/>
+      <dgm:t>
+        <a:bodyPr/>
+        <a:lstStyle/>
+        <a:p>
+          <a:endParaRPr lang="en-US"/>
+        </a:p>
+      </dgm:t>
     </dgm:pt>
-    <dgm:pt modelId="{35209031-5364-4F8F-847B-A64E1665A558}" type="pres">
-      <dgm:prSet presAssocID="{7A84AE93-83D1-4602-BAD9-2FC99966B81C}" presName="vertTwo" presStyleCnt="0"/>
-      <dgm:spPr/>
-    </dgm:pt>
-    <dgm:pt modelId="{9D453CAB-9CC0-45E2-BFE5-337982EED701}" type="pres">
-      <dgm:prSet presAssocID="{7A84AE93-83D1-4602-BAD9-2FC99966B81C}" presName="txTwo" presStyleLbl="node2" presStyleIdx="0" presStyleCnt="5">
+    <dgm:pt modelId="{0010110D-A035-4587-A21C-A29467F5BCF5}" type="pres">
+      <dgm:prSet presAssocID="{4F841A9C-6BBE-40A1-BC29-BF09CF059D91}" presName="node" presStyleLbl="node1" presStyleIdx="1" presStyleCnt="5" custScaleX="96034" custScaleY="96034" custRadScaleRad="100000" custRadScaleInc="0">
         <dgm:presLayoutVars>
-          <dgm:chPref val="3"/>
+          <dgm:bulletEnabled val="1"/>
         </dgm:presLayoutVars>
       </dgm:prSet>
       <dgm:spPr/>
@@ -10771,22 +10750,32 @@
         </a:p>
       </dgm:t>
     </dgm:pt>
-    <dgm:pt modelId="{8B5AF230-8976-4947-A777-74DF89E82D81}" type="pres">
-      <dgm:prSet presAssocID="{7A84AE93-83D1-4602-BAD9-2FC99966B81C}" presName="horzTwo" presStyleCnt="0"/>
+    <dgm:pt modelId="{CFE2593C-AF51-4351-852E-77CC51EACEDB}" type="pres">
+      <dgm:prSet presAssocID="{7A348459-4EA0-4083-BF4C-7A61BF6BDFB0}" presName="Name9" presStyleLbl="parChTrans1D2" presStyleIdx="2" presStyleCnt="5"/>
       <dgm:spPr/>
+      <dgm:t>
+        <a:bodyPr/>
+        <a:lstStyle/>
+        <a:p>
+          <a:endParaRPr lang="en-US"/>
+        </a:p>
+      </dgm:t>
     </dgm:pt>
-    <dgm:pt modelId="{2E095955-F3AB-4BEC-BF5E-44E05001BCE3}" type="pres">
-      <dgm:prSet presAssocID="{AEA9D64A-071C-4305-8C6B-A9A6D81386ED}" presName="sibSpaceTwo" presStyleCnt="0"/>
+    <dgm:pt modelId="{D508D440-611E-4A99-B7EF-67F51D307F27}" type="pres">
+      <dgm:prSet presAssocID="{7A348459-4EA0-4083-BF4C-7A61BF6BDFB0}" presName="connTx" presStyleLbl="parChTrans1D2" presStyleIdx="2" presStyleCnt="5"/>
       <dgm:spPr/>
+      <dgm:t>
+        <a:bodyPr/>
+        <a:lstStyle/>
+        <a:p>
+          <a:endParaRPr lang="en-US"/>
+        </a:p>
+      </dgm:t>
     </dgm:pt>
-    <dgm:pt modelId="{1F5ACF6A-C920-46B1-9227-89CA80E0C4AA}" type="pres">
-      <dgm:prSet presAssocID="{4F841A9C-6BBE-40A1-BC29-BF09CF059D91}" presName="vertTwo" presStyleCnt="0"/>
-      <dgm:spPr/>
-    </dgm:pt>
-    <dgm:pt modelId="{213DAB9F-207D-4B1B-9AD4-94C62417840D}" type="pres">
-      <dgm:prSet presAssocID="{4F841A9C-6BBE-40A1-BC29-BF09CF059D91}" presName="txTwo" presStyleLbl="node2" presStyleIdx="1" presStyleCnt="5">
+    <dgm:pt modelId="{DE6ACD10-7421-49FF-8123-63289C498995}" type="pres">
+      <dgm:prSet presAssocID="{2C4F839F-D27D-40E9-8182-F5DB37EF0715}" presName="node" presStyleLbl="node1" presStyleIdx="2" presStyleCnt="5" custScaleX="96034" custScaleY="96034" custRadScaleRad="100000" custRadScaleInc="0">
         <dgm:presLayoutVars>
-          <dgm:chPref val="3"/>
+          <dgm:bulletEnabled val="1"/>
         </dgm:presLayoutVars>
       </dgm:prSet>
       <dgm:spPr/>
@@ -10798,22 +10787,32 @@
         </a:p>
       </dgm:t>
     </dgm:pt>
-    <dgm:pt modelId="{6E2802AE-7872-48DB-9DC4-A0C93D336ECA}" type="pres">
-      <dgm:prSet presAssocID="{4F841A9C-6BBE-40A1-BC29-BF09CF059D91}" presName="horzTwo" presStyleCnt="0"/>
+    <dgm:pt modelId="{AEF8F26C-71EA-4F21-8ED8-18EFC8ABF06D}" type="pres">
+      <dgm:prSet presAssocID="{88553B9C-231B-4780-85A6-2B0C6D63B415}" presName="Name9" presStyleLbl="parChTrans1D2" presStyleIdx="3" presStyleCnt="5"/>
       <dgm:spPr/>
+      <dgm:t>
+        <a:bodyPr/>
+        <a:lstStyle/>
+        <a:p>
+          <a:endParaRPr lang="en-US"/>
+        </a:p>
+      </dgm:t>
     </dgm:pt>
-    <dgm:pt modelId="{6541CAF0-1744-4862-95F5-C621D7B5F4E2}" type="pres">
-      <dgm:prSet presAssocID="{86A48CFD-2D00-4912-B142-3DDD48434546}" presName="sibSpaceTwo" presStyleCnt="0"/>
+    <dgm:pt modelId="{2D57757A-5B65-46EB-93F4-71717AB37C81}" type="pres">
+      <dgm:prSet presAssocID="{88553B9C-231B-4780-85A6-2B0C6D63B415}" presName="connTx" presStyleLbl="parChTrans1D2" presStyleIdx="3" presStyleCnt="5"/>
       <dgm:spPr/>
+      <dgm:t>
+        <a:bodyPr/>
+        <a:lstStyle/>
+        <a:p>
+          <a:endParaRPr lang="en-US"/>
+        </a:p>
+      </dgm:t>
     </dgm:pt>
-    <dgm:pt modelId="{81F5576B-5AB7-4D42-AB26-25EC1528AFFA}" type="pres">
-      <dgm:prSet presAssocID="{2C4F839F-D27D-40E9-8182-F5DB37EF0715}" presName="vertTwo" presStyleCnt="0"/>
-      <dgm:spPr/>
-    </dgm:pt>
-    <dgm:pt modelId="{732E75A2-EB38-4F92-9853-4DA2A65103C6}" type="pres">
-      <dgm:prSet presAssocID="{2C4F839F-D27D-40E9-8182-F5DB37EF0715}" presName="txTwo" presStyleLbl="node2" presStyleIdx="2" presStyleCnt="5">
+    <dgm:pt modelId="{267FFEDC-B65F-4FBF-86ED-70CDBC50726C}" type="pres">
+      <dgm:prSet presAssocID="{2C179166-CA43-41E7-A2B8-D7EC73382C00}" presName="node" presStyleLbl="node1" presStyleIdx="3" presStyleCnt="5" custScaleX="96034" custScaleY="96034" custRadScaleRad="100000" custRadScaleInc="0">
         <dgm:presLayoutVars>
-          <dgm:chPref val="3"/>
+          <dgm:bulletEnabled val="1"/>
         </dgm:presLayoutVars>
       </dgm:prSet>
       <dgm:spPr/>
@@ -10825,22 +10824,32 @@
         </a:p>
       </dgm:t>
     </dgm:pt>
-    <dgm:pt modelId="{3B987E82-4405-4B9E-8D85-C2ABC7C90F2F}" type="pres">
-      <dgm:prSet presAssocID="{2C4F839F-D27D-40E9-8182-F5DB37EF0715}" presName="horzTwo" presStyleCnt="0"/>
+    <dgm:pt modelId="{B81E1EA6-AA8A-4377-9C80-C02F7AC390B5}" type="pres">
+      <dgm:prSet presAssocID="{376ABBEF-F33C-42E5-88AC-AD9298F7AF50}" presName="Name9" presStyleLbl="parChTrans1D2" presStyleIdx="4" presStyleCnt="5"/>
       <dgm:spPr/>
+      <dgm:t>
+        <a:bodyPr/>
+        <a:lstStyle/>
+        <a:p>
+          <a:endParaRPr lang="en-US"/>
+        </a:p>
+      </dgm:t>
     </dgm:pt>
-    <dgm:pt modelId="{D2530AA5-5105-4554-865E-B9CE665D3EE7}" type="pres">
-      <dgm:prSet presAssocID="{015DF316-594C-4859-98BA-AE1CF5AAFE56}" presName="sibSpaceTwo" presStyleCnt="0"/>
+    <dgm:pt modelId="{1A59F870-045B-4F40-8EE9-7FDA4594F604}" type="pres">
+      <dgm:prSet presAssocID="{376ABBEF-F33C-42E5-88AC-AD9298F7AF50}" presName="connTx" presStyleLbl="parChTrans1D2" presStyleIdx="4" presStyleCnt="5"/>
       <dgm:spPr/>
+      <dgm:t>
+        <a:bodyPr/>
+        <a:lstStyle/>
+        <a:p>
+          <a:endParaRPr lang="en-US"/>
+        </a:p>
+      </dgm:t>
     </dgm:pt>
-    <dgm:pt modelId="{E1862715-90D2-47AB-94FB-C4B5ACF6B4E1}" type="pres">
-      <dgm:prSet presAssocID="{2C179166-CA43-41E7-A2B8-D7EC73382C00}" presName="vertTwo" presStyleCnt="0"/>
-      <dgm:spPr/>
-    </dgm:pt>
-    <dgm:pt modelId="{0FAD945F-5337-484B-8DEF-F78894050DBA}" type="pres">
-      <dgm:prSet presAssocID="{2C179166-CA43-41E7-A2B8-D7EC73382C00}" presName="txTwo" presStyleLbl="node2" presStyleIdx="3" presStyleCnt="5">
+    <dgm:pt modelId="{6BB8A58C-D83B-40D8-B68A-13A308828BBD}" type="pres">
+      <dgm:prSet presAssocID="{45DCD3F2-8FA5-410D-A5A9-CA4B3C34F76C}" presName="node" presStyleLbl="node1" presStyleIdx="4" presStyleCnt="5" custScaleX="96034" custScaleY="96034" custRadScaleRad="100000" custRadScaleInc="0">
         <dgm:presLayoutVars>
-          <dgm:chPref val="3"/>
+          <dgm:bulletEnabled val="1"/>
         </dgm:presLayoutVars>
       </dgm:prSet>
       <dgm:spPr/>
@@ -10852,75 +10861,47 @@
         </a:p>
       </dgm:t>
     </dgm:pt>
-    <dgm:pt modelId="{D34D009E-E608-47E4-9018-385D8DF97D3C}" type="pres">
-      <dgm:prSet presAssocID="{2C179166-CA43-41E7-A2B8-D7EC73382C00}" presName="horzTwo" presStyleCnt="0"/>
-      <dgm:spPr/>
-    </dgm:pt>
-    <dgm:pt modelId="{AC2FA144-02F6-423B-933A-6D0C02426E17}" type="pres">
-      <dgm:prSet presAssocID="{2EB5C036-6F7A-41FB-B5FB-B3C3D7B392F6}" presName="sibSpaceTwo" presStyleCnt="0"/>
-      <dgm:spPr/>
-    </dgm:pt>
-    <dgm:pt modelId="{14CC4C11-906A-4C23-9BCC-8AC94EB08F6E}" type="pres">
-      <dgm:prSet presAssocID="{45DCD3F2-8FA5-410D-A5A9-CA4B3C34F76C}" presName="vertTwo" presStyleCnt="0"/>
-      <dgm:spPr/>
-    </dgm:pt>
-    <dgm:pt modelId="{7120A70B-E7BD-4E15-88F1-07248B3F7630}" type="pres">
-      <dgm:prSet presAssocID="{45DCD3F2-8FA5-410D-A5A9-CA4B3C34F76C}" presName="txTwo" presStyleLbl="node2" presStyleIdx="4" presStyleCnt="5">
-        <dgm:presLayoutVars>
-          <dgm:chPref val="3"/>
-        </dgm:presLayoutVars>
-      </dgm:prSet>
-      <dgm:spPr/>
-      <dgm:t>
-        <a:bodyPr/>
-        <a:lstStyle/>
-        <a:p>
-          <a:endParaRPr lang="en-US"/>
-        </a:p>
-      </dgm:t>
-    </dgm:pt>
-    <dgm:pt modelId="{0B233772-B8B6-4621-9C95-A88D0791FDD8}" type="pres">
-      <dgm:prSet presAssocID="{45DCD3F2-8FA5-410D-A5A9-CA4B3C34F76C}" presName="horzTwo" presStyleCnt="0"/>
-      <dgm:spPr/>
-    </dgm:pt>
   </dgm:ptLst>
   <dgm:cxnLst>
-    <dgm:cxn modelId="{B3806204-52FD-4353-9D73-B8E185531D5B}" type="presOf" srcId="{45DCD3F2-8FA5-410D-A5A9-CA4B3C34F76C}" destId="{7120A70B-E7BD-4E15-88F1-07248B3F7630}" srcOrd="0" destOrd="0" presId="urn:microsoft.com/office/officeart/2005/8/layout/hierarchy4"/>
+    <dgm:cxn modelId="{AE585681-557C-40EB-9738-174611977488}" srcId="{557F11B6-A875-41F8-A922-72EE1E018BCF}" destId="{7A84AE93-83D1-4602-BAD9-2FC99966B81C}" srcOrd="0" destOrd="0" parTransId="{323A91A3-C5CC-46C6-BE4D-EA9D1DFFF9FB}" sibTransId="{AEA9D64A-071C-4305-8C6B-A9A6D81386ED}"/>
+    <dgm:cxn modelId="{F2AAFB84-9815-46DB-A3D6-784551DB20E9}" type="presOf" srcId="{38616715-CEE5-458E-85AF-47A12300D930}" destId="{8486C68B-E1FE-4F4A-8AC1-D424C5B61060}" srcOrd="1" destOrd="0" presId="urn:microsoft.com/office/officeart/2005/8/layout/radial1"/>
+    <dgm:cxn modelId="{E51F71C3-8616-45CA-9E4E-1AD74291C3D6}" type="presOf" srcId="{45DCD3F2-8FA5-410D-A5A9-CA4B3C34F76C}" destId="{6BB8A58C-D83B-40D8-B68A-13A308828BBD}" srcOrd="0" destOrd="0" presId="urn:microsoft.com/office/officeart/2005/8/layout/radial1"/>
+    <dgm:cxn modelId="{08184435-1EEF-42B0-92DC-CC3A1353363A}" type="presOf" srcId="{323A91A3-C5CC-46C6-BE4D-EA9D1DFFF9FB}" destId="{0B6605A2-2D0B-449C-9D24-98EA0C5EB1F6}" srcOrd="0" destOrd="0" presId="urn:microsoft.com/office/officeart/2005/8/layout/radial1"/>
+    <dgm:cxn modelId="{D281DE3C-5CD5-439E-8178-AE5A168ED2D2}" type="presOf" srcId="{2C4F839F-D27D-40E9-8182-F5DB37EF0715}" destId="{DE6ACD10-7421-49FF-8123-63289C498995}" srcOrd="0" destOrd="0" presId="urn:microsoft.com/office/officeart/2005/8/layout/radial1"/>
+    <dgm:cxn modelId="{8E55DE6F-9CE6-4F78-84AF-C5DB18FAC164}" type="presOf" srcId="{323A91A3-C5CC-46C6-BE4D-EA9D1DFFF9FB}" destId="{CDDDB9CB-78A4-48F5-885A-7757B77C0DF3}" srcOrd="1" destOrd="0" presId="urn:microsoft.com/office/officeart/2005/8/layout/radial1"/>
+    <dgm:cxn modelId="{A147AEC5-8EC3-46BC-B321-90377ACAA5A0}" type="presOf" srcId="{88553B9C-231B-4780-85A6-2B0C6D63B415}" destId="{2D57757A-5B65-46EB-93F4-71717AB37C81}" srcOrd="1" destOrd="0" presId="urn:microsoft.com/office/officeart/2005/8/layout/radial1"/>
+    <dgm:cxn modelId="{A0EB00FF-3A91-4BDA-A739-8F37EFCDA788}" type="presOf" srcId="{2C179166-CA43-41E7-A2B8-D7EC73382C00}" destId="{267FFEDC-B65F-4FBF-86ED-70CDBC50726C}" srcOrd="0" destOrd="0" presId="urn:microsoft.com/office/officeart/2005/8/layout/radial1"/>
+    <dgm:cxn modelId="{9D76C3EF-B75F-4B8B-914C-FD6A410E0A57}" type="presOf" srcId="{D33C6BF0-0481-4AEE-9E5D-F7852DAC93E8}" destId="{ED641053-5E43-4946-BDBE-DC4CEB718CA6}" srcOrd="0" destOrd="0" presId="urn:microsoft.com/office/officeart/2005/8/layout/radial1"/>
+    <dgm:cxn modelId="{43FF44C3-0211-4E6C-82A6-58FCFFB674BC}" srcId="{557F11B6-A875-41F8-A922-72EE1E018BCF}" destId="{45DCD3F2-8FA5-410D-A5A9-CA4B3C34F76C}" srcOrd="4" destOrd="0" parTransId="{376ABBEF-F33C-42E5-88AC-AD9298F7AF50}" sibTransId="{616466BA-35B8-442D-9D1F-CFA12B5C0CA4}"/>
+    <dgm:cxn modelId="{5471568A-CB35-499A-9765-7C07250722D7}" type="presOf" srcId="{557F11B6-A875-41F8-A922-72EE1E018BCF}" destId="{390DFB29-A6D4-4494-A795-A2B148A8932F}" srcOrd="0" destOrd="0" presId="urn:microsoft.com/office/officeart/2005/8/layout/radial1"/>
+    <dgm:cxn modelId="{4A5B1E40-2830-4A14-9CB0-8E24CE9384B8}" type="presOf" srcId="{88553B9C-231B-4780-85A6-2B0C6D63B415}" destId="{AEF8F26C-71EA-4F21-8ED8-18EFC8ABF06D}" srcOrd="0" destOrd="0" presId="urn:microsoft.com/office/officeart/2005/8/layout/radial1"/>
     <dgm:cxn modelId="{DD4346C0-86A8-4EC4-B0AD-49B4C2883AA4}" srcId="{D33C6BF0-0481-4AEE-9E5D-F7852DAC93E8}" destId="{557F11B6-A875-41F8-A922-72EE1E018BCF}" srcOrd="0" destOrd="0" parTransId="{2921E013-5515-4894-96F9-C66F8ACED07A}" sibTransId="{DC6631D2-7E5C-4F20-9105-79E21DB9A9D8}"/>
-    <dgm:cxn modelId="{09218C6C-FF2B-49BB-8B76-32E9F872ADEF}" type="presOf" srcId="{2C179166-CA43-41E7-A2B8-D7EC73382C00}" destId="{0FAD945F-5337-484B-8DEF-F78894050DBA}" srcOrd="0" destOrd="0" presId="urn:microsoft.com/office/officeart/2005/8/layout/hierarchy4"/>
+    <dgm:cxn modelId="{C91E95BC-B858-437D-938A-888438ECC462}" type="presOf" srcId="{4F841A9C-6BBE-40A1-BC29-BF09CF059D91}" destId="{0010110D-A035-4587-A21C-A29467F5BCF5}" srcOrd="0" destOrd="0" presId="urn:microsoft.com/office/officeart/2005/8/layout/radial1"/>
     <dgm:cxn modelId="{332C6E7D-7287-4F0B-AE63-397C3BF95E6D}" srcId="{557F11B6-A875-41F8-A922-72EE1E018BCF}" destId="{2C4F839F-D27D-40E9-8182-F5DB37EF0715}" srcOrd="2" destOrd="0" parTransId="{7A348459-4EA0-4083-BF4C-7A61BF6BDFB0}" sibTransId="{015DF316-594C-4859-98BA-AE1CF5AAFE56}"/>
-    <dgm:cxn modelId="{BF4E7892-3192-4C36-BB9C-62309FF59D3C}" type="presOf" srcId="{D33C6BF0-0481-4AEE-9E5D-F7852DAC93E8}" destId="{7B115302-F540-4B5C-AB4C-985945CDF087}" srcOrd="0" destOrd="0" presId="urn:microsoft.com/office/officeart/2005/8/layout/hierarchy4"/>
     <dgm:cxn modelId="{3D85113A-3BE0-4AC8-AE88-CF68BB44E231}" srcId="{557F11B6-A875-41F8-A922-72EE1E018BCF}" destId="{2C179166-CA43-41E7-A2B8-D7EC73382C00}" srcOrd="3" destOrd="0" parTransId="{88553B9C-231B-4780-85A6-2B0C6D63B415}" sibTransId="{2EB5C036-6F7A-41FB-B5FB-B3C3D7B392F6}"/>
-    <dgm:cxn modelId="{43FF44C3-0211-4E6C-82A6-58FCFFB674BC}" srcId="{557F11B6-A875-41F8-A922-72EE1E018BCF}" destId="{45DCD3F2-8FA5-410D-A5A9-CA4B3C34F76C}" srcOrd="4" destOrd="0" parTransId="{376ABBEF-F33C-42E5-88AC-AD9298F7AF50}" sibTransId="{616466BA-35B8-442D-9D1F-CFA12B5C0CA4}"/>
-    <dgm:cxn modelId="{40B89EFC-D447-43C5-9B07-A7D9907542E7}" type="presOf" srcId="{2C4F839F-D27D-40E9-8182-F5DB37EF0715}" destId="{732E75A2-EB38-4F92-9853-4DA2A65103C6}" srcOrd="0" destOrd="0" presId="urn:microsoft.com/office/officeart/2005/8/layout/hierarchy4"/>
+    <dgm:cxn modelId="{699396F2-9627-4E2B-8747-FE44B2B610BB}" type="presOf" srcId="{376ABBEF-F33C-42E5-88AC-AD9298F7AF50}" destId="{B81E1EA6-AA8A-4377-9C80-C02F7AC390B5}" srcOrd="0" destOrd="0" presId="urn:microsoft.com/office/officeart/2005/8/layout/radial1"/>
     <dgm:cxn modelId="{AE86DAA3-792C-4596-8BC6-CE61AF6C400D}" srcId="{557F11B6-A875-41F8-A922-72EE1E018BCF}" destId="{4F841A9C-6BBE-40A1-BC29-BF09CF059D91}" srcOrd="1" destOrd="0" parTransId="{38616715-CEE5-458E-85AF-47A12300D930}" sibTransId="{86A48CFD-2D00-4912-B142-3DDD48434546}"/>
-    <dgm:cxn modelId="{AE585681-557C-40EB-9738-174611977488}" srcId="{557F11B6-A875-41F8-A922-72EE1E018BCF}" destId="{7A84AE93-83D1-4602-BAD9-2FC99966B81C}" srcOrd="0" destOrd="0" parTransId="{323A91A3-C5CC-46C6-BE4D-EA9D1DFFF9FB}" sibTransId="{AEA9D64A-071C-4305-8C6B-A9A6D81386ED}"/>
-    <dgm:cxn modelId="{59284323-4C09-40CC-894C-16BB70353A45}" type="presOf" srcId="{7A84AE93-83D1-4602-BAD9-2FC99966B81C}" destId="{9D453CAB-9CC0-45E2-BFE5-337982EED701}" srcOrd="0" destOrd="0" presId="urn:microsoft.com/office/officeart/2005/8/layout/hierarchy4"/>
-    <dgm:cxn modelId="{6F4E0B22-D12D-4493-B4CD-FE2F65982187}" type="presOf" srcId="{4F841A9C-6BBE-40A1-BC29-BF09CF059D91}" destId="{213DAB9F-207D-4B1B-9AD4-94C62417840D}" srcOrd="0" destOrd="0" presId="urn:microsoft.com/office/officeart/2005/8/layout/hierarchy4"/>
-    <dgm:cxn modelId="{428CFAA5-EED9-48C8-904A-DC2BD667228A}" type="presOf" srcId="{557F11B6-A875-41F8-A922-72EE1E018BCF}" destId="{378A8F3F-CBD1-4055-9ADA-BC46980BA392}" srcOrd="0" destOrd="0" presId="urn:microsoft.com/office/officeart/2005/8/layout/hierarchy4"/>
-    <dgm:cxn modelId="{00F57055-72CC-4DC3-8ED5-E3C31E76639D}" type="presParOf" srcId="{7B115302-F540-4B5C-AB4C-985945CDF087}" destId="{EB2437A7-6230-4461-8402-1B0480CCA4E4}" srcOrd="0" destOrd="0" presId="urn:microsoft.com/office/officeart/2005/8/layout/hierarchy4"/>
-    <dgm:cxn modelId="{4155737A-66E2-4F65-9D78-93F77E8710A1}" type="presParOf" srcId="{EB2437A7-6230-4461-8402-1B0480CCA4E4}" destId="{378A8F3F-CBD1-4055-9ADA-BC46980BA392}" srcOrd="0" destOrd="0" presId="urn:microsoft.com/office/officeart/2005/8/layout/hierarchy4"/>
-    <dgm:cxn modelId="{7E36CBF7-DA2A-4892-8D8C-4A0E4332631D}" type="presParOf" srcId="{EB2437A7-6230-4461-8402-1B0480CCA4E4}" destId="{3A0B952D-24D6-4686-B3E8-5222B0DC4198}" srcOrd="1" destOrd="0" presId="urn:microsoft.com/office/officeart/2005/8/layout/hierarchy4"/>
-    <dgm:cxn modelId="{E206A572-5DAB-428C-8EF4-A45DAE6D535D}" type="presParOf" srcId="{EB2437A7-6230-4461-8402-1B0480CCA4E4}" destId="{70A47989-D8DC-4976-BC67-BF46BD36A15A}" srcOrd="2" destOrd="0" presId="urn:microsoft.com/office/officeart/2005/8/layout/hierarchy4"/>
-    <dgm:cxn modelId="{B7F82EE9-C773-469D-99E3-ABDDBD089B15}" type="presParOf" srcId="{70A47989-D8DC-4976-BC67-BF46BD36A15A}" destId="{35209031-5364-4F8F-847B-A64E1665A558}" srcOrd="0" destOrd="0" presId="urn:microsoft.com/office/officeart/2005/8/layout/hierarchy4"/>
-    <dgm:cxn modelId="{E8A536E3-CAB8-49D9-85B0-BDB925C9CA41}" type="presParOf" srcId="{35209031-5364-4F8F-847B-A64E1665A558}" destId="{9D453CAB-9CC0-45E2-BFE5-337982EED701}" srcOrd="0" destOrd="0" presId="urn:microsoft.com/office/officeart/2005/8/layout/hierarchy4"/>
-    <dgm:cxn modelId="{AA19BAD9-B927-4FF2-B4CE-52F55AE4F129}" type="presParOf" srcId="{35209031-5364-4F8F-847B-A64E1665A558}" destId="{8B5AF230-8976-4947-A777-74DF89E82D81}" srcOrd="1" destOrd="0" presId="urn:microsoft.com/office/officeart/2005/8/layout/hierarchy4"/>
-    <dgm:cxn modelId="{9B0AF2E7-90DD-4D8B-80EC-4A0DCBC5C3CF}" type="presParOf" srcId="{70A47989-D8DC-4976-BC67-BF46BD36A15A}" destId="{2E095955-F3AB-4BEC-BF5E-44E05001BCE3}" srcOrd="1" destOrd="0" presId="urn:microsoft.com/office/officeart/2005/8/layout/hierarchy4"/>
-    <dgm:cxn modelId="{68437578-95CF-4034-8E15-62098C3FAAA0}" type="presParOf" srcId="{70A47989-D8DC-4976-BC67-BF46BD36A15A}" destId="{1F5ACF6A-C920-46B1-9227-89CA80E0C4AA}" srcOrd="2" destOrd="0" presId="urn:microsoft.com/office/officeart/2005/8/layout/hierarchy4"/>
-    <dgm:cxn modelId="{DC321292-D396-4FC5-BF2E-50A76E3A01CA}" type="presParOf" srcId="{1F5ACF6A-C920-46B1-9227-89CA80E0C4AA}" destId="{213DAB9F-207D-4B1B-9AD4-94C62417840D}" srcOrd="0" destOrd="0" presId="urn:microsoft.com/office/officeart/2005/8/layout/hierarchy4"/>
-    <dgm:cxn modelId="{057354C4-BE20-4FF3-9BEA-BB9A170B1F5E}" type="presParOf" srcId="{1F5ACF6A-C920-46B1-9227-89CA80E0C4AA}" destId="{6E2802AE-7872-48DB-9DC4-A0C93D336ECA}" srcOrd="1" destOrd="0" presId="urn:microsoft.com/office/officeart/2005/8/layout/hierarchy4"/>
-    <dgm:cxn modelId="{13780F72-EC05-4658-803E-F98313AB36D6}" type="presParOf" srcId="{70A47989-D8DC-4976-BC67-BF46BD36A15A}" destId="{6541CAF0-1744-4862-95F5-C621D7B5F4E2}" srcOrd="3" destOrd="0" presId="urn:microsoft.com/office/officeart/2005/8/layout/hierarchy4"/>
-    <dgm:cxn modelId="{7E41E185-307D-478E-A7F5-AEA674CAA420}" type="presParOf" srcId="{70A47989-D8DC-4976-BC67-BF46BD36A15A}" destId="{81F5576B-5AB7-4D42-AB26-25EC1528AFFA}" srcOrd="4" destOrd="0" presId="urn:microsoft.com/office/officeart/2005/8/layout/hierarchy4"/>
-    <dgm:cxn modelId="{E8A9684B-8AD6-4471-A55F-B652BF703256}" type="presParOf" srcId="{81F5576B-5AB7-4D42-AB26-25EC1528AFFA}" destId="{732E75A2-EB38-4F92-9853-4DA2A65103C6}" srcOrd="0" destOrd="0" presId="urn:microsoft.com/office/officeart/2005/8/layout/hierarchy4"/>
-    <dgm:cxn modelId="{E01A53EA-EA1D-4147-BE72-8C308904F37F}" type="presParOf" srcId="{81F5576B-5AB7-4D42-AB26-25EC1528AFFA}" destId="{3B987E82-4405-4B9E-8D85-C2ABC7C90F2F}" srcOrd="1" destOrd="0" presId="urn:microsoft.com/office/officeart/2005/8/layout/hierarchy4"/>
-    <dgm:cxn modelId="{F5D83639-DE8F-4726-B002-670840928062}" type="presParOf" srcId="{70A47989-D8DC-4976-BC67-BF46BD36A15A}" destId="{D2530AA5-5105-4554-865E-B9CE665D3EE7}" srcOrd="5" destOrd="0" presId="urn:microsoft.com/office/officeart/2005/8/layout/hierarchy4"/>
-    <dgm:cxn modelId="{B668CF89-A7FC-4F93-B1C7-68E5343BBEE1}" type="presParOf" srcId="{70A47989-D8DC-4976-BC67-BF46BD36A15A}" destId="{E1862715-90D2-47AB-94FB-C4B5ACF6B4E1}" srcOrd="6" destOrd="0" presId="urn:microsoft.com/office/officeart/2005/8/layout/hierarchy4"/>
-    <dgm:cxn modelId="{87307D85-04F7-4887-9DC3-B4C3FE764076}" type="presParOf" srcId="{E1862715-90D2-47AB-94FB-C4B5ACF6B4E1}" destId="{0FAD945F-5337-484B-8DEF-F78894050DBA}" srcOrd="0" destOrd="0" presId="urn:microsoft.com/office/officeart/2005/8/layout/hierarchy4"/>
-    <dgm:cxn modelId="{2CBCC940-0192-4D5E-A9DF-DA326E9FCF3C}" type="presParOf" srcId="{E1862715-90D2-47AB-94FB-C4B5ACF6B4E1}" destId="{D34D009E-E608-47E4-9018-385D8DF97D3C}" srcOrd="1" destOrd="0" presId="urn:microsoft.com/office/officeart/2005/8/layout/hierarchy4"/>
-    <dgm:cxn modelId="{F84353B9-D586-416D-B42F-2AFE09CE6D19}" type="presParOf" srcId="{70A47989-D8DC-4976-BC67-BF46BD36A15A}" destId="{AC2FA144-02F6-423B-933A-6D0C02426E17}" srcOrd="7" destOrd="0" presId="urn:microsoft.com/office/officeart/2005/8/layout/hierarchy4"/>
-    <dgm:cxn modelId="{B4F6587F-496B-4B2C-A533-544DE58D4F10}" type="presParOf" srcId="{70A47989-D8DC-4976-BC67-BF46BD36A15A}" destId="{14CC4C11-906A-4C23-9BCC-8AC94EB08F6E}" srcOrd="8" destOrd="0" presId="urn:microsoft.com/office/officeart/2005/8/layout/hierarchy4"/>
-    <dgm:cxn modelId="{4ED7DCAB-7C39-40F6-90F5-7939A88F890C}" type="presParOf" srcId="{14CC4C11-906A-4C23-9BCC-8AC94EB08F6E}" destId="{7120A70B-E7BD-4E15-88F1-07248B3F7630}" srcOrd="0" destOrd="0" presId="urn:microsoft.com/office/officeart/2005/8/layout/hierarchy4"/>
-    <dgm:cxn modelId="{4FDA0B1F-D1EA-4023-8F8E-6464A833456E}" type="presParOf" srcId="{14CC4C11-906A-4C23-9BCC-8AC94EB08F6E}" destId="{0B233772-B8B6-4621-9C95-A88D0791FDD8}" srcOrd="1" destOrd="0" presId="urn:microsoft.com/office/officeart/2005/8/layout/hierarchy4"/>
+    <dgm:cxn modelId="{0F4F2087-107E-4C2E-9FFE-0C14E9AD2EA1}" type="presOf" srcId="{38616715-CEE5-458E-85AF-47A12300D930}" destId="{F471BEC3-EDBF-484F-AE6A-80C532D5361B}" srcOrd="0" destOrd="0" presId="urn:microsoft.com/office/officeart/2005/8/layout/radial1"/>
+    <dgm:cxn modelId="{9305AC73-DD5F-433E-A8C1-CE15C8EF324C}" type="presOf" srcId="{7A84AE93-83D1-4602-BAD9-2FC99966B81C}" destId="{6F388D02-9212-4FC7-BE7F-0E8501BD580F}" srcOrd="0" destOrd="0" presId="urn:microsoft.com/office/officeart/2005/8/layout/radial1"/>
+    <dgm:cxn modelId="{35A46A6E-A046-4378-B54B-331E01C50CAE}" type="presOf" srcId="{7A348459-4EA0-4083-BF4C-7A61BF6BDFB0}" destId="{CFE2593C-AF51-4351-852E-77CC51EACEDB}" srcOrd="0" destOrd="0" presId="urn:microsoft.com/office/officeart/2005/8/layout/radial1"/>
+    <dgm:cxn modelId="{F6AE87EC-7BAB-48D1-BBF7-7E3B8DC8BD67}" type="presOf" srcId="{7A348459-4EA0-4083-BF4C-7A61BF6BDFB0}" destId="{D508D440-611E-4A99-B7EF-67F51D307F27}" srcOrd="1" destOrd="0" presId="urn:microsoft.com/office/officeart/2005/8/layout/radial1"/>
+    <dgm:cxn modelId="{FA4A9C9A-B56A-4147-8DC2-5ED768DC3B25}" type="presOf" srcId="{376ABBEF-F33C-42E5-88AC-AD9298F7AF50}" destId="{1A59F870-045B-4F40-8EE9-7FDA4594F604}" srcOrd="1" destOrd="0" presId="urn:microsoft.com/office/officeart/2005/8/layout/radial1"/>
+    <dgm:cxn modelId="{03BDB6E1-3265-4DF7-B6F5-EA8DCFAF2AFE}" type="presParOf" srcId="{ED641053-5E43-4946-BDBE-DC4CEB718CA6}" destId="{390DFB29-A6D4-4494-A795-A2B148A8932F}" srcOrd="0" destOrd="0" presId="urn:microsoft.com/office/officeart/2005/8/layout/radial1"/>
+    <dgm:cxn modelId="{C568EF9F-6F03-4BCB-B59D-3C48EB794302}" type="presParOf" srcId="{ED641053-5E43-4946-BDBE-DC4CEB718CA6}" destId="{0B6605A2-2D0B-449C-9D24-98EA0C5EB1F6}" srcOrd="1" destOrd="0" presId="urn:microsoft.com/office/officeart/2005/8/layout/radial1"/>
+    <dgm:cxn modelId="{45A13B74-2CEF-4C1B-AB79-097FFF5CDD6A}" type="presParOf" srcId="{0B6605A2-2D0B-449C-9D24-98EA0C5EB1F6}" destId="{CDDDB9CB-78A4-48F5-885A-7757B77C0DF3}" srcOrd="0" destOrd="0" presId="urn:microsoft.com/office/officeart/2005/8/layout/radial1"/>
+    <dgm:cxn modelId="{6B5852F7-BA9F-46A8-81DC-877BC2442FED}" type="presParOf" srcId="{ED641053-5E43-4946-BDBE-DC4CEB718CA6}" destId="{6F388D02-9212-4FC7-BE7F-0E8501BD580F}" srcOrd="2" destOrd="0" presId="urn:microsoft.com/office/officeart/2005/8/layout/radial1"/>
+    <dgm:cxn modelId="{8599AF6F-8388-4011-A558-8FD91582468B}" type="presParOf" srcId="{ED641053-5E43-4946-BDBE-DC4CEB718CA6}" destId="{F471BEC3-EDBF-484F-AE6A-80C532D5361B}" srcOrd="3" destOrd="0" presId="urn:microsoft.com/office/officeart/2005/8/layout/radial1"/>
+    <dgm:cxn modelId="{C28CFBE5-7CC9-46A3-A660-2E6E074499E6}" type="presParOf" srcId="{F471BEC3-EDBF-484F-AE6A-80C532D5361B}" destId="{8486C68B-E1FE-4F4A-8AC1-D424C5B61060}" srcOrd="0" destOrd="0" presId="urn:microsoft.com/office/officeart/2005/8/layout/radial1"/>
+    <dgm:cxn modelId="{B88AA6CC-C224-4BA4-B476-920D50C1BD5F}" type="presParOf" srcId="{ED641053-5E43-4946-BDBE-DC4CEB718CA6}" destId="{0010110D-A035-4587-A21C-A29467F5BCF5}" srcOrd="4" destOrd="0" presId="urn:microsoft.com/office/officeart/2005/8/layout/radial1"/>
+    <dgm:cxn modelId="{971BF63A-AB84-4A43-B420-098AC827AEB4}" type="presParOf" srcId="{ED641053-5E43-4946-BDBE-DC4CEB718CA6}" destId="{CFE2593C-AF51-4351-852E-77CC51EACEDB}" srcOrd="5" destOrd="0" presId="urn:microsoft.com/office/officeart/2005/8/layout/radial1"/>
+    <dgm:cxn modelId="{C9F51C7E-118A-45FA-ABB0-EC8B5279677F}" type="presParOf" srcId="{CFE2593C-AF51-4351-852E-77CC51EACEDB}" destId="{D508D440-611E-4A99-B7EF-67F51D307F27}" srcOrd="0" destOrd="0" presId="urn:microsoft.com/office/officeart/2005/8/layout/radial1"/>
+    <dgm:cxn modelId="{9B13C890-17A2-45C0-A97A-0E5F8B3B9874}" type="presParOf" srcId="{ED641053-5E43-4946-BDBE-DC4CEB718CA6}" destId="{DE6ACD10-7421-49FF-8123-63289C498995}" srcOrd="6" destOrd="0" presId="urn:microsoft.com/office/officeart/2005/8/layout/radial1"/>
+    <dgm:cxn modelId="{67FB40F9-BF44-403A-9CCC-9FECDEEF1116}" type="presParOf" srcId="{ED641053-5E43-4946-BDBE-DC4CEB718CA6}" destId="{AEF8F26C-71EA-4F21-8ED8-18EFC8ABF06D}" srcOrd="7" destOrd="0" presId="urn:microsoft.com/office/officeart/2005/8/layout/radial1"/>
+    <dgm:cxn modelId="{DF81B789-A68D-4469-ABF6-98ED7A4268F7}" type="presParOf" srcId="{AEF8F26C-71EA-4F21-8ED8-18EFC8ABF06D}" destId="{2D57757A-5B65-46EB-93F4-71717AB37C81}" srcOrd="0" destOrd="0" presId="urn:microsoft.com/office/officeart/2005/8/layout/radial1"/>
+    <dgm:cxn modelId="{62699F3A-231D-4E33-BB6C-6D5A0A78A7AE}" type="presParOf" srcId="{ED641053-5E43-4946-BDBE-DC4CEB718CA6}" destId="{267FFEDC-B65F-4FBF-86ED-70CDBC50726C}" srcOrd="8" destOrd="0" presId="urn:microsoft.com/office/officeart/2005/8/layout/radial1"/>
+    <dgm:cxn modelId="{60FF3349-B25D-456C-9BC3-41FF2D5215B9}" type="presParOf" srcId="{ED641053-5E43-4946-BDBE-DC4CEB718CA6}" destId="{B81E1EA6-AA8A-4377-9C80-C02F7AC390B5}" srcOrd="9" destOrd="0" presId="urn:microsoft.com/office/officeart/2005/8/layout/radial1"/>
+    <dgm:cxn modelId="{1AD7FE66-0BB3-43E2-86D1-FE2CD51AAFDF}" type="presParOf" srcId="{B81E1EA6-AA8A-4377-9C80-C02F7AC390B5}" destId="{1A59F870-045B-4F40-8EE9-7FDA4594F604}" srcOrd="0" destOrd="0" presId="urn:microsoft.com/office/officeart/2005/8/layout/radial1"/>
+    <dgm:cxn modelId="{0314706B-ACD3-40E2-A4CE-6F561B390C92}" type="presParOf" srcId="{ED641053-5E43-4946-BDBE-DC4CEB718CA6}" destId="{6BB8A58C-D83B-40D8-B68A-13A308828BBD}" srcOrd="10" destOrd="0" presId="urn:microsoft.com/office/officeart/2005/8/layout/radial1"/>
   </dgm:cxnLst>
   <dgm:bg/>
   <dgm:whole/>
@@ -10989,23 +10970,23 @@
         <a:lstStyle/>
         <a:p>
           <a:r>
-            <a:rPr lang="en-US" sz="2000" dirty="0" smtClean="0">
+            <a:rPr lang="en-US" sz="1800" dirty="0" smtClean="0">
               <a:solidFill>
                 <a:sysClr val="windowText" lastClr="000000"/>
               </a:solidFill>
-              <a:latin typeface="Times New Roman" pitchFamily="18" charset="0"/>
-              <a:ea typeface="+mn-ea"/>
-              <a:cs typeface="Times New Roman" pitchFamily="18" charset="0"/>
+              <a:latin typeface="CMU Serif" panose="02000603000000000000" pitchFamily="2" charset="0"/>
+              <a:ea typeface="CMU Serif" panose="02000603000000000000" pitchFamily="2" charset="0"/>
+              <a:cs typeface="CMU Serif" panose="02000603000000000000" pitchFamily="2" charset="0"/>
             </a:rPr>
             <a:t>Stakeholders</a:t>
           </a:r>
-          <a:endParaRPr lang="en-US" sz="2000" dirty="0">
+          <a:endParaRPr lang="en-US" sz="1800" dirty="0">
             <a:solidFill>
               <a:sysClr val="windowText" lastClr="000000"/>
             </a:solidFill>
-            <a:latin typeface="Times New Roman" pitchFamily="18" charset="0"/>
-            <a:ea typeface="+mn-ea"/>
-            <a:cs typeface="Times New Roman" pitchFamily="18" charset="0"/>
+            <a:latin typeface="CMU Serif" panose="02000603000000000000" pitchFamily="2" charset="0"/>
+            <a:ea typeface="CMU Serif" panose="02000603000000000000" pitchFamily="2" charset="0"/>
+            <a:cs typeface="CMU Serif" panose="02000603000000000000" pitchFamily="2" charset="0"/>
           </a:endParaRPr>
         </a:p>
       </dgm:t>
@@ -11071,29 +11052,29 @@
         <a:lstStyle/>
         <a:p>
           <a:r>
-            <a:rPr lang="en-US" sz="1600" dirty="0" smtClean="0">
+            <a:rPr lang="en-US" sz="1400" dirty="0" smtClean="0">
               <a:solidFill>
                 <a:sysClr val="window" lastClr="FFFFFF"/>
               </a:solidFill>
-              <a:latin typeface="Times New Roman" pitchFamily="18" charset="0"/>
-              <a:ea typeface="+mn-ea"/>
-              <a:cs typeface="Times New Roman" pitchFamily="18" charset="0"/>
+              <a:latin typeface="CMU Serif" panose="02000603000000000000" pitchFamily="2" charset="0"/>
+              <a:ea typeface="CMU Serif" panose="02000603000000000000" pitchFamily="2" charset="0"/>
+              <a:cs typeface="CMU Serif" panose="02000603000000000000" pitchFamily="2" charset="0"/>
             </a:rPr>
             <a:t>Bus Owners / Operators</a:t>
           </a:r>
-          <a:endParaRPr lang="en-US" sz="1600" dirty="0">
+          <a:endParaRPr lang="en-US" sz="1400" dirty="0">
             <a:solidFill>
               <a:sysClr val="window" lastClr="FFFFFF"/>
             </a:solidFill>
-            <a:latin typeface="Times New Roman" pitchFamily="18" charset="0"/>
-            <a:ea typeface="+mn-ea"/>
-            <a:cs typeface="Times New Roman" pitchFamily="18" charset="0"/>
+            <a:latin typeface="CMU Serif" panose="02000603000000000000" pitchFamily="2" charset="0"/>
+            <a:ea typeface="CMU Serif" panose="02000603000000000000" pitchFamily="2" charset="0"/>
+            <a:cs typeface="CMU Serif" panose="02000603000000000000" pitchFamily="2" charset="0"/>
           </a:endParaRPr>
         </a:p>
       </dgm:t>
     </dgm:pt>
     <dgm:pt modelId="{323A91A3-C5CC-46C6-BE4D-EA9D1DFFF9FB}" type="parTrans" cxnId="{AE585681-557C-40EB-9738-174611977488}">
-      <dgm:prSet/>
+      <dgm:prSet custT="1"/>
       <dgm:spPr>
         <a:xfrm rot="17692822">
           <a:off x="1947565" y="1475477"/>
@@ -11135,7 +11116,7 @@
         <a:bodyPr/>
         <a:lstStyle/>
         <a:p>
-          <a:endParaRPr lang="en-US">
+          <a:endParaRPr lang="en-US" sz="400">
             <a:solidFill>
               <a:sysClr val="windowText" lastClr="000000">
                 <a:hueOff val="0"/>
@@ -11144,9 +11125,9 @@
                 <a:alphaOff val="0"/>
               </a:sysClr>
             </a:solidFill>
-            <a:latin typeface="Times New Roman" pitchFamily="18" charset="0"/>
-            <a:ea typeface="+mn-ea"/>
-            <a:cs typeface="Times New Roman" pitchFamily="18" charset="0"/>
+            <a:latin typeface="CMU Serif" panose="02000603000000000000" pitchFamily="2" charset="0"/>
+            <a:ea typeface="CMU Serif" panose="02000603000000000000" pitchFamily="2" charset="0"/>
+            <a:cs typeface="CMU Serif" panose="02000603000000000000" pitchFamily="2" charset="0"/>
           </a:endParaRPr>
         </a:p>
       </dgm:t>
@@ -11198,29 +11179,29 @@
         <a:lstStyle/>
         <a:p>
           <a:r>
-            <a:rPr lang="en-US" sz="1600" dirty="0" smtClean="0">
+            <a:rPr lang="en-US" sz="1400" dirty="0" smtClean="0">
               <a:solidFill>
                 <a:sysClr val="windowText" lastClr="000000"/>
               </a:solidFill>
-              <a:latin typeface="Times New Roman" pitchFamily="18" charset="0"/>
-              <a:ea typeface="+mn-ea"/>
-              <a:cs typeface="Times New Roman" pitchFamily="18" charset="0"/>
+              <a:latin typeface="CMU Serif" panose="02000603000000000000" pitchFamily="2" charset="0"/>
+              <a:ea typeface="CMU Serif" panose="02000603000000000000" pitchFamily="2" charset="0"/>
+              <a:cs typeface="CMU Serif" panose="02000603000000000000" pitchFamily="2" charset="0"/>
             </a:rPr>
             <a:t>Commuters</a:t>
           </a:r>
-          <a:endParaRPr lang="en-US" sz="1600" dirty="0">
+          <a:endParaRPr lang="en-US" sz="1400" dirty="0">
             <a:solidFill>
               <a:sysClr val="windowText" lastClr="000000"/>
             </a:solidFill>
-            <a:latin typeface="Times New Roman" pitchFamily="18" charset="0"/>
-            <a:ea typeface="+mn-ea"/>
-            <a:cs typeface="Times New Roman" pitchFamily="18" charset="0"/>
+            <a:latin typeface="CMU Serif" panose="02000603000000000000" pitchFamily="2" charset="0"/>
+            <a:ea typeface="CMU Serif" panose="02000603000000000000" pitchFamily="2" charset="0"/>
+            <a:cs typeface="CMU Serif" panose="02000603000000000000" pitchFamily="2" charset="0"/>
           </a:endParaRPr>
         </a:p>
       </dgm:t>
     </dgm:pt>
     <dgm:pt modelId="{0B6D27AC-54DE-4B71-AC2B-DC6DFF449EBA}" type="parTrans" cxnId="{0CADE307-87DE-49F4-B3D0-8B3B2EB8111F}">
-      <dgm:prSet/>
+      <dgm:prSet custT="1"/>
       <dgm:spPr>
         <a:xfrm rot="3907178">
           <a:off x="1947565" y="2797886"/>
@@ -11262,7 +11243,7 @@
         <a:bodyPr/>
         <a:lstStyle/>
         <a:p>
-          <a:endParaRPr lang="en-US">
+          <a:endParaRPr lang="en-US" sz="400">
             <a:solidFill>
               <a:sysClr val="windowText" lastClr="000000">
                 <a:hueOff val="0"/>
@@ -11271,9 +11252,9 @@
                 <a:alphaOff val="0"/>
               </a:sysClr>
             </a:solidFill>
-            <a:latin typeface="Times New Roman" pitchFamily="18" charset="0"/>
-            <a:ea typeface="+mn-ea"/>
-            <a:cs typeface="Times New Roman" pitchFamily="18" charset="0"/>
+            <a:latin typeface="CMU Serif" panose="02000603000000000000" pitchFamily="2" charset="0"/>
+            <a:ea typeface="CMU Serif" panose="02000603000000000000" pitchFamily="2" charset="0"/>
+            <a:cs typeface="CMU Serif" panose="02000603000000000000" pitchFamily="2" charset="0"/>
           </a:endParaRPr>
         </a:p>
       </dgm:t>
@@ -11325,29 +11306,29 @@
         <a:lstStyle/>
         <a:p>
           <a:r>
-            <a:rPr lang="en-US" sz="1600" dirty="0" smtClean="0">
+            <a:rPr lang="en-US" sz="1400" dirty="0" smtClean="0">
               <a:solidFill>
                 <a:sysClr val="window" lastClr="FFFFFF"/>
               </a:solidFill>
-              <a:latin typeface="Times New Roman" pitchFamily="18" charset="0"/>
-              <a:ea typeface="+mn-ea"/>
-              <a:cs typeface="Times New Roman" pitchFamily="18" charset="0"/>
+              <a:latin typeface="CMU Serif" panose="02000603000000000000" pitchFamily="2" charset="0"/>
+              <a:ea typeface="CMU Serif" panose="02000603000000000000" pitchFamily="2" charset="0"/>
+              <a:cs typeface="CMU Serif" panose="02000603000000000000" pitchFamily="2" charset="0"/>
             </a:rPr>
             <a:t>Less Number of trips per day</a:t>
           </a:r>
-          <a:endParaRPr lang="en-US" sz="1600" dirty="0">
+          <a:endParaRPr lang="en-US" sz="1400" dirty="0">
             <a:solidFill>
               <a:sysClr val="window" lastClr="FFFFFF"/>
             </a:solidFill>
-            <a:latin typeface="Times New Roman" pitchFamily="18" charset="0"/>
-            <a:ea typeface="+mn-ea"/>
-            <a:cs typeface="Times New Roman" pitchFamily="18" charset="0"/>
+            <a:latin typeface="CMU Serif" panose="02000603000000000000" pitchFamily="2" charset="0"/>
+            <a:ea typeface="CMU Serif" panose="02000603000000000000" pitchFamily="2" charset="0"/>
+            <a:cs typeface="CMU Serif" panose="02000603000000000000" pitchFamily="2" charset="0"/>
           </a:endParaRPr>
         </a:p>
       </dgm:t>
     </dgm:pt>
     <dgm:pt modelId="{788AC859-9FEF-4192-BF32-D2E70D5279AF}" type="parTrans" cxnId="{C42442F2-43CC-4B03-8A88-10B0E7A784C4}">
-      <dgm:prSet/>
+      <dgm:prSet custT="1"/>
       <dgm:spPr>
         <a:xfrm rot="19457599">
           <a:off x="4445299" y="593871"/>
@@ -11389,7 +11370,7 @@
         <a:bodyPr/>
         <a:lstStyle/>
         <a:p>
-          <a:endParaRPr lang="en-US">
+          <a:endParaRPr lang="en-US" sz="400">
             <a:solidFill>
               <a:sysClr val="windowText" lastClr="000000">
                 <a:hueOff val="0"/>
@@ -11398,9 +11379,9 @@
                 <a:alphaOff val="0"/>
               </a:sysClr>
             </a:solidFill>
-            <a:latin typeface="Times New Roman" pitchFamily="18" charset="0"/>
-            <a:ea typeface="+mn-ea"/>
-            <a:cs typeface="Times New Roman" pitchFamily="18" charset="0"/>
+            <a:latin typeface="CMU Serif" panose="02000603000000000000" pitchFamily="2" charset="0"/>
+            <a:ea typeface="CMU Serif" panose="02000603000000000000" pitchFamily="2" charset="0"/>
+            <a:cs typeface="CMU Serif" panose="02000603000000000000" pitchFamily="2" charset="0"/>
           </a:endParaRPr>
         </a:p>
       </dgm:t>
@@ -11452,29 +11433,29 @@
         <a:lstStyle/>
         <a:p>
           <a:r>
-            <a:rPr lang="en-US" sz="1600" dirty="0" smtClean="0">
+            <a:rPr lang="en-US" sz="1400" dirty="0" smtClean="0">
               <a:solidFill>
                 <a:sysClr val="window" lastClr="FFFFFF"/>
               </a:solidFill>
-              <a:latin typeface="Times New Roman" pitchFamily="18" charset="0"/>
-              <a:ea typeface="+mn-ea"/>
-              <a:cs typeface="Times New Roman" pitchFamily="18" charset="0"/>
+              <a:latin typeface="CMU Serif" panose="02000603000000000000" pitchFamily="2" charset="0"/>
+              <a:ea typeface="CMU Serif" panose="02000603000000000000" pitchFamily="2" charset="0"/>
+              <a:cs typeface="CMU Serif" panose="02000603000000000000" pitchFamily="2" charset="0"/>
             </a:rPr>
             <a:t>Increased number of passengers</a:t>
           </a:r>
-          <a:endParaRPr lang="en-US" sz="1600" dirty="0">
+          <a:endParaRPr lang="en-US" sz="1400" dirty="0">
             <a:solidFill>
               <a:sysClr val="window" lastClr="FFFFFF"/>
             </a:solidFill>
-            <a:latin typeface="Times New Roman" pitchFamily="18" charset="0"/>
-            <a:ea typeface="+mn-ea"/>
-            <a:cs typeface="Times New Roman" pitchFamily="18" charset="0"/>
+            <a:latin typeface="CMU Serif" panose="02000603000000000000" pitchFamily="2" charset="0"/>
+            <a:ea typeface="CMU Serif" panose="02000603000000000000" pitchFamily="2" charset="0"/>
+            <a:cs typeface="CMU Serif" panose="02000603000000000000" pitchFamily="2" charset="0"/>
           </a:endParaRPr>
         </a:p>
       </dgm:t>
     </dgm:pt>
     <dgm:pt modelId="{8FC49B08-D19C-41FD-89E4-B328E5598993}" type="parTrans" cxnId="{777F4179-DF07-4B3F-B13D-3259159E10D9}">
-      <dgm:prSet/>
+      <dgm:prSet custT="1"/>
       <dgm:spPr>
         <a:xfrm rot="2142401">
           <a:off x="4445299" y="1034674"/>
@@ -11516,7 +11497,7 @@
         <a:bodyPr/>
         <a:lstStyle/>
         <a:p>
-          <a:endParaRPr lang="en-US">
+          <a:endParaRPr lang="en-US" sz="400">
             <a:solidFill>
               <a:sysClr val="windowText" lastClr="000000">
                 <a:hueOff val="0"/>
@@ -11525,9 +11506,9 @@
                 <a:alphaOff val="0"/>
               </a:sysClr>
             </a:solidFill>
-            <a:latin typeface="Times New Roman" pitchFamily="18" charset="0"/>
-            <a:ea typeface="+mn-ea"/>
-            <a:cs typeface="Times New Roman" pitchFamily="18" charset="0"/>
+            <a:latin typeface="CMU Serif" panose="02000603000000000000" pitchFamily="2" charset="0"/>
+            <a:ea typeface="CMU Serif" panose="02000603000000000000" pitchFamily="2" charset="0"/>
+            <a:cs typeface="CMU Serif" panose="02000603000000000000" pitchFamily="2" charset="0"/>
           </a:endParaRPr>
         </a:p>
       </dgm:t>
@@ -11579,29 +11560,29 @@
         <a:lstStyle/>
         <a:p>
           <a:r>
-            <a:rPr lang="en-US" sz="1600" dirty="0" smtClean="0">
+            <a:rPr lang="en-US" sz="1400" dirty="0" smtClean="0">
               <a:solidFill>
                 <a:sysClr val="windowText" lastClr="000000"/>
               </a:solidFill>
-              <a:latin typeface="Times New Roman" pitchFamily="18" charset="0"/>
-              <a:ea typeface="+mn-ea"/>
-              <a:cs typeface="Times New Roman" pitchFamily="18" charset="0"/>
+              <a:latin typeface="CMU Serif" panose="02000603000000000000" pitchFamily="2" charset="0"/>
+              <a:ea typeface="CMU Serif" panose="02000603000000000000" pitchFamily="2" charset="0"/>
+              <a:cs typeface="CMU Serif" panose="02000603000000000000" pitchFamily="2" charset="0"/>
             </a:rPr>
             <a:t>Less crowded buses</a:t>
           </a:r>
-          <a:endParaRPr lang="en-US" sz="1600" dirty="0">
+          <a:endParaRPr lang="en-US" sz="1400" dirty="0">
             <a:solidFill>
               <a:sysClr val="windowText" lastClr="000000"/>
             </a:solidFill>
-            <a:latin typeface="Times New Roman" pitchFamily="18" charset="0"/>
-            <a:ea typeface="+mn-ea"/>
-            <a:cs typeface="Times New Roman" pitchFamily="18" charset="0"/>
+            <a:latin typeface="CMU Serif" panose="02000603000000000000" pitchFamily="2" charset="0"/>
+            <a:ea typeface="CMU Serif" panose="02000603000000000000" pitchFamily="2" charset="0"/>
+            <a:cs typeface="CMU Serif" panose="02000603000000000000" pitchFamily="2" charset="0"/>
           </a:endParaRPr>
         </a:p>
       </dgm:t>
     </dgm:pt>
     <dgm:pt modelId="{A11DA53F-9870-48A0-B0E7-E15388E65EC9}" type="parTrans" cxnId="{B6A5B969-A056-457D-97B3-15784C4148A8}">
-      <dgm:prSet/>
+      <dgm:prSet custT="1"/>
       <dgm:spPr>
         <a:xfrm rot="17692822">
           <a:off x="4094083" y="2797886"/>
@@ -11643,7 +11624,7 @@
         <a:bodyPr/>
         <a:lstStyle/>
         <a:p>
-          <a:endParaRPr lang="en-US">
+          <a:endParaRPr lang="en-US" sz="400">
             <a:solidFill>
               <a:sysClr val="windowText" lastClr="000000">
                 <a:hueOff val="0"/>
@@ -11652,9 +11633,9 @@
                 <a:alphaOff val="0"/>
               </a:sysClr>
             </a:solidFill>
-            <a:latin typeface="Times New Roman" pitchFamily="18" charset="0"/>
-            <a:ea typeface="+mn-ea"/>
-            <a:cs typeface="Times New Roman" pitchFamily="18" charset="0"/>
+            <a:latin typeface="CMU Serif" panose="02000603000000000000" pitchFamily="2" charset="0"/>
+            <a:ea typeface="CMU Serif" panose="02000603000000000000" pitchFamily="2" charset="0"/>
+            <a:cs typeface="CMU Serif" panose="02000603000000000000" pitchFamily="2" charset="0"/>
           </a:endParaRPr>
         </a:p>
       </dgm:t>
@@ -11706,29 +11687,29 @@
         <a:lstStyle/>
         <a:p>
           <a:r>
-            <a:rPr lang="en-US" sz="1600" dirty="0" smtClean="0">
+            <a:rPr lang="en-US" sz="1400" dirty="0" smtClean="0">
               <a:solidFill>
                 <a:sysClr val="windowText" lastClr="000000"/>
               </a:solidFill>
-              <a:latin typeface="Times New Roman" pitchFamily="18" charset="0"/>
-              <a:ea typeface="+mn-ea"/>
-              <a:cs typeface="Times New Roman" pitchFamily="18" charset="0"/>
+              <a:latin typeface="CMU Serif" panose="02000603000000000000" pitchFamily="2" charset="0"/>
+              <a:ea typeface="CMU Serif" panose="02000603000000000000" pitchFamily="2" charset="0"/>
+              <a:cs typeface="CMU Serif" panose="02000603000000000000" pitchFamily="2" charset="0"/>
             </a:rPr>
             <a:t>More frequent buses</a:t>
           </a:r>
-          <a:endParaRPr lang="en-US" sz="1600" dirty="0">
+          <a:endParaRPr lang="en-US" sz="1400" dirty="0">
             <a:solidFill>
               <a:sysClr val="windowText" lastClr="000000"/>
             </a:solidFill>
-            <a:latin typeface="Times New Roman" pitchFamily="18" charset="0"/>
-            <a:ea typeface="+mn-ea"/>
-            <a:cs typeface="Times New Roman" pitchFamily="18" charset="0"/>
+            <a:latin typeface="CMU Serif" panose="02000603000000000000" pitchFamily="2" charset="0"/>
+            <a:ea typeface="CMU Serif" panose="02000603000000000000" pitchFamily="2" charset="0"/>
+            <a:cs typeface="CMU Serif" panose="02000603000000000000" pitchFamily="2" charset="0"/>
           </a:endParaRPr>
         </a:p>
       </dgm:t>
     </dgm:pt>
     <dgm:pt modelId="{CA650112-ECBA-479F-AA79-7B2E22842BD8}" type="parTrans" cxnId="{678137F9-405B-405E-81BB-DE3B1E8713A2}">
-      <dgm:prSet/>
+      <dgm:prSet custT="1"/>
       <dgm:spPr>
         <a:xfrm rot="19457599">
           <a:off x="4445299" y="3238688"/>
@@ -11770,7 +11751,7 @@
         <a:bodyPr/>
         <a:lstStyle/>
         <a:p>
-          <a:endParaRPr lang="en-US">
+          <a:endParaRPr lang="en-US" sz="400">
             <a:solidFill>
               <a:sysClr val="windowText" lastClr="000000">
                 <a:hueOff val="0"/>
@@ -11779,9 +11760,9 @@
                 <a:alphaOff val="0"/>
               </a:sysClr>
             </a:solidFill>
-            <a:latin typeface="Times New Roman" pitchFamily="18" charset="0"/>
-            <a:ea typeface="+mn-ea"/>
-            <a:cs typeface="Times New Roman" pitchFamily="18" charset="0"/>
+            <a:latin typeface="CMU Serif" panose="02000603000000000000" pitchFamily="2" charset="0"/>
+            <a:ea typeface="CMU Serif" panose="02000603000000000000" pitchFamily="2" charset="0"/>
+            <a:cs typeface="CMU Serif" panose="02000603000000000000" pitchFamily="2" charset="0"/>
           </a:endParaRPr>
         </a:p>
       </dgm:t>
@@ -11833,29 +11814,29 @@
         <a:lstStyle/>
         <a:p>
           <a:r>
-            <a:rPr lang="en-US" sz="1600" dirty="0" smtClean="0">
+            <a:rPr lang="en-US" sz="1400" dirty="0" smtClean="0">
               <a:solidFill>
                 <a:sysClr val="windowText" lastClr="000000"/>
               </a:solidFill>
-              <a:latin typeface="Times New Roman" pitchFamily="18" charset="0"/>
-              <a:ea typeface="+mn-ea"/>
-              <a:cs typeface="Times New Roman" pitchFamily="18" charset="0"/>
+              <a:latin typeface="CMU Serif" panose="02000603000000000000" pitchFamily="2" charset="0"/>
+              <a:ea typeface="CMU Serif" panose="02000603000000000000" pitchFamily="2" charset="0"/>
+              <a:cs typeface="CMU Serif" panose="02000603000000000000" pitchFamily="2" charset="0"/>
             </a:rPr>
             <a:t>Reliable schedule</a:t>
           </a:r>
-          <a:endParaRPr lang="en-US" sz="1600" dirty="0">
+          <a:endParaRPr lang="en-US" sz="1400" dirty="0">
             <a:solidFill>
               <a:sysClr val="windowText" lastClr="000000"/>
             </a:solidFill>
-            <a:latin typeface="Times New Roman" pitchFamily="18" charset="0"/>
-            <a:ea typeface="+mn-ea"/>
-            <a:cs typeface="Times New Roman" pitchFamily="18" charset="0"/>
+            <a:latin typeface="CMU Serif" panose="02000603000000000000" pitchFamily="2" charset="0"/>
+            <a:ea typeface="CMU Serif" panose="02000603000000000000" pitchFamily="2" charset="0"/>
+            <a:cs typeface="CMU Serif" panose="02000603000000000000" pitchFamily="2" charset="0"/>
           </a:endParaRPr>
         </a:p>
       </dgm:t>
     </dgm:pt>
     <dgm:pt modelId="{EE442314-E7C8-43A1-8890-4D6C3B5A5C64}" type="parTrans" cxnId="{D6A79EA0-03BF-4769-9949-85FD4B26B3AF}">
-      <dgm:prSet/>
+      <dgm:prSet custT="1"/>
       <dgm:spPr>
         <a:xfrm rot="2142401">
           <a:off x="4445299" y="3679491"/>
@@ -11897,7 +11878,7 @@
         <a:bodyPr/>
         <a:lstStyle/>
         <a:p>
-          <a:endParaRPr lang="en-US">
+          <a:endParaRPr lang="en-US" sz="400">
             <a:solidFill>
               <a:sysClr val="windowText" lastClr="000000">
                 <a:hueOff val="0"/>
@@ -11906,9 +11887,9 @@
                 <a:alphaOff val="0"/>
               </a:sysClr>
             </a:solidFill>
-            <a:latin typeface="Times New Roman" pitchFamily="18" charset="0"/>
-            <a:ea typeface="+mn-ea"/>
-            <a:cs typeface="Times New Roman" pitchFamily="18" charset="0"/>
+            <a:latin typeface="CMU Serif" panose="02000603000000000000" pitchFamily="2" charset="0"/>
+            <a:ea typeface="CMU Serif" panose="02000603000000000000" pitchFamily="2" charset="0"/>
+            <a:cs typeface="CMU Serif" panose="02000603000000000000" pitchFamily="2" charset="0"/>
           </a:endParaRPr>
         </a:p>
       </dgm:t>
@@ -11960,29 +11941,29 @@
         <a:lstStyle/>
         <a:p>
           <a:r>
-            <a:rPr lang="en-US" sz="1600" dirty="0" smtClean="0">
+            <a:rPr lang="en-US" sz="1400" dirty="0" smtClean="0">
               <a:solidFill>
                 <a:sysClr val="windowText" lastClr="000000"/>
               </a:solidFill>
-              <a:latin typeface="Times New Roman" pitchFamily="18" charset="0"/>
-              <a:ea typeface="+mn-ea"/>
-              <a:cs typeface="Times New Roman" pitchFamily="18" charset="0"/>
+              <a:latin typeface="CMU Serif" panose="02000603000000000000" pitchFamily="2" charset="0"/>
+              <a:ea typeface="CMU Serif" panose="02000603000000000000" pitchFamily="2" charset="0"/>
+              <a:cs typeface="CMU Serif" panose="02000603000000000000" pitchFamily="2" charset="0"/>
             </a:rPr>
             <a:t>Less travel time</a:t>
           </a:r>
-          <a:endParaRPr lang="en-US" sz="1600" dirty="0">
+          <a:endParaRPr lang="en-US" sz="1400" dirty="0">
             <a:solidFill>
               <a:sysClr val="windowText" lastClr="000000"/>
             </a:solidFill>
-            <a:latin typeface="Times New Roman" pitchFamily="18" charset="0"/>
-            <a:ea typeface="+mn-ea"/>
-            <a:cs typeface="Times New Roman" pitchFamily="18" charset="0"/>
+            <a:latin typeface="CMU Serif" panose="02000603000000000000" pitchFamily="2" charset="0"/>
+            <a:ea typeface="CMU Serif" panose="02000603000000000000" pitchFamily="2" charset="0"/>
+            <a:cs typeface="CMU Serif" panose="02000603000000000000" pitchFamily="2" charset="0"/>
           </a:endParaRPr>
         </a:p>
       </dgm:t>
     </dgm:pt>
     <dgm:pt modelId="{DBC628CD-1A22-4C2E-BB9B-A008067ABA37}" type="parTrans" cxnId="{33C6538E-5D1B-45D3-A9AE-88EA52404E9E}">
-      <dgm:prSet/>
+      <dgm:prSet custT="1"/>
       <dgm:spPr>
         <a:xfrm rot="3907178">
           <a:off x="4094083" y="4120294"/>
@@ -12024,7 +12005,7 @@
         <a:bodyPr/>
         <a:lstStyle/>
         <a:p>
-          <a:endParaRPr lang="en-US">
+          <a:endParaRPr lang="en-US" sz="400">
             <a:solidFill>
               <a:sysClr val="windowText" lastClr="000000">
                 <a:hueOff val="0"/>
@@ -12033,9 +12014,9 @@
                 <a:alphaOff val="0"/>
               </a:sysClr>
             </a:solidFill>
-            <a:latin typeface="Times New Roman" pitchFamily="18" charset="0"/>
-            <a:ea typeface="+mn-ea"/>
-            <a:cs typeface="Times New Roman" pitchFamily="18" charset="0"/>
+            <a:latin typeface="CMU Serif" panose="02000603000000000000" pitchFamily="2" charset="0"/>
+            <a:ea typeface="CMU Serif" panose="02000603000000000000" pitchFamily="2" charset="0"/>
+            <a:cs typeface="CMU Serif" panose="02000603000000000000" pitchFamily="2" charset="0"/>
           </a:endParaRPr>
         </a:p>
       </dgm:t>
@@ -12562,7 +12543,7 @@
       </dgm:t>
     </dgm:pt>
     <dgm:pt modelId="{D4C00222-DE4B-46E6-814B-5EA78207F3F2}">
-      <dgm:prSet phldrT="[Text]">
+      <dgm:prSet phldrT="[Text]" custT="1">
         <dgm:style>
           <a:lnRef idx="2">
             <a:schemeClr val="accent3">
@@ -12602,23 +12583,23 @@
         <a:lstStyle/>
         <a:p>
           <a:r>
-            <a:rPr lang="en-US" dirty="0" smtClean="0">
+            <a:rPr lang="en-US" sz="2000" dirty="0" smtClean="0">
               <a:solidFill>
                 <a:sysClr val="windowText" lastClr="000000"/>
               </a:solidFill>
-              <a:latin typeface="Times New Roman" pitchFamily="18" charset="0"/>
-              <a:ea typeface="+mn-ea"/>
-              <a:cs typeface="Times New Roman" pitchFamily="18" charset="0"/>
+              <a:latin typeface="CMU Serif" panose="02000603000000000000" pitchFamily="2" charset="0"/>
+              <a:ea typeface="CMU Serif" panose="02000603000000000000" pitchFamily="2" charset="0"/>
+              <a:cs typeface="CMU Serif" panose="02000603000000000000" pitchFamily="2" charset="0"/>
             </a:rPr>
             <a:t>Create/Edit Schedule</a:t>
           </a:r>
-          <a:endParaRPr lang="en-US" dirty="0">
+          <a:endParaRPr lang="en-US" sz="2000" dirty="0">
             <a:solidFill>
               <a:sysClr val="windowText" lastClr="000000"/>
             </a:solidFill>
-            <a:latin typeface="Times New Roman" pitchFamily="18" charset="0"/>
-            <a:ea typeface="+mn-ea"/>
-            <a:cs typeface="Times New Roman" pitchFamily="18" charset="0"/>
+            <a:latin typeface="CMU Serif" panose="02000603000000000000" pitchFamily="2" charset="0"/>
+            <a:ea typeface="CMU Serif" panose="02000603000000000000" pitchFamily="2" charset="0"/>
+            <a:cs typeface="CMU Serif" panose="02000603000000000000" pitchFamily="2" charset="0"/>
           </a:endParaRPr>
         </a:p>
       </dgm:t>
@@ -12638,7 +12619,7 @@
       </dgm:t>
     </dgm:pt>
     <dgm:pt modelId="{4F9E3315-4D15-485F-8270-E0F6AFC75A18}" type="sibTrans" cxnId="{735A15DB-3121-4AF0-B8B3-A030A3BD6BF0}">
-      <dgm:prSet/>
+      <dgm:prSet custT="1"/>
       <dgm:spPr>
         <a:xfrm rot="21599317">
           <a:off x="2864989" y="691758"/>
@@ -12668,19 +12649,19 @@
         <a:bodyPr/>
         <a:lstStyle/>
         <a:p>
-          <a:endParaRPr lang="en-US">
+          <a:endParaRPr lang="en-US" sz="1600">
             <a:solidFill>
               <a:sysClr val="window" lastClr="FFFFFF"/>
             </a:solidFill>
-            <a:latin typeface="Times New Roman" pitchFamily="18" charset="0"/>
-            <a:ea typeface="+mn-ea"/>
-            <a:cs typeface="Times New Roman" pitchFamily="18" charset="0"/>
+            <a:latin typeface="CMU Serif" panose="02000603000000000000" pitchFamily="2" charset="0"/>
+            <a:ea typeface="CMU Serif" panose="02000603000000000000" pitchFamily="2" charset="0"/>
+            <a:cs typeface="CMU Serif" panose="02000603000000000000" pitchFamily="2" charset="0"/>
           </a:endParaRPr>
         </a:p>
       </dgm:t>
     </dgm:pt>
     <dgm:pt modelId="{D874F1FC-5BAC-4305-9F87-93210B9CDD3A}">
-      <dgm:prSet phldrT="[Text]"/>
+      <dgm:prSet phldrT="[Text]" custT="1"/>
       <dgm:spPr>
         <a:xfrm>
           <a:off x="4151816" y="710"/>
@@ -12715,23 +12696,23 @@
         <a:lstStyle/>
         <a:p>
           <a:r>
-            <a:rPr lang="en-US" dirty="0" smtClean="0">
+            <a:rPr lang="en-US" sz="2000" dirty="0" smtClean="0">
               <a:solidFill>
                 <a:sysClr val="window" lastClr="FFFFFF"/>
               </a:solidFill>
-              <a:latin typeface="Times New Roman" pitchFamily="18" charset="0"/>
-              <a:ea typeface="+mn-ea"/>
-              <a:cs typeface="Times New Roman" pitchFamily="18" charset="0"/>
+              <a:latin typeface="CMU Serif" panose="02000603000000000000" pitchFamily="2" charset="0"/>
+              <a:ea typeface="CMU Serif" panose="02000603000000000000" pitchFamily="2" charset="0"/>
+              <a:cs typeface="CMU Serif" panose="02000603000000000000" pitchFamily="2" charset="0"/>
             </a:rPr>
             <a:t>Monitor Schedule</a:t>
           </a:r>
-          <a:endParaRPr lang="en-US" dirty="0">
+          <a:endParaRPr lang="en-US" sz="2000" dirty="0">
             <a:solidFill>
               <a:sysClr val="window" lastClr="FFFFFF"/>
             </a:solidFill>
-            <a:latin typeface="Times New Roman" pitchFamily="18" charset="0"/>
-            <a:ea typeface="+mn-ea"/>
-            <a:cs typeface="Times New Roman" pitchFamily="18" charset="0"/>
+            <a:latin typeface="CMU Serif" panose="02000603000000000000" pitchFamily="2" charset="0"/>
+            <a:ea typeface="CMU Serif" panose="02000603000000000000" pitchFamily="2" charset="0"/>
+            <a:cs typeface="CMU Serif" panose="02000603000000000000" pitchFamily="2" charset="0"/>
           </a:endParaRPr>
         </a:p>
       </dgm:t>
@@ -12751,7 +12732,7 @@
       </dgm:t>
     </dgm:pt>
     <dgm:pt modelId="{DD0DDC88-668C-4681-8082-9D6C8A77C86C}" type="sibTrans" cxnId="{4F7684D1-7C26-4A99-AFE3-AEC07017932F}">
-      <dgm:prSet/>
+      <dgm:prSet custT="1"/>
       <dgm:spPr>
         <a:xfrm rot="7398612">
           <a:off x="4033540" y="2011376"/>
@@ -12781,19 +12762,19 @@
         <a:bodyPr/>
         <a:lstStyle/>
         <a:p>
-          <a:endParaRPr lang="en-US">
+          <a:endParaRPr lang="en-US" sz="1600">
             <a:solidFill>
               <a:sysClr val="window" lastClr="FFFFFF"/>
             </a:solidFill>
-            <a:latin typeface="Times New Roman" pitchFamily="18" charset="0"/>
-            <a:ea typeface="+mn-ea"/>
-            <a:cs typeface="Times New Roman" pitchFamily="18" charset="0"/>
+            <a:latin typeface="CMU Serif" panose="02000603000000000000" pitchFamily="2" charset="0"/>
+            <a:ea typeface="CMU Serif" panose="02000603000000000000" pitchFamily="2" charset="0"/>
+            <a:cs typeface="CMU Serif" panose="02000603000000000000" pitchFamily="2" charset="0"/>
           </a:endParaRPr>
         </a:p>
       </dgm:t>
     </dgm:pt>
     <dgm:pt modelId="{0AE64467-536B-4F73-B1BF-C8529D28C44F}">
-      <dgm:prSet phldrT="[Text]">
+      <dgm:prSet phldrT="[Text]" custT="1">
         <dgm:style>
           <a:lnRef idx="2">
             <a:schemeClr val="accent2">
@@ -12833,23 +12814,23 @@
         <a:lstStyle/>
         <a:p>
           <a:r>
-            <a:rPr lang="en-US" dirty="0" smtClean="0">
+            <a:rPr lang="en-US" sz="2000" dirty="0" smtClean="0">
               <a:solidFill>
                 <a:sysClr val="window" lastClr="FFFFFF"/>
               </a:solidFill>
-              <a:latin typeface="Times New Roman" pitchFamily="18" charset="0"/>
-              <a:ea typeface="+mn-ea"/>
-              <a:cs typeface="Times New Roman" pitchFamily="18" charset="0"/>
+              <a:latin typeface="CMU Serif" panose="02000603000000000000" pitchFamily="2" charset="0"/>
+              <a:ea typeface="CMU Serif" panose="02000603000000000000" pitchFamily="2" charset="0"/>
+              <a:cs typeface="CMU Serif" panose="02000603000000000000" pitchFamily="2" charset="0"/>
             </a:rPr>
             <a:t>Feedback</a:t>
           </a:r>
-          <a:endParaRPr lang="en-US" dirty="0">
+          <a:endParaRPr lang="en-US" sz="2000" dirty="0">
             <a:solidFill>
               <a:sysClr val="window" lastClr="FFFFFF"/>
             </a:solidFill>
-            <a:latin typeface="Times New Roman" pitchFamily="18" charset="0"/>
-            <a:ea typeface="+mn-ea"/>
-            <a:cs typeface="Times New Roman" pitchFamily="18" charset="0"/>
+            <a:latin typeface="CMU Serif" panose="02000603000000000000" pitchFamily="2" charset="0"/>
+            <a:ea typeface="CMU Serif" panose="02000603000000000000" pitchFamily="2" charset="0"/>
+            <a:cs typeface="CMU Serif" panose="02000603000000000000" pitchFamily="2" charset="0"/>
           </a:endParaRPr>
         </a:p>
       </dgm:t>
@@ -12869,7 +12850,7 @@
       </dgm:t>
     </dgm:pt>
     <dgm:pt modelId="{A431E52E-601A-4B2E-BFC5-6C7138DD3479}" type="sibTrans" cxnId="{98186602-D6CE-4F14-AB1A-6D5FEFBDF31B}">
-      <dgm:prSet/>
+      <dgm:prSet custT="1"/>
       <dgm:spPr>
         <a:xfrm rot="14003105">
           <a:off x="2133493" y="2040527"/>
@@ -12899,13 +12880,13 @@
         <a:bodyPr/>
         <a:lstStyle/>
         <a:p>
-          <a:endParaRPr lang="en-US">
+          <a:endParaRPr lang="en-US" sz="1600">
             <a:solidFill>
               <a:sysClr val="window" lastClr="FFFFFF"/>
             </a:solidFill>
-            <a:latin typeface="Times New Roman" pitchFamily="18" charset="0"/>
-            <a:ea typeface="+mn-ea"/>
-            <a:cs typeface="Times New Roman" pitchFamily="18" charset="0"/>
+            <a:latin typeface="CMU Serif" panose="02000603000000000000" pitchFamily="2" charset="0"/>
+            <a:ea typeface="CMU Serif" panose="02000603000000000000" pitchFamily="2" charset="0"/>
+            <a:cs typeface="CMU Serif" panose="02000603000000000000" pitchFamily="2" charset="0"/>
           </a:endParaRPr>
         </a:p>
       </dgm:t>
@@ -13080,807 +13061,6 @@
       <dsp:cNvGrpSpPr/>
     </dsp:nvGrpSpPr>
     <dsp:grpSpPr/>
-    <dsp:sp modelId="{9817433F-A425-4B88-BC11-6293B8B2AD5A}">
-      <dsp:nvSpPr>
-        <dsp:cNvPr id="0" name=""/>
-        <dsp:cNvSpPr/>
-      </dsp:nvSpPr>
-      <dsp:spPr>
-        <a:xfrm>
-          <a:off x="860" y="1558"/>
-          <a:ext cx="7497628" cy="767350"/>
-        </a:xfrm>
-        <a:prstGeom prst="roundRect">
-          <a:avLst>
-            <a:gd name="adj" fmla="val 10000"/>
-          </a:avLst>
-        </a:prstGeom>
-        <a:solidFill>
-          <a:srgbClr val="4F81BD"/>
-        </a:solidFill>
-        <a:ln w="25400" cap="flat" cmpd="sng" algn="ctr">
-          <a:solidFill>
-            <a:sysClr val="window" lastClr="FFFFFF">
-              <a:hueOff val="0"/>
-              <a:satOff val="0"/>
-              <a:lumOff val="0"/>
-              <a:alphaOff val="0"/>
-            </a:sysClr>
-          </a:solidFill>
-          <a:prstDash val="solid"/>
-          <a:miter lim="800000"/>
-        </a:ln>
-        <a:effectLst/>
-      </dsp:spPr>
-      <dsp:style>
-        <a:lnRef idx="2">
-          <a:scrgbClr r="0" g="0" b="0"/>
-        </a:lnRef>
-        <a:fillRef idx="1">
-          <a:scrgbClr r="0" g="0" b="0"/>
-        </a:fillRef>
-        <a:effectRef idx="0">
-          <a:scrgbClr r="0" g="0" b="0"/>
-        </a:effectRef>
-        <a:fontRef idx="minor">
-          <a:schemeClr val="lt1"/>
-        </a:fontRef>
-      </dsp:style>
-      <dsp:txBody>
-        <a:bodyPr spcFirstLastPara="0" vert="horz" wrap="square" lIns="106680" tIns="106680" rIns="106680" bIns="106680" numCol="1" spcCol="1270" anchor="ctr" anchorCtr="0">
-          <a:noAutofit/>
-        </a:bodyPr>
-        <a:lstStyle/>
-        <a:p>
-          <a:pPr lvl="0" algn="ctr" defTabSz="1244600">
-            <a:lnSpc>
-              <a:spcPct val="90000"/>
-            </a:lnSpc>
-            <a:spcBef>
-              <a:spcPct val="0"/>
-            </a:spcBef>
-            <a:spcAft>
-              <a:spcPct val="35000"/>
-            </a:spcAft>
-          </a:pPr>
-          <a:r>
-            <a:rPr lang="en-US" sz="2800" kern="1200" dirty="0" smtClean="0">
-              <a:solidFill>
-                <a:sysClr val="window" lastClr="FFFFFF"/>
-              </a:solidFill>
-              <a:latin typeface="Times New Roman" pitchFamily="18" charset="0"/>
-              <a:ea typeface="+mn-ea"/>
-              <a:cs typeface="Times New Roman" pitchFamily="18" charset="0"/>
-            </a:rPr>
-            <a:t>Bus Transport in SL</a:t>
-          </a:r>
-          <a:endParaRPr lang="en-US" sz="2800" kern="1200" dirty="0">
-            <a:solidFill>
-              <a:sysClr val="window" lastClr="FFFFFF"/>
-            </a:solidFill>
-            <a:latin typeface="Times New Roman" pitchFamily="18" charset="0"/>
-            <a:ea typeface="+mn-ea"/>
-            <a:cs typeface="Times New Roman" pitchFamily="18" charset="0"/>
-          </a:endParaRPr>
-        </a:p>
-      </dsp:txBody>
-      <dsp:txXfrm>
-        <a:off x="23335" y="24033"/>
-        <a:ext cx="7452678" cy="722400"/>
-      </dsp:txXfrm>
-    </dsp:sp>
-    <dsp:sp modelId="{3B4DD705-ACAD-4DEE-9C51-D46E3A332F4E}">
-      <dsp:nvSpPr>
-        <dsp:cNvPr id="0" name=""/>
-        <dsp:cNvSpPr/>
-      </dsp:nvSpPr>
-      <dsp:spPr>
-        <a:xfrm>
-          <a:off x="860" y="876975"/>
-          <a:ext cx="2398473" cy="1235310"/>
-        </a:xfrm>
-        <a:prstGeom prst="roundRect">
-          <a:avLst>
-            <a:gd name="adj" fmla="val 10000"/>
-          </a:avLst>
-        </a:prstGeom>
-        <a:solidFill>
-          <a:srgbClr val="92D050"/>
-        </a:solidFill>
-        <a:ln w="25400" cap="flat" cmpd="sng" algn="ctr">
-          <a:solidFill>
-            <a:sysClr val="window" lastClr="FFFFFF">
-              <a:hueOff val="0"/>
-              <a:satOff val="0"/>
-              <a:lumOff val="0"/>
-              <a:alphaOff val="0"/>
-            </a:sysClr>
-          </a:solidFill>
-          <a:prstDash val="solid"/>
-          <a:miter lim="800000"/>
-        </a:ln>
-        <a:effectLst/>
-      </dsp:spPr>
-      <dsp:style>
-        <a:lnRef idx="2">
-          <a:scrgbClr r="0" g="0" b="0"/>
-        </a:lnRef>
-        <a:fillRef idx="1">
-          <a:scrgbClr r="0" g="0" b="0"/>
-        </a:fillRef>
-        <a:effectRef idx="0">
-          <a:scrgbClr r="0" g="0" b="0"/>
-        </a:effectRef>
-        <a:fontRef idx="minor">
-          <a:schemeClr val="lt1"/>
-        </a:fontRef>
-      </dsp:style>
-      <dsp:txBody>
-        <a:bodyPr spcFirstLastPara="0" vert="horz" wrap="square" lIns="106680" tIns="106680" rIns="106680" bIns="106680" numCol="1" spcCol="1270" anchor="ctr" anchorCtr="0">
-          <a:noAutofit/>
-        </a:bodyPr>
-        <a:lstStyle/>
-        <a:p>
-          <a:pPr lvl="0" algn="ctr" defTabSz="1244600">
-            <a:lnSpc>
-              <a:spcPct val="90000"/>
-            </a:lnSpc>
-            <a:spcBef>
-              <a:spcPct val="0"/>
-            </a:spcBef>
-            <a:spcAft>
-              <a:spcPct val="35000"/>
-            </a:spcAft>
-          </a:pPr>
-          <a:r>
-            <a:rPr lang="en-US" sz="2800" kern="1200" dirty="0" smtClean="0">
-              <a:solidFill>
-                <a:sysClr val="windowText" lastClr="000000"/>
-              </a:solidFill>
-              <a:latin typeface="Times New Roman" pitchFamily="18" charset="0"/>
-              <a:ea typeface="+mn-ea"/>
-              <a:cs typeface="Times New Roman" pitchFamily="18" charset="0"/>
-            </a:rPr>
-            <a:t>State-Owned</a:t>
-          </a:r>
-          <a:endParaRPr lang="en-US" sz="2800" kern="1200" dirty="0">
-            <a:solidFill>
-              <a:sysClr val="windowText" lastClr="000000"/>
-            </a:solidFill>
-            <a:latin typeface="Times New Roman" pitchFamily="18" charset="0"/>
-            <a:ea typeface="+mn-ea"/>
-            <a:cs typeface="Times New Roman" pitchFamily="18" charset="0"/>
-          </a:endParaRPr>
-        </a:p>
-      </dsp:txBody>
-      <dsp:txXfrm>
-        <a:off x="37041" y="913156"/>
-        <a:ext cx="2326111" cy="1162948"/>
-      </dsp:txXfrm>
-    </dsp:sp>
-    <dsp:sp modelId="{C06513B5-A425-49AE-9F21-48C3FC6D0179}">
-      <dsp:nvSpPr>
-        <dsp:cNvPr id="0" name=""/>
-        <dsp:cNvSpPr/>
-      </dsp:nvSpPr>
-      <dsp:spPr>
-        <a:xfrm>
-          <a:off x="860" y="2220353"/>
-          <a:ext cx="2398473" cy="1235310"/>
-        </a:xfrm>
-        <a:prstGeom prst="roundRect">
-          <a:avLst>
-            <a:gd name="adj" fmla="val 10000"/>
-          </a:avLst>
-        </a:prstGeom>
-        <a:solidFill>
-          <a:srgbClr val="92D050"/>
-        </a:solidFill>
-        <a:ln w="25400" cap="flat" cmpd="sng" algn="ctr">
-          <a:solidFill>
-            <a:sysClr val="window" lastClr="FFFFFF">
-              <a:hueOff val="0"/>
-              <a:satOff val="0"/>
-              <a:lumOff val="0"/>
-              <a:alphaOff val="0"/>
-            </a:sysClr>
-          </a:solidFill>
-          <a:prstDash val="solid"/>
-          <a:miter lim="800000"/>
-        </a:ln>
-        <a:effectLst/>
-      </dsp:spPr>
-      <dsp:style>
-        <a:lnRef idx="2">
-          <a:scrgbClr r="0" g="0" b="0"/>
-        </a:lnRef>
-        <a:fillRef idx="1">
-          <a:scrgbClr r="0" g="0" b="0"/>
-        </a:fillRef>
-        <a:effectRef idx="0">
-          <a:scrgbClr r="0" g="0" b="0"/>
-        </a:effectRef>
-        <a:fontRef idx="minor">
-          <a:schemeClr val="lt1"/>
-        </a:fontRef>
-      </dsp:style>
-      <dsp:txBody>
-        <a:bodyPr spcFirstLastPara="0" vert="horz" wrap="square" lIns="106680" tIns="106680" rIns="106680" bIns="106680" numCol="1" spcCol="1270" anchor="ctr" anchorCtr="0">
-          <a:noAutofit/>
-        </a:bodyPr>
-        <a:lstStyle/>
-        <a:p>
-          <a:pPr lvl="0" algn="ctr" defTabSz="1244600">
-            <a:lnSpc>
-              <a:spcPct val="90000"/>
-            </a:lnSpc>
-            <a:spcBef>
-              <a:spcPct val="0"/>
-            </a:spcBef>
-            <a:spcAft>
-              <a:spcPct val="35000"/>
-            </a:spcAft>
-          </a:pPr>
-          <a:r>
-            <a:rPr lang="en-US" sz="2800" kern="1200" dirty="0" smtClean="0">
-              <a:solidFill>
-                <a:sysClr val="windowText" lastClr="000000"/>
-              </a:solidFill>
-              <a:latin typeface="Times New Roman" pitchFamily="18" charset="0"/>
-              <a:ea typeface="+mn-ea"/>
-              <a:cs typeface="Times New Roman" pitchFamily="18" charset="0"/>
-            </a:rPr>
-            <a:t>Islandwide</a:t>
-          </a:r>
-          <a:endParaRPr lang="en-US" sz="2800" kern="1200" dirty="0">
-            <a:solidFill>
-              <a:sysClr val="windowText" lastClr="000000"/>
-            </a:solidFill>
-            <a:latin typeface="Times New Roman" pitchFamily="18" charset="0"/>
-            <a:ea typeface="+mn-ea"/>
-            <a:cs typeface="Times New Roman" pitchFamily="18" charset="0"/>
-          </a:endParaRPr>
-        </a:p>
-      </dsp:txBody>
-      <dsp:txXfrm>
-        <a:off x="37041" y="2256534"/>
-        <a:ext cx="2326111" cy="1162948"/>
-      </dsp:txXfrm>
-    </dsp:sp>
-    <dsp:sp modelId="{FD622AE2-9CDC-49F2-86F9-97D7FFF65CC3}">
-      <dsp:nvSpPr>
-        <dsp:cNvPr id="0" name=""/>
-        <dsp:cNvSpPr/>
-      </dsp:nvSpPr>
-      <dsp:spPr>
-        <a:xfrm>
-          <a:off x="860" y="3563730"/>
-          <a:ext cx="2398473" cy="1235310"/>
-        </a:xfrm>
-        <a:prstGeom prst="roundRect">
-          <a:avLst>
-            <a:gd name="adj" fmla="val 10000"/>
-          </a:avLst>
-        </a:prstGeom>
-        <a:solidFill>
-          <a:srgbClr val="92D050"/>
-        </a:solidFill>
-        <a:ln w="25400" cap="flat" cmpd="sng" algn="ctr">
-          <a:solidFill>
-            <a:sysClr val="window" lastClr="FFFFFF">
-              <a:hueOff val="0"/>
-              <a:satOff val="0"/>
-              <a:lumOff val="0"/>
-              <a:alphaOff val="0"/>
-            </a:sysClr>
-          </a:solidFill>
-          <a:prstDash val="solid"/>
-          <a:miter lim="800000"/>
-        </a:ln>
-        <a:effectLst/>
-      </dsp:spPr>
-      <dsp:style>
-        <a:lnRef idx="2">
-          <a:scrgbClr r="0" g="0" b="0"/>
-        </a:lnRef>
-        <a:fillRef idx="1">
-          <a:scrgbClr r="0" g="0" b="0"/>
-        </a:fillRef>
-        <a:effectRef idx="0">
-          <a:scrgbClr r="0" g="0" b="0"/>
-        </a:effectRef>
-        <a:fontRef idx="minor">
-          <a:schemeClr val="lt1"/>
-        </a:fontRef>
-      </dsp:style>
-      <dsp:txBody>
-        <a:bodyPr spcFirstLastPara="0" vert="horz" wrap="square" lIns="106680" tIns="106680" rIns="106680" bIns="106680" numCol="1" spcCol="1270" anchor="ctr" anchorCtr="0">
-          <a:noAutofit/>
-        </a:bodyPr>
-        <a:lstStyle/>
-        <a:p>
-          <a:pPr lvl="0" algn="ctr" defTabSz="1244600">
-            <a:lnSpc>
-              <a:spcPct val="90000"/>
-            </a:lnSpc>
-            <a:spcBef>
-              <a:spcPct val="0"/>
-            </a:spcBef>
-            <a:spcAft>
-              <a:spcPct val="35000"/>
-            </a:spcAft>
-          </a:pPr>
-          <a:r>
-            <a:rPr lang="en-US" sz="2800" kern="1200" dirty="0" smtClean="0">
-              <a:solidFill>
-                <a:sysClr val="windowText" lastClr="000000"/>
-              </a:solidFill>
-              <a:latin typeface="Times New Roman" pitchFamily="18" charset="0"/>
-              <a:ea typeface="+mn-ea"/>
-              <a:cs typeface="Times New Roman" pitchFamily="18" charset="0"/>
-            </a:rPr>
-            <a:t>SLTB</a:t>
-          </a:r>
-          <a:endParaRPr lang="en-US" sz="2800" kern="1200" dirty="0">
-            <a:solidFill>
-              <a:sysClr val="windowText" lastClr="000000"/>
-            </a:solidFill>
-            <a:latin typeface="Times New Roman" pitchFamily="18" charset="0"/>
-            <a:ea typeface="+mn-ea"/>
-            <a:cs typeface="Times New Roman" pitchFamily="18" charset="0"/>
-          </a:endParaRPr>
-        </a:p>
-      </dsp:txBody>
-      <dsp:txXfrm>
-        <a:off x="37041" y="3599911"/>
-        <a:ext cx="2326111" cy="1162948"/>
-      </dsp:txXfrm>
-    </dsp:sp>
-    <dsp:sp modelId="{A024A686-26C6-4CD9-B119-B97D51F0EED4}">
-      <dsp:nvSpPr>
-        <dsp:cNvPr id="0" name=""/>
-        <dsp:cNvSpPr/>
-      </dsp:nvSpPr>
-      <dsp:spPr>
-        <a:xfrm>
-          <a:off x="2600806" y="876975"/>
-          <a:ext cx="4897683" cy="1235310"/>
-        </a:xfrm>
-        <a:prstGeom prst="roundRect">
-          <a:avLst>
-            <a:gd name="adj" fmla="val 10000"/>
-          </a:avLst>
-        </a:prstGeom>
-        <a:solidFill>
-          <a:srgbClr val="C0504D"/>
-        </a:solidFill>
-        <a:ln w="25400" cap="flat" cmpd="sng" algn="ctr">
-          <a:solidFill>
-            <a:sysClr val="window" lastClr="FFFFFF">
-              <a:hueOff val="0"/>
-              <a:satOff val="0"/>
-              <a:lumOff val="0"/>
-              <a:alphaOff val="0"/>
-            </a:sysClr>
-          </a:solidFill>
-          <a:prstDash val="solid"/>
-          <a:miter lim="800000"/>
-        </a:ln>
-        <a:effectLst/>
-      </dsp:spPr>
-      <dsp:style>
-        <a:lnRef idx="2">
-          <a:scrgbClr r="0" g="0" b="0"/>
-        </a:lnRef>
-        <a:fillRef idx="1">
-          <a:scrgbClr r="0" g="0" b="0"/>
-        </a:fillRef>
-        <a:effectRef idx="0">
-          <a:scrgbClr r="0" g="0" b="0"/>
-        </a:effectRef>
-        <a:fontRef idx="minor">
-          <a:schemeClr val="lt1"/>
-        </a:fontRef>
-      </dsp:style>
-      <dsp:txBody>
-        <a:bodyPr spcFirstLastPara="0" vert="horz" wrap="square" lIns="106680" tIns="106680" rIns="106680" bIns="106680" numCol="1" spcCol="1270" anchor="ctr" anchorCtr="0">
-          <a:noAutofit/>
-        </a:bodyPr>
-        <a:lstStyle/>
-        <a:p>
-          <a:pPr lvl="0" algn="ctr" defTabSz="1244600">
-            <a:lnSpc>
-              <a:spcPct val="90000"/>
-            </a:lnSpc>
-            <a:spcBef>
-              <a:spcPct val="0"/>
-            </a:spcBef>
-            <a:spcAft>
-              <a:spcPct val="35000"/>
-            </a:spcAft>
-          </a:pPr>
-          <a:r>
-            <a:rPr lang="en-US" sz="2800" kern="1200" dirty="0" smtClean="0">
-              <a:solidFill>
-                <a:sysClr val="window" lastClr="FFFFFF"/>
-              </a:solidFill>
-              <a:latin typeface="Times New Roman" pitchFamily="18" charset="0"/>
-              <a:ea typeface="+mn-ea"/>
-              <a:cs typeface="Times New Roman" pitchFamily="18" charset="0"/>
-            </a:rPr>
-            <a:t>Privately-Owned</a:t>
-          </a:r>
-          <a:endParaRPr lang="en-US" sz="2800" kern="1200" dirty="0">
-            <a:solidFill>
-              <a:sysClr val="window" lastClr="FFFFFF"/>
-            </a:solidFill>
-            <a:latin typeface="Times New Roman" pitchFamily="18" charset="0"/>
-            <a:ea typeface="+mn-ea"/>
-            <a:cs typeface="Times New Roman" pitchFamily="18" charset="0"/>
-          </a:endParaRPr>
-        </a:p>
-      </dsp:txBody>
-      <dsp:txXfrm>
-        <a:off x="2636987" y="913156"/>
-        <a:ext cx="4825321" cy="1162948"/>
-      </dsp:txXfrm>
-    </dsp:sp>
-    <dsp:sp modelId="{67C3DA5D-4E32-4DEC-A233-48E1BC6A8099}">
-      <dsp:nvSpPr>
-        <dsp:cNvPr id="0" name=""/>
-        <dsp:cNvSpPr/>
-      </dsp:nvSpPr>
-      <dsp:spPr>
-        <a:xfrm>
-          <a:off x="2600806" y="2220353"/>
-          <a:ext cx="2398473" cy="1235310"/>
-        </a:xfrm>
-        <a:prstGeom prst="roundRect">
-          <a:avLst>
-            <a:gd name="adj" fmla="val 10000"/>
-          </a:avLst>
-        </a:prstGeom>
-        <a:solidFill>
-          <a:srgbClr val="C0504D"/>
-        </a:solidFill>
-        <a:ln w="25400" cap="flat" cmpd="sng" algn="ctr">
-          <a:solidFill>
-            <a:sysClr val="window" lastClr="FFFFFF">
-              <a:hueOff val="0"/>
-              <a:satOff val="0"/>
-              <a:lumOff val="0"/>
-              <a:alphaOff val="0"/>
-            </a:sysClr>
-          </a:solidFill>
-          <a:prstDash val="solid"/>
-          <a:miter lim="800000"/>
-        </a:ln>
-        <a:effectLst/>
-      </dsp:spPr>
-      <dsp:style>
-        <a:lnRef idx="2">
-          <a:scrgbClr r="0" g="0" b="0"/>
-        </a:lnRef>
-        <a:fillRef idx="1">
-          <a:scrgbClr r="0" g="0" b="0"/>
-        </a:fillRef>
-        <a:effectRef idx="0">
-          <a:scrgbClr r="0" g="0" b="0"/>
-        </a:effectRef>
-        <a:fontRef idx="minor">
-          <a:schemeClr val="lt1"/>
-        </a:fontRef>
-      </dsp:style>
-      <dsp:txBody>
-        <a:bodyPr spcFirstLastPara="0" vert="horz" wrap="square" lIns="106680" tIns="106680" rIns="106680" bIns="106680" numCol="1" spcCol="1270" anchor="ctr" anchorCtr="0">
-          <a:noAutofit/>
-        </a:bodyPr>
-        <a:lstStyle/>
-        <a:p>
-          <a:pPr lvl="0" algn="ctr" defTabSz="1244600">
-            <a:lnSpc>
-              <a:spcPct val="90000"/>
-            </a:lnSpc>
-            <a:spcBef>
-              <a:spcPct val="0"/>
-            </a:spcBef>
-            <a:spcAft>
-              <a:spcPct val="35000"/>
-            </a:spcAft>
-          </a:pPr>
-          <a:r>
-            <a:rPr lang="en-US" sz="2800" kern="1200" dirty="0" smtClean="0">
-              <a:solidFill>
-                <a:sysClr val="window" lastClr="FFFFFF"/>
-              </a:solidFill>
-              <a:latin typeface="Times New Roman" pitchFamily="18" charset="0"/>
-              <a:ea typeface="+mn-ea"/>
-              <a:cs typeface="Times New Roman" pitchFamily="18" charset="0"/>
-            </a:rPr>
-            <a:t>Inter-Provincial</a:t>
-          </a:r>
-          <a:endParaRPr lang="en-US" sz="2800" kern="1200" dirty="0">
-            <a:solidFill>
-              <a:sysClr val="window" lastClr="FFFFFF"/>
-            </a:solidFill>
-            <a:latin typeface="Times New Roman" pitchFamily="18" charset="0"/>
-            <a:ea typeface="+mn-ea"/>
-            <a:cs typeface="Times New Roman" pitchFamily="18" charset="0"/>
-          </a:endParaRPr>
-        </a:p>
-      </dsp:txBody>
-      <dsp:txXfrm>
-        <a:off x="2636987" y="2256534"/>
-        <a:ext cx="2326111" cy="1162948"/>
-      </dsp:txXfrm>
-    </dsp:sp>
-    <dsp:sp modelId="{6C2E4446-E1FD-4B39-A789-5E18F8C4DE44}">
-      <dsp:nvSpPr>
-        <dsp:cNvPr id="0" name=""/>
-        <dsp:cNvSpPr/>
-      </dsp:nvSpPr>
-      <dsp:spPr>
-        <a:xfrm>
-          <a:off x="2600806" y="3563730"/>
-          <a:ext cx="2398473" cy="1235310"/>
-        </a:xfrm>
-        <a:prstGeom prst="roundRect">
-          <a:avLst>
-            <a:gd name="adj" fmla="val 10000"/>
-          </a:avLst>
-        </a:prstGeom>
-        <a:solidFill>
-          <a:srgbClr val="C0504D"/>
-        </a:solidFill>
-        <a:ln w="25400" cap="flat" cmpd="sng" algn="ctr">
-          <a:solidFill>
-            <a:sysClr val="window" lastClr="FFFFFF">
-              <a:hueOff val="0"/>
-              <a:satOff val="0"/>
-              <a:lumOff val="0"/>
-              <a:alphaOff val="0"/>
-            </a:sysClr>
-          </a:solidFill>
-          <a:prstDash val="solid"/>
-          <a:miter lim="800000"/>
-        </a:ln>
-        <a:effectLst/>
-      </dsp:spPr>
-      <dsp:style>
-        <a:lnRef idx="2">
-          <a:scrgbClr r="0" g="0" b="0"/>
-        </a:lnRef>
-        <a:fillRef idx="1">
-          <a:scrgbClr r="0" g="0" b="0"/>
-        </a:fillRef>
-        <a:effectRef idx="0">
-          <a:scrgbClr r="0" g="0" b="0"/>
-        </a:effectRef>
-        <a:fontRef idx="minor">
-          <a:schemeClr val="lt1"/>
-        </a:fontRef>
-      </dsp:style>
-      <dsp:txBody>
-        <a:bodyPr spcFirstLastPara="0" vert="horz" wrap="square" lIns="106680" tIns="106680" rIns="106680" bIns="106680" numCol="1" spcCol="1270" anchor="ctr" anchorCtr="0">
-          <a:noAutofit/>
-        </a:bodyPr>
-        <a:lstStyle/>
-        <a:p>
-          <a:pPr lvl="0" algn="ctr" defTabSz="1244600">
-            <a:lnSpc>
-              <a:spcPct val="90000"/>
-            </a:lnSpc>
-            <a:spcBef>
-              <a:spcPct val="0"/>
-            </a:spcBef>
-            <a:spcAft>
-              <a:spcPct val="35000"/>
-            </a:spcAft>
-          </a:pPr>
-          <a:r>
-            <a:rPr lang="en-US" sz="2800" kern="1200" dirty="0" smtClean="0">
-              <a:solidFill>
-                <a:sysClr val="window" lastClr="FFFFFF"/>
-              </a:solidFill>
-              <a:latin typeface="Times New Roman" pitchFamily="18" charset="0"/>
-              <a:ea typeface="+mn-ea"/>
-              <a:cs typeface="Times New Roman" pitchFamily="18" charset="0"/>
-            </a:rPr>
-            <a:t>NTC</a:t>
-          </a:r>
-          <a:endParaRPr lang="en-US" sz="2800" kern="1200" dirty="0">
-            <a:solidFill>
-              <a:sysClr val="window" lastClr="FFFFFF"/>
-            </a:solidFill>
-            <a:latin typeface="Times New Roman" pitchFamily="18" charset="0"/>
-            <a:ea typeface="+mn-ea"/>
-            <a:cs typeface="Times New Roman" pitchFamily="18" charset="0"/>
-          </a:endParaRPr>
-        </a:p>
-      </dsp:txBody>
-      <dsp:txXfrm>
-        <a:off x="2636987" y="3599911"/>
-        <a:ext cx="2326111" cy="1162948"/>
-      </dsp:txXfrm>
-    </dsp:sp>
-    <dsp:sp modelId="{BEB26925-EFC9-422D-A155-A0A6C983FEE4}">
-      <dsp:nvSpPr>
-        <dsp:cNvPr id="0" name=""/>
-        <dsp:cNvSpPr/>
-      </dsp:nvSpPr>
-      <dsp:spPr>
-        <a:xfrm>
-          <a:off x="5100015" y="2220353"/>
-          <a:ext cx="2398473" cy="1235310"/>
-        </a:xfrm>
-        <a:prstGeom prst="roundRect">
-          <a:avLst>
-            <a:gd name="adj" fmla="val 10000"/>
-          </a:avLst>
-        </a:prstGeom>
-        <a:solidFill>
-          <a:srgbClr val="C0504D"/>
-        </a:solidFill>
-        <a:ln w="25400" cap="flat" cmpd="sng" algn="ctr">
-          <a:solidFill>
-            <a:sysClr val="window" lastClr="FFFFFF">
-              <a:hueOff val="0"/>
-              <a:satOff val="0"/>
-              <a:lumOff val="0"/>
-              <a:alphaOff val="0"/>
-            </a:sysClr>
-          </a:solidFill>
-          <a:prstDash val="solid"/>
-          <a:miter lim="800000"/>
-        </a:ln>
-        <a:effectLst/>
-      </dsp:spPr>
-      <dsp:style>
-        <a:lnRef idx="2">
-          <a:scrgbClr r="0" g="0" b="0"/>
-        </a:lnRef>
-        <a:fillRef idx="1">
-          <a:scrgbClr r="0" g="0" b="0"/>
-        </a:fillRef>
-        <a:effectRef idx="0">
-          <a:scrgbClr r="0" g="0" b="0"/>
-        </a:effectRef>
-        <a:fontRef idx="minor">
-          <a:schemeClr val="lt1"/>
-        </a:fontRef>
-      </dsp:style>
-      <dsp:txBody>
-        <a:bodyPr spcFirstLastPara="0" vert="horz" wrap="square" lIns="106680" tIns="106680" rIns="106680" bIns="106680" numCol="1" spcCol="1270" anchor="ctr" anchorCtr="0">
-          <a:noAutofit/>
-        </a:bodyPr>
-        <a:lstStyle/>
-        <a:p>
-          <a:pPr lvl="0" algn="ctr" defTabSz="1244600">
-            <a:lnSpc>
-              <a:spcPct val="90000"/>
-            </a:lnSpc>
-            <a:spcBef>
-              <a:spcPct val="0"/>
-            </a:spcBef>
-            <a:spcAft>
-              <a:spcPct val="35000"/>
-            </a:spcAft>
-          </a:pPr>
-          <a:r>
-            <a:rPr lang="en-US" sz="2800" kern="1200" dirty="0" smtClean="0">
-              <a:solidFill>
-                <a:sysClr val="window" lastClr="FFFFFF"/>
-              </a:solidFill>
-              <a:latin typeface="Times New Roman" pitchFamily="18" charset="0"/>
-              <a:ea typeface="+mn-ea"/>
-              <a:cs typeface="Times New Roman" pitchFamily="18" charset="0"/>
-            </a:rPr>
-            <a:t>Intra-Provincial</a:t>
-          </a:r>
-          <a:endParaRPr lang="en-US" sz="2800" kern="1200" dirty="0">
-            <a:solidFill>
-              <a:sysClr val="window" lastClr="FFFFFF"/>
-            </a:solidFill>
-            <a:latin typeface="Times New Roman" pitchFamily="18" charset="0"/>
-            <a:ea typeface="+mn-ea"/>
-            <a:cs typeface="Times New Roman" pitchFamily="18" charset="0"/>
-          </a:endParaRPr>
-        </a:p>
-      </dsp:txBody>
-      <dsp:txXfrm>
-        <a:off x="5136196" y="2256534"/>
-        <a:ext cx="2326111" cy="1162948"/>
-      </dsp:txXfrm>
-    </dsp:sp>
-    <dsp:sp modelId="{BE0D5A9F-1897-431A-BACD-71C5447A2A37}">
-      <dsp:nvSpPr>
-        <dsp:cNvPr id="0" name=""/>
-        <dsp:cNvSpPr/>
-      </dsp:nvSpPr>
-      <dsp:spPr>
-        <a:xfrm>
-          <a:off x="5100015" y="3563730"/>
-          <a:ext cx="2398473" cy="1235310"/>
-        </a:xfrm>
-        <a:prstGeom prst="roundRect">
-          <a:avLst>
-            <a:gd name="adj" fmla="val 10000"/>
-          </a:avLst>
-        </a:prstGeom>
-        <a:solidFill>
-          <a:srgbClr val="C0504D"/>
-        </a:solidFill>
-        <a:ln w="25400" cap="flat" cmpd="sng" algn="ctr">
-          <a:solidFill>
-            <a:sysClr val="window" lastClr="FFFFFF">
-              <a:hueOff val="0"/>
-              <a:satOff val="0"/>
-              <a:lumOff val="0"/>
-              <a:alphaOff val="0"/>
-            </a:sysClr>
-          </a:solidFill>
-          <a:prstDash val="solid"/>
-          <a:miter lim="800000"/>
-        </a:ln>
-        <a:effectLst/>
-      </dsp:spPr>
-      <dsp:style>
-        <a:lnRef idx="2">
-          <a:scrgbClr r="0" g="0" b="0"/>
-        </a:lnRef>
-        <a:fillRef idx="1">
-          <a:scrgbClr r="0" g="0" b="0"/>
-        </a:fillRef>
-        <a:effectRef idx="0">
-          <a:scrgbClr r="0" g="0" b="0"/>
-        </a:effectRef>
-        <a:fontRef idx="minor">
-          <a:schemeClr val="lt1"/>
-        </a:fontRef>
-      </dsp:style>
-      <dsp:txBody>
-        <a:bodyPr spcFirstLastPara="0" vert="horz" wrap="square" lIns="106680" tIns="106680" rIns="106680" bIns="106680" numCol="1" spcCol="1270" anchor="ctr" anchorCtr="0">
-          <a:noAutofit/>
-        </a:bodyPr>
-        <a:lstStyle/>
-        <a:p>
-          <a:pPr lvl="0" algn="ctr" defTabSz="1244600">
-            <a:lnSpc>
-              <a:spcPct val="90000"/>
-            </a:lnSpc>
-            <a:spcBef>
-              <a:spcPct val="0"/>
-            </a:spcBef>
-            <a:spcAft>
-              <a:spcPct val="35000"/>
-            </a:spcAft>
-          </a:pPr>
-          <a:r>
-            <a:rPr lang="en-US" sz="2800" kern="1200" dirty="0" smtClean="0">
-              <a:solidFill>
-                <a:sysClr val="window" lastClr="FFFFFF"/>
-              </a:solidFill>
-              <a:latin typeface="Times New Roman" pitchFamily="18" charset="0"/>
-              <a:ea typeface="+mn-ea"/>
-              <a:cs typeface="Times New Roman" pitchFamily="18" charset="0"/>
-            </a:rPr>
-            <a:t>RPTA - WP</a:t>
-          </a:r>
-          <a:endParaRPr lang="en-US" sz="2800" kern="1200" dirty="0">
-            <a:solidFill>
-              <a:sysClr val="window" lastClr="FFFFFF"/>
-            </a:solidFill>
-            <a:latin typeface="Times New Roman" pitchFamily="18" charset="0"/>
-            <a:ea typeface="+mn-ea"/>
-            <a:cs typeface="Times New Roman" pitchFamily="18" charset="0"/>
-          </a:endParaRPr>
-        </a:p>
-      </dsp:txBody>
-      <dsp:txXfrm>
-        <a:off x="5136196" y="3599911"/>
-        <a:ext cx="2326111" cy="1162948"/>
-      </dsp:txXfrm>
-    </dsp:sp>
   </dsp:spTree>
 </dsp:drawing>
 </file>
@@ -13893,624 +13073,6 @@
       <dsp:cNvGrpSpPr/>
     </dsp:nvGrpSpPr>
     <dsp:grpSpPr/>
-    <dsp:sp modelId="{378A8F3F-CBD1-4055-9ADA-BC46980BA392}">
-      <dsp:nvSpPr>
-        <dsp:cNvPr id="0" name=""/>
-        <dsp:cNvSpPr/>
-      </dsp:nvSpPr>
-      <dsp:spPr>
-        <a:xfrm>
-          <a:off x="3009" y="1371"/>
-          <a:ext cx="7493330" cy="635993"/>
-        </a:xfrm>
-        <a:prstGeom prst="roundRect">
-          <a:avLst>
-            <a:gd name="adj" fmla="val 10000"/>
-          </a:avLst>
-        </a:prstGeom>
-        <a:solidFill>
-          <a:sysClr val="window" lastClr="FFFFFF">
-            <a:hueOff val="0"/>
-            <a:satOff val="0"/>
-            <a:lumOff val="0"/>
-            <a:alphaOff val="0"/>
-          </a:sysClr>
-        </a:solidFill>
-        <a:ln w="25400" cap="flat" cmpd="sng" algn="ctr">
-          <a:solidFill>
-            <a:srgbClr val="9BBB59">
-              <a:shade val="80000"/>
-              <a:hueOff val="0"/>
-              <a:satOff val="0"/>
-              <a:lumOff val="0"/>
-              <a:alphaOff val="0"/>
-            </a:srgbClr>
-          </a:solidFill>
-          <a:prstDash val="solid"/>
-          <a:miter lim="800000"/>
-        </a:ln>
-        <a:effectLst/>
-      </dsp:spPr>
-      <dsp:style>
-        <a:lnRef idx="2">
-          <a:scrgbClr r="0" g="0" b="0"/>
-        </a:lnRef>
-        <a:fillRef idx="1">
-          <a:scrgbClr r="0" g="0" b="0"/>
-        </a:fillRef>
-        <a:effectRef idx="0">
-          <a:scrgbClr r="0" g="0" b="0"/>
-        </a:effectRef>
-        <a:fontRef idx="minor">
-          <a:schemeClr val="lt1"/>
-        </a:fontRef>
-      </dsp:style>
-      <dsp:txBody>
-        <a:bodyPr spcFirstLastPara="0" vert="horz" wrap="square" lIns="68580" tIns="68580" rIns="68580" bIns="68580" numCol="1" spcCol="1270" anchor="ctr" anchorCtr="0">
-          <a:noAutofit/>
-        </a:bodyPr>
-        <a:lstStyle/>
-        <a:p>
-          <a:pPr lvl="0" algn="ctr" defTabSz="800100">
-            <a:lnSpc>
-              <a:spcPct val="90000"/>
-            </a:lnSpc>
-            <a:spcBef>
-              <a:spcPct val="0"/>
-            </a:spcBef>
-            <a:spcAft>
-              <a:spcPct val="35000"/>
-            </a:spcAft>
-          </a:pPr>
-          <a:r>
-            <a:rPr lang="en-US" sz="1800" kern="1200" dirty="0" smtClean="0">
-              <a:solidFill>
-                <a:sysClr val="windowText" lastClr="000000">
-                  <a:hueOff val="0"/>
-                  <a:satOff val="0"/>
-                  <a:lumOff val="0"/>
-                  <a:alphaOff val="0"/>
-                </a:sysClr>
-              </a:solidFill>
-              <a:latin typeface="Times New Roman" pitchFamily="18" charset="0"/>
-              <a:ea typeface="+mn-ea"/>
-              <a:cs typeface="Times New Roman" pitchFamily="18" charset="0"/>
-            </a:rPr>
-            <a:t>Stakeholders</a:t>
-          </a:r>
-          <a:endParaRPr lang="en-US" sz="1800" kern="1200" dirty="0">
-            <a:solidFill>
-              <a:sysClr val="windowText" lastClr="000000">
-                <a:hueOff val="0"/>
-                <a:satOff val="0"/>
-                <a:lumOff val="0"/>
-                <a:alphaOff val="0"/>
-              </a:sysClr>
-            </a:solidFill>
-            <a:latin typeface="Times New Roman" pitchFamily="18" charset="0"/>
-            <a:ea typeface="+mn-ea"/>
-            <a:cs typeface="Times New Roman" pitchFamily="18" charset="0"/>
-          </a:endParaRPr>
-        </a:p>
-      </dsp:txBody>
-      <dsp:txXfrm>
-        <a:off x="21637" y="19999"/>
-        <a:ext cx="7456074" cy="598737"/>
-      </dsp:txXfrm>
-    </dsp:sp>
-    <dsp:sp modelId="{9D453CAB-9CC0-45E2-BFE5-337982EED701}">
-      <dsp:nvSpPr>
-        <dsp:cNvPr id="0" name=""/>
-        <dsp:cNvSpPr/>
-      </dsp:nvSpPr>
-      <dsp:spPr>
-        <a:xfrm>
-          <a:off x="3009" y="852678"/>
-          <a:ext cx="1404297" cy="898549"/>
-        </a:xfrm>
-        <a:prstGeom prst="roundRect">
-          <a:avLst>
-            <a:gd name="adj" fmla="val 10000"/>
-          </a:avLst>
-        </a:prstGeom>
-        <a:solidFill>
-          <a:srgbClr val="92D050"/>
-        </a:solidFill>
-        <a:ln w="25400" cap="flat" cmpd="sng" algn="ctr">
-          <a:solidFill>
-            <a:srgbClr val="9BBB59">
-              <a:shade val="50000"/>
-            </a:srgbClr>
-          </a:solidFill>
-          <a:prstDash val="solid"/>
-          <a:miter lim="800000"/>
-        </a:ln>
-        <a:effectLst/>
-      </dsp:spPr>
-      <dsp:style>
-        <a:lnRef idx="2">
-          <a:schemeClr val="accent3">
-            <a:shade val="50000"/>
-          </a:schemeClr>
-        </a:lnRef>
-        <a:fillRef idx="1">
-          <a:schemeClr val="accent3"/>
-        </a:fillRef>
-        <a:effectRef idx="0">
-          <a:schemeClr val="accent3"/>
-        </a:effectRef>
-        <a:fontRef idx="minor">
-          <a:schemeClr val="lt1"/>
-        </a:fontRef>
-      </dsp:style>
-      <dsp:txBody>
-        <a:bodyPr spcFirstLastPara="0" vert="horz" wrap="square" lIns="68580" tIns="68580" rIns="68580" bIns="68580" numCol="1" spcCol="1270" anchor="ctr" anchorCtr="0">
-          <a:noAutofit/>
-        </a:bodyPr>
-        <a:lstStyle/>
-        <a:p>
-          <a:pPr lvl="0" algn="ctr" defTabSz="800100">
-            <a:lnSpc>
-              <a:spcPct val="90000"/>
-            </a:lnSpc>
-            <a:spcBef>
-              <a:spcPct val="0"/>
-            </a:spcBef>
-            <a:spcAft>
-              <a:spcPct val="35000"/>
-            </a:spcAft>
-          </a:pPr>
-          <a:r>
-            <a:rPr lang="en-US" sz="1800" kern="1200" dirty="0" smtClean="0">
-              <a:solidFill>
-                <a:sysClr val="windowText" lastClr="000000">
-                  <a:hueOff val="0"/>
-                  <a:satOff val="0"/>
-                  <a:lumOff val="0"/>
-                  <a:alphaOff val="0"/>
-                </a:sysClr>
-              </a:solidFill>
-              <a:latin typeface="Times New Roman" pitchFamily="18" charset="0"/>
-              <a:ea typeface="+mn-ea"/>
-              <a:cs typeface="Times New Roman" pitchFamily="18" charset="0"/>
-            </a:rPr>
-            <a:t>Bus Owners / Operators</a:t>
-          </a:r>
-          <a:endParaRPr lang="en-US" sz="1800" kern="1200" dirty="0">
-            <a:solidFill>
-              <a:sysClr val="windowText" lastClr="000000">
-                <a:hueOff val="0"/>
-                <a:satOff val="0"/>
-                <a:lumOff val="0"/>
-                <a:alphaOff val="0"/>
-              </a:sysClr>
-            </a:solidFill>
-            <a:latin typeface="Times New Roman" pitchFamily="18" charset="0"/>
-            <a:ea typeface="+mn-ea"/>
-            <a:cs typeface="Times New Roman" pitchFamily="18" charset="0"/>
-          </a:endParaRPr>
-        </a:p>
-      </dsp:txBody>
-      <dsp:txXfrm>
-        <a:off x="29327" y="878996"/>
-        <a:ext cx="1351661" cy="845913"/>
-      </dsp:txXfrm>
-    </dsp:sp>
-    <dsp:sp modelId="{213DAB9F-207D-4B1B-9AD4-94C62417840D}">
-      <dsp:nvSpPr>
-        <dsp:cNvPr id="0" name=""/>
-        <dsp:cNvSpPr/>
-      </dsp:nvSpPr>
-      <dsp:spPr>
-        <a:xfrm>
-          <a:off x="1525268" y="852678"/>
-          <a:ext cx="1404297" cy="898549"/>
-        </a:xfrm>
-        <a:prstGeom prst="roundRect">
-          <a:avLst>
-            <a:gd name="adj" fmla="val 10000"/>
-          </a:avLst>
-        </a:prstGeom>
-        <a:solidFill>
-          <a:srgbClr val="92D050"/>
-        </a:solidFill>
-        <a:ln w="25400" cap="flat" cmpd="sng" algn="ctr">
-          <a:solidFill>
-            <a:srgbClr val="9BBB59">
-              <a:shade val="80000"/>
-              <a:hueOff val="0"/>
-              <a:satOff val="0"/>
-              <a:lumOff val="0"/>
-              <a:alphaOff val="0"/>
-            </a:srgbClr>
-          </a:solidFill>
-          <a:prstDash val="solid"/>
-          <a:miter lim="800000"/>
-        </a:ln>
-        <a:effectLst/>
-      </dsp:spPr>
-      <dsp:style>
-        <a:lnRef idx="2">
-          <a:scrgbClr r="0" g="0" b="0"/>
-        </a:lnRef>
-        <a:fillRef idx="1">
-          <a:scrgbClr r="0" g="0" b="0"/>
-        </a:fillRef>
-        <a:effectRef idx="0">
-          <a:scrgbClr r="0" g="0" b="0"/>
-        </a:effectRef>
-        <a:fontRef idx="minor">
-          <a:schemeClr val="lt1"/>
-        </a:fontRef>
-      </dsp:style>
-      <dsp:txBody>
-        <a:bodyPr spcFirstLastPara="0" vert="horz" wrap="square" lIns="68580" tIns="68580" rIns="68580" bIns="68580" numCol="1" spcCol="1270" anchor="ctr" anchorCtr="0">
-          <a:noAutofit/>
-        </a:bodyPr>
-        <a:lstStyle/>
-        <a:p>
-          <a:pPr lvl="0" algn="ctr" defTabSz="800100">
-            <a:lnSpc>
-              <a:spcPct val="90000"/>
-            </a:lnSpc>
-            <a:spcBef>
-              <a:spcPct val="0"/>
-            </a:spcBef>
-            <a:spcAft>
-              <a:spcPct val="35000"/>
-            </a:spcAft>
-          </a:pPr>
-          <a:r>
-            <a:rPr lang="en-US" sz="1800" kern="1200" dirty="0" smtClean="0">
-              <a:solidFill>
-                <a:sysClr val="windowText" lastClr="000000">
-                  <a:hueOff val="0"/>
-                  <a:satOff val="0"/>
-                  <a:lumOff val="0"/>
-                  <a:alphaOff val="0"/>
-                </a:sysClr>
-              </a:solidFill>
-              <a:latin typeface="Times New Roman" pitchFamily="18" charset="0"/>
-              <a:ea typeface="+mn-ea"/>
-              <a:cs typeface="Times New Roman" pitchFamily="18" charset="0"/>
-            </a:rPr>
-            <a:t>Commuters</a:t>
-          </a:r>
-          <a:endParaRPr lang="en-US" sz="1800" kern="1200" dirty="0">
-            <a:solidFill>
-              <a:sysClr val="windowText" lastClr="000000">
-                <a:hueOff val="0"/>
-                <a:satOff val="0"/>
-                <a:lumOff val="0"/>
-                <a:alphaOff val="0"/>
-              </a:sysClr>
-            </a:solidFill>
-            <a:latin typeface="Times New Roman" pitchFamily="18" charset="0"/>
-            <a:ea typeface="+mn-ea"/>
-            <a:cs typeface="Times New Roman" pitchFamily="18" charset="0"/>
-          </a:endParaRPr>
-        </a:p>
-      </dsp:txBody>
-      <dsp:txXfrm>
-        <a:off x="1551586" y="878996"/>
-        <a:ext cx="1351661" cy="845913"/>
-      </dsp:txXfrm>
-    </dsp:sp>
-    <dsp:sp modelId="{732E75A2-EB38-4F92-9853-4DA2A65103C6}">
-      <dsp:nvSpPr>
-        <dsp:cNvPr id="0" name=""/>
-        <dsp:cNvSpPr/>
-      </dsp:nvSpPr>
-      <dsp:spPr>
-        <a:xfrm>
-          <a:off x="3047526" y="852678"/>
-          <a:ext cx="1404297" cy="898549"/>
-        </a:xfrm>
-        <a:prstGeom prst="roundRect">
-          <a:avLst>
-            <a:gd name="adj" fmla="val 10000"/>
-          </a:avLst>
-        </a:prstGeom>
-        <a:solidFill>
-          <a:sysClr val="window" lastClr="FFFFFF">
-            <a:hueOff val="0"/>
-            <a:satOff val="0"/>
-            <a:lumOff val="0"/>
-            <a:alphaOff val="0"/>
-          </a:sysClr>
-        </a:solidFill>
-        <a:ln w="25400" cap="flat" cmpd="sng" algn="ctr">
-          <a:solidFill>
-            <a:srgbClr val="9BBB59">
-              <a:shade val="80000"/>
-              <a:hueOff val="0"/>
-              <a:satOff val="0"/>
-              <a:lumOff val="0"/>
-              <a:alphaOff val="0"/>
-            </a:srgbClr>
-          </a:solidFill>
-          <a:prstDash val="solid"/>
-          <a:miter lim="800000"/>
-        </a:ln>
-        <a:effectLst/>
-      </dsp:spPr>
-      <dsp:style>
-        <a:lnRef idx="2">
-          <a:scrgbClr r="0" g="0" b="0"/>
-        </a:lnRef>
-        <a:fillRef idx="1">
-          <a:scrgbClr r="0" g="0" b="0"/>
-        </a:fillRef>
-        <a:effectRef idx="0">
-          <a:scrgbClr r="0" g="0" b="0"/>
-        </a:effectRef>
-        <a:fontRef idx="minor">
-          <a:schemeClr val="lt1"/>
-        </a:fontRef>
-      </dsp:style>
-      <dsp:txBody>
-        <a:bodyPr spcFirstLastPara="0" vert="horz" wrap="square" lIns="68580" tIns="68580" rIns="68580" bIns="68580" numCol="1" spcCol="1270" anchor="ctr" anchorCtr="0">
-          <a:noAutofit/>
-        </a:bodyPr>
-        <a:lstStyle/>
-        <a:p>
-          <a:pPr lvl="0" algn="ctr" defTabSz="800100">
-            <a:lnSpc>
-              <a:spcPct val="90000"/>
-            </a:lnSpc>
-            <a:spcBef>
-              <a:spcPct val="0"/>
-            </a:spcBef>
-            <a:spcAft>
-              <a:spcPct val="35000"/>
-            </a:spcAft>
-          </a:pPr>
-          <a:r>
-            <a:rPr lang="en-US" sz="1800" kern="1200" dirty="0" smtClean="0">
-              <a:solidFill>
-                <a:sysClr val="windowText" lastClr="000000">
-                  <a:hueOff val="0"/>
-                  <a:satOff val="0"/>
-                  <a:lumOff val="0"/>
-                  <a:alphaOff val="0"/>
-                </a:sysClr>
-              </a:solidFill>
-              <a:latin typeface="Times New Roman" pitchFamily="18" charset="0"/>
-              <a:ea typeface="+mn-ea"/>
-              <a:cs typeface="Times New Roman" pitchFamily="18" charset="0"/>
-            </a:rPr>
-            <a:t>WP-RPTA</a:t>
-          </a:r>
-          <a:endParaRPr lang="en-US" sz="1800" kern="1200" dirty="0">
-            <a:solidFill>
-              <a:sysClr val="windowText" lastClr="000000">
-                <a:hueOff val="0"/>
-                <a:satOff val="0"/>
-                <a:lumOff val="0"/>
-                <a:alphaOff val="0"/>
-              </a:sysClr>
-            </a:solidFill>
-            <a:latin typeface="Times New Roman" pitchFamily="18" charset="0"/>
-            <a:ea typeface="+mn-ea"/>
-            <a:cs typeface="Times New Roman" pitchFamily="18" charset="0"/>
-          </a:endParaRPr>
-        </a:p>
-      </dsp:txBody>
-      <dsp:txXfrm>
-        <a:off x="3073844" y="878996"/>
-        <a:ext cx="1351661" cy="845913"/>
-      </dsp:txXfrm>
-    </dsp:sp>
-    <dsp:sp modelId="{0FAD945F-5337-484B-8DEF-F78894050DBA}">
-      <dsp:nvSpPr>
-        <dsp:cNvPr id="0" name=""/>
-        <dsp:cNvSpPr/>
-      </dsp:nvSpPr>
-      <dsp:spPr>
-        <a:xfrm>
-          <a:off x="4569784" y="852678"/>
-          <a:ext cx="1404297" cy="898549"/>
-        </a:xfrm>
-        <a:prstGeom prst="roundRect">
-          <a:avLst>
-            <a:gd name="adj" fmla="val 10000"/>
-          </a:avLst>
-        </a:prstGeom>
-        <a:solidFill>
-          <a:sysClr val="window" lastClr="FFFFFF">
-            <a:hueOff val="0"/>
-            <a:satOff val="0"/>
-            <a:lumOff val="0"/>
-            <a:alphaOff val="0"/>
-          </a:sysClr>
-        </a:solidFill>
-        <a:ln w="25400" cap="flat" cmpd="sng" algn="ctr">
-          <a:solidFill>
-            <a:srgbClr val="9BBB59">
-              <a:shade val="80000"/>
-              <a:hueOff val="0"/>
-              <a:satOff val="0"/>
-              <a:lumOff val="0"/>
-              <a:alphaOff val="0"/>
-            </a:srgbClr>
-          </a:solidFill>
-          <a:prstDash val="solid"/>
-          <a:miter lim="800000"/>
-        </a:ln>
-        <a:effectLst/>
-      </dsp:spPr>
-      <dsp:style>
-        <a:lnRef idx="2">
-          <a:scrgbClr r="0" g="0" b="0"/>
-        </a:lnRef>
-        <a:fillRef idx="1">
-          <a:scrgbClr r="0" g="0" b="0"/>
-        </a:fillRef>
-        <a:effectRef idx="0">
-          <a:scrgbClr r="0" g="0" b="0"/>
-        </a:effectRef>
-        <a:fontRef idx="minor">
-          <a:schemeClr val="lt1"/>
-        </a:fontRef>
-      </dsp:style>
-      <dsp:txBody>
-        <a:bodyPr spcFirstLastPara="0" vert="horz" wrap="square" lIns="68580" tIns="68580" rIns="68580" bIns="68580" numCol="1" spcCol="1270" anchor="ctr" anchorCtr="0">
-          <a:noAutofit/>
-        </a:bodyPr>
-        <a:lstStyle/>
-        <a:p>
-          <a:pPr lvl="0" algn="ctr" defTabSz="800100">
-            <a:lnSpc>
-              <a:spcPct val="90000"/>
-            </a:lnSpc>
-            <a:spcBef>
-              <a:spcPct val="0"/>
-            </a:spcBef>
-            <a:spcAft>
-              <a:spcPct val="35000"/>
-            </a:spcAft>
-          </a:pPr>
-          <a:r>
-            <a:rPr lang="en-US" sz="1800" kern="1200" dirty="0" smtClean="0">
-              <a:solidFill>
-                <a:sysClr val="windowText" lastClr="000000">
-                  <a:hueOff val="0"/>
-                  <a:satOff val="0"/>
-                  <a:lumOff val="0"/>
-                  <a:alphaOff val="0"/>
-                </a:sysClr>
-              </a:solidFill>
-              <a:latin typeface="Times New Roman" pitchFamily="18" charset="0"/>
-              <a:ea typeface="+mn-ea"/>
-              <a:cs typeface="Times New Roman" pitchFamily="18" charset="0"/>
-            </a:rPr>
-            <a:t>Government</a:t>
-          </a:r>
-          <a:endParaRPr lang="en-US" sz="1800" kern="1200" dirty="0">
-            <a:solidFill>
-              <a:sysClr val="windowText" lastClr="000000">
-                <a:hueOff val="0"/>
-                <a:satOff val="0"/>
-                <a:lumOff val="0"/>
-                <a:alphaOff val="0"/>
-              </a:sysClr>
-            </a:solidFill>
-            <a:latin typeface="Times New Roman" pitchFamily="18" charset="0"/>
-            <a:ea typeface="+mn-ea"/>
-            <a:cs typeface="Times New Roman" pitchFamily="18" charset="0"/>
-          </a:endParaRPr>
-        </a:p>
-      </dsp:txBody>
-      <dsp:txXfrm>
-        <a:off x="4596102" y="878996"/>
-        <a:ext cx="1351661" cy="845913"/>
-      </dsp:txXfrm>
-    </dsp:sp>
-    <dsp:sp modelId="{7120A70B-E7BD-4E15-88F1-07248B3F7630}">
-      <dsp:nvSpPr>
-        <dsp:cNvPr id="0" name=""/>
-        <dsp:cNvSpPr/>
-      </dsp:nvSpPr>
-      <dsp:spPr>
-        <a:xfrm>
-          <a:off x="6092042" y="852678"/>
-          <a:ext cx="1404297" cy="898549"/>
-        </a:xfrm>
-        <a:prstGeom prst="roundRect">
-          <a:avLst>
-            <a:gd name="adj" fmla="val 10000"/>
-          </a:avLst>
-        </a:prstGeom>
-        <a:solidFill>
-          <a:sysClr val="window" lastClr="FFFFFF">
-            <a:hueOff val="0"/>
-            <a:satOff val="0"/>
-            <a:lumOff val="0"/>
-            <a:alphaOff val="0"/>
-          </a:sysClr>
-        </a:solidFill>
-        <a:ln w="25400" cap="flat" cmpd="sng" algn="ctr">
-          <a:solidFill>
-            <a:srgbClr val="9BBB59">
-              <a:shade val="80000"/>
-              <a:hueOff val="0"/>
-              <a:satOff val="0"/>
-              <a:lumOff val="0"/>
-              <a:alphaOff val="0"/>
-            </a:srgbClr>
-          </a:solidFill>
-          <a:prstDash val="solid"/>
-          <a:miter lim="800000"/>
-        </a:ln>
-        <a:effectLst/>
-      </dsp:spPr>
-      <dsp:style>
-        <a:lnRef idx="2">
-          <a:scrgbClr r="0" g="0" b="0"/>
-        </a:lnRef>
-        <a:fillRef idx="1">
-          <a:scrgbClr r="0" g="0" b="0"/>
-        </a:fillRef>
-        <a:effectRef idx="0">
-          <a:scrgbClr r="0" g="0" b="0"/>
-        </a:effectRef>
-        <a:fontRef idx="minor">
-          <a:schemeClr val="lt1"/>
-        </a:fontRef>
-      </dsp:style>
-      <dsp:txBody>
-        <a:bodyPr spcFirstLastPara="0" vert="horz" wrap="square" lIns="68580" tIns="68580" rIns="68580" bIns="68580" numCol="1" spcCol="1270" anchor="ctr" anchorCtr="0">
-          <a:noAutofit/>
-        </a:bodyPr>
-        <a:lstStyle/>
-        <a:p>
-          <a:pPr lvl="0" algn="ctr" defTabSz="800100">
-            <a:lnSpc>
-              <a:spcPct val="90000"/>
-            </a:lnSpc>
-            <a:spcBef>
-              <a:spcPct val="0"/>
-            </a:spcBef>
-            <a:spcAft>
-              <a:spcPct val="35000"/>
-            </a:spcAft>
-          </a:pPr>
-          <a:r>
-            <a:rPr lang="en-US" sz="1800" kern="1200" dirty="0" smtClean="0">
-              <a:solidFill>
-                <a:sysClr val="windowText" lastClr="000000">
-                  <a:hueOff val="0"/>
-                  <a:satOff val="0"/>
-                  <a:lumOff val="0"/>
-                  <a:alphaOff val="0"/>
-                </a:sysClr>
-              </a:solidFill>
-              <a:latin typeface="Times New Roman" pitchFamily="18" charset="0"/>
-              <a:ea typeface="+mn-ea"/>
-              <a:cs typeface="Times New Roman" pitchFamily="18" charset="0"/>
-            </a:rPr>
-            <a:t>Other Motorists</a:t>
-          </a:r>
-          <a:endParaRPr lang="en-US" sz="1800" kern="1200" dirty="0">
-            <a:solidFill>
-              <a:sysClr val="windowText" lastClr="000000">
-                <a:hueOff val="0"/>
-                <a:satOff val="0"/>
-                <a:lumOff val="0"/>
-                <a:alphaOff val="0"/>
-              </a:sysClr>
-            </a:solidFill>
-            <a:latin typeface="Times New Roman" pitchFamily="18" charset="0"/>
-            <a:ea typeface="+mn-ea"/>
-            <a:cs typeface="Times New Roman" pitchFamily="18" charset="0"/>
-          </a:endParaRPr>
-        </a:p>
-      </dsp:txBody>
-      <dsp:txXfrm>
-        <a:off x="6118360" y="878996"/>
-        <a:ext cx="1351661" cy="845913"/>
-      </dsp:txXfrm>
-    </dsp:sp>
   </dsp:spTree>
 </dsp:drawing>
 </file>
@@ -14523,1538 +13085,6 @@
       <dsp:cNvGrpSpPr/>
     </dsp:nvGrpSpPr>
     <dsp:grpSpPr/>
-    <dsp:sp modelId="{FB711B66-1484-4F21-BE8B-B0BCEBD13531}">
-      <dsp:nvSpPr>
-        <dsp:cNvPr id="0" name=""/>
-        <dsp:cNvSpPr/>
-      </dsp:nvSpPr>
-      <dsp:spPr>
-        <a:xfrm>
-          <a:off x="19" y="1769410"/>
-          <a:ext cx="1528167" cy="764083"/>
-        </a:xfrm>
-        <a:prstGeom prst="roundRect">
-          <a:avLst>
-            <a:gd name="adj" fmla="val 10000"/>
-          </a:avLst>
-        </a:prstGeom>
-        <a:solidFill>
-          <a:sysClr val="window" lastClr="FFFFFF"/>
-        </a:solidFill>
-        <a:ln w="25400" cap="flat" cmpd="sng" algn="ctr">
-          <a:solidFill>
-            <a:srgbClr val="4F81BD"/>
-          </a:solidFill>
-          <a:prstDash val="solid"/>
-          <a:miter lim="800000"/>
-        </a:ln>
-        <a:effectLst/>
-      </dsp:spPr>
-      <dsp:style>
-        <a:lnRef idx="2">
-          <a:schemeClr val="accent1"/>
-        </a:lnRef>
-        <a:fillRef idx="1">
-          <a:schemeClr val="lt1"/>
-        </a:fillRef>
-        <a:effectRef idx="0">
-          <a:schemeClr val="accent1"/>
-        </a:effectRef>
-        <a:fontRef idx="minor">
-          <a:schemeClr val="dk1"/>
-        </a:fontRef>
-      </dsp:style>
-      <dsp:txBody>
-        <a:bodyPr spcFirstLastPara="0" vert="horz" wrap="square" lIns="12700" tIns="12700" rIns="12700" bIns="12700" numCol="1" spcCol="1270" anchor="ctr" anchorCtr="0">
-          <a:noAutofit/>
-        </a:bodyPr>
-        <a:lstStyle/>
-        <a:p>
-          <a:pPr lvl="0" algn="ctr" defTabSz="889000">
-            <a:lnSpc>
-              <a:spcPct val="90000"/>
-            </a:lnSpc>
-            <a:spcBef>
-              <a:spcPct val="0"/>
-            </a:spcBef>
-            <a:spcAft>
-              <a:spcPct val="35000"/>
-            </a:spcAft>
-          </a:pPr>
-          <a:r>
-            <a:rPr lang="en-US" sz="2000" kern="1200" dirty="0" smtClean="0">
-              <a:solidFill>
-                <a:sysClr val="windowText" lastClr="000000"/>
-              </a:solidFill>
-              <a:latin typeface="Times New Roman" pitchFamily="18" charset="0"/>
-              <a:ea typeface="+mn-ea"/>
-              <a:cs typeface="Times New Roman" pitchFamily="18" charset="0"/>
-            </a:rPr>
-            <a:t>Stakeholders</a:t>
-          </a:r>
-          <a:endParaRPr lang="en-US" sz="2000" kern="1200" dirty="0">
-            <a:solidFill>
-              <a:sysClr val="windowText" lastClr="000000"/>
-            </a:solidFill>
-            <a:latin typeface="Times New Roman" pitchFamily="18" charset="0"/>
-            <a:ea typeface="+mn-ea"/>
-            <a:cs typeface="Times New Roman" pitchFamily="18" charset="0"/>
-          </a:endParaRPr>
-        </a:p>
-      </dsp:txBody>
-      <dsp:txXfrm>
-        <a:off x="22398" y="1791789"/>
-        <a:ext cx="1483409" cy="719325"/>
-      </dsp:txXfrm>
-    </dsp:sp>
-    <dsp:sp modelId="{1635B5ED-F9D1-497E-8E79-7C60DA676ABB}">
-      <dsp:nvSpPr>
-        <dsp:cNvPr id="0" name=""/>
-        <dsp:cNvSpPr/>
-      </dsp:nvSpPr>
-      <dsp:spPr>
-        <a:xfrm rot="17692822">
-          <a:off x="1107375" y="1479158"/>
-          <a:ext cx="1452889" cy="26542"/>
-        </a:xfrm>
-        <a:custGeom>
-          <a:avLst/>
-          <a:gdLst/>
-          <a:ahLst/>
-          <a:cxnLst/>
-          <a:rect l="0" t="0" r="0" b="0"/>
-          <a:pathLst>
-            <a:path>
-              <a:moveTo>
-                <a:pt x="0" y="13315"/>
-              </a:moveTo>
-              <a:lnTo>
-                <a:pt x="1457700" y="13315"/>
-              </a:lnTo>
-            </a:path>
-          </a:pathLst>
-        </a:custGeom>
-        <a:noFill/>
-        <a:ln w="25400" cap="flat" cmpd="sng" algn="ctr">
-          <a:solidFill>
-            <a:srgbClr val="4F81BD">
-              <a:shade val="60000"/>
-              <a:hueOff val="0"/>
-              <a:satOff val="0"/>
-              <a:lumOff val="0"/>
-              <a:alphaOff val="0"/>
-            </a:srgbClr>
-          </a:solidFill>
-          <a:prstDash val="solid"/>
-          <a:miter lim="800000"/>
-        </a:ln>
-        <a:effectLst/>
-      </dsp:spPr>
-      <dsp:style>
-        <a:lnRef idx="2">
-          <a:scrgbClr r="0" g="0" b="0"/>
-        </a:lnRef>
-        <a:fillRef idx="0">
-          <a:scrgbClr r="0" g="0" b="0"/>
-        </a:fillRef>
-        <a:effectRef idx="0">
-          <a:scrgbClr r="0" g="0" b="0"/>
-        </a:effectRef>
-        <a:fontRef idx="minor"/>
-      </dsp:style>
-      <dsp:txBody>
-        <a:bodyPr spcFirstLastPara="0" vert="horz" wrap="square" lIns="12700" tIns="0" rIns="12700" bIns="0" numCol="1" spcCol="1270" anchor="ctr" anchorCtr="0">
-          <a:noAutofit/>
-        </a:bodyPr>
-        <a:lstStyle/>
-        <a:p>
-          <a:pPr lvl="0" algn="ctr" defTabSz="222250">
-            <a:lnSpc>
-              <a:spcPct val="90000"/>
-            </a:lnSpc>
-            <a:spcBef>
-              <a:spcPct val="0"/>
-            </a:spcBef>
-            <a:spcAft>
-              <a:spcPct val="35000"/>
-            </a:spcAft>
-          </a:pPr>
-          <a:endParaRPr lang="en-US" sz="500" kern="1200">
-            <a:solidFill>
-              <a:sysClr val="windowText" lastClr="000000">
-                <a:hueOff val="0"/>
-                <a:satOff val="0"/>
-                <a:lumOff val="0"/>
-                <a:alphaOff val="0"/>
-              </a:sysClr>
-            </a:solidFill>
-            <a:latin typeface="Times New Roman" pitchFamily="18" charset="0"/>
-            <a:ea typeface="+mn-ea"/>
-            <a:cs typeface="Times New Roman" pitchFamily="18" charset="0"/>
-          </a:endParaRPr>
-        </a:p>
-      </dsp:txBody>
-      <dsp:txXfrm>
-        <a:off x="1785588" y="1510098"/>
-        <a:ext cx="0" cy="0"/>
-      </dsp:txXfrm>
-    </dsp:sp>
-    <dsp:sp modelId="{D2122CC1-C450-4C9D-8A31-D338065B30F9}">
-      <dsp:nvSpPr>
-        <dsp:cNvPr id="0" name=""/>
-        <dsp:cNvSpPr/>
-      </dsp:nvSpPr>
-      <dsp:spPr>
-        <a:xfrm>
-          <a:off x="2139453" y="451365"/>
-          <a:ext cx="1528167" cy="764083"/>
-        </a:xfrm>
-        <a:prstGeom prst="roundRect">
-          <a:avLst>
-            <a:gd name="adj" fmla="val 10000"/>
-          </a:avLst>
-        </a:prstGeom>
-        <a:solidFill>
-          <a:srgbClr val="C0504D"/>
-        </a:solidFill>
-        <a:ln w="25400" cap="flat" cmpd="sng" algn="ctr">
-          <a:solidFill>
-            <a:sysClr val="window" lastClr="FFFFFF">
-              <a:hueOff val="0"/>
-              <a:satOff val="0"/>
-              <a:lumOff val="0"/>
-              <a:alphaOff val="0"/>
-            </a:sysClr>
-          </a:solidFill>
-          <a:prstDash val="solid"/>
-          <a:miter lim="800000"/>
-        </a:ln>
-        <a:effectLst/>
-      </dsp:spPr>
-      <dsp:style>
-        <a:lnRef idx="2">
-          <a:scrgbClr r="0" g="0" b="0"/>
-        </a:lnRef>
-        <a:fillRef idx="1">
-          <a:scrgbClr r="0" g="0" b="0"/>
-        </a:fillRef>
-        <a:effectRef idx="0">
-          <a:scrgbClr r="0" g="0" b="0"/>
-        </a:effectRef>
-        <a:fontRef idx="minor">
-          <a:schemeClr val="lt1"/>
-        </a:fontRef>
-      </dsp:style>
-      <dsp:txBody>
-        <a:bodyPr spcFirstLastPara="0" vert="horz" wrap="square" lIns="10160" tIns="10160" rIns="10160" bIns="10160" numCol="1" spcCol="1270" anchor="ctr" anchorCtr="0">
-          <a:noAutofit/>
-        </a:bodyPr>
-        <a:lstStyle/>
-        <a:p>
-          <a:pPr lvl="0" algn="ctr" defTabSz="711200">
-            <a:lnSpc>
-              <a:spcPct val="90000"/>
-            </a:lnSpc>
-            <a:spcBef>
-              <a:spcPct val="0"/>
-            </a:spcBef>
-            <a:spcAft>
-              <a:spcPct val="35000"/>
-            </a:spcAft>
-          </a:pPr>
-          <a:r>
-            <a:rPr lang="en-US" sz="1600" kern="1200" dirty="0" smtClean="0">
-              <a:solidFill>
-                <a:sysClr val="window" lastClr="FFFFFF"/>
-              </a:solidFill>
-              <a:latin typeface="Times New Roman" pitchFamily="18" charset="0"/>
-              <a:ea typeface="+mn-ea"/>
-              <a:cs typeface="Times New Roman" pitchFamily="18" charset="0"/>
-            </a:rPr>
-            <a:t>Bus Owners / Operators</a:t>
-          </a:r>
-          <a:endParaRPr lang="en-US" sz="1600" kern="1200" dirty="0">
-            <a:solidFill>
-              <a:sysClr val="window" lastClr="FFFFFF"/>
-            </a:solidFill>
-            <a:latin typeface="Times New Roman" pitchFamily="18" charset="0"/>
-            <a:ea typeface="+mn-ea"/>
-            <a:cs typeface="Times New Roman" pitchFamily="18" charset="0"/>
-          </a:endParaRPr>
-        </a:p>
-      </dsp:txBody>
-      <dsp:txXfrm>
-        <a:off x="2161832" y="473744"/>
-        <a:ext cx="1483409" cy="719325"/>
-      </dsp:txXfrm>
-    </dsp:sp>
-    <dsp:sp modelId="{BA080929-D699-4F25-AD2D-79A70B60B060}">
-      <dsp:nvSpPr>
-        <dsp:cNvPr id="0" name=""/>
-        <dsp:cNvSpPr/>
-      </dsp:nvSpPr>
-      <dsp:spPr>
-        <a:xfrm rot="19457599">
-          <a:off x="3596865" y="600462"/>
-          <a:ext cx="752777" cy="26542"/>
-        </a:xfrm>
-        <a:custGeom>
-          <a:avLst/>
-          <a:gdLst/>
-          <a:ahLst/>
-          <a:cxnLst/>
-          <a:rect l="0" t="0" r="0" b="0"/>
-          <a:pathLst>
-            <a:path>
-              <a:moveTo>
-                <a:pt x="0" y="13315"/>
-              </a:moveTo>
-              <a:lnTo>
-                <a:pt x="755270" y="13315"/>
-              </a:lnTo>
-            </a:path>
-          </a:pathLst>
-        </a:custGeom>
-        <a:noFill/>
-        <a:ln w="25400" cap="flat" cmpd="sng" algn="ctr">
-          <a:solidFill>
-            <a:srgbClr val="4F81BD">
-              <a:shade val="80000"/>
-              <a:hueOff val="0"/>
-              <a:satOff val="0"/>
-              <a:lumOff val="0"/>
-              <a:alphaOff val="0"/>
-            </a:srgbClr>
-          </a:solidFill>
-          <a:prstDash val="solid"/>
-          <a:miter lim="800000"/>
-        </a:ln>
-        <a:effectLst/>
-      </dsp:spPr>
-      <dsp:style>
-        <a:lnRef idx="2">
-          <a:scrgbClr r="0" g="0" b="0"/>
-        </a:lnRef>
-        <a:fillRef idx="0">
-          <a:scrgbClr r="0" g="0" b="0"/>
-        </a:fillRef>
-        <a:effectRef idx="0">
-          <a:scrgbClr r="0" g="0" b="0"/>
-        </a:effectRef>
-        <a:fontRef idx="minor"/>
-      </dsp:style>
-      <dsp:txBody>
-        <a:bodyPr spcFirstLastPara="0" vert="horz" wrap="square" lIns="12700" tIns="0" rIns="12700" bIns="0" numCol="1" spcCol="1270" anchor="ctr" anchorCtr="0">
-          <a:noAutofit/>
-        </a:bodyPr>
-        <a:lstStyle/>
-        <a:p>
-          <a:pPr lvl="0" algn="ctr" defTabSz="222250">
-            <a:lnSpc>
-              <a:spcPct val="90000"/>
-            </a:lnSpc>
-            <a:spcBef>
-              <a:spcPct val="0"/>
-            </a:spcBef>
-            <a:spcAft>
-              <a:spcPct val="35000"/>
-            </a:spcAft>
-          </a:pPr>
-          <a:endParaRPr lang="en-US" sz="500" kern="1200">
-            <a:solidFill>
-              <a:sysClr val="windowText" lastClr="000000">
-                <a:hueOff val="0"/>
-                <a:satOff val="0"/>
-                <a:lumOff val="0"/>
-                <a:alphaOff val="0"/>
-              </a:sysClr>
-            </a:solidFill>
-            <a:latin typeface="Times New Roman" pitchFamily="18" charset="0"/>
-            <a:ea typeface="+mn-ea"/>
-            <a:cs typeface="Times New Roman" pitchFamily="18" charset="0"/>
-          </a:endParaRPr>
-        </a:p>
-      </dsp:txBody>
-      <dsp:txXfrm>
-        <a:off x="3946989" y="609435"/>
-        <a:ext cx="0" cy="0"/>
-      </dsp:txXfrm>
-    </dsp:sp>
-    <dsp:sp modelId="{76654A05-6E32-42EE-96EC-0F583AF8ECED}">
-      <dsp:nvSpPr>
-        <dsp:cNvPr id="0" name=""/>
-        <dsp:cNvSpPr/>
-      </dsp:nvSpPr>
-      <dsp:spPr>
-        <a:xfrm>
-          <a:off x="4278887" y="12017"/>
-          <a:ext cx="1528167" cy="764083"/>
-        </a:xfrm>
-        <a:prstGeom prst="roundRect">
-          <a:avLst>
-            <a:gd name="adj" fmla="val 10000"/>
-          </a:avLst>
-        </a:prstGeom>
-        <a:solidFill>
-          <a:srgbClr val="C0504D"/>
-        </a:solidFill>
-        <a:ln w="25400" cap="flat" cmpd="sng" algn="ctr">
-          <a:solidFill>
-            <a:sysClr val="window" lastClr="FFFFFF">
-              <a:hueOff val="0"/>
-              <a:satOff val="0"/>
-              <a:lumOff val="0"/>
-              <a:alphaOff val="0"/>
-            </a:sysClr>
-          </a:solidFill>
-          <a:prstDash val="solid"/>
-          <a:miter lim="800000"/>
-        </a:ln>
-        <a:effectLst/>
-      </dsp:spPr>
-      <dsp:style>
-        <a:lnRef idx="2">
-          <a:scrgbClr r="0" g="0" b="0"/>
-        </a:lnRef>
-        <a:fillRef idx="1">
-          <a:scrgbClr r="0" g="0" b="0"/>
-        </a:fillRef>
-        <a:effectRef idx="0">
-          <a:scrgbClr r="0" g="0" b="0"/>
-        </a:effectRef>
-        <a:fontRef idx="minor">
-          <a:schemeClr val="lt1"/>
-        </a:fontRef>
-      </dsp:style>
-      <dsp:txBody>
-        <a:bodyPr spcFirstLastPara="0" vert="horz" wrap="square" lIns="10160" tIns="10160" rIns="10160" bIns="10160" numCol="1" spcCol="1270" anchor="ctr" anchorCtr="0">
-          <a:noAutofit/>
-        </a:bodyPr>
-        <a:lstStyle/>
-        <a:p>
-          <a:pPr lvl="0" algn="ctr" defTabSz="711200">
-            <a:lnSpc>
-              <a:spcPct val="90000"/>
-            </a:lnSpc>
-            <a:spcBef>
-              <a:spcPct val="0"/>
-            </a:spcBef>
-            <a:spcAft>
-              <a:spcPct val="35000"/>
-            </a:spcAft>
-          </a:pPr>
-          <a:r>
-            <a:rPr lang="en-US" sz="1600" kern="1200" dirty="0" smtClean="0">
-              <a:solidFill>
-                <a:sysClr val="window" lastClr="FFFFFF"/>
-              </a:solidFill>
-              <a:latin typeface="Times New Roman" pitchFamily="18" charset="0"/>
-              <a:ea typeface="+mn-ea"/>
-              <a:cs typeface="Times New Roman" pitchFamily="18" charset="0"/>
-            </a:rPr>
-            <a:t>Less Number of trips per day</a:t>
-          </a:r>
-          <a:endParaRPr lang="en-US" sz="1600" kern="1200" dirty="0">
-            <a:solidFill>
-              <a:sysClr val="window" lastClr="FFFFFF"/>
-            </a:solidFill>
-            <a:latin typeface="Times New Roman" pitchFamily="18" charset="0"/>
-            <a:ea typeface="+mn-ea"/>
-            <a:cs typeface="Times New Roman" pitchFamily="18" charset="0"/>
-          </a:endParaRPr>
-        </a:p>
-      </dsp:txBody>
-      <dsp:txXfrm>
-        <a:off x="4301266" y="34396"/>
-        <a:ext cx="1483409" cy="719325"/>
-      </dsp:txXfrm>
-    </dsp:sp>
-    <dsp:sp modelId="{0A178DAE-4AA3-4153-9A17-A019613820CA}">
-      <dsp:nvSpPr>
-        <dsp:cNvPr id="0" name=""/>
-        <dsp:cNvSpPr/>
-      </dsp:nvSpPr>
-      <dsp:spPr>
-        <a:xfrm rot="2142401">
-          <a:off x="3596865" y="1039810"/>
-          <a:ext cx="752777" cy="26542"/>
-        </a:xfrm>
-        <a:custGeom>
-          <a:avLst/>
-          <a:gdLst/>
-          <a:ahLst/>
-          <a:cxnLst/>
-          <a:rect l="0" t="0" r="0" b="0"/>
-          <a:pathLst>
-            <a:path>
-              <a:moveTo>
-                <a:pt x="0" y="13315"/>
-              </a:moveTo>
-              <a:lnTo>
-                <a:pt x="755270" y="13315"/>
-              </a:lnTo>
-            </a:path>
-          </a:pathLst>
-        </a:custGeom>
-        <a:noFill/>
-        <a:ln w="25400" cap="flat" cmpd="sng" algn="ctr">
-          <a:solidFill>
-            <a:srgbClr val="4F81BD">
-              <a:shade val="80000"/>
-              <a:hueOff val="0"/>
-              <a:satOff val="0"/>
-              <a:lumOff val="0"/>
-              <a:alphaOff val="0"/>
-            </a:srgbClr>
-          </a:solidFill>
-          <a:prstDash val="solid"/>
-          <a:miter lim="800000"/>
-        </a:ln>
-        <a:effectLst/>
-      </dsp:spPr>
-      <dsp:style>
-        <a:lnRef idx="2">
-          <a:scrgbClr r="0" g="0" b="0"/>
-        </a:lnRef>
-        <a:fillRef idx="0">
-          <a:scrgbClr r="0" g="0" b="0"/>
-        </a:fillRef>
-        <a:effectRef idx="0">
-          <a:scrgbClr r="0" g="0" b="0"/>
-        </a:effectRef>
-        <a:fontRef idx="minor"/>
-      </dsp:style>
-      <dsp:txBody>
-        <a:bodyPr spcFirstLastPara="0" vert="horz" wrap="square" lIns="12700" tIns="0" rIns="12700" bIns="0" numCol="1" spcCol="1270" anchor="ctr" anchorCtr="0">
-          <a:noAutofit/>
-        </a:bodyPr>
-        <a:lstStyle/>
-        <a:p>
-          <a:pPr lvl="0" algn="ctr" defTabSz="222250">
-            <a:lnSpc>
-              <a:spcPct val="90000"/>
-            </a:lnSpc>
-            <a:spcBef>
-              <a:spcPct val="0"/>
-            </a:spcBef>
-            <a:spcAft>
-              <a:spcPct val="35000"/>
-            </a:spcAft>
-          </a:pPr>
-          <a:endParaRPr lang="en-US" sz="500" kern="1200">
-            <a:solidFill>
-              <a:sysClr val="windowText" lastClr="000000">
-                <a:hueOff val="0"/>
-                <a:satOff val="0"/>
-                <a:lumOff val="0"/>
-                <a:alphaOff val="0"/>
-              </a:sysClr>
-            </a:solidFill>
-            <a:latin typeface="Times New Roman" pitchFamily="18" charset="0"/>
-            <a:ea typeface="+mn-ea"/>
-            <a:cs typeface="Times New Roman" pitchFamily="18" charset="0"/>
-          </a:endParaRPr>
-        </a:p>
-      </dsp:txBody>
-      <dsp:txXfrm>
-        <a:off x="3968956" y="1026816"/>
-        <a:ext cx="0" cy="0"/>
-      </dsp:txXfrm>
-    </dsp:sp>
-    <dsp:sp modelId="{4B7FABBE-03F2-4E44-8B0D-4A789214EB63}">
-      <dsp:nvSpPr>
-        <dsp:cNvPr id="0" name=""/>
-        <dsp:cNvSpPr/>
-      </dsp:nvSpPr>
-      <dsp:spPr>
-        <a:xfrm>
-          <a:off x="4278887" y="890714"/>
-          <a:ext cx="1528167" cy="764083"/>
-        </a:xfrm>
-        <a:prstGeom prst="roundRect">
-          <a:avLst>
-            <a:gd name="adj" fmla="val 10000"/>
-          </a:avLst>
-        </a:prstGeom>
-        <a:solidFill>
-          <a:srgbClr val="C0504D"/>
-        </a:solidFill>
-        <a:ln w="25400" cap="flat" cmpd="sng" algn="ctr">
-          <a:solidFill>
-            <a:sysClr val="window" lastClr="FFFFFF">
-              <a:hueOff val="0"/>
-              <a:satOff val="0"/>
-              <a:lumOff val="0"/>
-              <a:alphaOff val="0"/>
-            </a:sysClr>
-          </a:solidFill>
-          <a:prstDash val="solid"/>
-          <a:miter lim="800000"/>
-        </a:ln>
-        <a:effectLst/>
-      </dsp:spPr>
-      <dsp:style>
-        <a:lnRef idx="2">
-          <a:scrgbClr r="0" g="0" b="0"/>
-        </a:lnRef>
-        <a:fillRef idx="1">
-          <a:scrgbClr r="0" g="0" b="0"/>
-        </a:fillRef>
-        <a:effectRef idx="0">
-          <a:scrgbClr r="0" g="0" b="0"/>
-        </a:effectRef>
-        <a:fontRef idx="minor">
-          <a:schemeClr val="lt1"/>
-        </a:fontRef>
-      </dsp:style>
-      <dsp:txBody>
-        <a:bodyPr spcFirstLastPara="0" vert="horz" wrap="square" lIns="10160" tIns="10160" rIns="10160" bIns="10160" numCol="1" spcCol="1270" anchor="ctr" anchorCtr="0">
-          <a:noAutofit/>
-        </a:bodyPr>
-        <a:lstStyle/>
-        <a:p>
-          <a:pPr lvl="0" algn="ctr" defTabSz="711200">
-            <a:lnSpc>
-              <a:spcPct val="90000"/>
-            </a:lnSpc>
-            <a:spcBef>
-              <a:spcPct val="0"/>
-            </a:spcBef>
-            <a:spcAft>
-              <a:spcPct val="35000"/>
-            </a:spcAft>
-          </a:pPr>
-          <a:r>
-            <a:rPr lang="en-US" sz="1600" kern="1200" dirty="0" smtClean="0">
-              <a:solidFill>
-                <a:sysClr val="window" lastClr="FFFFFF"/>
-              </a:solidFill>
-              <a:latin typeface="Times New Roman" pitchFamily="18" charset="0"/>
-              <a:ea typeface="+mn-ea"/>
-              <a:cs typeface="Times New Roman" pitchFamily="18" charset="0"/>
-            </a:rPr>
-            <a:t>Increased number of passengers</a:t>
-          </a:r>
-          <a:endParaRPr lang="en-US" sz="1600" kern="1200" dirty="0">
-            <a:solidFill>
-              <a:sysClr val="window" lastClr="FFFFFF"/>
-            </a:solidFill>
-            <a:latin typeface="Times New Roman" pitchFamily="18" charset="0"/>
-            <a:ea typeface="+mn-ea"/>
-            <a:cs typeface="Times New Roman" pitchFamily="18" charset="0"/>
-          </a:endParaRPr>
-        </a:p>
-      </dsp:txBody>
-      <dsp:txXfrm>
-        <a:off x="4301266" y="913093"/>
-        <a:ext cx="1483409" cy="719325"/>
-      </dsp:txXfrm>
-    </dsp:sp>
-    <dsp:sp modelId="{A4C757D2-56D4-4D65-A8A9-04A8A6E99A51}">
-      <dsp:nvSpPr>
-        <dsp:cNvPr id="0" name=""/>
-        <dsp:cNvSpPr/>
-      </dsp:nvSpPr>
-      <dsp:spPr>
-        <a:xfrm rot="3907178">
-          <a:off x="1107375" y="2797202"/>
-          <a:ext cx="1452889" cy="26542"/>
-        </a:xfrm>
-        <a:custGeom>
-          <a:avLst/>
-          <a:gdLst/>
-          <a:ahLst/>
-          <a:cxnLst/>
-          <a:rect l="0" t="0" r="0" b="0"/>
-          <a:pathLst>
-            <a:path>
-              <a:moveTo>
-                <a:pt x="0" y="13315"/>
-              </a:moveTo>
-              <a:lnTo>
-                <a:pt x="1457700" y="13315"/>
-              </a:lnTo>
-            </a:path>
-          </a:pathLst>
-        </a:custGeom>
-        <a:noFill/>
-        <a:ln w="25400" cap="flat" cmpd="sng" algn="ctr">
-          <a:solidFill>
-            <a:srgbClr val="4F81BD">
-              <a:shade val="60000"/>
-              <a:hueOff val="0"/>
-              <a:satOff val="0"/>
-              <a:lumOff val="0"/>
-              <a:alphaOff val="0"/>
-            </a:srgbClr>
-          </a:solidFill>
-          <a:prstDash val="solid"/>
-          <a:miter lim="800000"/>
-        </a:ln>
-        <a:effectLst/>
-      </dsp:spPr>
-      <dsp:style>
-        <a:lnRef idx="2">
-          <a:scrgbClr r="0" g="0" b="0"/>
-        </a:lnRef>
-        <a:fillRef idx="0">
-          <a:scrgbClr r="0" g="0" b="0"/>
-        </a:fillRef>
-        <a:effectRef idx="0">
-          <a:scrgbClr r="0" g="0" b="0"/>
-        </a:effectRef>
-        <a:fontRef idx="minor"/>
-      </dsp:style>
-      <dsp:txBody>
-        <a:bodyPr spcFirstLastPara="0" vert="horz" wrap="square" lIns="12700" tIns="0" rIns="12700" bIns="0" numCol="1" spcCol="1270" anchor="ctr" anchorCtr="0">
-          <a:noAutofit/>
-        </a:bodyPr>
-        <a:lstStyle/>
-        <a:p>
-          <a:pPr lvl="0" algn="ctr" defTabSz="222250">
-            <a:lnSpc>
-              <a:spcPct val="90000"/>
-            </a:lnSpc>
-            <a:spcBef>
-              <a:spcPct val="0"/>
-            </a:spcBef>
-            <a:spcAft>
-              <a:spcPct val="35000"/>
-            </a:spcAft>
-          </a:pPr>
-          <a:endParaRPr lang="en-US" sz="500" kern="1200">
-            <a:solidFill>
-              <a:sysClr val="windowText" lastClr="000000">
-                <a:hueOff val="0"/>
-                <a:satOff val="0"/>
-                <a:lumOff val="0"/>
-                <a:alphaOff val="0"/>
-              </a:sysClr>
-            </a:solidFill>
-            <a:latin typeface="Times New Roman" pitchFamily="18" charset="0"/>
-            <a:ea typeface="+mn-ea"/>
-            <a:cs typeface="Times New Roman" pitchFamily="18" charset="0"/>
-          </a:endParaRPr>
-        </a:p>
-      </dsp:txBody>
-      <dsp:txXfrm>
-        <a:off x="1851489" y="2762241"/>
-        <a:ext cx="0" cy="0"/>
-      </dsp:txXfrm>
-    </dsp:sp>
-    <dsp:sp modelId="{B02E9E7A-8713-48EB-BAD0-0562C4BD2676}">
-      <dsp:nvSpPr>
-        <dsp:cNvPr id="0" name=""/>
-        <dsp:cNvSpPr/>
-      </dsp:nvSpPr>
-      <dsp:spPr>
-        <a:xfrm>
-          <a:off x="2139453" y="3087454"/>
-          <a:ext cx="1528167" cy="764083"/>
-        </a:xfrm>
-        <a:prstGeom prst="roundRect">
-          <a:avLst>
-            <a:gd name="adj" fmla="val 10000"/>
-          </a:avLst>
-        </a:prstGeom>
-        <a:solidFill>
-          <a:srgbClr val="92D050"/>
-        </a:solidFill>
-        <a:ln w="25400" cap="flat" cmpd="sng" algn="ctr">
-          <a:solidFill>
-            <a:sysClr val="window" lastClr="FFFFFF">
-              <a:hueOff val="0"/>
-              <a:satOff val="0"/>
-              <a:lumOff val="0"/>
-              <a:alphaOff val="0"/>
-            </a:sysClr>
-          </a:solidFill>
-          <a:prstDash val="solid"/>
-          <a:miter lim="800000"/>
-        </a:ln>
-        <a:effectLst/>
-      </dsp:spPr>
-      <dsp:style>
-        <a:lnRef idx="2">
-          <a:scrgbClr r="0" g="0" b="0"/>
-        </a:lnRef>
-        <a:fillRef idx="1">
-          <a:scrgbClr r="0" g="0" b="0"/>
-        </a:fillRef>
-        <a:effectRef idx="0">
-          <a:scrgbClr r="0" g="0" b="0"/>
-        </a:effectRef>
-        <a:fontRef idx="minor">
-          <a:schemeClr val="lt1"/>
-        </a:fontRef>
-      </dsp:style>
-      <dsp:txBody>
-        <a:bodyPr spcFirstLastPara="0" vert="horz" wrap="square" lIns="10160" tIns="10160" rIns="10160" bIns="10160" numCol="1" spcCol="1270" anchor="ctr" anchorCtr="0">
-          <a:noAutofit/>
-        </a:bodyPr>
-        <a:lstStyle/>
-        <a:p>
-          <a:pPr lvl="0" algn="ctr" defTabSz="711200">
-            <a:lnSpc>
-              <a:spcPct val="90000"/>
-            </a:lnSpc>
-            <a:spcBef>
-              <a:spcPct val="0"/>
-            </a:spcBef>
-            <a:spcAft>
-              <a:spcPct val="35000"/>
-            </a:spcAft>
-          </a:pPr>
-          <a:r>
-            <a:rPr lang="en-US" sz="1600" kern="1200" dirty="0" smtClean="0">
-              <a:solidFill>
-                <a:sysClr val="windowText" lastClr="000000"/>
-              </a:solidFill>
-              <a:latin typeface="Times New Roman" pitchFamily="18" charset="0"/>
-              <a:ea typeface="+mn-ea"/>
-              <a:cs typeface="Times New Roman" pitchFamily="18" charset="0"/>
-            </a:rPr>
-            <a:t>Commuters</a:t>
-          </a:r>
-          <a:endParaRPr lang="en-US" sz="1600" kern="1200" dirty="0">
-            <a:solidFill>
-              <a:sysClr val="windowText" lastClr="000000"/>
-            </a:solidFill>
-            <a:latin typeface="Times New Roman" pitchFamily="18" charset="0"/>
-            <a:ea typeface="+mn-ea"/>
-            <a:cs typeface="Times New Roman" pitchFamily="18" charset="0"/>
-          </a:endParaRPr>
-        </a:p>
-      </dsp:txBody>
-      <dsp:txXfrm>
-        <a:off x="2161832" y="3109833"/>
-        <a:ext cx="1483409" cy="719325"/>
-      </dsp:txXfrm>
-    </dsp:sp>
-    <dsp:sp modelId="{5A408195-02F0-4287-9879-0CD6ED214D50}">
-      <dsp:nvSpPr>
-        <dsp:cNvPr id="0" name=""/>
-        <dsp:cNvSpPr/>
-      </dsp:nvSpPr>
-      <dsp:spPr>
-        <a:xfrm rot="17692822">
-          <a:off x="3246809" y="2797202"/>
-          <a:ext cx="1452889" cy="26542"/>
-        </a:xfrm>
-        <a:custGeom>
-          <a:avLst/>
-          <a:gdLst/>
-          <a:ahLst/>
-          <a:cxnLst/>
-          <a:rect l="0" t="0" r="0" b="0"/>
-          <a:pathLst>
-            <a:path>
-              <a:moveTo>
-                <a:pt x="0" y="13315"/>
-              </a:moveTo>
-              <a:lnTo>
-                <a:pt x="1457700" y="13315"/>
-              </a:lnTo>
-            </a:path>
-          </a:pathLst>
-        </a:custGeom>
-        <a:noFill/>
-        <a:ln w="25400" cap="flat" cmpd="sng" algn="ctr">
-          <a:solidFill>
-            <a:srgbClr val="4F81BD">
-              <a:shade val="80000"/>
-              <a:hueOff val="0"/>
-              <a:satOff val="0"/>
-              <a:lumOff val="0"/>
-              <a:alphaOff val="0"/>
-            </a:srgbClr>
-          </a:solidFill>
-          <a:prstDash val="solid"/>
-          <a:miter lim="800000"/>
-        </a:ln>
-        <a:effectLst/>
-      </dsp:spPr>
-      <dsp:style>
-        <a:lnRef idx="2">
-          <a:scrgbClr r="0" g="0" b="0"/>
-        </a:lnRef>
-        <a:fillRef idx="0">
-          <a:scrgbClr r="0" g="0" b="0"/>
-        </a:fillRef>
-        <a:effectRef idx="0">
-          <a:scrgbClr r="0" g="0" b="0"/>
-        </a:effectRef>
-        <a:fontRef idx="minor"/>
-      </dsp:style>
-      <dsp:txBody>
-        <a:bodyPr spcFirstLastPara="0" vert="horz" wrap="square" lIns="12700" tIns="0" rIns="12700" bIns="0" numCol="1" spcCol="1270" anchor="ctr" anchorCtr="0">
-          <a:noAutofit/>
-        </a:bodyPr>
-        <a:lstStyle/>
-        <a:p>
-          <a:pPr lvl="0" algn="ctr" defTabSz="222250">
-            <a:lnSpc>
-              <a:spcPct val="90000"/>
-            </a:lnSpc>
-            <a:spcBef>
-              <a:spcPct val="0"/>
-            </a:spcBef>
-            <a:spcAft>
-              <a:spcPct val="35000"/>
-            </a:spcAft>
-          </a:pPr>
-          <a:endParaRPr lang="en-US" sz="500" kern="1200">
-            <a:solidFill>
-              <a:sysClr val="windowText" lastClr="000000">
-                <a:hueOff val="0"/>
-                <a:satOff val="0"/>
-                <a:lumOff val="0"/>
-                <a:alphaOff val="0"/>
-              </a:sysClr>
-            </a:solidFill>
-            <a:latin typeface="Times New Roman" pitchFamily="18" charset="0"/>
-            <a:ea typeface="+mn-ea"/>
-            <a:cs typeface="Times New Roman" pitchFamily="18" charset="0"/>
-          </a:endParaRPr>
-        </a:p>
-      </dsp:txBody>
-      <dsp:txXfrm>
-        <a:off x="3925022" y="2828142"/>
-        <a:ext cx="0" cy="0"/>
-      </dsp:txXfrm>
-    </dsp:sp>
-    <dsp:sp modelId="{AC0B9216-8D91-4320-92B1-FB169E7362A2}">
-      <dsp:nvSpPr>
-        <dsp:cNvPr id="0" name=""/>
-        <dsp:cNvSpPr/>
-      </dsp:nvSpPr>
-      <dsp:spPr>
-        <a:xfrm>
-          <a:off x="4278887" y="1769410"/>
-          <a:ext cx="1528167" cy="764083"/>
-        </a:xfrm>
-        <a:prstGeom prst="roundRect">
-          <a:avLst>
-            <a:gd name="adj" fmla="val 10000"/>
-          </a:avLst>
-        </a:prstGeom>
-        <a:solidFill>
-          <a:srgbClr val="92D050"/>
-        </a:solidFill>
-        <a:ln w="25400" cap="flat" cmpd="sng" algn="ctr">
-          <a:solidFill>
-            <a:sysClr val="window" lastClr="FFFFFF">
-              <a:hueOff val="0"/>
-              <a:satOff val="0"/>
-              <a:lumOff val="0"/>
-              <a:alphaOff val="0"/>
-            </a:sysClr>
-          </a:solidFill>
-          <a:prstDash val="solid"/>
-          <a:miter lim="800000"/>
-        </a:ln>
-        <a:effectLst/>
-      </dsp:spPr>
-      <dsp:style>
-        <a:lnRef idx="2">
-          <a:scrgbClr r="0" g="0" b="0"/>
-        </a:lnRef>
-        <a:fillRef idx="1">
-          <a:scrgbClr r="0" g="0" b="0"/>
-        </a:fillRef>
-        <a:effectRef idx="0">
-          <a:scrgbClr r="0" g="0" b="0"/>
-        </a:effectRef>
-        <a:fontRef idx="minor">
-          <a:schemeClr val="lt1"/>
-        </a:fontRef>
-      </dsp:style>
-      <dsp:txBody>
-        <a:bodyPr spcFirstLastPara="0" vert="horz" wrap="square" lIns="10160" tIns="10160" rIns="10160" bIns="10160" numCol="1" spcCol="1270" anchor="ctr" anchorCtr="0">
-          <a:noAutofit/>
-        </a:bodyPr>
-        <a:lstStyle/>
-        <a:p>
-          <a:pPr lvl="0" algn="ctr" defTabSz="711200">
-            <a:lnSpc>
-              <a:spcPct val="90000"/>
-            </a:lnSpc>
-            <a:spcBef>
-              <a:spcPct val="0"/>
-            </a:spcBef>
-            <a:spcAft>
-              <a:spcPct val="35000"/>
-            </a:spcAft>
-          </a:pPr>
-          <a:r>
-            <a:rPr lang="en-US" sz="1600" kern="1200" dirty="0" smtClean="0">
-              <a:solidFill>
-                <a:sysClr val="windowText" lastClr="000000"/>
-              </a:solidFill>
-              <a:latin typeface="Times New Roman" pitchFamily="18" charset="0"/>
-              <a:ea typeface="+mn-ea"/>
-              <a:cs typeface="Times New Roman" pitchFamily="18" charset="0"/>
-            </a:rPr>
-            <a:t>Less crowded buses</a:t>
-          </a:r>
-          <a:endParaRPr lang="en-US" sz="1600" kern="1200" dirty="0">
-            <a:solidFill>
-              <a:sysClr val="windowText" lastClr="000000"/>
-            </a:solidFill>
-            <a:latin typeface="Times New Roman" pitchFamily="18" charset="0"/>
-            <a:ea typeface="+mn-ea"/>
-            <a:cs typeface="Times New Roman" pitchFamily="18" charset="0"/>
-          </a:endParaRPr>
-        </a:p>
-      </dsp:txBody>
-      <dsp:txXfrm>
-        <a:off x="4301266" y="1791789"/>
-        <a:ext cx="1483409" cy="719325"/>
-      </dsp:txXfrm>
-    </dsp:sp>
-    <dsp:sp modelId="{8340E23B-4F87-42CC-B80A-823CBB5E6643}">
-      <dsp:nvSpPr>
-        <dsp:cNvPr id="0" name=""/>
-        <dsp:cNvSpPr/>
-      </dsp:nvSpPr>
-      <dsp:spPr>
-        <a:xfrm rot="19457599">
-          <a:off x="3596865" y="3236550"/>
-          <a:ext cx="752777" cy="26542"/>
-        </a:xfrm>
-        <a:custGeom>
-          <a:avLst/>
-          <a:gdLst/>
-          <a:ahLst/>
-          <a:cxnLst/>
-          <a:rect l="0" t="0" r="0" b="0"/>
-          <a:pathLst>
-            <a:path>
-              <a:moveTo>
-                <a:pt x="0" y="13315"/>
-              </a:moveTo>
-              <a:lnTo>
-                <a:pt x="755270" y="13315"/>
-              </a:lnTo>
-            </a:path>
-          </a:pathLst>
-        </a:custGeom>
-        <a:noFill/>
-        <a:ln w="25400" cap="flat" cmpd="sng" algn="ctr">
-          <a:solidFill>
-            <a:srgbClr val="4F81BD">
-              <a:shade val="80000"/>
-              <a:hueOff val="0"/>
-              <a:satOff val="0"/>
-              <a:lumOff val="0"/>
-              <a:alphaOff val="0"/>
-            </a:srgbClr>
-          </a:solidFill>
-          <a:prstDash val="solid"/>
-          <a:miter lim="800000"/>
-        </a:ln>
-        <a:effectLst/>
-      </dsp:spPr>
-      <dsp:style>
-        <a:lnRef idx="2">
-          <a:scrgbClr r="0" g="0" b="0"/>
-        </a:lnRef>
-        <a:fillRef idx="0">
-          <a:scrgbClr r="0" g="0" b="0"/>
-        </a:fillRef>
-        <a:effectRef idx="0">
-          <a:scrgbClr r="0" g="0" b="0"/>
-        </a:effectRef>
-        <a:fontRef idx="minor"/>
-      </dsp:style>
-      <dsp:txBody>
-        <a:bodyPr spcFirstLastPara="0" vert="horz" wrap="square" lIns="12700" tIns="0" rIns="12700" bIns="0" numCol="1" spcCol="1270" anchor="ctr" anchorCtr="0">
-          <a:noAutofit/>
-        </a:bodyPr>
-        <a:lstStyle/>
-        <a:p>
-          <a:pPr lvl="0" algn="ctr" defTabSz="222250">
-            <a:lnSpc>
-              <a:spcPct val="90000"/>
-            </a:lnSpc>
-            <a:spcBef>
-              <a:spcPct val="0"/>
-            </a:spcBef>
-            <a:spcAft>
-              <a:spcPct val="35000"/>
-            </a:spcAft>
-          </a:pPr>
-          <a:endParaRPr lang="en-US" sz="500" kern="1200">
-            <a:solidFill>
-              <a:sysClr val="windowText" lastClr="000000">
-                <a:hueOff val="0"/>
-                <a:satOff val="0"/>
-                <a:lumOff val="0"/>
-                <a:alphaOff val="0"/>
-              </a:sysClr>
-            </a:solidFill>
-            <a:latin typeface="Times New Roman" pitchFamily="18" charset="0"/>
-            <a:ea typeface="+mn-ea"/>
-            <a:cs typeface="Times New Roman" pitchFamily="18" charset="0"/>
-          </a:endParaRPr>
-        </a:p>
-      </dsp:txBody>
-      <dsp:txXfrm>
-        <a:off x="3946989" y="3245523"/>
-        <a:ext cx="0" cy="0"/>
-      </dsp:txXfrm>
-    </dsp:sp>
-    <dsp:sp modelId="{AF1EB603-6F39-41E2-8566-FA143ECFA57C}">
-      <dsp:nvSpPr>
-        <dsp:cNvPr id="0" name=""/>
-        <dsp:cNvSpPr/>
-      </dsp:nvSpPr>
-      <dsp:spPr>
-        <a:xfrm>
-          <a:off x="4278887" y="2648106"/>
-          <a:ext cx="1528167" cy="764083"/>
-        </a:xfrm>
-        <a:prstGeom prst="roundRect">
-          <a:avLst>
-            <a:gd name="adj" fmla="val 10000"/>
-          </a:avLst>
-        </a:prstGeom>
-        <a:solidFill>
-          <a:srgbClr val="92D050"/>
-        </a:solidFill>
-        <a:ln w="25400" cap="flat" cmpd="sng" algn="ctr">
-          <a:solidFill>
-            <a:sysClr val="window" lastClr="FFFFFF">
-              <a:hueOff val="0"/>
-              <a:satOff val="0"/>
-              <a:lumOff val="0"/>
-              <a:alphaOff val="0"/>
-            </a:sysClr>
-          </a:solidFill>
-          <a:prstDash val="solid"/>
-          <a:miter lim="800000"/>
-        </a:ln>
-        <a:effectLst/>
-      </dsp:spPr>
-      <dsp:style>
-        <a:lnRef idx="2">
-          <a:scrgbClr r="0" g="0" b="0"/>
-        </a:lnRef>
-        <a:fillRef idx="1">
-          <a:scrgbClr r="0" g="0" b="0"/>
-        </a:fillRef>
-        <a:effectRef idx="0">
-          <a:scrgbClr r="0" g="0" b="0"/>
-        </a:effectRef>
-        <a:fontRef idx="minor">
-          <a:schemeClr val="lt1"/>
-        </a:fontRef>
-      </dsp:style>
-      <dsp:txBody>
-        <a:bodyPr spcFirstLastPara="0" vert="horz" wrap="square" lIns="10160" tIns="10160" rIns="10160" bIns="10160" numCol="1" spcCol="1270" anchor="ctr" anchorCtr="0">
-          <a:noAutofit/>
-        </a:bodyPr>
-        <a:lstStyle/>
-        <a:p>
-          <a:pPr lvl="0" algn="ctr" defTabSz="711200">
-            <a:lnSpc>
-              <a:spcPct val="90000"/>
-            </a:lnSpc>
-            <a:spcBef>
-              <a:spcPct val="0"/>
-            </a:spcBef>
-            <a:spcAft>
-              <a:spcPct val="35000"/>
-            </a:spcAft>
-          </a:pPr>
-          <a:r>
-            <a:rPr lang="en-US" sz="1600" kern="1200" dirty="0" smtClean="0">
-              <a:solidFill>
-                <a:sysClr val="windowText" lastClr="000000"/>
-              </a:solidFill>
-              <a:latin typeface="Times New Roman" pitchFamily="18" charset="0"/>
-              <a:ea typeface="+mn-ea"/>
-              <a:cs typeface="Times New Roman" pitchFamily="18" charset="0"/>
-            </a:rPr>
-            <a:t>More frequent buses</a:t>
-          </a:r>
-          <a:endParaRPr lang="en-US" sz="1600" kern="1200" dirty="0">
-            <a:solidFill>
-              <a:sysClr val="windowText" lastClr="000000"/>
-            </a:solidFill>
-            <a:latin typeface="Times New Roman" pitchFamily="18" charset="0"/>
-            <a:ea typeface="+mn-ea"/>
-            <a:cs typeface="Times New Roman" pitchFamily="18" charset="0"/>
-          </a:endParaRPr>
-        </a:p>
-      </dsp:txBody>
-      <dsp:txXfrm>
-        <a:off x="4301266" y="2670485"/>
-        <a:ext cx="1483409" cy="719325"/>
-      </dsp:txXfrm>
-    </dsp:sp>
-    <dsp:sp modelId="{C8CAAC4E-909D-4A9E-8AA9-AA500EE42197}">
-      <dsp:nvSpPr>
-        <dsp:cNvPr id="0" name=""/>
-        <dsp:cNvSpPr/>
-      </dsp:nvSpPr>
-      <dsp:spPr>
-        <a:xfrm rot="2142401">
-          <a:off x="3596865" y="3675898"/>
-          <a:ext cx="752777" cy="26542"/>
-        </a:xfrm>
-        <a:custGeom>
-          <a:avLst/>
-          <a:gdLst/>
-          <a:ahLst/>
-          <a:cxnLst/>
-          <a:rect l="0" t="0" r="0" b="0"/>
-          <a:pathLst>
-            <a:path>
-              <a:moveTo>
-                <a:pt x="0" y="13315"/>
-              </a:moveTo>
-              <a:lnTo>
-                <a:pt x="755270" y="13315"/>
-              </a:lnTo>
-            </a:path>
-          </a:pathLst>
-        </a:custGeom>
-        <a:noFill/>
-        <a:ln w="25400" cap="flat" cmpd="sng" algn="ctr">
-          <a:solidFill>
-            <a:srgbClr val="4F81BD">
-              <a:shade val="80000"/>
-              <a:hueOff val="0"/>
-              <a:satOff val="0"/>
-              <a:lumOff val="0"/>
-              <a:alphaOff val="0"/>
-            </a:srgbClr>
-          </a:solidFill>
-          <a:prstDash val="solid"/>
-          <a:miter lim="800000"/>
-        </a:ln>
-        <a:effectLst/>
-      </dsp:spPr>
-      <dsp:style>
-        <a:lnRef idx="2">
-          <a:scrgbClr r="0" g="0" b="0"/>
-        </a:lnRef>
-        <a:fillRef idx="0">
-          <a:scrgbClr r="0" g="0" b="0"/>
-        </a:fillRef>
-        <a:effectRef idx="0">
-          <a:scrgbClr r="0" g="0" b="0"/>
-        </a:effectRef>
-        <a:fontRef idx="minor"/>
-      </dsp:style>
-      <dsp:txBody>
-        <a:bodyPr spcFirstLastPara="0" vert="horz" wrap="square" lIns="12700" tIns="0" rIns="12700" bIns="0" numCol="1" spcCol="1270" anchor="ctr" anchorCtr="0">
-          <a:noAutofit/>
-        </a:bodyPr>
-        <a:lstStyle/>
-        <a:p>
-          <a:pPr lvl="0" algn="ctr" defTabSz="222250">
-            <a:lnSpc>
-              <a:spcPct val="90000"/>
-            </a:lnSpc>
-            <a:spcBef>
-              <a:spcPct val="0"/>
-            </a:spcBef>
-            <a:spcAft>
-              <a:spcPct val="35000"/>
-            </a:spcAft>
-          </a:pPr>
-          <a:endParaRPr lang="en-US" sz="500" kern="1200">
-            <a:solidFill>
-              <a:sysClr val="windowText" lastClr="000000">
-                <a:hueOff val="0"/>
-                <a:satOff val="0"/>
-                <a:lumOff val="0"/>
-                <a:alphaOff val="0"/>
-              </a:sysClr>
-            </a:solidFill>
-            <a:latin typeface="Times New Roman" pitchFamily="18" charset="0"/>
-            <a:ea typeface="+mn-ea"/>
-            <a:cs typeface="Times New Roman" pitchFamily="18" charset="0"/>
-          </a:endParaRPr>
-        </a:p>
-      </dsp:txBody>
-      <dsp:txXfrm>
-        <a:off x="3968956" y="3662904"/>
-        <a:ext cx="0" cy="0"/>
-      </dsp:txXfrm>
-    </dsp:sp>
-    <dsp:sp modelId="{A5918F51-FDFA-4598-AC5D-3E5B44D8D635}">
-      <dsp:nvSpPr>
-        <dsp:cNvPr id="0" name=""/>
-        <dsp:cNvSpPr/>
-      </dsp:nvSpPr>
-      <dsp:spPr>
-        <a:xfrm>
-          <a:off x="4278887" y="3526802"/>
-          <a:ext cx="1528167" cy="764083"/>
-        </a:xfrm>
-        <a:prstGeom prst="roundRect">
-          <a:avLst>
-            <a:gd name="adj" fmla="val 10000"/>
-          </a:avLst>
-        </a:prstGeom>
-        <a:solidFill>
-          <a:srgbClr val="92D050"/>
-        </a:solidFill>
-        <a:ln w="25400" cap="flat" cmpd="sng" algn="ctr">
-          <a:solidFill>
-            <a:sysClr val="window" lastClr="FFFFFF">
-              <a:hueOff val="0"/>
-              <a:satOff val="0"/>
-              <a:lumOff val="0"/>
-              <a:alphaOff val="0"/>
-            </a:sysClr>
-          </a:solidFill>
-          <a:prstDash val="solid"/>
-          <a:miter lim="800000"/>
-        </a:ln>
-        <a:effectLst/>
-      </dsp:spPr>
-      <dsp:style>
-        <a:lnRef idx="2">
-          <a:scrgbClr r="0" g="0" b="0"/>
-        </a:lnRef>
-        <a:fillRef idx="1">
-          <a:scrgbClr r="0" g="0" b="0"/>
-        </a:fillRef>
-        <a:effectRef idx="0">
-          <a:scrgbClr r="0" g="0" b="0"/>
-        </a:effectRef>
-        <a:fontRef idx="minor">
-          <a:schemeClr val="lt1"/>
-        </a:fontRef>
-      </dsp:style>
-      <dsp:txBody>
-        <a:bodyPr spcFirstLastPara="0" vert="horz" wrap="square" lIns="10160" tIns="10160" rIns="10160" bIns="10160" numCol="1" spcCol="1270" anchor="ctr" anchorCtr="0">
-          <a:noAutofit/>
-        </a:bodyPr>
-        <a:lstStyle/>
-        <a:p>
-          <a:pPr lvl="0" algn="ctr" defTabSz="711200">
-            <a:lnSpc>
-              <a:spcPct val="90000"/>
-            </a:lnSpc>
-            <a:spcBef>
-              <a:spcPct val="0"/>
-            </a:spcBef>
-            <a:spcAft>
-              <a:spcPct val="35000"/>
-            </a:spcAft>
-          </a:pPr>
-          <a:r>
-            <a:rPr lang="en-US" sz="1600" kern="1200" dirty="0" smtClean="0">
-              <a:solidFill>
-                <a:sysClr val="windowText" lastClr="000000"/>
-              </a:solidFill>
-              <a:latin typeface="Times New Roman" pitchFamily="18" charset="0"/>
-              <a:ea typeface="+mn-ea"/>
-              <a:cs typeface="Times New Roman" pitchFamily="18" charset="0"/>
-            </a:rPr>
-            <a:t>Reliable schedule</a:t>
-          </a:r>
-          <a:endParaRPr lang="en-US" sz="1600" kern="1200" dirty="0">
-            <a:solidFill>
-              <a:sysClr val="windowText" lastClr="000000"/>
-            </a:solidFill>
-            <a:latin typeface="Times New Roman" pitchFamily="18" charset="0"/>
-            <a:ea typeface="+mn-ea"/>
-            <a:cs typeface="Times New Roman" pitchFamily="18" charset="0"/>
-          </a:endParaRPr>
-        </a:p>
-      </dsp:txBody>
-      <dsp:txXfrm>
-        <a:off x="4301266" y="3549181"/>
-        <a:ext cx="1483409" cy="719325"/>
-      </dsp:txXfrm>
-    </dsp:sp>
-    <dsp:sp modelId="{910A206A-69E8-4B2A-A7BA-20E4EC713267}">
-      <dsp:nvSpPr>
-        <dsp:cNvPr id="0" name=""/>
-        <dsp:cNvSpPr/>
-      </dsp:nvSpPr>
-      <dsp:spPr>
-        <a:xfrm rot="3907178">
-          <a:off x="3246809" y="4115246"/>
-          <a:ext cx="1452889" cy="26542"/>
-        </a:xfrm>
-        <a:custGeom>
-          <a:avLst/>
-          <a:gdLst/>
-          <a:ahLst/>
-          <a:cxnLst/>
-          <a:rect l="0" t="0" r="0" b="0"/>
-          <a:pathLst>
-            <a:path>
-              <a:moveTo>
-                <a:pt x="0" y="13315"/>
-              </a:moveTo>
-              <a:lnTo>
-                <a:pt x="1457700" y="13315"/>
-              </a:lnTo>
-            </a:path>
-          </a:pathLst>
-        </a:custGeom>
-        <a:noFill/>
-        <a:ln w="25400" cap="flat" cmpd="sng" algn="ctr">
-          <a:solidFill>
-            <a:srgbClr val="4F81BD">
-              <a:shade val="80000"/>
-              <a:hueOff val="0"/>
-              <a:satOff val="0"/>
-              <a:lumOff val="0"/>
-              <a:alphaOff val="0"/>
-            </a:srgbClr>
-          </a:solidFill>
-          <a:prstDash val="solid"/>
-          <a:miter lim="800000"/>
-        </a:ln>
-        <a:effectLst/>
-      </dsp:spPr>
-      <dsp:style>
-        <a:lnRef idx="2">
-          <a:scrgbClr r="0" g="0" b="0"/>
-        </a:lnRef>
-        <a:fillRef idx="0">
-          <a:scrgbClr r="0" g="0" b="0"/>
-        </a:fillRef>
-        <a:effectRef idx="0">
-          <a:scrgbClr r="0" g="0" b="0"/>
-        </a:effectRef>
-        <a:fontRef idx="minor"/>
-      </dsp:style>
-      <dsp:txBody>
-        <a:bodyPr spcFirstLastPara="0" vert="horz" wrap="square" lIns="12700" tIns="0" rIns="12700" bIns="0" numCol="1" spcCol="1270" anchor="ctr" anchorCtr="0">
-          <a:noAutofit/>
-        </a:bodyPr>
-        <a:lstStyle/>
-        <a:p>
-          <a:pPr lvl="0" algn="ctr" defTabSz="222250">
-            <a:lnSpc>
-              <a:spcPct val="90000"/>
-            </a:lnSpc>
-            <a:spcBef>
-              <a:spcPct val="0"/>
-            </a:spcBef>
-            <a:spcAft>
-              <a:spcPct val="35000"/>
-            </a:spcAft>
-          </a:pPr>
-          <a:endParaRPr lang="en-US" sz="500" kern="1200">
-            <a:solidFill>
-              <a:sysClr val="windowText" lastClr="000000">
-                <a:hueOff val="0"/>
-                <a:satOff val="0"/>
-                <a:lumOff val="0"/>
-                <a:alphaOff val="0"/>
-              </a:sysClr>
-            </a:solidFill>
-            <a:latin typeface="Times New Roman" pitchFamily="18" charset="0"/>
-            <a:ea typeface="+mn-ea"/>
-            <a:cs typeface="Times New Roman" pitchFamily="18" charset="0"/>
-          </a:endParaRPr>
-        </a:p>
-      </dsp:txBody>
-      <dsp:txXfrm>
-        <a:off x="3990923" y="4080285"/>
-        <a:ext cx="0" cy="0"/>
-      </dsp:txXfrm>
-    </dsp:sp>
-    <dsp:sp modelId="{9217BD7B-3865-457D-BB51-08755AD1B5A0}">
-      <dsp:nvSpPr>
-        <dsp:cNvPr id="0" name=""/>
-        <dsp:cNvSpPr/>
-      </dsp:nvSpPr>
-      <dsp:spPr>
-        <a:xfrm>
-          <a:off x="4278887" y="4405498"/>
-          <a:ext cx="1528167" cy="764083"/>
-        </a:xfrm>
-        <a:prstGeom prst="roundRect">
-          <a:avLst>
-            <a:gd name="adj" fmla="val 10000"/>
-          </a:avLst>
-        </a:prstGeom>
-        <a:solidFill>
-          <a:srgbClr val="92D050"/>
-        </a:solidFill>
-        <a:ln w="25400" cap="flat" cmpd="sng" algn="ctr">
-          <a:solidFill>
-            <a:sysClr val="window" lastClr="FFFFFF">
-              <a:hueOff val="0"/>
-              <a:satOff val="0"/>
-              <a:lumOff val="0"/>
-              <a:alphaOff val="0"/>
-            </a:sysClr>
-          </a:solidFill>
-          <a:prstDash val="solid"/>
-          <a:miter lim="800000"/>
-        </a:ln>
-        <a:effectLst/>
-      </dsp:spPr>
-      <dsp:style>
-        <a:lnRef idx="2">
-          <a:scrgbClr r="0" g="0" b="0"/>
-        </a:lnRef>
-        <a:fillRef idx="1">
-          <a:scrgbClr r="0" g="0" b="0"/>
-        </a:fillRef>
-        <a:effectRef idx="0">
-          <a:scrgbClr r="0" g="0" b="0"/>
-        </a:effectRef>
-        <a:fontRef idx="minor">
-          <a:schemeClr val="lt1"/>
-        </a:fontRef>
-      </dsp:style>
-      <dsp:txBody>
-        <a:bodyPr spcFirstLastPara="0" vert="horz" wrap="square" lIns="10160" tIns="10160" rIns="10160" bIns="10160" numCol="1" spcCol="1270" anchor="ctr" anchorCtr="0">
-          <a:noAutofit/>
-        </a:bodyPr>
-        <a:lstStyle/>
-        <a:p>
-          <a:pPr lvl="0" algn="ctr" defTabSz="711200">
-            <a:lnSpc>
-              <a:spcPct val="90000"/>
-            </a:lnSpc>
-            <a:spcBef>
-              <a:spcPct val="0"/>
-            </a:spcBef>
-            <a:spcAft>
-              <a:spcPct val="35000"/>
-            </a:spcAft>
-          </a:pPr>
-          <a:r>
-            <a:rPr lang="en-US" sz="1600" kern="1200" dirty="0" smtClean="0">
-              <a:solidFill>
-                <a:sysClr val="windowText" lastClr="000000"/>
-              </a:solidFill>
-              <a:latin typeface="Times New Roman" pitchFamily="18" charset="0"/>
-              <a:ea typeface="+mn-ea"/>
-              <a:cs typeface="Times New Roman" pitchFamily="18" charset="0"/>
-            </a:rPr>
-            <a:t>Less travel time</a:t>
-          </a:r>
-          <a:endParaRPr lang="en-US" sz="1600" kern="1200" dirty="0">
-            <a:solidFill>
-              <a:sysClr val="windowText" lastClr="000000"/>
-            </a:solidFill>
-            <a:latin typeface="Times New Roman" pitchFamily="18" charset="0"/>
-            <a:ea typeface="+mn-ea"/>
-            <a:cs typeface="Times New Roman" pitchFamily="18" charset="0"/>
-          </a:endParaRPr>
-        </a:p>
-      </dsp:txBody>
-      <dsp:txXfrm>
-        <a:off x="4301266" y="4427877"/>
-        <a:ext cx="1483409" cy="719325"/>
-      </dsp:txXfrm>
-    </dsp:sp>
   </dsp:spTree>
 </dsp:drawing>
 </file>
@@ -16067,490 +13097,6 @@
       <dsp:cNvGrpSpPr/>
     </dsp:nvGrpSpPr>
     <dsp:grpSpPr/>
-    <dsp:sp modelId="{64CE5CA0-F1CA-44E8-85C9-151C2218F1E2}">
-      <dsp:nvSpPr>
-        <dsp:cNvPr id="0" name=""/>
-        <dsp:cNvSpPr/>
-      </dsp:nvSpPr>
-      <dsp:spPr>
-        <a:xfrm>
-          <a:off x="416987" y="1451"/>
-          <a:ext cx="2085051" cy="2085051"/>
-        </a:xfrm>
-        <a:prstGeom prst="ellipse">
-          <a:avLst/>
-        </a:prstGeom>
-        <a:solidFill>
-          <a:srgbClr val="9BBB59"/>
-        </a:solidFill>
-        <a:ln w="25400" cap="flat" cmpd="sng" algn="ctr">
-          <a:noFill/>
-          <a:prstDash val="solid"/>
-          <a:miter lim="800000"/>
-        </a:ln>
-        <a:effectLst/>
-      </dsp:spPr>
-      <dsp:style>
-        <a:lnRef idx="2">
-          <a:schemeClr val="accent3">
-            <a:shade val="50000"/>
-          </a:schemeClr>
-        </a:lnRef>
-        <a:fillRef idx="1">
-          <a:schemeClr val="accent3"/>
-        </a:fillRef>
-        <a:effectRef idx="0">
-          <a:schemeClr val="accent3"/>
-        </a:effectRef>
-        <a:fontRef idx="minor">
-          <a:schemeClr val="lt1"/>
-        </a:fontRef>
-      </dsp:style>
-      <dsp:txBody>
-        <a:bodyPr spcFirstLastPara="0" vert="horz" wrap="square" lIns="30480" tIns="30480" rIns="30480" bIns="30480" numCol="1" spcCol="1270" anchor="ctr" anchorCtr="0">
-          <a:noAutofit/>
-        </a:bodyPr>
-        <a:lstStyle/>
-        <a:p>
-          <a:pPr lvl="0" algn="ctr" defTabSz="1066800">
-            <a:lnSpc>
-              <a:spcPct val="90000"/>
-            </a:lnSpc>
-            <a:spcBef>
-              <a:spcPct val="0"/>
-            </a:spcBef>
-            <a:spcAft>
-              <a:spcPct val="35000"/>
-            </a:spcAft>
-          </a:pPr>
-          <a:r>
-            <a:rPr lang="en-US" sz="2400" kern="1200" dirty="0" smtClean="0">
-              <a:solidFill>
-                <a:sysClr val="windowText" lastClr="000000"/>
-              </a:solidFill>
-              <a:latin typeface="Times New Roman" pitchFamily="18" charset="0"/>
-              <a:ea typeface="+mn-ea"/>
-              <a:cs typeface="Times New Roman" pitchFamily="18" charset="0"/>
-            </a:rPr>
-            <a:t>Create/Edit Schedule</a:t>
-          </a:r>
-          <a:endParaRPr lang="en-US" sz="2400" kern="1200" dirty="0">
-            <a:solidFill>
-              <a:sysClr val="windowText" lastClr="000000"/>
-            </a:solidFill>
-            <a:latin typeface="Times New Roman" pitchFamily="18" charset="0"/>
-            <a:ea typeface="+mn-ea"/>
-            <a:cs typeface="Times New Roman" pitchFamily="18" charset="0"/>
-          </a:endParaRPr>
-        </a:p>
-      </dsp:txBody>
-      <dsp:txXfrm>
-        <a:off x="722336" y="306800"/>
-        <a:ext cx="1474353" cy="1474353"/>
-      </dsp:txXfrm>
-    </dsp:sp>
-    <dsp:sp modelId="{51AC4D10-6199-487F-9E93-B779DF35A5D9}">
-      <dsp:nvSpPr>
-        <dsp:cNvPr id="0" name=""/>
-        <dsp:cNvSpPr/>
-      </dsp:nvSpPr>
-      <dsp:spPr>
-        <a:xfrm rot="21599317">
-          <a:off x="2864989" y="691758"/>
-          <a:ext cx="874382" cy="703704"/>
-        </a:xfrm>
-        <a:prstGeom prst="rightArrow">
-          <a:avLst>
-            <a:gd name="adj1" fmla="val 60000"/>
-            <a:gd name="adj2" fmla="val 50000"/>
-          </a:avLst>
-        </a:prstGeom>
-        <a:solidFill>
-          <a:srgbClr val="4F81BD">
-            <a:tint val="60000"/>
-            <a:hueOff val="0"/>
-            <a:satOff val="0"/>
-            <a:lumOff val="0"/>
-            <a:alphaOff val="0"/>
-          </a:srgbClr>
-        </a:solidFill>
-        <a:ln>
-          <a:noFill/>
-        </a:ln>
-        <a:effectLst/>
-      </dsp:spPr>
-      <dsp:style>
-        <a:lnRef idx="0">
-          <a:scrgbClr r="0" g="0" b="0"/>
-        </a:lnRef>
-        <a:fillRef idx="1">
-          <a:scrgbClr r="0" g="0" b="0"/>
-        </a:fillRef>
-        <a:effectRef idx="0">
-          <a:scrgbClr r="0" g="0" b="0"/>
-        </a:effectRef>
-        <a:fontRef idx="minor">
-          <a:schemeClr val="lt1"/>
-        </a:fontRef>
-      </dsp:style>
-      <dsp:txBody>
-        <a:bodyPr spcFirstLastPara="0" vert="horz" wrap="square" lIns="0" tIns="0" rIns="0" bIns="0" numCol="1" spcCol="1270" anchor="ctr" anchorCtr="0">
-          <a:noAutofit/>
-        </a:bodyPr>
-        <a:lstStyle/>
-        <a:p>
-          <a:pPr lvl="0" algn="ctr" defTabSz="844550">
-            <a:lnSpc>
-              <a:spcPct val="90000"/>
-            </a:lnSpc>
-            <a:spcBef>
-              <a:spcPct val="0"/>
-            </a:spcBef>
-            <a:spcAft>
-              <a:spcPct val="35000"/>
-            </a:spcAft>
-          </a:pPr>
-          <a:endParaRPr lang="en-US" sz="1900" kern="1200">
-            <a:solidFill>
-              <a:sysClr val="window" lastClr="FFFFFF"/>
-            </a:solidFill>
-            <a:latin typeface="Times New Roman" pitchFamily="18" charset="0"/>
-            <a:ea typeface="+mn-ea"/>
-            <a:cs typeface="Times New Roman" pitchFamily="18" charset="0"/>
-          </a:endParaRPr>
-        </a:p>
-      </dsp:txBody>
-      <dsp:txXfrm>
-        <a:off x="2864989" y="832520"/>
-        <a:ext cx="663271" cy="422222"/>
-      </dsp:txXfrm>
-    </dsp:sp>
-    <dsp:sp modelId="{61837977-8424-4792-BE52-919E318D841F}">
-      <dsp:nvSpPr>
-        <dsp:cNvPr id="0" name=""/>
-        <dsp:cNvSpPr/>
-      </dsp:nvSpPr>
-      <dsp:spPr>
-        <a:xfrm>
-          <a:off x="4151816" y="710"/>
-          <a:ext cx="2085051" cy="2085051"/>
-        </a:xfrm>
-        <a:prstGeom prst="ellipse">
-          <a:avLst/>
-        </a:prstGeom>
-        <a:solidFill>
-          <a:srgbClr val="4F81BD">
-            <a:hueOff val="0"/>
-            <a:satOff val="0"/>
-            <a:lumOff val="0"/>
-            <a:alphaOff val="0"/>
-          </a:srgbClr>
-        </a:solidFill>
-        <a:ln w="25400" cap="flat" cmpd="sng" algn="ctr">
-          <a:solidFill>
-            <a:sysClr val="window" lastClr="FFFFFF">
-              <a:hueOff val="0"/>
-              <a:satOff val="0"/>
-              <a:lumOff val="0"/>
-              <a:alphaOff val="0"/>
-            </a:sysClr>
-          </a:solidFill>
-          <a:prstDash val="solid"/>
-          <a:miter lim="800000"/>
-        </a:ln>
-        <a:effectLst/>
-      </dsp:spPr>
-      <dsp:style>
-        <a:lnRef idx="2">
-          <a:scrgbClr r="0" g="0" b="0"/>
-        </a:lnRef>
-        <a:fillRef idx="1">
-          <a:scrgbClr r="0" g="0" b="0"/>
-        </a:fillRef>
-        <a:effectRef idx="0">
-          <a:scrgbClr r="0" g="0" b="0"/>
-        </a:effectRef>
-        <a:fontRef idx="minor">
-          <a:schemeClr val="lt1"/>
-        </a:fontRef>
-      </dsp:style>
-      <dsp:txBody>
-        <a:bodyPr spcFirstLastPara="0" vert="horz" wrap="square" lIns="30480" tIns="30480" rIns="30480" bIns="30480" numCol="1" spcCol="1270" anchor="ctr" anchorCtr="0">
-          <a:noAutofit/>
-        </a:bodyPr>
-        <a:lstStyle/>
-        <a:p>
-          <a:pPr lvl="0" algn="ctr" defTabSz="1066800">
-            <a:lnSpc>
-              <a:spcPct val="90000"/>
-            </a:lnSpc>
-            <a:spcBef>
-              <a:spcPct val="0"/>
-            </a:spcBef>
-            <a:spcAft>
-              <a:spcPct val="35000"/>
-            </a:spcAft>
-          </a:pPr>
-          <a:r>
-            <a:rPr lang="en-US" sz="2400" kern="1200" dirty="0" smtClean="0">
-              <a:solidFill>
-                <a:sysClr val="window" lastClr="FFFFFF"/>
-              </a:solidFill>
-              <a:latin typeface="Times New Roman" pitchFamily="18" charset="0"/>
-              <a:ea typeface="+mn-ea"/>
-              <a:cs typeface="Times New Roman" pitchFamily="18" charset="0"/>
-            </a:rPr>
-            <a:t>Monitor Schedule</a:t>
-          </a:r>
-          <a:endParaRPr lang="en-US" sz="2400" kern="1200" dirty="0">
-            <a:solidFill>
-              <a:sysClr val="window" lastClr="FFFFFF"/>
-            </a:solidFill>
-            <a:latin typeface="Times New Roman" pitchFamily="18" charset="0"/>
-            <a:ea typeface="+mn-ea"/>
-            <a:cs typeface="Times New Roman" pitchFamily="18" charset="0"/>
-          </a:endParaRPr>
-        </a:p>
-      </dsp:txBody>
-      <dsp:txXfrm>
-        <a:off x="4457165" y="306059"/>
-        <a:ext cx="1474353" cy="1474353"/>
-      </dsp:txXfrm>
-    </dsp:sp>
-    <dsp:sp modelId="{D58441BD-E91E-428B-B53C-EC747FE81758}">
-      <dsp:nvSpPr>
-        <dsp:cNvPr id="0" name=""/>
-        <dsp:cNvSpPr/>
-      </dsp:nvSpPr>
-      <dsp:spPr>
-        <a:xfrm rot="7398612">
-          <a:off x="4033540" y="2011376"/>
-          <a:ext cx="586783" cy="703704"/>
-        </a:xfrm>
-        <a:prstGeom prst="rightArrow">
-          <a:avLst>
-            <a:gd name="adj1" fmla="val 60000"/>
-            <a:gd name="adj2" fmla="val 50000"/>
-          </a:avLst>
-        </a:prstGeom>
-        <a:solidFill>
-          <a:srgbClr val="4F81BD">
-            <a:tint val="60000"/>
-            <a:hueOff val="0"/>
-            <a:satOff val="0"/>
-            <a:lumOff val="0"/>
-            <a:alphaOff val="0"/>
-          </a:srgbClr>
-        </a:solidFill>
-        <a:ln>
-          <a:noFill/>
-        </a:ln>
-        <a:effectLst/>
-      </dsp:spPr>
-      <dsp:style>
-        <a:lnRef idx="0">
-          <a:scrgbClr r="0" g="0" b="0"/>
-        </a:lnRef>
-        <a:fillRef idx="1">
-          <a:scrgbClr r="0" g="0" b="0"/>
-        </a:fillRef>
-        <a:effectRef idx="0">
-          <a:scrgbClr r="0" g="0" b="0"/>
-        </a:effectRef>
-        <a:fontRef idx="minor">
-          <a:schemeClr val="lt1"/>
-        </a:fontRef>
-      </dsp:style>
-      <dsp:txBody>
-        <a:bodyPr spcFirstLastPara="0" vert="horz" wrap="square" lIns="0" tIns="0" rIns="0" bIns="0" numCol="1" spcCol="1270" anchor="ctr" anchorCtr="0">
-          <a:noAutofit/>
-        </a:bodyPr>
-        <a:lstStyle/>
-        <a:p>
-          <a:pPr lvl="0" algn="ctr" defTabSz="844550">
-            <a:lnSpc>
-              <a:spcPct val="90000"/>
-            </a:lnSpc>
-            <a:spcBef>
-              <a:spcPct val="0"/>
-            </a:spcBef>
-            <a:spcAft>
-              <a:spcPct val="35000"/>
-            </a:spcAft>
-          </a:pPr>
-          <a:endParaRPr lang="en-US" sz="1900" kern="1200">
-            <a:solidFill>
-              <a:sysClr val="window" lastClr="FFFFFF"/>
-            </a:solidFill>
-            <a:latin typeface="Times New Roman" pitchFamily="18" charset="0"/>
-            <a:ea typeface="+mn-ea"/>
-            <a:cs typeface="Times New Roman" pitchFamily="18" charset="0"/>
-          </a:endParaRPr>
-        </a:p>
-      </dsp:txBody>
-      <dsp:txXfrm rot="10800000">
-        <a:off x="4169894" y="2078560"/>
-        <a:ext cx="410748" cy="422222"/>
-      </dsp:txXfrm>
-    </dsp:sp>
-    <dsp:sp modelId="{DF92A075-14DB-4763-8DCD-163560AA40AD}">
-      <dsp:nvSpPr>
-        <dsp:cNvPr id="0" name=""/>
-        <dsp:cNvSpPr/>
-      </dsp:nvSpPr>
-      <dsp:spPr>
-        <a:xfrm>
-          <a:off x="2398756" y="2668454"/>
-          <a:ext cx="2085051" cy="2085051"/>
-        </a:xfrm>
-        <a:prstGeom prst="ellipse">
-          <a:avLst/>
-        </a:prstGeom>
-        <a:solidFill>
-          <a:srgbClr val="C0504D"/>
-        </a:solidFill>
-        <a:ln w="25400" cap="flat" cmpd="sng" algn="ctr">
-          <a:noFill/>
-          <a:prstDash val="solid"/>
-          <a:miter lim="800000"/>
-        </a:ln>
-        <a:effectLst/>
-      </dsp:spPr>
-      <dsp:style>
-        <a:lnRef idx="2">
-          <a:schemeClr val="accent2">
-            <a:shade val="50000"/>
-          </a:schemeClr>
-        </a:lnRef>
-        <a:fillRef idx="1">
-          <a:schemeClr val="accent2"/>
-        </a:fillRef>
-        <a:effectRef idx="0">
-          <a:schemeClr val="accent2"/>
-        </a:effectRef>
-        <a:fontRef idx="minor">
-          <a:schemeClr val="lt1"/>
-        </a:fontRef>
-      </dsp:style>
-      <dsp:txBody>
-        <a:bodyPr spcFirstLastPara="0" vert="horz" wrap="square" lIns="30480" tIns="30480" rIns="30480" bIns="30480" numCol="1" spcCol="1270" anchor="ctr" anchorCtr="0">
-          <a:noAutofit/>
-        </a:bodyPr>
-        <a:lstStyle/>
-        <a:p>
-          <a:pPr lvl="0" algn="ctr" defTabSz="1066800">
-            <a:lnSpc>
-              <a:spcPct val="90000"/>
-            </a:lnSpc>
-            <a:spcBef>
-              <a:spcPct val="0"/>
-            </a:spcBef>
-            <a:spcAft>
-              <a:spcPct val="35000"/>
-            </a:spcAft>
-          </a:pPr>
-          <a:r>
-            <a:rPr lang="en-US" sz="2400" kern="1200" dirty="0" smtClean="0">
-              <a:solidFill>
-                <a:sysClr val="window" lastClr="FFFFFF"/>
-              </a:solidFill>
-              <a:latin typeface="Times New Roman" pitchFamily="18" charset="0"/>
-              <a:ea typeface="+mn-ea"/>
-              <a:cs typeface="Times New Roman" pitchFamily="18" charset="0"/>
-            </a:rPr>
-            <a:t>Feedback</a:t>
-          </a:r>
-          <a:endParaRPr lang="en-US" sz="2400" kern="1200" dirty="0">
-            <a:solidFill>
-              <a:sysClr val="window" lastClr="FFFFFF"/>
-            </a:solidFill>
-            <a:latin typeface="Times New Roman" pitchFamily="18" charset="0"/>
-            <a:ea typeface="+mn-ea"/>
-            <a:cs typeface="Times New Roman" pitchFamily="18" charset="0"/>
-          </a:endParaRPr>
-        </a:p>
-      </dsp:txBody>
-      <dsp:txXfrm>
-        <a:off x="2704105" y="2973803"/>
-        <a:ext cx="1474353" cy="1474353"/>
-      </dsp:txXfrm>
-    </dsp:sp>
-    <dsp:sp modelId="{B4675DDF-9B93-4A83-8B11-61D2390CD8CA}">
-      <dsp:nvSpPr>
-        <dsp:cNvPr id="0" name=""/>
-        <dsp:cNvSpPr/>
-      </dsp:nvSpPr>
-      <dsp:spPr>
-        <a:xfrm rot="14003105">
-          <a:off x="2133493" y="2040527"/>
-          <a:ext cx="655951" cy="703704"/>
-        </a:xfrm>
-        <a:prstGeom prst="rightArrow">
-          <a:avLst>
-            <a:gd name="adj1" fmla="val 60000"/>
-            <a:gd name="adj2" fmla="val 50000"/>
-          </a:avLst>
-        </a:prstGeom>
-        <a:solidFill>
-          <a:srgbClr val="4F81BD">
-            <a:tint val="60000"/>
-            <a:hueOff val="0"/>
-            <a:satOff val="0"/>
-            <a:lumOff val="0"/>
-            <a:alphaOff val="0"/>
-          </a:srgbClr>
-        </a:solidFill>
-        <a:ln>
-          <a:noFill/>
-        </a:ln>
-        <a:effectLst/>
-      </dsp:spPr>
-      <dsp:style>
-        <a:lnRef idx="0">
-          <a:scrgbClr r="0" g="0" b="0"/>
-        </a:lnRef>
-        <a:fillRef idx="1">
-          <a:scrgbClr r="0" g="0" b="0"/>
-        </a:fillRef>
-        <a:effectRef idx="0">
-          <a:scrgbClr r="0" g="0" b="0"/>
-        </a:effectRef>
-        <a:fontRef idx="minor">
-          <a:schemeClr val="lt1"/>
-        </a:fontRef>
-      </dsp:style>
-      <dsp:txBody>
-        <a:bodyPr spcFirstLastPara="0" vert="horz" wrap="square" lIns="0" tIns="0" rIns="0" bIns="0" numCol="1" spcCol="1270" anchor="ctr" anchorCtr="0">
-          <a:noAutofit/>
-        </a:bodyPr>
-        <a:lstStyle/>
-        <a:p>
-          <a:pPr lvl="0" algn="ctr" defTabSz="844550">
-            <a:lnSpc>
-              <a:spcPct val="90000"/>
-            </a:lnSpc>
-            <a:spcBef>
-              <a:spcPct val="0"/>
-            </a:spcBef>
-            <a:spcAft>
-              <a:spcPct val="35000"/>
-            </a:spcAft>
-          </a:pPr>
-          <a:endParaRPr lang="en-US" sz="1900" kern="1200">
-            <a:solidFill>
-              <a:sysClr val="window" lastClr="FFFFFF"/>
-            </a:solidFill>
-            <a:latin typeface="Times New Roman" pitchFamily="18" charset="0"/>
-            <a:ea typeface="+mn-ea"/>
-            <a:cs typeface="Times New Roman" pitchFamily="18" charset="0"/>
-          </a:endParaRPr>
-        </a:p>
-      </dsp:txBody>
-      <dsp:txXfrm rot="10800000">
-        <a:off x="2290570" y="2260244"/>
-        <a:ext cx="459166" cy="422222"/>
-      </dsp:txXfrm>
-    </dsp:sp>
   </dsp:spTree>
 </dsp:drawing>
 </file>
@@ -17078,13 +13624,12 @@
 </file>
 
 <file path=ppt/diagrams/layout2.xml><?xml version="1.0" encoding="utf-8"?>
-<dgm:layoutDef xmlns:dgm="http://schemas.openxmlformats.org/drawingml/2006/diagram" xmlns:a="http://schemas.openxmlformats.org/drawingml/2006/main" uniqueId="urn:microsoft.com/office/officeart/2005/8/layout/hierarchy4">
+<dgm:layoutDef xmlns:dgm="http://schemas.openxmlformats.org/drawingml/2006/diagram" xmlns:a="http://schemas.openxmlformats.org/drawingml/2006/main" uniqueId="urn:microsoft.com/office/officeart/2005/8/layout/radial1">
   <dgm:title val=""/>
   <dgm:desc val=""/>
   <dgm:catLst>
-    <dgm:cat type="hierarchy" pri="4000"/>
-    <dgm:cat type="list" pri="24000"/>
-    <dgm:cat type="relationship" pri="10000"/>
+    <dgm:cat type="relationship" pri="22000"/>
+    <dgm:cat type="cycle" pri="10000"/>
   </dgm:catLst>
   <dgm:sampData>
     <dgm:dataModel>
@@ -17093,29 +13638,25 @@
         <dgm:pt modelId="1">
           <dgm:prSet phldr="1"/>
         </dgm:pt>
-        <dgm:pt modelId="2">
+        <dgm:pt modelId="11">
           <dgm:prSet phldr="1"/>
         </dgm:pt>
-        <dgm:pt modelId="21">
+        <dgm:pt modelId="12">
           <dgm:prSet phldr="1"/>
         </dgm:pt>
-        <dgm:pt modelId="22">
+        <dgm:pt modelId="13">
           <dgm:prSet phldr="1"/>
         </dgm:pt>
-        <dgm:pt modelId="3">
-          <dgm:prSet phldr="1"/>
-        </dgm:pt>
-        <dgm:pt modelId="31">
+        <dgm:pt modelId="14">
           <dgm:prSet phldr="1"/>
         </dgm:pt>
       </dgm:ptLst>
       <dgm:cxnLst>
-        <dgm:cxn modelId="4" srcId="0" destId="1" srcOrd="0" destOrd="0"/>
-        <dgm:cxn modelId="5" srcId="1" destId="2" srcOrd="0" destOrd="0"/>
-        <dgm:cxn modelId="6" srcId="1" destId="3" srcOrd="1" destOrd="0"/>
-        <dgm:cxn modelId="23" srcId="2" destId="21" srcOrd="0" destOrd="0"/>
-        <dgm:cxn modelId="24" srcId="2" destId="22" srcOrd="1" destOrd="0"/>
-        <dgm:cxn modelId="33" srcId="3" destId="31" srcOrd="0" destOrd="0"/>
+        <dgm:cxn modelId="2" srcId="0" destId="1" srcOrd="0" destOrd="0"/>
+        <dgm:cxn modelId="3" srcId="1" destId="11" srcOrd="0" destOrd="0"/>
+        <dgm:cxn modelId="4" srcId="1" destId="12" srcOrd="1" destOrd="0"/>
+        <dgm:cxn modelId="5" srcId="1" destId="13" srcOrd="2" destOrd="0"/>
+        <dgm:cxn modelId="6" srcId="1" destId="14" srcOrd="3" destOrd="0"/>
       </dgm:cxnLst>
       <dgm:bg/>
       <dgm:whole/>
@@ -17128,11 +13669,13 @@
         <dgm:pt modelId="1"/>
         <dgm:pt modelId="11"/>
         <dgm:pt modelId="12"/>
+        <dgm:pt modelId="13"/>
       </dgm:ptLst>
       <dgm:cxnLst>
         <dgm:cxn modelId="2" srcId="0" destId="1" srcOrd="0" destOrd="0"/>
-        <dgm:cxn modelId="13" srcId="1" destId="11" srcOrd="0" destOrd="0"/>
-        <dgm:cxn modelId="14" srcId="1" destId="12" srcOrd="1" destOrd="0"/>
+        <dgm:cxn modelId="15" srcId="1" destId="11" srcOrd="0" destOrd="0"/>
+        <dgm:cxn modelId="16" srcId="1" destId="12" srcOrd="1" destOrd="0"/>
+        <dgm:cxn modelId="17" srcId="1" destId="13" srcOrd="2" destOrd="0"/>
       </dgm:cxnLst>
       <dgm:bg/>
       <dgm:whole/>
@@ -17143,45 +13686,57 @@
       <dgm:ptLst>
         <dgm:pt modelId="0" type="doc"/>
         <dgm:pt modelId="1"/>
-        <dgm:pt modelId="2"/>
-        <dgm:pt modelId="21"/>
-        <dgm:pt modelId="211"/>
-        <dgm:pt modelId="3"/>
-        <dgm:pt modelId="31"/>
-        <dgm:pt modelId="311"/>
+        <dgm:pt modelId="11"/>
+        <dgm:pt modelId="12"/>
+        <dgm:pt modelId="13"/>
+        <dgm:pt modelId="14"/>
+        <dgm:pt modelId="15"/>
+        <dgm:pt modelId="16"/>
       </dgm:ptLst>
       <dgm:cxnLst>
-        <dgm:cxn modelId="4" srcId="0" destId="1" srcOrd="0" destOrd="0"/>
-        <dgm:cxn modelId="5" srcId="1" destId="2" srcOrd="0" destOrd="0"/>
-        <dgm:cxn modelId="6" srcId="1" destId="3" srcOrd="1" destOrd="0"/>
-        <dgm:cxn modelId="23" srcId="2" destId="21" srcOrd="0" destOrd="0"/>
-        <dgm:cxn modelId="24" srcId="21" destId="211" srcOrd="0" destOrd="0"/>
-        <dgm:cxn modelId="33" srcId="3" destId="31" srcOrd="0" destOrd="0"/>
-        <dgm:cxn modelId="34" srcId="31" destId="311" srcOrd="0" destOrd="0"/>
+        <dgm:cxn modelId="2" srcId="0" destId="1" srcOrd="0" destOrd="0"/>
+        <dgm:cxn modelId="16" srcId="1" destId="11" srcOrd="0" destOrd="0"/>
+        <dgm:cxn modelId="17" srcId="1" destId="12" srcOrd="1" destOrd="0"/>
+        <dgm:cxn modelId="18" srcId="1" destId="13" srcOrd="2" destOrd="0"/>
+        <dgm:cxn modelId="19" srcId="1" destId="14" srcOrd="3" destOrd="0"/>
+        <dgm:cxn modelId="20" srcId="1" destId="15" srcOrd="4" destOrd="0"/>
+        <dgm:cxn modelId="21" srcId="1" destId="16" srcOrd="5" destOrd="0"/>
       </dgm:cxnLst>
       <dgm:bg/>
       <dgm:whole/>
     </dgm:dataModel>
   </dgm:clrData>
-  <dgm:layoutNode name="Name0">
+  <dgm:layoutNode name="cycle">
     <dgm:varLst>
-      <dgm:chPref val="1"/>
+      <dgm:chMax val="1"/>
       <dgm:dir/>
-      <dgm:animOne val="branch"/>
-      <dgm:animLvl val="lvl"/>
-      <dgm:resizeHandles/>
+      <dgm:animLvl val="ctr"/>
+      <dgm:resizeHandles val="exact"/>
     </dgm:varLst>
-    <dgm:choose name="Name1">
-      <dgm:if name="Name2" func="var" arg="dir" op="equ" val="norm">
-        <dgm:alg type="lin">
-          <dgm:param type="linDir" val="fromL"/>
-          <dgm:param type="nodeVertAlign" val="t"/>
-        </dgm:alg>
+    <dgm:choose name="Name0">
+      <dgm:if name="Name1" func="var" arg="dir" op="equ" val="norm">
+        <dgm:choose name="Name2">
+          <dgm:if name="Name3" axis="ch ch" ptType="node node" st="1 1" cnt="1 0" func="cnt" op="lte" val="1">
+            <dgm:alg type="cycle">
+              <dgm:param type="stAng" val="90"/>
+              <dgm:param type="spanAng" val="360"/>
+              <dgm:param type="ctrShpMap" val="fNode"/>
+            </dgm:alg>
+          </dgm:if>
+          <dgm:else name="Name4">
+            <dgm:alg type="cycle">
+              <dgm:param type="stAng" val="0"/>
+              <dgm:param type="spanAng" val="360"/>
+              <dgm:param type="ctrShpMap" val="fNode"/>
+            </dgm:alg>
+          </dgm:else>
+        </dgm:choose>
       </dgm:if>
-      <dgm:else name="Name3">
-        <dgm:alg type="lin">
-          <dgm:param type="linDir" val="fromR"/>
-          <dgm:param type="nodeVertAlign" val="t"/>
+      <dgm:else name="Name5">
+        <dgm:alg type="cycle">
+          <dgm:param type="stAng" val="0"/>
+          <dgm:param type="spanAng" val="-360"/>
+          <dgm:param type="ctrShpMap" val="fNode"/>
         </dgm:alg>
       </dgm:else>
     </dgm:choose>
@@ -17190,410 +13745,107 @@
     </dgm:shape>
     <dgm:presOf/>
     <dgm:constrLst>
-      <dgm:constr type="w" for="ch" forName="vertOne" refType="w"/>
-      <dgm:constr type="w" for="des" forName="horzOne" refType="w"/>
-      <dgm:constr type="w" for="des" forName="txOne" refType="w"/>
-      <dgm:constr type="w" for="des" forName="vertTwo" refType="w"/>
-      <dgm:constr type="w" for="des" forName="horzTwo" refType="w"/>
-      <dgm:constr type="w" for="des" forName="txTwo" refType="w"/>
-      <dgm:constr type="w" for="des" forName="vertThree" refType="w"/>
-      <dgm:constr type="w" for="des" forName="horzThree" refType="w"/>
-      <dgm:constr type="w" for="des" forName="txThree" refType="w"/>
-      <dgm:constr type="w" for="des" forName="vertFour" refType="w"/>
-      <dgm:constr type="w" for="des" forName="horzFour" refType="w"/>
-      <dgm:constr type="w" for="des" forName="txFour" refType="w"/>
-      <dgm:constr type="h" for="des" ptType="node" op="equ"/>
-      <dgm:constr type="h" for="des" forName="txOne" refType="h"/>
-      <dgm:constr type="userH" for="des" ptType="node" refType="h" refFor="des" refForName="txOne"/>
-      <dgm:constr type="primFontSz" for="des" forName="txOne" val="65"/>
-      <dgm:constr type="primFontSz" for="des" forName="txTwo" val="65"/>
-      <dgm:constr type="primFontSz" for="des" forName="txTwo" refType="primFontSz" refFor="des" refForName="txOne" op="lte"/>
-      <dgm:constr type="primFontSz" for="des" forName="txThree" val="65"/>
-      <dgm:constr type="primFontSz" for="des" forName="txThree" refType="primFontSz" refFor="des" refForName="txOne" op="lte"/>
-      <dgm:constr type="primFontSz" for="des" forName="txThree" refType="primFontSz" refFor="des" refForName="txTwo" op="lte"/>
-      <dgm:constr type="primFontSz" for="des" forName="txFour" val="65"/>
-      <dgm:constr type="primFontSz" for="des" forName="txFour" refType="primFontSz" refFor="des" refForName="txOne" op="lte"/>
-      <dgm:constr type="primFontSz" for="des" forName="txFour" refType="primFontSz" refFor="des" refForName="txTwo" op="lte"/>
-      <dgm:constr type="primFontSz" for="des" forName="txFour" refType="primFontSz" refFor="des" refForName="txThree" op="lte"/>
-      <dgm:constr type="w" for="des" forName="sibSpaceOne" refType="w" fact="0.168"/>
-      <dgm:constr type="w" for="des" forName="sibSpaceTwo" refType="w" refFor="des" refForName="sibSpaceOne" op="equ" fact="0.5"/>
-      <dgm:constr type="w" for="des" forName="sibSpaceThree" refType="w" refFor="des" refForName="sibSpaceTwo" op="equ" fact="0.5"/>
-      <dgm:constr type="w" for="des" forName="sibSpaceFour" refType="w" refFor="des" refForName="sibSpaceThree" op="equ" fact="0.5"/>
-      <dgm:constr type="h" for="des" forName="parTransOne" refType="w" fact="0.056"/>
-      <dgm:constr type="h" for="des" forName="parTransTwo" refType="h" refFor="des" refForName="parTransOne" op="equ"/>
-      <dgm:constr type="h" for="des" forName="parTransThree" refType="h" refFor="des" refForName="parTransTwo" op="equ"/>
-      <dgm:constr type="h" for="des" forName="parTransFour" refType="h" refFor="des" refForName="parTransThree" op="equ"/>
+      <dgm:constr type="w" for="ch" forName="centerShape" refType="w"/>
+      <dgm:constr type="w" for="ch" forName="node" refType="w" refFor="ch" refForName="centerShape" op="equ"/>
+      <dgm:constr type="sp" refType="w" refFor="ch" refForName="node" fact="0.3"/>
+      <dgm:constr type="sibSp" refType="w" refFor="ch" refForName="node" fact="0.3"/>
+      <dgm:constr type="primFontSz" for="ch" forName="centerShape" val="65"/>
+      <dgm:constr type="primFontSz" for="des" forName="node" op="equ" val="65"/>
+      <dgm:constr type="primFontSz" for="des" forName="connTx" val="55"/>
+      <dgm:constr type="primFontSz" for="des" forName="connTx" refType="primFontSz" refFor="ch" refForName="centerShape" op="lte" fact="0.8"/>
     </dgm:constrLst>
     <dgm:ruleLst/>
-    <dgm:forEach name="Name4" axis="ch" ptType="node">
-      <dgm:layoutNode name="vertOne">
-        <dgm:alg type="lin">
-          <dgm:param type="linDir" val="fromT"/>
-        </dgm:alg>
-        <dgm:shape xmlns:r="http://schemas.openxmlformats.org/officeDocument/2006/relationships" r:blip="">
+    <dgm:forEach name="Name6" axis="ch" ptType="node" cnt="1">
+      <dgm:layoutNode name="centerShape" styleLbl="node0">
+        <dgm:alg type="tx"/>
+        <dgm:shape xmlns:r="http://schemas.openxmlformats.org/officeDocument/2006/relationships" type="ellipse" r:blip="">
           <dgm:adjLst/>
         </dgm:shape>
-        <dgm:presOf/>
+        <dgm:presOf axis="self"/>
         <dgm:constrLst>
-          <dgm:constr type="w" for="ch" forName="txOne" refType="w" refFor="ch" refForName="horzOne" op="gte"/>
+          <dgm:constr type="h" refType="w"/>
+          <dgm:constr type="tMarg" refType="primFontSz" fact="0.05"/>
+          <dgm:constr type="bMarg" refType="primFontSz" fact="0.05"/>
+          <dgm:constr type="lMarg" refType="primFontSz" fact="0.05"/>
+          <dgm:constr type="rMarg" refType="primFontSz" fact="0.05"/>
         </dgm:constrLst>
-        <dgm:ruleLst/>
-        <dgm:layoutNode name="txOne" styleLbl="node0">
-          <dgm:varLst>
-            <dgm:chPref val="3"/>
-          </dgm:varLst>
-          <dgm:alg type="tx"/>
-          <dgm:shape xmlns:r="http://schemas.openxmlformats.org/officeDocument/2006/relationships" type="roundRect" r:blip="">
-            <dgm:adjLst>
-              <dgm:adj idx="1" val="0.1"/>
-            </dgm:adjLst>
-          </dgm:shape>
-          <dgm:presOf axis="self"/>
-          <dgm:constrLst>
-            <dgm:constr type="tMarg" refType="primFontSz" fact="0.3"/>
-            <dgm:constr type="bMarg" refType="primFontSz" fact="0.3"/>
-            <dgm:constr type="lMarg" refType="primFontSz" fact="0.3"/>
-            <dgm:constr type="rMarg" refType="primFontSz" fact="0.3"/>
-          </dgm:constrLst>
-          <dgm:ruleLst>
-            <dgm:rule type="primFontSz" val="5" fact="NaN" max="NaN"/>
-          </dgm:ruleLst>
-        </dgm:layoutNode>
-        <dgm:choose name="Name5">
-          <dgm:if name="Name6" axis="des" ptType="node" func="cnt" op="gt" val="0">
-            <dgm:layoutNode name="parTransOne">
-              <dgm:alg type="sp"/>
-              <dgm:shape xmlns:r="http://schemas.openxmlformats.org/officeDocument/2006/relationships" r:blip="">
+        <dgm:ruleLst>
+          <dgm:rule type="primFontSz" val="5" fact="NaN" max="NaN"/>
+        </dgm:ruleLst>
+      </dgm:layoutNode>
+      <dgm:forEach name="Name7" axis="ch">
+        <dgm:forEach name="Name8" axis="self" ptType="parTrans">
+          <dgm:layoutNode name="Name9">
+            <dgm:alg type="conn">
+              <dgm:param type="dim" val="1D"/>
+              <dgm:param type="begPts" val="auto"/>
+              <dgm:param type="endPts" val="auto"/>
+              <dgm:param type="begSty" val="noArr"/>
+              <dgm:param type="endSty" val="noArr"/>
+            </dgm:alg>
+            <dgm:shape xmlns:r="http://schemas.openxmlformats.org/officeDocument/2006/relationships" type="conn" r:blip="">
+              <dgm:adjLst/>
+            </dgm:shape>
+            <dgm:presOf axis="self"/>
+            <dgm:constrLst>
+              <dgm:constr type="connDist"/>
+              <dgm:constr type="userA" for="ch" refType="connDist"/>
+              <dgm:constr type="w" val="1"/>
+              <dgm:constr type="h" val="5"/>
+              <dgm:constr type="begPad"/>
+              <dgm:constr type="endPad"/>
+            </dgm:constrLst>
+            <dgm:ruleLst/>
+            <dgm:layoutNode name="connTx">
+              <dgm:alg type="tx">
+                <dgm:param type="autoTxRot" val="grav"/>
+              </dgm:alg>
+              <dgm:shape xmlns:r="http://schemas.openxmlformats.org/officeDocument/2006/relationships" type="rect" r:blip="" hideGeom="1">
                 <dgm:adjLst/>
               </dgm:shape>
-              <dgm:presOf/>
-              <dgm:constrLst/>
-              <dgm:ruleLst/>
+              <dgm:presOf axis="self"/>
+              <dgm:constrLst>
+                <dgm:constr type="userA"/>
+                <dgm:constr type="w" refType="userA" fact="0.05"/>
+                <dgm:constr type="h" refType="userA" fact="0.05"/>
+                <dgm:constr type="lMarg" val="1"/>
+                <dgm:constr type="rMarg" val="1"/>
+                <dgm:constr type="tMarg"/>
+                <dgm:constr type="bMarg"/>
+              </dgm:constrLst>
+              <dgm:ruleLst>
+                <dgm:rule type="w" val="NaN" fact="0.8" max="NaN"/>
+                <dgm:rule type="h" val="NaN" fact="1" max="NaN"/>
+                <dgm:rule type="primFontSz" val="5" fact="NaN" max="NaN"/>
+              </dgm:ruleLst>
             </dgm:layoutNode>
-          </dgm:if>
-          <dgm:else name="Name7"/>
-        </dgm:choose>
-        <dgm:layoutNode name="horzOne">
-          <dgm:choose name="Name8">
-            <dgm:if name="Name9" func="var" arg="dir" op="equ" val="norm">
-              <dgm:alg type="lin">
-                <dgm:param type="linDir" val="fromL"/>
-                <dgm:param type="nodeVertAlign" val="t"/>
-              </dgm:alg>
-            </dgm:if>
-            <dgm:else name="Name10">
-              <dgm:alg type="lin">
-                <dgm:param type="linDir" val="fromR"/>
-                <dgm:param type="nodeVertAlign" val="t"/>
-              </dgm:alg>
-            </dgm:else>
-          </dgm:choose>
-          <dgm:shape xmlns:r="http://schemas.openxmlformats.org/officeDocument/2006/relationships" r:blip="">
-            <dgm:adjLst/>
-          </dgm:shape>
-          <dgm:presOf/>
-          <dgm:constrLst/>
-          <dgm:ruleLst>
-            <dgm:rule type="w" val="INF" fact="NaN" max="NaN"/>
-          </dgm:ruleLst>
-          <dgm:forEach name="Name11" axis="ch" ptType="node">
-            <dgm:layoutNode name="vertTwo">
-              <dgm:alg type="lin">
-                <dgm:param type="linDir" val="fromT"/>
-              </dgm:alg>
-              <dgm:shape xmlns:r="http://schemas.openxmlformats.org/officeDocument/2006/relationships" r:blip="">
-                <dgm:adjLst/>
-              </dgm:shape>
-              <dgm:presOf/>
-              <dgm:constrLst>
-                <dgm:constr type="w" for="ch" forName="txTwo" refType="w" refFor="ch" refForName="horzTwo" op="gte"/>
-              </dgm:constrLst>
-              <dgm:ruleLst/>
-              <dgm:layoutNode name="txTwo">
-                <dgm:varLst>
-                  <dgm:chPref val="3"/>
-                </dgm:varLst>
-                <dgm:alg type="tx"/>
-                <dgm:shape xmlns:r="http://schemas.openxmlformats.org/officeDocument/2006/relationships" type="roundRect" r:blip="">
-                  <dgm:adjLst>
-                    <dgm:adj idx="1" val="0.1"/>
-                  </dgm:adjLst>
-                </dgm:shape>
-                <dgm:presOf axis="self"/>
-                <dgm:constrLst>
-                  <dgm:constr type="userH"/>
-                  <dgm:constr type="h" refType="userH"/>
-                  <dgm:constr type="tMarg" refType="primFontSz" fact="0.3"/>
-                  <dgm:constr type="bMarg" refType="primFontSz" fact="0.3"/>
-                  <dgm:constr type="lMarg" refType="primFontSz" fact="0.3"/>
-                  <dgm:constr type="rMarg" refType="primFontSz" fact="0.3"/>
-                </dgm:constrLst>
-                <dgm:ruleLst>
-                  <dgm:rule type="primFontSz" val="5" fact="NaN" max="NaN"/>
-                </dgm:ruleLst>
-              </dgm:layoutNode>
-              <dgm:choose name="Name12">
-                <dgm:if name="Name13" axis="des" ptType="node" func="cnt" op="gt" val="0">
-                  <dgm:layoutNode name="parTransTwo">
-                    <dgm:alg type="sp"/>
-                    <dgm:shape xmlns:r="http://schemas.openxmlformats.org/officeDocument/2006/relationships" r:blip="">
-                      <dgm:adjLst/>
-                    </dgm:shape>
-                    <dgm:presOf/>
-                    <dgm:constrLst/>
-                    <dgm:ruleLst/>
-                  </dgm:layoutNode>
-                </dgm:if>
-                <dgm:else name="Name14"/>
-              </dgm:choose>
-              <dgm:layoutNode name="horzTwo">
-                <dgm:choose name="Name15">
-                  <dgm:if name="Name16" func="var" arg="dir" op="equ" val="norm">
-                    <dgm:alg type="lin">
-                      <dgm:param type="linDir" val="fromL"/>
-                      <dgm:param type="nodeVertAlign" val="t"/>
-                    </dgm:alg>
-                  </dgm:if>
-                  <dgm:else name="Name17">
-                    <dgm:alg type="lin">
-                      <dgm:param type="linDir" val="fromR"/>
-                      <dgm:param type="nodeVertAlign" val="t"/>
-                    </dgm:alg>
-                  </dgm:else>
-                </dgm:choose>
-                <dgm:shape xmlns:r="http://schemas.openxmlformats.org/officeDocument/2006/relationships" r:blip="">
-                  <dgm:adjLst/>
-                </dgm:shape>
-                <dgm:presOf/>
-                <dgm:constrLst/>
-                <dgm:ruleLst>
-                  <dgm:rule type="w" val="INF" fact="NaN" max="NaN"/>
-                </dgm:ruleLst>
-                <dgm:forEach name="Name18" axis="ch" ptType="node">
-                  <dgm:layoutNode name="vertThree">
-                    <dgm:alg type="lin">
-                      <dgm:param type="linDir" val="fromT"/>
-                    </dgm:alg>
-                    <dgm:shape xmlns:r="http://schemas.openxmlformats.org/officeDocument/2006/relationships" r:blip="">
-                      <dgm:adjLst/>
-                    </dgm:shape>
-                    <dgm:presOf/>
-                    <dgm:constrLst>
-                      <dgm:constr type="w" for="ch" forName="txThree" refType="w" refFor="ch" refForName="horzThree" op="gte"/>
-                    </dgm:constrLst>
-                    <dgm:ruleLst/>
-                    <dgm:layoutNode name="txThree">
-                      <dgm:varLst>
-                        <dgm:chPref val="3"/>
-                      </dgm:varLst>
-                      <dgm:alg type="tx"/>
-                      <dgm:shape xmlns:r="http://schemas.openxmlformats.org/officeDocument/2006/relationships" type="roundRect" r:blip="">
-                        <dgm:adjLst>
-                          <dgm:adj idx="1" val="0.1"/>
-                        </dgm:adjLst>
-                      </dgm:shape>
-                      <dgm:presOf axis="self"/>
-                      <dgm:constrLst>
-                        <dgm:constr type="userH"/>
-                        <dgm:constr type="h" refType="userH"/>
-                        <dgm:constr type="tMarg" refType="primFontSz" fact="0.3"/>
-                        <dgm:constr type="bMarg" refType="primFontSz" fact="0.3"/>
-                        <dgm:constr type="lMarg" refType="primFontSz" fact="0.3"/>
-                        <dgm:constr type="rMarg" refType="primFontSz" fact="0.3"/>
-                      </dgm:constrLst>
-                      <dgm:ruleLst>
-                        <dgm:rule type="primFontSz" val="5" fact="NaN" max="NaN"/>
-                      </dgm:ruleLst>
-                    </dgm:layoutNode>
-                    <dgm:choose name="Name19">
-                      <dgm:if name="Name20" axis="des" ptType="node" func="cnt" op="gt" val="0">
-                        <dgm:layoutNode name="parTransThree">
-                          <dgm:alg type="sp"/>
-                          <dgm:shape xmlns:r="http://schemas.openxmlformats.org/officeDocument/2006/relationships" r:blip="">
-                            <dgm:adjLst/>
-                          </dgm:shape>
-                          <dgm:presOf/>
-                          <dgm:constrLst/>
-                          <dgm:ruleLst/>
-                        </dgm:layoutNode>
-                      </dgm:if>
-                      <dgm:else name="Name21"/>
-                    </dgm:choose>
-                    <dgm:layoutNode name="horzThree">
-                      <dgm:choose name="Name22">
-                        <dgm:if name="Name23" func="var" arg="dir" op="equ" val="norm">
-                          <dgm:alg type="lin">
-                            <dgm:param type="linDir" val="fromL"/>
-                            <dgm:param type="nodeVertAlign" val="t"/>
-                          </dgm:alg>
-                        </dgm:if>
-                        <dgm:else name="Name24">
-                          <dgm:alg type="lin">
-                            <dgm:param type="linDir" val="fromR"/>
-                            <dgm:param type="nodeVertAlign" val="t"/>
-                          </dgm:alg>
-                        </dgm:else>
-                      </dgm:choose>
-                      <dgm:shape xmlns:r="http://schemas.openxmlformats.org/officeDocument/2006/relationships" r:blip="">
-                        <dgm:adjLst/>
-                      </dgm:shape>
-                      <dgm:presOf/>
-                      <dgm:constrLst/>
-                      <dgm:ruleLst>
-                        <dgm:rule type="w" val="INF" fact="NaN" max="NaN"/>
-                      </dgm:ruleLst>
-                      <dgm:forEach name="repeat" axis="ch" ptType="node">
-                        <dgm:layoutNode name="vertFour">
-                          <dgm:varLst>
-                            <dgm:chPref val="3"/>
-                          </dgm:varLst>
-                          <dgm:alg type="lin">
-                            <dgm:param type="linDir" val="fromT"/>
-                          </dgm:alg>
-                          <dgm:shape xmlns:r="http://schemas.openxmlformats.org/officeDocument/2006/relationships" r:blip="">
-                            <dgm:adjLst/>
-                          </dgm:shape>
-                          <dgm:presOf/>
-                          <dgm:constrLst>
-                            <dgm:constr type="w" for="ch" forName="txFour" refType="w" refFor="ch" refForName="horzFour" op="gte"/>
-                          </dgm:constrLst>
-                          <dgm:ruleLst/>
-                          <dgm:layoutNode name="txFour">
-                            <dgm:varLst>
-                              <dgm:chPref val="3"/>
-                            </dgm:varLst>
-                            <dgm:alg type="tx"/>
-                            <dgm:shape xmlns:r="http://schemas.openxmlformats.org/officeDocument/2006/relationships" type="roundRect" r:blip="">
-                              <dgm:adjLst>
-                                <dgm:adj idx="1" val="0.1"/>
-                              </dgm:adjLst>
-                            </dgm:shape>
-                            <dgm:presOf axis="self"/>
-                            <dgm:constrLst>
-                              <dgm:constr type="userH"/>
-                              <dgm:constr type="h" refType="userH"/>
-                              <dgm:constr type="tMarg" refType="primFontSz" fact="0.3"/>
-                              <dgm:constr type="bMarg" refType="primFontSz" fact="0.3"/>
-                              <dgm:constr type="lMarg" refType="primFontSz" fact="0.3"/>
-                              <dgm:constr type="rMarg" refType="primFontSz" fact="0.3"/>
-                            </dgm:constrLst>
-                            <dgm:ruleLst>
-                              <dgm:rule type="primFontSz" val="5" fact="NaN" max="NaN"/>
-                            </dgm:ruleLst>
-                          </dgm:layoutNode>
-                          <dgm:choose name="Name25">
-                            <dgm:if name="Name26" axis="des" ptType="node" func="cnt" op="gt" val="0">
-                              <dgm:layoutNode name="parTransFour">
-                                <dgm:alg type="sp"/>
-                                <dgm:shape xmlns:r="http://schemas.openxmlformats.org/officeDocument/2006/relationships" r:blip="">
-                                  <dgm:adjLst/>
-                                </dgm:shape>
-                                <dgm:presOf/>
-                                <dgm:constrLst/>
-                                <dgm:ruleLst/>
-                              </dgm:layoutNode>
-                            </dgm:if>
-                            <dgm:else name="Name27"/>
-                          </dgm:choose>
-                          <dgm:layoutNode name="horzFour">
-                            <dgm:choose name="Name28">
-                              <dgm:if name="Name29" func="var" arg="dir" op="equ" val="norm">
-                                <dgm:alg type="lin">
-                                  <dgm:param type="linDir" val="fromL"/>
-                                  <dgm:param type="nodeVertAlign" val="t"/>
-                                </dgm:alg>
-                              </dgm:if>
-                              <dgm:else name="Name30">
-                                <dgm:alg type="lin">
-                                  <dgm:param type="linDir" val="fromR"/>
-                                  <dgm:param type="nodeVertAlign" val="t"/>
-                                </dgm:alg>
-                              </dgm:else>
-                            </dgm:choose>
-                            <dgm:shape xmlns:r="http://schemas.openxmlformats.org/officeDocument/2006/relationships" r:blip="">
-                              <dgm:adjLst/>
-                            </dgm:shape>
-                            <dgm:presOf/>
-                            <dgm:constrLst/>
-                            <dgm:ruleLst>
-                              <dgm:rule type="w" val="INF" fact="NaN" max="NaN"/>
-                            </dgm:ruleLst>
-                            <dgm:forEach name="Name31" ref="repeat"/>
-                          </dgm:layoutNode>
-                        </dgm:layoutNode>
-                        <dgm:choose name="Name32">
-                          <dgm:if name="Name33" axis="self" ptType="node" func="revPos" op="gte" val="2">
-                            <dgm:forEach name="Name34" axis="followSib" ptType="sibTrans" cnt="1">
-                              <dgm:layoutNode name="sibSpaceFour">
-                                <dgm:alg type="sp"/>
-                                <dgm:shape xmlns:r="http://schemas.openxmlformats.org/officeDocument/2006/relationships" r:blip="">
-                                  <dgm:adjLst/>
-                                </dgm:shape>
-                                <dgm:presOf/>
-                                <dgm:constrLst/>
-                                <dgm:ruleLst/>
-                              </dgm:layoutNode>
-                            </dgm:forEach>
-                          </dgm:if>
-                          <dgm:else name="Name35"/>
-                        </dgm:choose>
-                      </dgm:forEach>
-                    </dgm:layoutNode>
-                  </dgm:layoutNode>
-                  <dgm:choose name="Name36">
-                    <dgm:if name="Name37" axis="self" ptType="node" func="revPos" op="gte" val="2">
-                      <dgm:forEach name="Name38" axis="followSib" ptType="sibTrans" cnt="1">
-                        <dgm:layoutNode name="sibSpaceThree">
-                          <dgm:alg type="sp"/>
-                          <dgm:shape xmlns:r="http://schemas.openxmlformats.org/officeDocument/2006/relationships" r:blip="">
-                            <dgm:adjLst/>
-                          </dgm:shape>
-                          <dgm:presOf/>
-                          <dgm:constrLst/>
-                          <dgm:ruleLst/>
-                        </dgm:layoutNode>
-                      </dgm:forEach>
-                    </dgm:if>
-                    <dgm:else name="Name39"/>
-                  </dgm:choose>
-                </dgm:forEach>
-              </dgm:layoutNode>
-            </dgm:layoutNode>
-            <dgm:choose name="Name40">
-              <dgm:if name="Name41" axis="self" ptType="node" func="revPos" op="gte" val="2">
-                <dgm:forEach name="Name42" axis="followSib" ptType="sibTrans" cnt="1">
-                  <dgm:layoutNode name="sibSpaceTwo">
-                    <dgm:alg type="sp"/>
-                    <dgm:shape xmlns:r="http://schemas.openxmlformats.org/officeDocument/2006/relationships" r:blip="">
-                      <dgm:adjLst/>
-                    </dgm:shape>
-                    <dgm:presOf/>
-                    <dgm:constrLst/>
-                    <dgm:ruleLst/>
-                  </dgm:layoutNode>
-                </dgm:forEach>
-              </dgm:if>
-              <dgm:else name="Name43"/>
-            </dgm:choose>
-          </dgm:forEach>
-        </dgm:layoutNode>
-      </dgm:layoutNode>
-      <dgm:choose name="Name44">
-        <dgm:if name="Name45" axis="self" ptType="node" func="revPos" op="gte" val="2">
-          <dgm:forEach name="Name46" axis="followSib" ptType="sibTrans" cnt="1">
-            <dgm:layoutNode name="sibSpaceOne">
-              <dgm:alg type="sp"/>
-              <dgm:shape xmlns:r="http://schemas.openxmlformats.org/officeDocument/2006/relationships" r:blip="">
-                <dgm:adjLst/>
-              </dgm:shape>
-              <dgm:presOf/>
-              <dgm:constrLst/>
-              <dgm:ruleLst/>
-            </dgm:layoutNode>
-          </dgm:forEach>
-        </dgm:if>
-        <dgm:else name="Name47"/>
-      </dgm:choose>
+          </dgm:layoutNode>
+        </dgm:forEach>
+        <dgm:forEach name="Name10" axis="self" ptType="node">
+          <dgm:layoutNode name="node" styleLbl="node1">
+            <dgm:varLst>
+              <dgm:bulletEnabled val="1"/>
+            </dgm:varLst>
+            <dgm:alg type="tx">
+              <dgm:param type="txAnchorVertCh" val="mid"/>
+            </dgm:alg>
+            <dgm:shape xmlns:r="http://schemas.openxmlformats.org/officeDocument/2006/relationships" type="ellipse" r:blip="">
+              <dgm:adjLst/>
+            </dgm:shape>
+            <dgm:presOf axis="desOrSelf" ptType="node"/>
+            <dgm:constrLst>
+              <dgm:constr type="h" refType="w"/>
+              <dgm:constr type="tMarg" refType="primFontSz" fact="0.05"/>
+              <dgm:constr type="bMarg" refType="primFontSz" fact="0.05"/>
+              <dgm:constr type="lMarg" refType="primFontSz" fact="0.05"/>
+              <dgm:constr type="rMarg" refType="primFontSz" fact="0.05"/>
+            </dgm:constrLst>
+            <dgm:ruleLst>
+              <dgm:rule type="primFontSz" val="5" fact="NaN" max="NaN"/>
+            </dgm:ruleLst>
+          </dgm:layoutNode>
+        </dgm:forEach>
+      </dgm:forEach>
     </dgm:forEach>
   </dgm:layoutNode>
 </dgm:layoutDef>
@@ -22398,7 +18650,7 @@
             <a:fld id="{3067FCAC-D8DF-4263-B942-EF35631CB3EC}" type="datetimeFigureOut">
               <a:rPr lang="en-US" smtClean="0"/>
               <a:pPr/>
-              <a:t>10/11/2013</a:t>
+              <a:t>11/26/2013</a:t>
             </a:fld>
             <a:endParaRPr lang="en-US"/>
           </a:p>
@@ -22570,7 +18822,7 @@
             <a:fld id="{3067FCAC-D8DF-4263-B942-EF35631CB3EC}" type="datetimeFigureOut">
               <a:rPr lang="en-US" smtClean="0"/>
               <a:pPr/>
-              <a:t>10/11/2013</a:t>
+              <a:t>11/26/2013</a:t>
             </a:fld>
             <a:endParaRPr lang="en-US"/>
           </a:p>
@@ -22752,7 +19004,7 @@
             <a:fld id="{3067FCAC-D8DF-4263-B942-EF35631CB3EC}" type="datetimeFigureOut">
               <a:rPr lang="en-US" smtClean="0"/>
               <a:pPr/>
-              <a:t>10/11/2013</a:t>
+              <a:t>11/26/2013</a:t>
             </a:fld>
             <a:endParaRPr lang="en-US"/>
           </a:p>
@@ -22924,7 +19176,7 @@
             <a:fld id="{3067FCAC-D8DF-4263-B942-EF35631CB3EC}" type="datetimeFigureOut">
               <a:rPr lang="en-US" smtClean="0"/>
               <a:pPr/>
-              <a:t>10/11/2013</a:t>
+              <a:t>11/26/2013</a:t>
             </a:fld>
             <a:endParaRPr lang="en-US"/>
           </a:p>
@@ -23172,7 +19424,7 @@
             <a:fld id="{3067FCAC-D8DF-4263-B942-EF35631CB3EC}" type="datetimeFigureOut">
               <a:rPr lang="en-US" smtClean="0"/>
               <a:pPr/>
-              <a:t>10/11/2013</a:t>
+              <a:t>11/26/2013</a:t>
             </a:fld>
             <a:endParaRPr lang="en-US"/>
           </a:p>
@@ -23406,7 +19658,7 @@
             <a:fld id="{3067FCAC-D8DF-4263-B942-EF35631CB3EC}" type="datetimeFigureOut">
               <a:rPr lang="en-US" smtClean="0"/>
               <a:pPr/>
-              <a:t>10/11/2013</a:t>
+              <a:t>11/26/2013</a:t>
             </a:fld>
             <a:endParaRPr lang="en-US"/>
           </a:p>
@@ -23775,7 +20027,7 @@
             <a:fld id="{3067FCAC-D8DF-4263-B942-EF35631CB3EC}" type="datetimeFigureOut">
               <a:rPr lang="en-US" smtClean="0"/>
               <a:pPr/>
-              <a:t>10/11/2013</a:t>
+              <a:t>11/26/2013</a:t>
             </a:fld>
             <a:endParaRPr lang="en-US"/>
           </a:p>
@@ -23895,7 +20147,7 @@
             <a:fld id="{3067FCAC-D8DF-4263-B942-EF35631CB3EC}" type="datetimeFigureOut">
               <a:rPr lang="en-US" smtClean="0"/>
               <a:pPr/>
-              <a:t>10/11/2013</a:t>
+              <a:t>11/26/2013</a:t>
             </a:fld>
             <a:endParaRPr lang="en-US"/>
           </a:p>
@@ -23992,7 +20244,7 @@
             <a:fld id="{3067FCAC-D8DF-4263-B942-EF35631CB3EC}" type="datetimeFigureOut">
               <a:rPr lang="en-US" smtClean="0"/>
               <a:pPr/>
-              <a:t>10/11/2013</a:t>
+              <a:t>11/26/2013</a:t>
             </a:fld>
             <a:endParaRPr lang="en-US"/>
           </a:p>
@@ -24271,7 +20523,7 @@
             <a:fld id="{3067FCAC-D8DF-4263-B942-EF35631CB3EC}" type="datetimeFigureOut">
               <a:rPr lang="en-US" smtClean="0"/>
               <a:pPr/>
-              <a:t>10/11/2013</a:t>
+              <a:t>11/26/2013</a:t>
             </a:fld>
             <a:endParaRPr lang="en-US"/>
           </a:p>
@@ -24526,7 +20778,7 @@
             <a:fld id="{3067FCAC-D8DF-4263-B942-EF35631CB3EC}" type="datetimeFigureOut">
               <a:rPr lang="en-US" smtClean="0"/>
               <a:pPr/>
-              <a:t>10/11/2013</a:t>
+              <a:t>11/26/2013</a:t>
             </a:fld>
             <a:endParaRPr lang="en-US"/>
           </a:p>
@@ -24741,7 +20993,7 @@
             <a:fld id="{3067FCAC-D8DF-4263-B942-EF35631CB3EC}" type="datetimeFigureOut">
               <a:rPr lang="en-US" smtClean="0"/>
               <a:pPr/>
-              <a:t>10/11/2013</a:t>
+              <a:t>11/26/2013</a:t>
             </a:fld>
             <a:endParaRPr lang="en-US"/>
           </a:p>
@@ -25545,8 +21797,9 @@
                     <a:solidFill>
                       <a:schemeClr val="tx1"/>
                     </a:solidFill>
-                    <a:latin typeface="Times New Roman" pitchFamily="18" charset="0"/>
-                    <a:cs typeface="Times New Roman" pitchFamily="18" charset="0"/>
+                    <a:latin typeface="CMU Serif" panose="02000603000000000000" pitchFamily="2" charset="0"/>
+                    <a:ea typeface="CMU Serif" panose="02000603000000000000" pitchFamily="2" charset="0"/>
+                    <a:cs typeface="CMU Serif" panose="02000603000000000000" pitchFamily="2" charset="0"/>
                   </a:rPr>
                   <a:t>Schedule Generation Module</a:t>
                 </a:r>
@@ -25554,8 +21807,9 @@
                   <a:solidFill>
                     <a:schemeClr val="tx1"/>
                   </a:solidFill>
-                  <a:latin typeface="Times New Roman" pitchFamily="18" charset="0"/>
-                  <a:cs typeface="Times New Roman" pitchFamily="18" charset="0"/>
+                  <a:latin typeface="CMU Serif" panose="02000603000000000000" pitchFamily="2" charset="0"/>
+                  <a:ea typeface="CMU Serif" panose="02000603000000000000" pitchFamily="2" charset="0"/>
+                  <a:cs typeface="CMU Serif" panose="02000603000000000000" pitchFamily="2" charset="0"/>
                 </a:endParaRPr>
               </a:p>
             </p:txBody>
@@ -25602,8 +21856,9 @@
                     <a:solidFill>
                       <a:schemeClr val="tx1"/>
                     </a:solidFill>
-                    <a:latin typeface="Times New Roman" pitchFamily="18" charset="0"/>
-                    <a:cs typeface="Times New Roman" pitchFamily="18" charset="0"/>
+                    <a:latin typeface="CMU Serif" panose="02000603000000000000" pitchFamily="2" charset="0"/>
+                    <a:ea typeface="CMU Serif" panose="02000603000000000000" pitchFamily="2" charset="0"/>
+                    <a:cs typeface="CMU Serif" panose="02000603000000000000" pitchFamily="2" charset="0"/>
                   </a:rPr>
                   <a:t>Scheduling Methodology Plugin</a:t>
                 </a:r>
@@ -25611,8 +21866,9 @@
                   <a:solidFill>
                     <a:schemeClr val="tx1"/>
                   </a:solidFill>
-                  <a:latin typeface="Times New Roman" pitchFamily="18" charset="0"/>
-                  <a:cs typeface="Times New Roman" pitchFamily="18" charset="0"/>
+                  <a:latin typeface="CMU Serif" panose="02000603000000000000" pitchFamily="2" charset="0"/>
+                  <a:ea typeface="CMU Serif" panose="02000603000000000000" pitchFamily="2" charset="0"/>
+                  <a:cs typeface="CMU Serif" panose="02000603000000000000" pitchFamily="2" charset="0"/>
                 </a:endParaRPr>
               </a:p>
             </p:txBody>
@@ -25661,8 +21917,9 @@
               <a:p>
                 <a:pPr algn="ctr"/>
                 <a:endParaRPr lang="en-US" sz="1600">
-                  <a:latin typeface="Times New Roman" pitchFamily="18" charset="0"/>
-                  <a:cs typeface="Times New Roman" pitchFamily="18" charset="0"/>
+                  <a:latin typeface="CMU Serif" panose="02000603000000000000" pitchFamily="2" charset="0"/>
+                  <a:ea typeface="CMU Serif" panose="02000603000000000000" pitchFamily="2" charset="0"/>
+                  <a:cs typeface="CMU Serif" panose="02000603000000000000" pitchFamily="2" charset="0"/>
                 </a:endParaRPr>
               </a:p>
             </p:txBody>
@@ -25724,8 +21981,9 @@
                     <a:solidFill>
                       <a:schemeClr val="tx1"/>
                     </a:solidFill>
-                    <a:latin typeface="Times New Roman" pitchFamily="18" charset="0"/>
-                    <a:cs typeface="Times New Roman" pitchFamily="18" charset="0"/>
+                    <a:latin typeface="CMU Serif" panose="02000603000000000000" pitchFamily="2" charset="0"/>
+                    <a:ea typeface="CMU Serif" panose="02000603000000000000" pitchFamily="2" charset="0"/>
+                    <a:cs typeface="CMU Serif" panose="02000603000000000000" pitchFamily="2" charset="0"/>
                   </a:rPr>
                   <a:t>Data Gathering</a:t>
                 </a:r>
@@ -25737,8 +21995,9 @@
                     <a:solidFill>
                       <a:schemeClr val="tx1"/>
                     </a:solidFill>
-                    <a:latin typeface="Times New Roman" pitchFamily="18" charset="0"/>
-                    <a:cs typeface="Times New Roman" pitchFamily="18" charset="0"/>
+                    <a:latin typeface="CMU Serif" panose="02000603000000000000" pitchFamily="2" charset="0"/>
+                    <a:ea typeface="CMU Serif" panose="02000603000000000000" pitchFamily="2" charset="0"/>
+                    <a:cs typeface="CMU Serif" panose="02000603000000000000" pitchFamily="2" charset="0"/>
                   </a:rPr>
                   <a:t>Module</a:t>
                 </a:r>
@@ -25746,8 +22005,9 @@
                   <a:solidFill>
                     <a:schemeClr val="tx1"/>
                   </a:solidFill>
-                  <a:latin typeface="Times New Roman" pitchFamily="18" charset="0"/>
-                  <a:cs typeface="Times New Roman" pitchFamily="18" charset="0"/>
+                  <a:latin typeface="CMU Serif" panose="02000603000000000000" pitchFamily="2" charset="0"/>
+                  <a:ea typeface="CMU Serif" panose="02000603000000000000" pitchFamily="2" charset="0"/>
+                  <a:cs typeface="CMU Serif" panose="02000603000000000000" pitchFamily="2" charset="0"/>
                 </a:endParaRPr>
               </a:p>
             </p:txBody>
@@ -25794,8 +22054,9 @@
                     <a:solidFill>
                       <a:schemeClr val="tx1"/>
                     </a:solidFill>
-                    <a:latin typeface="Times New Roman" pitchFamily="18" charset="0"/>
-                    <a:cs typeface="Times New Roman" pitchFamily="18" charset="0"/>
+                    <a:latin typeface="CMU Serif" panose="02000603000000000000" pitchFamily="2" charset="0"/>
+                    <a:ea typeface="CMU Serif" panose="02000603000000000000" pitchFamily="2" charset="0"/>
+                    <a:cs typeface="CMU Serif" panose="02000603000000000000" pitchFamily="2" charset="0"/>
                   </a:rPr>
                   <a:t>Data Analysis</a:t>
                 </a:r>
@@ -25807,8 +22068,9 @@
                     <a:solidFill>
                       <a:schemeClr val="tx1"/>
                     </a:solidFill>
-                    <a:latin typeface="Times New Roman" pitchFamily="18" charset="0"/>
-                    <a:cs typeface="Times New Roman" pitchFamily="18" charset="0"/>
+                    <a:latin typeface="CMU Serif" panose="02000603000000000000" pitchFamily="2" charset="0"/>
+                    <a:ea typeface="CMU Serif" panose="02000603000000000000" pitchFamily="2" charset="0"/>
+                    <a:cs typeface="CMU Serif" panose="02000603000000000000" pitchFamily="2" charset="0"/>
                   </a:rPr>
                   <a:t>Module</a:t>
                 </a:r>
@@ -25816,8 +22078,9 @@
                   <a:solidFill>
                     <a:schemeClr val="tx1"/>
                   </a:solidFill>
-                  <a:latin typeface="Times New Roman" pitchFamily="18" charset="0"/>
-                  <a:cs typeface="Times New Roman" pitchFamily="18" charset="0"/>
+                  <a:latin typeface="CMU Serif" panose="02000603000000000000" pitchFamily="2" charset="0"/>
+                  <a:ea typeface="CMU Serif" panose="02000603000000000000" pitchFamily="2" charset="0"/>
+                  <a:cs typeface="CMU Serif" panose="02000603000000000000" pitchFamily="2" charset="0"/>
                 </a:endParaRPr>
               </a:p>
             </p:txBody>
@@ -25864,8 +22127,9 @@
                     <a:solidFill>
                       <a:schemeClr val="tx1"/>
                     </a:solidFill>
-                    <a:latin typeface="Times New Roman" pitchFamily="18" charset="0"/>
-                    <a:cs typeface="Times New Roman" pitchFamily="18" charset="0"/>
+                    <a:latin typeface="CMU Serif" panose="02000603000000000000" pitchFamily="2" charset="0"/>
+                    <a:ea typeface="CMU Serif" panose="02000603000000000000" pitchFamily="2" charset="0"/>
+                    <a:cs typeface="CMU Serif" panose="02000603000000000000" pitchFamily="2" charset="0"/>
                   </a:rPr>
                   <a:t>Data Storage</a:t>
                 </a:r>
@@ -25873,8 +22137,9 @@
                   <a:solidFill>
                     <a:schemeClr val="tx1"/>
                   </a:solidFill>
-                  <a:latin typeface="Times New Roman" pitchFamily="18" charset="0"/>
-                  <a:cs typeface="Times New Roman" pitchFamily="18" charset="0"/>
+                  <a:latin typeface="CMU Serif" panose="02000603000000000000" pitchFamily="2" charset="0"/>
+                  <a:ea typeface="CMU Serif" panose="02000603000000000000" pitchFamily="2" charset="0"/>
+                  <a:cs typeface="CMU Serif" panose="02000603000000000000" pitchFamily="2" charset="0"/>
                 </a:endParaRPr>
               </a:p>
             </p:txBody>
@@ -25923,8 +22188,9 @@
               <a:p>
                 <a:pPr algn="ctr"/>
                 <a:endParaRPr lang="en-US" sz="1600">
-                  <a:latin typeface="Times New Roman" pitchFamily="18" charset="0"/>
-                  <a:cs typeface="Times New Roman" pitchFamily="18" charset="0"/>
+                  <a:latin typeface="CMU Serif" panose="02000603000000000000" pitchFamily="2" charset="0"/>
+                  <a:ea typeface="CMU Serif" panose="02000603000000000000" pitchFamily="2" charset="0"/>
+                  <a:cs typeface="CMU Serif" panose="02000603000000000000" pitchFamily="2" charset="0"/>
                 </a:endParaRPr>
               </a:p>
             </p:txBody>
@@ -25986,8 +22252,9 @@
                     <a:solidFill>
                       <a:schemeClr val="tx1"/>
                     </a:solidFill>
-                    <a:latin typeface="Times New Roman" pitchFamily="18" charset="0"/>
-                    <a:cs typeface="Times New Roman" pitchFamily="18" charset="0"/>
+                    <a:latin typeface="CMU Serif" panose="02000603000000000000" pitchFamily="2" charset="0"/>
+                    <a:ea typeface="CMU Serif" panose="02000603000000000000" pitchFamily="2" charset="0"/>
+                    <a:cs typeface="CMU Serif" panose="02000603000000000000" pitchFamily="2" charset="0"/>
                   </a:rPr>
                   <a:t>User View - Scheduler</a:t>
                 </a:r>
@@ -25995,8 +22262,9 @@
                   <a:solidFill>
                     <a:schemeClr val="tx1"/>
                   </a:solidFill>
-                  <a:latin typeface="Times New Roman" pitchFamily="18" charset="0"/>
-                  <a:cs typeface="Times New Roman" pitchFamily="18" charset="0"/>
+                  <a:latin typeface="CMU Serif" panose="02000603000000000000" pitchFamily="2" charset="0"/>
+                  <a:ea typeface="CMU Serif" panose="02000603000000000000" pitchFamily="2" charset="0"/>
+                  <a:cs typeface="CMU Serif" panose="02000603000000000000" pitchFamily="2" charset="0"/>
                 </a:endParaRPr>
               </a:p>
             </p:txBody>
@@ -26043,8 +22311,9 @@
                     <a:solidFill>
                       <a:schemeClr val="tx1"/>
                     </a:solidFill>
-                    <a:latin typeface="Times New Roman" pitchFamily="18" charset="0"/>
-                    <a:cs typeface="Times New Roman" pitchFamily="18" charset="0"/>
+                    <a:latin typeface="CMU Serif" panose="02000603000000000000" pitchFamily="2" charset="0"/>
+                    <a:ea typeface="CMU Serif" panose="02000603000000000000" pitchFamily="2" charset="0"/>
+                    <a:cs typeface="CMU Serif" panose="02000603000000000000" pitchFamily="2" charset="0"/>
                   </a:rPr>
                   <a:t>User View - Commuter</a:t>
                 </a:r>
@@ -26052,8 +22321,9 @@
                   <a:solidFill>
                     <a:schemeClr val="tx1"/>
                   </a:solidFill>
-                  <a:latin typeface="Times New Roman" pitchFamily="18" charset="0"/>
-                  <a:cs typeface="Times New Roman" pitchFamily="18" charset="0"/>
+                  <a:latin typeface="CMU Serif" panose="02000603000000000000" pitchFamily="2" charset="0"/>
+                  <a:ea typeface="CMU Serif" panose="02000603000000000000" pitchFamily="2" charset="0"/>
+                  <a:cs typeface="CMU Serif" panose="02000603000000000000" pitchFamily="2" charset="0"/>
                 </a:endParaRPr>
               </a:p>
             </p:txBody>
@@ -26102,8 +22372,9 @@
               <a:p>
                 <a:pPr algn="ctr"/>
                 <a:endParaRPr lang="en-US" sz="1600">
-                  <a:latin typeface="Times New Roman" pitchFamily="18" charset="0"/>
-                  <a:cs typeface="Times New Roman" pitchFamily="18" charset="0"/>
+                  <a:latin typeface="CMU Serif" panose="02000603000000000000" pitchFamily="2" charset="0"/>
+                  <a:ea typeface="CMU Serif" panose="02000603000000000000" pitchFamily="2" charset="0"/>
+                  <a:cs typeface="CMU Serif" panose="02000603000000000000" pitchFamily="2" charset="0"/>
                 </a:endParaRPr>
               </a:p>
             </p:txBody>
@@ -26165,8 +22436,9 @@
                     <a:solidFill>
                       <a:schemeClr val="tx1"/>
                     </a:solidFill>
-                    <a:latin typeface="Times New Roman" pitchFamily="18" charset="0"/>
-                    <a:cs typeface="Times New Roman" pitchFamily="18" charset="0"/>
+                    <a:latin typeface="CMU Serif" panose="02000603000000000000" pitchFamily="2" charset="0"/>
+                    <a:ea typeface="CMU Serif" panose="02000603000000000000" pitchFamily="2" charset="0"/>
+                    <a:cs typeface="CMU Serif" panose="02000603000000000000" pitchFamily="2" charset="0"/>
                   </a:rPr>
                   <a:t>Feedback Subsystem</a:t>
                 </a:r>
@@ -26174,8 +22446,9 @@
                   <a:solidFill>
                     <a:schemeClr val="tx1"/>
                   </a:solidFill>
-                  <a:latin typeface="Times New Roman" pitchFamily="18" charset="0"/>
-                  <a:cs typeface="Times New Roman" pitchFamily="18" charset="0"/>
+                  <a:latin typeface="CMU Serif" panose="02000603000000000000" pitchFamily="2" charset="0"/>
+                  <a:ea typeface="CMU Serif" panose="02000603000000000000" pitchFamily="2" charset="0"/>
+                  <a:cs typeface="CMU Serif" panose="02000603000000000000" pitchFamily="2" charset="0"/>
                 </a:endParaRPr>
               </a:p>
             </p:txBody>
@@ -26224,8 +22497,9 @@
               <a:p>
                 <a:pPr algn="ctr"/>
                 <a:endParaRPr lang="en-US" sz="1600">
-                  <a:latin typeface="Times New Roman" pitchFamily="18" charset="0"/>
-                  <a:cs typeface="Times New Roman" pitchFamily="18" charset="0"/>
+                  <a:latin typeface="CMU Serif" panose="02000603000000000000" pitchFamily="2" charset="0"/>
+                  <a:ea typeface="CMU Serif" panose="02000603000000000000" pitchFamily="2" charset="0"/>
+                  <a:cs typeface="CMU Serif" panose="02000603000000000000" pitchFamily="2" charset="0"/>
                 </a:endParaRPr>
               </a:p>
             </p:txBody>
@@ -26272,14 +22546,14 @@
             <p:ph idx="1"/>
             <p:extLst>
               <p:ext uri="{D42A27DB-BD31-4B8C-83A1-F6EECF244321}">
-                <p14:modId xmlns:p14="http://schemas.microsoft.com/office/powerpoint/2010/main" val="98201028"/>
+                <p14:modId xmlns:p14="http://schemas.microsoft.com/office/powerpoint/2010/main" val="1886214835"/>
               </p:ext>
             </p:extLst>
           </p:nvPr>
         </p:nvGraphicFramePr>
         <p:xfrm>
-          <a:off x="838200" y="228600"/>
-          <a:ext cx="10515600" cy="5948363"/>
+          <a:off x="3486150" y="454819"/>
+          <a:ext cx="5219700" cy="5948363"/>
         </p:xfrm>
         <a:graphic>
           <a:graphicData uri="http://schemas.openxmlformats.org/drawingml/2006/chart">
@@ -26327,14 +22601,14 @@
             <p:ph idx="1"/>
             <p:extLst>
               <p:ext uri="{D42A27DB-BD31-4B8C-83A1-F6EECF244321}">
-                <p14:modId xmlns:p14="http://schemas.microsoft.com/office/powerpoint/2010/main" val="1264214657"/>
+                <p14:modId xmlns:p14="http://schemas.microsoft.com/office/powerpoint/2010/main" val="2345313664"/>
               </p:ext>
             </p:extLst>
           </p:nvPr>
         </p:nvGraphicFramePr>
         <p:xfrm>
-          <a:off x="838200" y="228600"/>
-          <a:ext cx="10515600" cy="5948363"/>
+          <a:off x="3505200" y="454819"/>
+          <a:ext cx="5181600" cy="5948363"/>
         </p:xfrm>
         <a:graphic>
           <a:graphicData uri="http://schemas.openxmlformats.org/drawingml/2006/chart">
@@ -26382,14 +22656,14 @@
             <p:ph idx="1"/>
             <p:extLst>
               <p:ext uri="{D42A27DB-BD31-4B8C-83A1-F6EECF244321}">
-                <p14:modId xmlns:p14="http://schemas.microsoft.com/office/powerpoint/2010/main" val="4280529563"/>
+                <p14:modId xmlns:p14="http://schemas.microsoft.com/office/powerpoint/2010/main" val="1763200709"/>
               </p:ext>
             </p:extLst>
           </p:nvPr>
         </p:nvGraphicFramePr>
         <p:xfrm>
-          <a:off x="838200" y="228600"/>
-          <a:ext cx="10515600" cy="5948363"/>
+          <a:off x="3505201" y="454819"/>
+          <a:ext cx="5181599" cy="5948363"/>
         </p:xfrm>
         <a:graphic>
           <a:graphicData uri="http://schemas.openxmlformats.org/drawingml/2006/chart">
@@ -26437,14 +22711,14 @@
             <p:ph idx="1"/>
             <p:extLst>
               <p:ext uri="{D42A27DB-BD31-4B8C-83A1-F6EECF244321}">
-                <p14:modId xmlns:p14="http://schemas.microsoft.com/office/powerpoint/2010/main" val="695633745"/>
+                <p14:modId xmlns:p14="http://schemas.microsoft.com/office/powerpoint/2010/main" val="3974573856"/>
               </p:ext>
             </p:extLst>
           </p:nvPr>
         </p:nvGraphicFramePr>
         <p:xfrm>
-          <a:off x="838200" y="228600"/>
-          <a:ext cx="10515600" cy="5948363"/>
+          <a:off x="3505200" y="454819"/>
+          <a:ext cx="5181600" cy="5948363"/>
         </p:xfrm>
         <a:graphic>
           <a:graphicData uri="http://schemas.openxmlformats.org/drawingml/2006/chart">
@@ -26492,14 +22766,14 @@
             <p:ph idx="1"/>
             <p:extLst>
               <p:ext uri="{D42A27DB-BD31-4B8C-83A1-F6EECF244321}">
-                <p14:modId xmlns:p14="http://schemas.microsoft.com/office/powerpoint/2010/main" val="493258248"/>
+                <p14:modId xmlns:p14="http://schemas.microsoft.com/office/powerpoint/2010/main" val="2764267778"/>
               </p:ext>
             </p:extLst>
           </p:nvPr>
         </p:nvGraphicFramePr>
         <p:xfrm>
-          <a:off x="838200" y="228600"/>
-          <a:ext cx="10515600" cy="5948363"/>
+          <a:off x="3505200" y="454819"/>
+          <a:ext cx="5181600" cy="5948363"/>
         </p:xfrm>
         <a:graphic>
           <a:graphicData uri="http://schemas.openxmlformats.org/drawingml/2006/chart">
@@ -26547,14 +22821,14 @@
             <p:ph idx="1"/>
             <p:extLst>
               <p:ext uri="{D42A27DB-BD31-4B8C-83A1-F6EECF244321}">
-                <p14:modId xmlns:p14="http://schemas.microsoft.com/office/powerpoint/2010/main" val="4162096133"/>
+                <p14:modId xmlns:p14="http://schemas.microsoft.com/office/powerpoint/2010/main" val="988338482"/>
               </p:ext>
             </p:extLst>
           </p:nvPr>
         </p:nvGraphicFramePr>
         <p:xfrm>
-          <a:off x="838200" y="228600"/>
-          <a:ext cx="10515600" cy="5948363"/>
+          <a:off x="3657600" y="454819"/>
+          <a:ext cx="4876800" cy="5948363"/>
         </p:xfrm>
         <a:graphic>
           <a:graphicData uri="http://schemas.openxmlformats.org/drawingml/2006/chart">
@@ -26650,84 +22924,92 @@
             <a:p>
               <a:pPr algn="ctr"/>
               <a:r>
-                <a:rPr lang="en-US" dirty="0" smtClean="0">
+                <a:rPr lang="en-US" sz="1600" dirty="0" smtClean="0">
                   <a:solidFill>
                     <a:schemeClr val="tx1"/>
                   </a:solidFill>
-                  <a:latin typeface="Times New Roman" panose="02020603050405020304" pitchFamily="18" charset="0"/>
-                  <a:cs typeface="Times New Roman" panose="02020603050405020304" pitchFamily="18" charset="0"/>
+                  <a:latin typeface="CMU Serif" panose="02000603000000000000" pitchFamily="2" charset="0"/>
+                  <a:ea typeface="CMU Serif" panose="02000603000000000000" pitchFamily="2" charset="0"/>
+                  <a:cs typeface="CMU Serif" panose="02000603000000000000" pitchFamily="2" charset="0"/>
                 </a:rPr>
-                <a:t>Currently proposed System</a:t>
+                <a:t>Currently proposed system</a:t>
               </a:r>
             </a:p>
             <a:p>
               <a:pPr algn="ctr"/>
-              <a:endParaRPr lang="en-US" dirty="0">
+              <a:endParaRPr lang="en-US" sz="1600" dirty="0">
                 <a:solidFill>
                   <a:schemeClr val="tx1"/>
                 </a:solidFill>
-                <a:latin typeface="Times New Roman" panose="02020603050405020304" pitchFamily="18" charset="0"/>
-                <a:cs typeface="Times New Roman" panose="02020603050405020304" pitchFamily="18" charset="0"/>
+                <a:latin typeface="CMU Serif" panose="02000603000000000000" pitchFamily="2" charset="0"/>
+                <a:ea typeface="CMU Serif" panose="02000603000000000000" pitchFamily="2" charset="0"/>
+                <a:cs typeface="CMU Serif" panose="02000603000000000000" pitchFamily="2" charset="0"/>
               </a:endParaRPr>
             </a:p>
             <a:p>
               <a:pPr algn="ctr"/>
-              <a:endParaRPr lang="en-US" dirty="0" smtClean="0">
+              <a:endParaRPr lang="en-US" sz="1600" dirty="0" smtClean="0">
                 <a:solidFill>
                   <a:schemeClr val="tx1"/>
                 </a:solidFill>
-                <a:latin typeface="Times New Roman" panose="02020603050405020304" pitchFamily="18" charset="0"/>
-                <a:cs typeface="Times New Roman" panose="02020603050405020304" pitchFamily="18" charset="0"/>
+                <a:latin typeface="CMU Serif" panose="02000603000000000000" pitchFamily="2" charset="0"/>
+                <a:ea typeface="CMU Serif" panose="02000603000000000000" pitchFamily="2" charset="0"/>
+                <a:cs typeface="CMU Serif" panose="02000603000000000000" pitchFamily="2" charset="0"/>
               </a:endParaRPr>
             </a:p>
             <a:p>
               <a:pPr algn="ctr"/>
-              <a:endParaRPr lang="en-US" dirty="0">
+              <a:endParaRPr lang="en-US" sz="1600" dirty="0">
                 <a:solidFill>
                   <a:schemeClr val="tx1"/>
                 </a:solidFill>
-                <a:latin typeface="Times New Roman" panose="02020603050405020304" pitchFamily="18" charset="0"/>
-                <a:cs typeface="Times New Roman" panose="02020603050405020304" pitchFamily="18" charset="0"/>
+                <a:latin typeface="CMU Serif" panose="02000603000000000000" pitchFamily="2" charset="0"/>
+                <a:ea typeface="CMU Serif" panose="02000603000000000000" pitchFamily="2" charset="0"/>
+                <a:cs typeface="CMU Serif" panose="02000603000000000000" pitchFamily="2" charset="0"/>
               </a:endParaRPr>
             </a:p>
             <a:p>
               <a:pPr algn="ctr"/>
-              <a:endParaRPr lang="en-US" dirty="0" smtClean="0">
+              <a:endParaRPr lang="en-US" sz="1600" dirty="0" smtClean="0">
                 <a:solidFill>
                   <a:schemeClr val="tx1"/>
                 </a:solidFill>
-                <a:latin typeface="Times New Roman" panose="02020603050405020304" pitchFamily="18" charset="0"/>
-                <a:cs typeface="Times New Roman" panose="02020603050405020304" pitchFamily="18" charset="0"/>
+                <a:latin typeface="CMU Serif" panose="02000603000000000000" pitchFamily="2" charset="0"/>
+                <a:ea typeface="CMU Serif" panose="02000603000000000000" pitchFamily="2" charset="0"/>
+                <a:cs typeface="CMU Serif" panose="02000603000000000000" pitchFamily="2" charset="0"/>
               </a:endParaRPr>
             </a:p>
             <a:p>
               <a:pPr algn="ctr"/>
-              <a:endParaRPr lang="en-US" dirty="0">
+              <a:endParaRPr lang="en-US" sz="1600" dirty="0">
                 <a:solidFill>
                   <a:schemeClr val="tx1"/>
                 </a:solidFill>
-                <a:latin typeface="Times New Roman" panose="02020603050405020304" pitchFamily="18" charset="0"/>
-                <a:cs typeface="Times New Roman" panose="02020603050405020304" pitchFamily="18" charset="0"/>
+                <a:latin typeface="CMU Serif" panose="02000603000000000000" pitchFamily="2" charset="0"/>
+                <a:ea typeface="CMU Serif" panose="02000603000000000000" pitchFamily="2" charset="0"/>
+                <a:cs typeface="CMU Serif" panose="02000603000000000000" pitchFamily="2" charset="0"/>
               </a:endParaRPr>
             </a:p>
             <a:p>
               <a:pPr algn="ctr"/>
-              <a:endParaRPr lang="en-US" dirty="0" smtClean="0">
+              <a:endParaRPr lang="en-US" sz="1600" dirty="0" smtClean="0">
                 <a:solidFill>
                   <a:schemeClr val="tx1"/>
                 </a:solidFill>
-                <a:latin typeface="Times New Roman" panose="02020603050405020304" pitchFamily="18" charset="0"/>
-                <a:cs typeface="Times New Roman" panose="02020603050405020304" pitchFamily="18" charset="0"/>
+                <a:latin typeface="CMU Serif" panose="02000603000000000000" pitchFamily="2" charset="0"/>
+                <a:ea typeface="CMU Serif" panose="02000603000000000000" pitchFamily="2" charset="0"/>
+                <a:cs typeface="CMU Serif" panose="02000603000000000000" pitchFamily="2" charset="0"/>
               </a:endParaRPr>
             </a:p>
             <a:p>
               <a:pPr algn="ctr"/>
-              <a:endParaRPr lang="en-US" dirty="0">
+              <a:endParaRPr lang="en-US" sz="1600" dirty="0">
                 <a:solidFill>
                   <a:schemeClr val="tx1"/>
                 </a:solidFill>
-                <a:latin typeface="Times New Roman" panose="02020603050405020304" pitchFamily="18" charset="0"/>
-                <a:cs typeface="Times New Roman" panose="02020603050405020304" pitchFamily="18" charset="0"/>
+                <a:latin typeface="CMU Serif" panose="02000603000000000000" pitchFamily="2" charset="0"/>
+                <a:ea typeface="CMU Serif" panose="02000603000000000000" pitchFamily="2" charset="0"/>
+                <a:cs typeface="CMU Serif" panose="02000603000000000000" pitchFamily="2" charset="0"/>
               </a:endParaRPr>
             </a:p>
           </p:txBody>
@@ -26770,21 +23052,23 @@
             <a:p>
               <a:pPr algn="ctr"/>
               <a:r>
-                <a:rPr lang="en-US" dirty="0" smtClean="0">
+                <a:rPr lang="en-US" sz="1600" dirty="0" smtClean="0">
                   <a:solidFill>
                     <a:schemeClr val="tx1"/>
                   </a:solidFill>
-                  <a:latin typeface="Times New Roman" panose="02020603050405020304" pitchFamily="18" charset="0"/>
-                  <a:cs typeface="Times New Roman" panose="02020603050405020304" pitchFamily="18" charset="0"/>
+                  <a:latin typeface="CMU Serif" panose="02000603000000000000" pitchFamily="2" charset="0"/>
+                  <a:ea typeface="CMU Serif" panose="02000603000000000000" pitchFamily="2" charset="0"/>
+                  <a:cs typeface="CMU Serif" panose="02000603000000000000" pitchFamily="2" charset="0"/>
                 </a:rPr>
                 <a:t>Proposed DSS</a:t>
               </a:r>
-              <a:endParaRPr lang="en-US" dirty="0">
+              <a:endParaRPr lang="en-US" sz="1600" dirty="0">
                 <a:solidFill>
                   <a:schemeClr val="tx1"/>
                 </a:solidFill>
-                <a:latin typeface="Times New Roman" panose="02020603050405020304" pitchFamily="18" charset="0"/>
-                <a:cs typeface="Times New Roman" panose="02020603050405020304" pitchFamily="18" charset="0"/>
+                <a:latin typeface="CMU Serif" panose="02000603000000000000" pitchFamily="2" charset="0"/>
+                <a:ea typeface="CMU Serif" panose="02000603000000000000" pitchFamily="2" charset="0"/>
+                <a:cs typeface="CMU Serif" panose="02000603000000000000" pitchFamily="2" charset="0"/>
               </a:endParaRPr>
             </a:p>
           </p:txBody>
@@ -26827,21 +23111,23 @@
             <a:p>
               <a:pPr algn="ctr"/>
               <a:r>
-                <a:rPr lang="en-US" dirty="0" smtClean="0">
+                <a:rPr lang="en-US" sz="1600" dirty="0" smtClean="0">
                   <a:solidFill>
                     <a:schemeClr val="tx1"/>
                   </a:solidFill>
-                  <a:latin typeface="Times New Roman" panose="02020603050405020304" pitchFamily="18" charset="0"/>
-                  <a:cs typeface="Times New Roman" panose="02020603050405020304" pitchFamily="18" charset="0"/>
+                  <a:latin typeface="CMU Serif" panose="02000603000000000000" pitchFamily="2" charset="0"/>
+                  <a:ea typeface="CMU Serif" panose="02000603000000000000" pitchFamily="2" charset="0"/>
+                  <a:cs typeface="CMU Serif" panose="02000603000000000000" pitchFamily="2" charset="0"/>
                 </a:rPr>
                 <a:t>Automated Data Collection - Framework and Infrastructure</a:t>
               </a:r>
-              <a:endParaRPr lang="en-US" dirty="0">
+              <a:endParaRPr lang="en-US" sz="1600" dirty="0">
                 <a:solidFill>
                   <a:schemeClr val="tx1"/>
                 </a:solidFill>
-                <a:latin typeface="Times New Roman" panose="02020603050405020304" pitchFamily="18" charset="0"/>
-                <a:cs typeface="Times New Roman" panose="02020603050405020304" pitchFamily="18" charset="0"/>
+                <a:latin typeface="CMU Serif" panose="02000603000000000000" pitchFamily="2" charset="0"/>
+                <a:ea typeface="CMU Serif" panose="02000603000000000000" pitchFamily="2" charset="0"/>
+                <a:cs typeface="CMU Serif" panose="02000603000000000000" pitchFamily="2" charset="0"/>
               </a:endParaRPr>
             </a:p>
           </p:txBody>
@@ -26884,22 +23170,16 @@
             <a:p>
               <a:pPr algn="ctr"/>
               <a:r>
-                <a:rPr lang="en-US" dirty="0">
+                <a:rPr lang="en-US" sz="1600" dirty="0">
                   <a:solidFill>
                     <a:schemeClr val="tx1"/>
                   </a:solidFill>
-                  <a:latin typeface="Times New Roman" panose="02020603050405020304" pitchFamily="18" charset="0"/>
-                  <a:cs typeface="Times New Roman" panose="02020603050405020304" pitchFamily="18" charset="0"/>
+                  <a:latin typeface="CMU Serif" panose="02000603000000000000" pitchFamily="2" charset="0"/>
+                  <a:ea typeface="CMU Serif" panose="02000603000000000000" pitchFamily="2" charset="0"/>
+                  <a:cs typeface="CMU Serif" panose="02000603000000000000" pitchFamily="2" charset="0"/>
                 </a:rPr>
                 <a:t>Possible Extension to an Expert System</a:t>
               </a:r>
-              <a:endParaRPr lang="en-US" dirty="0">
-                <a:solidFill>
-                  <a:schemeClr val="tx1"/>
-                </a:solidFill>
-                <a:latin typeface="Times New Roman" panose="02020603050405020304" pitchFamily="18" charset="0"/>
-                <a:cs typeface="Times New Roman" panose="02020603050405020304" pitchFamily="18" charset="0"/>
-              </a:endParaRPr>
             </a:p>
           </p:txBody>
         </p:sp>
@@ -27013,21 +23293,23 @@
             <a:p>
               <a:pPr algn="ctr"/>
               <a:r>
-                <a:rPr lang="en-US" sz="1400" dirty="0" smtClean="0">
+                <a:rPr lang="en-US" sz="1200" dirty="0" smtClean="0">
                   <a:solidFill>
                     <a:schemeClr val="tx1"/>
                   </a:solidFill>
-                  <a:latin typeface="Times New Roman" panose="02020603050405020304" pitchFamily="18" charset="0"/>
-                  <a:cs typeface="Times New Roman" panose="02020603050405020304" pitchFamily="18" charset="0"/>
+                  <a:latin typeface="CMU Serif" panose="02000603000000000000" pitchFamily="2" charset="0"/>
+                  <a:ea typeface="CMU Serif" panose="02000603000000000000" pitchFamily="2" charset="0"/>
+                  <a:cs typeface="CMU Serif" panose="02000603000000000000" pitchFamily="2" charset="0"/>
                 </a:rPr>
                 <a:t>Expansion</a:t>
               </a:r>
-              <a:endParaRPr lang="en-US" sz="1400" dirty="0">
+              <a:endParaRPr lang="en-US" sz="1200" dirty="0">
                 <a:solidFill>
                   <a:schemeClr val="tx1"/>
                 </a:solidFill>
-                <a:latin typeface="Times New Roman" panose="02020603050405020304" pitchFamily="18" charset="0"/>
-                <a:cs typeface="Times New Roman" panose="02020603050405020304" pitchFamily="18" charset="0"/>
+                <a:latin typeface="CMU Serif" panose="02000603000000000000" pitchFamily="2" charset="0"/>
+                <a:ea typeface="CMU Serif" panose="02000603000000000000" pitchFamily="2" charset="0"/>
+                <a:cs typeface="CMU Serif" panose="02000603000000000000" pitchFamily="2" charset="0"/>
               </a:endParaRPr>
             </a:p>
           </p:txBody>
@@ -27070,21 +23352,23 @@
             <a:p>
               <a:pPr algn="ctr"/>
               <a:r>
-                <a:rPr lang="en-US" sz="1400" dirty="0" smtClean="0">
+                <a:rPr lang="en-US" sz="1200" dirty="0" smtClean="0">
                   <a:solidFill>
                     <a:schemeClr val="tx1"/>
                   </a:solidFill>
-                  <a:latin typeface="Times New Roman" panose="02020603050405020304" pitchFamily="18" charset="0"/>
-                  <a:cs typeface="Times New Roman" panose="02020603050405020304" pitchFamily="18" charset="0"/>
+                  <a:latin typeface="CMU Serif" panose="02000603000000000000" pitchFamily="2" charset="0"/>
+                  <a:ea typeface="CMU Serif" panose="02000603000000000000" pitchFamily="2" charset="0"/>
+                  <a:cs typeface="CMU Serif" panose="02000603000000000000" pitchFamily="2" charset="0"/>
                 </a:rPr>
                 <a:t>Expansion</a:t>
               </a:r>
-              <a:endParaRPr lang="en-US" sz="1400" dirty="0">
+              <a:endParaRPr lang="en-US" sz="1200" dirty="0">
                 <a:solidFill>
                   <a:schemeClr val="tx1"/>
                 </a:solidFill>
-                <a:latin typeface="Times New Roman" panose="02020603050405020304" pitchFamily="18" charset="0"/>
-                <a:cs typeface="Times New Roman" panose="02020603050405020304" pitchFamily="18" charset="0"/>
+                <a:latin typeface="CMU Serif" panose="02000603000000000000" pitchFamily="2" charset="0"/>
+                <a:ea typeface="CMU Serif" panose="02000603000000000000" pitchFamily="2" charset="0"/>
+                <a:cs typeface="CMU Serif" panose="02000603000000000000" pitchFamily="2" charset="0"/>
               </a:endParaRPr>
             </a:p>
           </p:txBody>
@@ -27129,7 +23413,7 @@
           <p:nvPr>
             <p:extLst>
               <p:ext uri="{D42A27DB-BD31-4B8C-83A1-F6EECF244321}">
-                <p14:modId xmlns:p14="http://schemas.microsoft.com/office/powerpoint/2010/main" val="2150017264"/>
+                <p14:modId xmlns:p14="http://schemas.microsoft.com/office/powerpoint/2010/main" val="2342815525"/>
               </p:ext>
             </p:extLst>
           </p:nvPr>
@@ -27235,8 +23519,9 @@
                   <a:effectLst/>
                   <a:uLnTx/>
                   <a:uFillTx/>
-                  <a:latin typeface="Times New Roman" pitchFamily="18" charset="0"/>
-                  <a:cs typeface="Times New Roman" pitchFamily="18" charset="0"/>
+                  <a:latin typeface="CMU Serif" panose="02000603000000000000" pitchFamily="2" charset="0"/>
+                  <a:ea typeface="CMU Serif" panose="02000603000000000000" pitchFamily="2" charset="0"/>
+                  <a:cs typeface="CMU Serif" panose="02000603000000000000" pitchFamily="2" charset="0"/>
                 </a:rPr>
                 <a:t>ADCS</a:t>
               </a:r>
@@ -27247,8 +23532,9 @@
                 <a:effectLst/>
                 <a:uLnTx/>
                 <a:uFillTx/>
-                <a:latin typeface="Times New Roman" pitchFamily="18" charset="0"/>
-                <a:cs typeface="Times New Roman" pitchFamily="18" charset="0"/>
+                <a:latin typeface="CMU Serif" panose="02000603000000000000" pitchFamily="2" charset="0"/>
+                <a:ea typeface="CMU Serif" panose="02000603000000000000" pitchFamily="2" charset="0"/>
+                <a:cs typeface="CMU Serif" panose="02000603000000000000" pitchFamily="2" charset="0"/>
               </a:endParaRPr>
             </a:p>
           </p:txBody>
@@ -27305,8 +23591,9 @@
                   <a:effectLst/>
                   <a:uLnTx/>
                   <a:uFillTx/>
-                  <a:latin typeface="Times New Roman" pitchFamily="18" charset="0"/>
-                  <a:cs typeface="Times New Roman" pitchFamily="18" charset="0"/>
+                  <a:latin typeface="CMU Serif" panose="02000603000000000000" pitchFamily="2" charset="0"/>
+                  <a:ea typeface="CMU Serif" panose="02000603000000000000" pitchFamily="2" charset="0"/>
+                  <a:cs typeface="CMU Serif" panose="02000603000000000000" pitchFamily="2" charset="0"/>
                 </a:rPr>
                 <a:t>APC</a:t>
               </a:r>
@@ -27317,8 +23604,9 @@
                 <a:effectLst/>
                 <a:uLnTx/>
                 <a:uFillTx/>
-                <a:latin typeface="Times New Roman" pitchFamily="18" charset="0"/>
-                <a:cs typeface="Times New Roman" pitchFamily="18" charset="0"/>
+                <a:latin typeface="CMU Serif" panose="02000603000000000000" pitchFamily="2" charset="0"/>
+                <a:ea typeface="CMU Serif" panose="02000603000000000000" pitchFamily="2" charset="0"/>
+                <a:cs typeface="CMU Serif" panose="02000603000000000000" pitchFamily="2" charset="0"/>
               </a:endParaRPr>
             </a:p>
           </p:txBody>
@@ -27375,8 +23663,9 @@
                   <a:effectLst/>
                   <a:uLnTx/>
                   <a:uFillTx/>
-                  <a:latin typeface="Times New Roman" pitchFamily="18" charset="0"/>
-                  <a:cs typeface="Times New Roman" pitchFamily="18" charset="0"/>
+                  <a:latin typeface="CMU Serif" panose="02000603000000000000" pitchFamily="2" charset="0"/>
+                  <a:ea typeface="CMU Serif" panose="02000603000000000000" pitchFamily="2" charset="0"/>
+                  <a:cs typeface="CMU Serif" panose="02000603000000000000" pitchFamily="2" charset="0"/>
                 </a:rPr>
                 <a:t>AVL</a:t>
               </a:r>
@@ -27387,8 +23676,9 @@
                 <a:effectLst/>
                 <a:uLnTx/>
                 <a:uFillTx/>
-                <a:latin typeface="Times New Roman" pitchFamily="18" charset="0"/>
-                <a:cs typeface="Times New Roman" pitchFamily="18" charset="0"/>
+                <a:latin typeface="CMU Serif" panose="02000603000000000000" pitchFamily="2" charset="0"/>
+                <a:ea typeface="CMU Serif" panose="02000603000000000000" pitchFamily="2" charset="0"/>
+                <a:cs typeface="CMU Serif" panose="02000603000000000000" pitchFamily="2" charset="0"/>
               </a:endParaRPr>
             </a:p>
           </p:txBody>
@@ -27445,8 +23735,9 @@
                   <a:effectLst/>
                   <a:uLnTx/>
                   <a:uFillTx/>
-                  <a:latin typeface="Times New Roman" pitchFamily="18" charset="0"/>
-                  <a:cs typeface="Times New Roman" pitchFamily="18" charset="0"/>
+                  <a:latin typeface="CMU Serif" panose="02000603000000000000" pitchFamily="2" charset="0"/>
+                  <a:ea typeface="CMU Serif" panose="02000603000000000000" pitchFamily="2" charset="0"/>
+                  <a:cs typeface="CMU Serif" panose="02000603000000000000" pitchFamily="2" charset="0"/>
                 </a:rPr>
                 <a:t>AFC</a:t>
               </a:r>
@@ -27457,8 +23748,9 @@
                 <a:effectLst/>
                 <a:uLnTx/>
                 <a:uFillTx/>
-                <a:latin typeface="Times New Roman" pitchFamily="18" charset="0"/>
-                <a:cs typeface="Times New Roman" pitchFamily="18" charset="0"/>
+                <a:latin typeface="CMU Serif" panose="02000603000000000000" pitchFamily="2" charset="0"/>
+                <a:ea typeface="CMU Serif" panose="02000603000000000000" pitchFamily="2" charset="0"/>
+                <a:cs typeface="CMU Serif" panose="02000603000000000000" pitchFamily="2" charset="0"/>
               </a:endParaRPr>
             </a:p>
           </p:txBody>
@@ -27679,8 +23971,9 @@
                   <a:effectLst/>
                   <a:uLnTx/>
                   <a:uFillTx/>
-                  <a:latin typeface="Times New Roman" pitchFamily="18" charset="0"/>
-                  <a:cs typeface="Times New Roman" pitchFamily="18" charset="0"/>
+                  <a:latin typeface="CMU Serif" panose="02000603000000000000" pitchFamily="2" charset="0"/>
+                  <a:ea typeface="CMU Serif" panose="02000603000000000000" pitchFamily="2" charset="0"/>
+                  <a:cs typeface="CMU Serif" panose="02000603000000000000" pitchFamily="2" charset="0"/>
                 </a:rPr>
                 <a:t>Collective Agreements,</a:t>
               </a:r>
@@ -27711,8 +24004,9 @@
                   <a:effectLst/>
                   <a:uLnTx/>
                   <a:uFillTx/>
-                  <a:latin typeface="Times New Roman" pitchFamily="18" charset="0"/>
-                  <a:cs typeface="Times New Roman" pitchFamily="18" charset="0"/>
+                  <a:latin typeface="CMU Serif" panose="02000603000000000000" pitchFamily="2" charset="0"/>
+                  <a:ea typeface="CMU Serif" panose="02000603000000000000" pitchFamily="2" charset="0"/>
+                  <a:cs typeface="CMU Serif" panose="02000603000000000000" pitchFamily="2" charset="0"/>
                 </a:rPr>
                 <a:t>Labor Laws</a:t>
               </a:r>
@@ -27764,15 +24058,16 @@
                 <a:defRPr/>
               </a:pPr>
               <a:r>
-                <a:rPr kumimoji="0" lang="en-US" sz="1600" b="0" i="0" u="none" strike="noStrike" kern="0" cap="none" spc="0" normalizeH="0" baseline="0" noProof="0" dirty="0">
+                <a:rPr kumimoji="0" lang="en-US" sz="1400" b="0" i="0" u="none" strike="noStrike" kern="0" cap="none" spc="0" normalizeH="0" baseline="0" noProof="0" dirty="0">
                   <a:ln>
                     <a:noFill/>
                   </a:ln>
                   <a:effectLst/>
                   <a:uLnTx/>
                   <a:uFillTx/>
-                  <a:latin typeface="Times New Roman" pitchFamily="18" charset="0"/>
-                  <a:cs typeface="Times New Roman" pitchFamily="18" charset="0"/>
+                  <a:latin typeface="CMU Serif" panose="02000603000000000000" pitchFamily="2" charset="0"/>
+                  <a:ea typeface="CMU Serif" panose="02000603000000000000" pitchFamily="2" charset="0"/>
+                  <a:cs typeface="CMU Serif" panose="02000603000000000000" pitchFamily="2" charset="0"/>
                 </a:rPr>
                 <a:t>Passenger Demand,</a:t>
               </a:r>
@@ -27796,15 +24091,16 @@
                 <a:defRPr/>
               </a:pPr>
               <a:r>
-                <a:rPr kumimoji="0" lang="en-US" sz="1600" b="0" i="0" u="none" strike="noStrike" kern="0" cap="none" spc="0" normalizeH="0" baseline="0" noProof="0" dirty="0">
+                <a:rPr kumimoji="0" lang="en-US" sz="1400" b="0" i="0" u="none" strike="noStrike" kern="0" cap="none" spc="0" normalizeH="0" baseline="0" noProof="0" dirty="0">
                   <a:ln>
                     <a:noFill/>
                   </a:ln>
                   <a:effectLst/>
                   <a:uLnTx/>
                   <a:uFillTx/>
-                  <a:latin typeface="Times New Roman" pitchFamily="18" charset="0"/>
-                  <a:cs typeface="Times New Roman" pitchFamily="18" charset="0"/>
+                  <a:latin typeface="CMU Serif" panose="02000603000000000000" pitchFamily="2" charset="0"/>
+                  <a:ea typeface="CMU Serif" panose="02000603000000000000" pitchFamily="2" charset="0"/>
+                  <a:cs typeface="CMU Serif" panose="02000603000000000000" pitchFamily="2" charset="0"/>
                 </a:rPr>
                 <a:t>Requirements of Regulating Body,</a:t>
               </a:r>
@@ -27828,15 +24124,16 @@
                 <a:defRPr/>
               </a:pPr>
               <a:r>
-                <a:rPr kumimoji="0" lang="en-US" sz="1600" b="0" i="0" u="none" strike="noStrike" kern="0" cap="none" spc="0" normalizeH="0" baseline="0" noProof="0" dirty="0">
+                <a:rPr kumimoji="0" lang="en-US" sz="1400" b="0" i="0" u="none" strike="noStrike" kern="0" cap="none" spc="0" normalizeH="0" baseline="0" noProof="0" dirty="0">
                   <a:ln>
                     <a:noFill/>
                   </a:ln>
                   <a:effectLst/>
                   <a:uLnTx/>
                   <a:uFillTx/>
-                  <a:latin typeface="Times New Roman" pitchFamily="18" charset="0"/>
-                  <a:cs typeface="Times New Roman" pitchFamily="18" charset="0"/>
+                  <a:latin typeface="CMU Serif" panose="02000603000000000000" pitchFamily="2" charset="0"/>
+                  <a:ea typeface="CMU Serif" panose="02000603000000000000" pitchFamily="2" charset="0"/>
+                  <a:cs typeface="CMU Serif" panose="02000603000000000000" pitchFamily="2" charset="0"/>
                 </a:rPr>
                 <a:t>Special Characteristics in Route</a:t>
               </a:r>
@@ -27934,8 +24231,9 @@
                   <a:effectLst/>
                   <a:uLnTx/>
                   <a:uFillTx/>
-                  <a:latin typeface="Times New Roman" pitchFamily="18" charset="0"/>
-                  <a:cs typeface="Times New Roman" pitchFamily="18" charset="0"/>
+                  <a:latin typeface="CMU Serif" panose="02000603000000000000" pitchFamily="2" charset="0"/>
+                  <a:ea typeface="CMU Serif" panose="02000603000000000000" pitchFamily="2" charset="0"/>
+                  <a:cs typeface="CMU Serif" panose="02000603000000000000" pitchFamily="2" charset="0"/>
                 </a:rPr>
                 <a:t>Timetabling</a:t>
               </a:r>
@@ -27946,8 +24244,9 @@
                 <a:effectLst/>
                 <a:uLnTx/>
                 <a:uFillTx/>
-                <a:latin typeface="Times New Roman" pitchFamily="18" charset="0"/>
-                <a:cs typeface="Times New Roman" pitchFamily="18" charset="0"/>
+                <a:latin typeface="CMU Serif" panose="02000603000000000000" pitchFamily="2" charset="0"/>
+                <a:ea typeface="CMU Serif" panose="02000603000000000000" pitchFamily="2" charset="0"/>
+                <a:cs typeface="CMU Serif" panose="02000603000000000000" pitchFamily="2" charset="0"/>
               </a:endParaRPr>
             </a:p>
           </p:txBody>
@@ -28004,8 +24303,9 @@
                   <a:effectLst/>
                   <a:uLnTx/>
                   <a:uFillTx/>
-                  <a:latin typeface="Times New Roman" pitchFamily="18" charset="0"/>
-                  <a:cs typeface="Times New Roman" pitchFamily="18" charset="0"/>
+                  <a:latin typeface="CMU Serif" panose="02000603000000000000" pitchFamily="2" charset="0"/>
+                  <a:ea typeface="CMU Serif" panose="02000603000000000000" pitchFamily="2" charset="0"/>
+                  <a:cs typeface="CMU Serif" panose="02000603000000000000" pitchFamily="2" charset="0"/>
                 </a:rPr>
                 <a:t>Integrated Vehicle and Crew Scheduling</a:t>
               </a:r>
@@ -28016,8 +24316,9 @@
                 <a:effectLst/>
                 <a:uLnTx/>
                 <a:uFillTx/>
-                <a:latin typeface="Times New Roman" pitchFamily="18" charset="0"/>
-                <a:cs typeface="Times New Roman" pitchFamily="18" charset="0"/>
+                <a:latin typeface="CMU Serif" panose="02000603000000000000" pitchFamily="2" charset="0"/>
+                <a:ea typeface="CMU Serif" panose="02000603000000000000" pitchFamily="2" charset="0"/>
+                <a:cs typeface="CMU Serif" panose="02000603000000000000" pitchFamily="2" charset="0"/>
               </a:endParaRPr>
             </a:p>
           </p:txBody>
@@ -28074,8 +24375,9 @@
                   <a:effectLst/>
                   <a:uLnTx/>
                   <a:uFillTx/>
-                  <a:latin typeface="Times New Roman" pitchFamily="18" charset="0"/>
-                  <a:cs typeface="Times New Roman" pitchFamily="18" charset="0"/>
+                  <a:latin typeface="CMU Serif" panose="02000603000000000000" pitchFamily="2" charset="0"/>
+                  <a:ea typeface="CMU Serif" panose="02000603000000000000" pitchFamily="2" charset="0"/>
+                  <a:cs typeface="CMU Serif" panose="02000603000000000000" pitchFamily="2" charset="0"/>
                 </a:rPr>
                 <a:t>Crew Rostering</a:t>
               </a:r>
@@ -28086,8 +24388,9 @@
                 <a:effectLst/>
                 <a:uLnTx/>
                 <a:uFillTx/>
-                <a:latin typeface="Times New Roman" pitchFamily="18" charset="0"/>
-                <a:cs typeface="Times New Roman" pitchFamily="18" charset="0"/>
+                <a:latin typeface="CMU Serif" panose="02000603000000000000" pitchFamily="2" charset="0"/>
+                <a:ea typeface="CMU Serif" panose="02000603000000000000" pitchFamily="2" charset="0"/>
+                <a:cs typeface="CMU Serif" panose="02000603000000000000" pitchFamily="2" charset="0"/>
               </a:endParaRPr>
             </a:p>
           </p:txBody>
@@ -28144,8 +24447,9 @@
                   <a:effectLst/>
                   <a:uLnTx/>
                   <a:uFillTx/>
-                  <a:latin typeface="Times New Roman" pitchFamily="18" charset="0"/>
-                  <a:cs typeface="Times New Roman" pitchFamily="18" charset="0"/>
+                  <a:latin typeface="CMU Serif" panose="02000603000000000000" pitchFamily="2" charset="0"/>
+                  <a:ea typeface="CMU Serif" panose="02000603000000000000" pitchFamily="2" charset="0"/>
+                  <a:cs typeface="CMU Serif" panose="02000603000000000000" pitchFamily="2" charset="0"/>
                 </a:rPr>
                 <a:t>Bus Dispatching</a:t>
               </a:r>
@@ -28156,8 +24460,9 @@
                 <a:effectLst/>
                 <a:uLnTx/>
                 <a:uFillTx/>
-                <a:latin typeface="Times New Roman" pitchFamily="18" charset="0"/>
-                <a:cs typeface="Times New Roman" pitchFamily="18" charset="0"/>
+                <a:latin typeface="CMU Serif" panose="02000603000000000000" pitchFamily="2" charset="0"/>
+                <a:ea typeface="CMU Serif" panose="02000603000000000000" pitchFamily="2" charset="0"/>
+                <a:cs typeface="CMU Serif" panose="02000603000000000000" pitchFamily="2" charset="0"/>
               </a:endParaRPr>
             </a:p>
           </p:txBody>
@@ -28214,8 +24519,9 @@
                   <a:effectLst/>
                   <a:uLnTx/>
                   <a:uFillTx/>
-                  <a:latin typeface="Times New Roman" pitchFamily="18" charset="0"/>
-                  <a:cs typeface="Times New Roman" pitchFamily="18" charset="0"/>
+                  <a:latin typeface="CMU Serif" panose="02000603000000000000" pitchFamily="2" charset="0"/>
+                  <a:ea typeface="CMU Serif" panose="02000603000000000000" pitchFamily="2" charset="0"/>
+                  <a:cs typeface="CMU Serif" panose="02000603000000000000" pitchFamily="2" charset="0"/>
                 </a:rPr>
                 <a:t>Feedback</a:t>
               </a:r>
@@ -28226,8 +24532,9 @@
                 <a:effectLst/>
                 <a:uLnTx/>
                 <a:uFillTx/>
-                <a:latin typeface="Times New Roman" pitchFamily="18" charset="0"/>
-                <a:cs typeface="Times New Roman" pitchFamily="18" charset="0"/>
+                <a:latin typeface="CMU Serif" panose="02000603000000000000" pitchFamily="2" charset="0"/>
+                <a:ea typeface="CMU Serif" panose="02000603000000000000" pitchFamily="2" charset="0"/>
+                <a:cs typeface="CMU Serif" panose="02000603000000000000" pitchFamily="2" charset="0"/>
               </a:endParaRPr>
             </a:p>
           </p:txBody>
@@ -28544,14 +24851,14 @@
           <p:nvPr>
             <p:extLst>
               <p:ext uri="{D42A27DB-BD31-4B8C-83A1-F6EECF244321}">
-                <p14:modId xmlns:p14="http://schemas.microsoft.com/office/powerpoint/2010/main" val="2127529493"/>
+                <p14:modId xmlns:p14="http://schemas.microsoft.com/office/powerpoint/2010/main" val="4191519934"/>
               </p:ext>
             </p:extLst>
           </p:nvPr>
         </p:nvGraphicFramePr>
         <p:xfrm>
-          <a:off x="2346325" y="2552700"/>
-          <a:ext cx="7499350" cy="1752600"/>
+          <a:off x="3196431" y="419100"/>
+          <a:ext cx="5799138" cy="6019800"/>
         </p:xfrm>
         <a:graphic>
           <a:graphicData uri="http://schemas.openxmlformats.org/drawingml/2006/diagram">
@@ -28593,7 +24900,7 @@
           <p:nvPr>
             <p:extLst>
               <p:ext uri="{D42A27DB-BD31-4B8C-83A1-F6EECF244321}">
-                <p14:modId xmlns:p14="http://schemas.microsoft.com/office/powerpoint/2010/main" val="3483529322"/>
+                <p14:modId xmlns:p14="http://schemas.microsoft.com/office/powerpoint/2010/main" val="386044764"/>
               </p:ext>
             </p:extLst>
           </p:nvPr>
@@ -28642,7 +24949,7 @@
           <p:nvPr>
             <p:extLst>
               <p:ext uri="{D42A27DB-BD31-4B8C-83A1-F6EECF244321}">
-                <p14:modId xmlns:p14="http://schemas.microsoft.com/office/powerpoint/2010/main" val="2320380174"/>
+                <p14:modId xmlns:p14="http://schemas.microsoft.com/office/powerpoint/2010/main" val="2221859389"/>
               </p:ext>
             </p:extLst>
           </p:nvPr>
@@ -28689,7 +24996,7 @@
           <p:nvPr>
             <p:extLst>
               <p:ext uri="{D42A27DB-BD31-4B8C-83A1-F6EECF244321}">
-                <p14:modId xmlns:p14="http://schemas.microsoft.com/office/powerpoint/2010/main" val="818183744"/>
+                <p14:modId xmlns:p14="http://schemas.microsoft.com/office/powerpoint/2010/main" val="2780809481"/>
               </p:ext>
             </p:extLst>
           </p:nvPr>
@@ -28736,7 +25043,7 @@
           <p:nvPr>
             <p:extLst>
               <p:ext uri="{D42A27DB-BD31-4B8C-83A1-F6EECF244321}">
-                <p14:modId xmlns:p14="http://schemas.microsoft.com/office/powerpoint/2010/main" val="1376612370"/>
+                <p14:modId xmlns:p14="http://schemas.microsoft.com/office/powerpoint/2010/main" val="1569975092"/>
               </p:ext>
             </p:extLst>
           </p:nvPr>

--- a/figures.pptx
+++ b/figures.pptx
@@ -550,11 +550,11 @@
         </c:dLbls>
         <c:marker val="1"/>
         <c:smooth val="0"/>
-        <c:axId val="169822960"/>
-        <c:axId val="169825200"/>
+        <c:axId val="184265584"/>
+        <c:axId val="184266144"/>
       </c:lineChart>
       <c:catAx>
-        <c:axId val="169822960"/>
+        <c:axId val="184265584"/>
         <c:scaling>
           <c:orientation val="minMax"/>
         </c:scaling>
@@ -566,7 +566,7 @@
         <c:majorTickMark val="out"/>
         <c:minorTickMark val="none"/>
         <c:tickLblPos val="nextTo"/>
-        <c:crossAx val="169825200"/>
+        <c:crossAx val="184266144"/>
         <c:crosses val="autoZero"/>
         <c:auto val="1"/>
         <c:lblAlgn val="ctr"/>
@@ -574,7 +574,7 @@
         <c:noMultiLvlLbl val="0"/>
       </c:catAx>
       <c:valAx>
-        <c:axId val="169825200"/>
+        <c:axId val="184266144"/>
         <c:scaling>
           <c:orientation val="minMax"/>
         </c:scaling>
@@ -586,7 +586,7 @@
         <c:majorTickMark val="out"/>
         <c:minorTickMark val="none"/>
         <c:tickLblPos val="nextTo"/>
-        <c:crossAx val="169822960"/>
+        <c:crossAx val="184265584"/>
         <c:crosses val="autoZero"/>
         <c:crossBetween val="between"/>
       </c:valAx>
@@ -774,11 +774,11 @@
           <c:showBubbleSize val="0"/>
         </c:dLbls>
         <c:gapWidth val="150"/>
-        <c:axId val="129441728"/>
-        <c:axId val="129442288"/>
+        <c:axId val="176440000"/>
+        <c:axId val="176440560"/>
       </c:barChart>
       <c:catAx>
-        <c:axId val="129441728"/>
+        <c:axId val="176440000"/>
         <c:scaling>
           <c:orientation val="minMax"/>
         </c:scaling>
@@ -788,7 +788,7 @@
         <c:majorTickMark val="out"/>
         <c:minorTickMark val="none"/>
         <c:tickLblPos val="nextTo"/>
-        <c:crossAx val="129442288"/>
+        <c:crossAx val="176440560"/>
         <c:crosses val="autoZero"/>
         <c:auto val="1"/>
         <c:lblAlgn val="ctr"/>
@@ -796,7 +796,7 @@
         <c:noMultiLvlLbl val="0"/>
       </c:catAx>
       <c:valAx>
-        <c:axId val="129442288"/>
+        <c:axId val="176440560"/>
         <c:scaling>
           <c:orientation val="minMax"/>
         </c:scaling>
@@ -807,7 +807,7 @@
         <c:majorTickMark val="out"/>
         <c:minorTickMark val="none"/>
         <c:tickLblPos val="nextTo"/>
-        <c:crossAx val="129441728"/>
+        <c:crossAx val="176440000"/>
         <c:crosses val="autoZero"/>
         <c:crossBetween val="between"/>
       </c:valAx>
@@ -10863,29 +10863,29 @@
     </dgm:pt>
   </dgm:ptLst>
   <dgm:cxnLst>
-    <dgm:cxn modelId="{AE585681-557C-40EB-9738-174611977488}" srcId="{557F11B6-A875-41F8-A922-72EE1E018BCF}" destId="{7A84AE93-83D1-4602-BAD9-2FC99966B81C}" srcOrd="0" destOrd="0" parTransId="{323A91A3-C5CC-46C6-BE4D-EA9D1DFFF9FB}" sibTransId="{AEA9D64A-071C-4305-8C6B-A9A6D81386ED}"/>
-    <dgm:cxn modelId="{F2AAFB84-9815-46DB-A3D6-784551DB20E9}" type="presOf" srcId="{38616715-CEE5-458E-85AF-47A12300D930}" destId="{8486C68B-E1FE-4F4A-8AC1-D424C5B61060}" srcOrd="1" destOrd="0" presId="urn:microsoft.com/office/officeart/2005/8/layout/radial1"/>
+    <dgm:cxn modelId="{FA4A9C9A-B56A-4147-8DC2-5ED768DC3B25}" type="presOf" srcId="{376ABBEF-F33C-42E5-88AC-AD9298F7AF50}" destId="{1A59F870-045B-4F40-8EE9-7FDA4594F604}" srcOrd="1" destOrd="0" presId="urn:microsoft.com/office/officeart/2005/8/layout/radial1"/>
+    <dgm:cxn modelId="{9305AC73-DD5F-433E-A8C1-CE15C8EF324C}" type="presOf" srcId="{7A84AE93-83D1-4602-BAD9-2FC99966B81C}" destId="{6F388D02-9212-4FC7-BE7F-0E8501BD580F}" srcOrd="0" destOrd="0" presId="urn:microsoft.com/office/officeart/2005/8/layout/radial1"/>
+    <dgm:cxn modelId="{AE86DAA3-792C-4596-8BC6-CE61AF6C400D}" srcId="{557F11B6-A875-41F8-A922-72EE1E018BCF}" destId="{4F841A9C-6BBE-40A1-BC29-BF09CF059D91}" srcOrd="1" destOrd="0" parTransId="{38616715-CEE5-458E-85AF-47A12300D930}" sibTransId="{86A48CFD-2D00-4912-B142-3DDD48434546}"/>
+    <dgm:cxn modelId="{A0EB00FF-3A91-4BDA-A739-8F37EFCDA788}" type="presOf" srcId="{2C179166-CA43-41E7-A2B8-D7EC73382C00}" destId="{267FFEDC-B65F-4FBF-86ED-70CDBC50726C}" srcOrd="0" destOrd="0" presId="urn:microsoft.com/office/officeart/2005/8/layout/radial1"/>
+    <dgm:cxn modelId="{699396F2-9627-4E2B-8747-FE44B2B610BB}" type="presOf" srcId="{376ABBEF-F33C-42E5-88AC-AD9298F7AF50}" destId="{B81E1EA6-AA8A-4377-9C80-C02F7AC390B5}" srcOrd="0" destOrd="0" presId="urn:microsoft.com/office/officeart/2005/8/layout/radial1"/>
+    <dgm:cxn modelId="{D281DE3C-5CD5-439E-8178-AE5A168ED2D2}" type="presOf" srcId="{2C4F839F-D27D-40E9-8182-F5DB37EF0715}" destId="{DE6ACD10-7421-49FF-8123-63289C498995}" srcOrd="0" destOrd="0" presId="urn:microsoft.com/office/officeart/2005/8/layout/radial1"/>
+    <dgm:cxn modelId="{C91E95BC-B858-437D-938A-888438ECC462}" type="presOf" srcId="{4F841A9C-6BBE-40A1-BC29-BF09CF059D91}" destId="{0010110D-A035-4587-A21C-A29467F5BCF5}" srcOrd="0" destOrd="0" presId="urn:microsoft.com/office/officeart/2005/8/layout/radial1"/>
+    <dgm:cxn modelId="{4A5B1E40-2830-4A14-9CB0-8E24CE9384B8}" type="presOf" srcId="{88553B9C-231B-4780-85A6-2B0C6D63B415}" destId="{AEF8F26C-71EA-4F21-8ED8-18EFC8ABF06D}" srcOrd="0" destOrd="0" presId="urn:microsoft.com/office/officeart/2005/8/layout/radial1"/>
+    <dgm:cxn modelId="{F6AE87EC-7BAB-48D1-BBF7-7E3B8DC8BD67}" type="presOf" srcId="{7A348459-4EA0-4083-BF4C-7A61BF6BDFB0}" destId="{D508D440-611E-4A99-B7EF-67F51D307F27}" srcOrd="1" destOrd="0" presId="urn:microsoft.com/office/officeart/2005/8/layout/radial1"/>
+    <dgm:cxn modelId="{5471568A-CB35-499A-9765-7C07250722D7}" type="presOf" srcId="{557F11B6-A875-41F8-A922-72EE1E018BCF}" destId="{390DFB29-A6D4-4494-A795-A2B148A8932F}" srcOrd="0" destOrd="0" presId="urn:microsoft.com/office/officeart/2005/8/layout/radial1"/>
+    <dgm:cxn modelId="{43FF44C3-0211-4E6C-82A6-58FCFFB674BC}" srcId="{557F11B6-A875-41F8-A922-72EE1E018BCF}" destId="{45DCD3F2-8FA5-410D-A5A9-CA4B3C34F76C}" srcOrd="4" destOrd="0" parTransId="{376ABBEF-F33C-42E5-88AC-AD9298F7AF50}" sibTransId="{616466BA-35B8-442D-9D1F-CFA12B5C0CA4}"/>
+    <dgm:cxn modelId="{DD4346C0-86A8-4EC4-B0AD-49B4C2883AA4}" srcId="{D33C6BF0-0481-4AEE-9E5D-F7852DAC93E8}" destId="{557F11B6-A875-41F8-A922-72EE1E018BCF}" srcOrd="0" destOrd="0" parTransId="{2921E013-5515-4894-96F9-C66F8ACED07A}" sibTransId="{DC6631D2-7E5C-4F20-9105-79E21DB9A9D8}"/>
+    <dgm:cxn modelId="{08184435-1EEF-42B0-92DC-CC3A1353363A}" type="presOf" srcId="{323A91A3-C5CC-46C6-BE4D-EA9D1DFFF9FB}" destId="{0B6605A2-2D0B-449C-9D24-98EA0C5EB1F6}" srcOrd="0" destOrd="0" presId="urn:microsoft.com/office/officeart/2005/8/layout/radial1"/>
     <dgm:cxn modelId="{E51F71C3-8616-45CA-9E4E-1AD74291C3D6}" type="presOf" srcId="{45DCD3F2-8FA5-410D-A5A9-CA4B3C34F76C}" destId="{6BB8A58C-D83B-40D8-B68A-13A308828BBD}" srcOrd="0" destOrd="0" presId="urn:microsoft.com/office/officeart/2005/8/layout/radial1"/>
-    <dgm:cxn modelId="{08184435-1EEF-42B0-92DC-CC3A1353363A}" type="presOf" srcId="{323A91A3-C5CC-46C6-BE4D-EA9D1DFFF9FB}" destId="{0B6605A2-2D0B-449C-9D24-98EA0C5EB1F6}" srcOrd="0" destOrd="0" presId="urn:microsoft.com/office/officeart/2005/8/layout/radial1"/>
-    <dgm:cxn modelId="{D281DE3C-5CD5-439E-8178-AE5A168ED2D2}" type="presOf" srcId="{2C4F839F-D27D-40E9-8182-F5DB37EF0715}" destId="{DE6ACD10-7421-49FF-8123-63289C498995}" srcOrd="0" destOrd="0" presId="urn:microsoft.com/office/officeart/2005/8/layout/radial1"/>
+    <dgm:cxn modelId="{3D85113A-3BE0-4AC8-AE88-CF68BB44E231}" srcId="{557F11B6-A875-41F8-A922-72EE1E018BCF}" destId="{2C179166-CA43-41E7-A2B8-D7EC73382C00}" srcOrd="3" destOrd="0" parTransId="{88553B9C-231B-4780-85A6-2B0C6D63B415}" sibTransId="{2EB5C036-6F7A-41FB-B5FB-B3C3D7B392F6}"/>
     <dgm:cxn modelId="{8E55DE6F-9CE6-4F78-84AF-C5DB18FAC164}" type="presOf" srcId="{323A91A3-C5CC-46C6-BE4D-EA9D1DFFF9FB}" destId="{CDDDB9CB-78A4-48F5-885A-7757B77C0DF3}" srcOrd="1" destOrd="0" presId="urn:microsoft.com/office/officeart/2005/8/layout/radial1"/>
     <dgm:cxn modelId="{A147AEC5-8EC3-46BC-B321-90377ACAA5A0}" type="presOf" srcId="{88553B9C-231B-4780-85A6-2B0C6D63B415}" destId="{2D57757A-5B65-46EB-93F4-71717AB37C81}" srcOrd="1" destOrd="0" presId="urn:microsoft.com/office/officeart/2005/8/layout/radial1"/>
-    <dgm:cxn modelId="{A0EB00FF-3A91-4BDA-A739-8F37EFCDA788}" type="presOf" srcId="{2C179166-CA43-41E7-A2B8-D7EC73382C00}" destId="{267FFEDC-B65F-4FBF-86ED-70CDBC50726C}" srcOrd="0" destOrd="0" presId="urn:microsoft.com/office/officeart/2005/8/layout/radial1"/>
     <dgm:cxn modelId="{9D76C3EF-B75F-4B8B-914C-FD6A410E0A57}" type="presOf" srcId="{D33C6BF0-0481-4AEE-9E5D-F7852DAC93E8}" destId="{ED641053-5E43-4946-BDBE-DC4CEB718CA6}" srcOrd="0" destOrd="0" presId="urn:microsoft.com/office/officeart/2005/8/layout/radial1"/>
-    <dgm:cxn modelId="{43FF44C3-0211-4E6C-82A6-58FCFFB674BC}" srcId="{557F11B6-A875-41F8-A922-72EE1E018BCF}" destId="{45DCD3F2-8FA5-410D-A5A9-CA4B3C34F76C}" srcOrd="4" destOrd="0" parTransId="{376ABBEF-F33C-42E5-88AC-AD9298F7AF50}" sibTransId="{616466BA-35B8-442D-9D1F-CFA12B5C0CA4}"/>
-    <dgm:cxn modelId="{5471568A-CB35-499A-9765-7C07250722D7}" type="presOf" srcId="{557F11B6-A875-41F8-A922-72EE1E018BCF}" destId="{390DFB29-A6D4-4494-A795-A2B148A8932F}" srcOrd="0" destOrd="0" presId="urn:microsoft.com/office/officeart/2005/8/layout/radial1"/>
-    <dgm:cxn modelId="{4A5B1E40-2830-4A14-9CB0-8E24CE9384B8}" type="presOf" srcId="{88553B9C-231B-4780-85A6-2B0C6D63B415}" destId="{AEF8F26C-71EA-4F21-8ED8-18EFC8ABF06D}" srcOrd="0" destOrd="0" presId="urn:microsoft.com/office/officeart/2005/8/layout/radial1"/>
-    <dgm:cxn modelId="{DD4346C0-86A8-4EC4-B0AD-49B4C2883AA4}" srcId="{D33C6BF0-0481-4AEE-9E5D-F7852DAC93E8}" destId="{557F11B6-A875-41F8-A922-72EE1E018BCF}" srcOrd="0" destOrd="0" parTransId="{2921E013-5515-4894-96F9-C66F8ACED07A}" sibTransId="{DC6631D2-7E5C-4F20-9105-79E21DB9A9D8}"/>
-    <dgm:cxn modelId="{C91E95BC-B858-437D-938A-888438ECC462}" type="presOf" srcId="{4F841A9C-6BBE-40A1-BC29-BF09CF059D91}" destId="{0010110D-A035-4587-A21C-A29467F5BCF5}" srcOrd="0" destOrd="0" presId="urn:microsoft.com/office/officeart/2005/8/layout/radial1"/>
+    <dgm:cxn modelId="{F2AAFB84-9815-46DB-A3D6-784551DB20E9}" type="presOf" srcId="{38616715-CEE5-458E-85AF-47A12300D930}" destId="{8486C68B-E1FE-4F4A-8AC1-D424C5B61060}" srcOrd="1" destOrd="0" presId="urn:microsoft.com/office/officeart/2005/8/layout/radial1"/>
+    <dgm:cxn modelId="{AE585681-557C-40EB-9738-174611977488}" srcId="{557F11B6-A875-41F8-A922-72EE1E018BCF}" destId="{7A84AE93-83D1-4602-BAD9-2FC99966B81C}" srcOrd="0" destOrd="0" parTransId="{323A91A3-C5CC-46C6-BE4D-EA9D1DFFF9FB}" sibTransId="{AEA9D64A-071C-4305-8C6B-A9A6D81386ED}"/>
+    <dgm:cxn modelId="{0F4F2087-107E-4C2E-9FFE-0C14E9AD2EA1}" type="presOf" srcId="{38616715-CEE5-458E-85AF-47A12300D930}" destId="{F471BEC3-EDBF-484F-AE6A-80C532D5361B}" srcOrd="0" destOrd="0" presId="urn:microsoft.com/office/officeart/2005/8/layout/radial1"/>
     <dgm:cxn modelId="{332C6E7D-7287-4F0B-AE63-397C3BF95E6D}" srcId="{557F11B6-A875-41F8-A922-72EE1E018BCF}" destId="{2C4F839F-D27D-40E9-8182-F5DB37EF0715}" srcOrd="2" destOrd="0" parTransId="{7A348459-4EA0-4083-BF4C-7A61BF6BDFB0}" sibTransId="{015DF316-594C-4859-98BA-AE1CF5AAFE56}"/>
-    <dgm:cxn modelId="{3D85113A-3BE0-4AC8-AE88-CF68BB44E231}" srcId="{557F11B6-A875-41F8-A922-72EE1E018BCF}" destId="{2C179166-CA43-41E7-A2B8-D7EC73382C00}" srcOrd="3" destOrd="0" parTransId="{88553B9C-231B-4780-85A6-2B0C6D63B415}" sibTransId="{2EB5C036-6F7A-41FB-B5FB-B3C3D7B392F6}"/>
-    <dgm:cxn modelId="{699396F2-9627-4E2B-8747-FE44B2B610BB}" type="presOf" srcId="{376ABBEF-F33C-42E5-88AC-AD9298F7AF50}" destId="{B81E1EA6-AA8A-4377-9C80-C02F7AC390B5}" srcOrd="0" destOrd="0" presId="urn:microsoft.com/office/officeart/2005/8/layout/radial1"/>
-    <dgm:cxn modelId="{AE86DAA3-792C-4596-8BC6-CE61AF6C400D}" srcId="{557F11B6-A875-41F8-A922-72EE1E018BCF}" destId="{4F841A9C-6BBE-40A1-BC29-BF09CF059D91}" srcOrd="1" destOrd="0" parTransId="{38616715-CEE5-458E-85AF-47A12300D930}" sibTransId="{86A48CFD-2D00-4912-B142-3DDD48434546}"/>
-    <dgm:cxn modelId="{0F4F2087-107E-4C2E-9FFE-0C14E9AD2EA1}" type="presOf" srcId="{38616715-CEE5-458E-85AF-47A12300D930}" destId="{F471BEC3-EDBF-484F-AE6A-80C532D5361B}" srcOrd="0" destOrd="0" presId="urn:microsoft.com/office/officeart/2005/8/layout/radial1"/>
-    <dgm:cxn modelId="{9305AC73-DD5F-433E-A8C1-CE15C8EF324C}" type="presOf" srcId="{7A84AE93-83D1-4602-BAD9-2FC99966B81C}" destId="{6F388D02-9212-4FC7-BE7F-0E8501BD580F}" srcOrd="0" destOrd="0" presId="urn:microsoft.com/office/officeart/2005/8/layout/radial1"/>
     <dgm:cxn modelId="{35A46A6E-A046-4378-B54B-331E01C50CAE}" type="presOf" srcId="{7A348459-4EA0-4083-BF4C-7A61BF6BDFB0}" destId="{CFE2593C-AF51-4351-852E-77CC51EACEDB}" srcOrd="0" destOrd="0" presId="urn:microsoft.com/office/officeart/2005/8/layout/radial1"/>
-    <dgm:cxn modelId="{F6AE87EC-7BAB-48D1-BBF7-7E3B8DC8BD67}" type="presOf" srcId="{7A348459-4EA0-4083-BF4C-7A61BF6BDFB0}" destId="{D508D440-611E-4A99-B7EF-67F51D307F27}" srcOrd="1" destOrd="0" presId="urn:microsoft.com/office/officeart/2005/8/layout/radial1"/>
-    <dgm:cxn modelId="{FA4A9C9A-B56A-4147-8DC2-5ED768DC3B25}" type="presOf" srcId="{376ABBEF-F33C-42E5-88AC-AD9298F7AF50}" destId="{1A59F870-045B-4F40-8EE9-7FDA4594F604}" srcOrd="1" destOrd="0" presId="urn:microsoft.com/office/officeart/2005/8/layout/radial1"/>
     <dgm:cxn modelId="{03BDB6E1-3265-4DF7-B6F5-EA8DCFAF2AFE}" type="presParOf" srcId="{ED641053-5E43-4946-BDBE-DC4CEB718CA6}" destId="{390DFB29-A6D4-4494-A795-A2B148A8932F}" srcOrd="0" destOrd="0" presId="urn:microsoft.com/office/officeart/2005/8/layout/radial1"/>
     <dgm:cxn modelId="{C568EF9F-6F03-4BCB-B59D-3C48EB794302}" type="presParOf" srcId="{ED641053-5E43-4946-BDBE-DC4CEB718CA6}" destId="{0B6605A2-2D0B-449C-9D24-98EA0C5EB1F6}" srcOrd="1" destOrd="0" presId="urn:microsoft.com/office/officeart/2005/8/layout/radial1"/>
     <dgm:cxn modelId="{45A13B74-2CEF-4C1B-AB79-097FFF5CDD6A}" type="presParOf" srcId="{0B6605A2-2D0B-449C-9D24-98EA0C5EB1F6}" destId="{CDDDB9CB-78A4-48F5-885A-7757B77C0DF3}" srcOrd="0" destOrd="0" presId="urn:microsoft.com/office/officeart/2005/8/layout/radial1"/>
@@ -13061,6 +13061,807 @@
       <dsp:cNvGrpSpPr/>
     </dsp:nvGrpSpPr>
     <dsp:grpSpPr/>
+    <dsp:sp modelId="{9817433F-A425-4B88-BC11-6293B8B2AD5A}">
+      <dsp:nvSpPr>
+        <dsp:cNvPr id="0" name=""/>
+        <dsp:cNvSpPr/>
+      </dsp:nvSpPr>
+      <dsp:spPr>
+        <a:xfrm>
+          <a:off x="860" y="1558"/>
+          <a:ext cx="7497628" cy="767350"/>
+        </a:xfrm>
+        <a:prstGeom prst="roundRect">
+          <a:avLst>
+            <a:gd name="adj" fmla="val 10000"/>
+          </a:avLst>
+        </a:prstGeom>
+        <a:solidFill>
+          <a:srgbClr val="4F81BD"/>
+        </a:solidFill>
+        <a:ln w="25400" cap="flat" cmpd="sng" algn="ctr">
+          <a:solidFill>
+            <a:sysClr val="window" lastClr="FFFFFF">
+              <a:hueOff val="0"/>
+              <a:satOff val="0"/>
+              <a:lumOff val="0"/>
+              <a:alphaOff val="0"/>
+            </a:sysClr>
+          </a:solidFill>
+          <a:prstDash val="solid"/>
+          <a:miter lim="800000"/>
+        </a:ln>
+        <a:effectLst/>
+      </dsp:spPr>
+      <dsp:style>
+        <a:lnRef idx="2">
+          <a:scrgbClr r="0" g="0" b="0"/>
+        </a:lnRef>
+        <a:fillRef idx="1">
+          <a:scrgbClr r="0" g="0" b="0"/>
+        </a:fillRef>
+        <a:effectRef idx="0">
+          <a:scrgbClr r="0" g="0" b="0"/>
+        </a:effectRef>
+        <a:fontRef idx="minor">
+          <a:schemeClr val="lt1"/>
+        </a:fontRef>
+      </dsp:style>
+      <dsp:txBody>
+        <a:bodyPr spcFirstLastPara="0" vert="horz" wrap="square" lIns="106680" tIns="106680" rIns="106680" bIns="106680" numCol="1" spcCol="1270" anchor="ctr" anchorCtr="0">
+          <a:noAutofit/>
+        </a:bodyPr>
+        <a:lstStyle/>
+        <a:p>
+          <a:pPr lvl="0" algn="ctr" defTabSz="1244600">
+            <a:lnSpc>
+              <a:spcPct val="90000"/>
+            </a:lnSpc>
+            <a:spcBef>
+              <a:spcPct val="0"/>
+            </a:spcBef>
+            <a:spcAft>
+              <a:spcPct val="35000"/>
+            </a:spcAft>
+          </a:pPr>
+          <a:r>
+            <a:rPr lang="en-US" sz="2800" kern="1200" dirty="0" smtClean="0">
+              <a:solidFill>
+                <a:sysClr val="window" lastClr="FFFFFF"/>
+              </a:solidFill>
+              <a:latin typeface="CMU Serif" panose="02000603000000000000" pitchFamily="2" charset="0"/>
+              <a:ea typeface="CMU Serif" panose="02000603000000000000" pitchFamily="2" charset="0"/>
+              <a:cs typeface="CMU Serif" panose="02000603000000000000" pitchFamily="2" charset="0"/>
+            </a:rPr>
+            <a:t>Bus Transport in SL</a:t>
+          </a:r>
+          <a:endParaRPr lang="en-US" sz="2800" kern="1200" dirty="0">
+            <a:solidFill>
+              <a:sysClr val="window" lastClr="FFFFFF"/>
+            </a:solidFill>
+            <a:latin typeface="CMU Serif" panose="02000603000000000000" pitchFamily="2" charset="0"/>
+            <a:ea typeface="CMU Serif" panose="02000603000000000000" pitchFamily="2" charset="0"/>
+            <a:cs typeface="CMU Serif" panose="02000603000000000000" pitchFamily="2" charset="0"/>
+          </a:endParaRPr>
+        </a:p>
+      </dsp:txBody>
+      <dsp:txXfrm>
+        <a:off x="23335" y="24033"/>
+        <a:ext cx="7452678" cy="722400"/>
+      </dsp:txXfrm>
+    </dsp:sp>
+    <dsp:sp modelId="{3B4DD705-ACAD-4DEE-9C51-D46E3A332F4E}">
+      <dsp:nvSpPr>
+        <dsp:cNvPr id="0" name=""/>
+        <dsp:cNvSpPr/>
+      </dsp:nvSpPr>
+      <dsp:spPr>
+        <a:xfrm>
+          <a:off x="860" y="876975"/>
+          <a:ext cx="2398473" cy="1235310"/>
+        </a:xfrm>
+        <a:prstGeom prst="roundRect">
+          <a:avLst>
+            <a:gd name="adj" fmla="val 10000"/>
+          </a:avLst>
+        </a:prstGeom>
+        <a:solidFill>
+          <a:srgbClr val="92D050"/>
+        </a:solidFill>
+        <a:ln w="25400" cap="flat" cmpd="sng" algn="ctr">
+          <a:solidFill>
+            <a:sysClr val="window" lastClr="FFFFFF">
+              <a:hueOff val="0"/>
+              <a:satOff val="0"/>
+              <a:lumOff val="0"/>
+              <a:alphaOff val="0"/>
+            </a:sysClr>
+          </a:solidFill>
+          <a:prstDash val="solid"/>
+          <a:miter lim="800000"/>
+        </a:ln>
+        <a:effectLst/>
+      </dsp:spPr>
+      <dsp:style>
+        <a:lnRef idx="2">
+          <a:scrgbClr r="0" g="0" b="0"/>
+        </a:lnRef>
+        <a:fillRef idx="1">
+          <a:scrgbClr r="0" g="0" b="0"/>
+        </a:fillRef>
+        <a:effectRef idx="0">
+          <a:scrgbClr r="0" g="0" b="0"/>
+        </a:effectRef>
+        <a:fontRef idx="minor">
+          <a:schemeClr val="lt1"/>
+        </a:fontRef>
+      </dsp:style>
+      <dsp:txBody>
+        <a:bodyPr spcFirstLastPara="0" vert="horz" wrap="square" lIns="106680" tIns="106680" rIns="106680" bIns="106680" numCol="1" spcCol="1270" anchor="ctr" anchorCtr="0">
+          <a:noAutofit/>
+        </a:bodyPr>
+        <a:lstStyle/>
+        <a:p>
+          <a:pPr lvl="0" algn="ctr" defTabSz="1244600">
+            <a:lnSpc>
+              <a:spcPct val="90000"/>
+            </a:lnSpc>
+            <a:spcBef>
+              <a:spcPct val="0"/>
+            </a:spcBef>
+            <a:spcAft>
+              <a:spcPct val="35000"/>
+            </a:spcAft>
+          </a:pPr>
+          <a:r>
+            <a:rPr lang="en-US" sz="2800" kern="1200" dirty="0" smtClean="0">
+              <a:solidFill>
+                <a:sysClr val="windowText" lastClr="000000"/>
+              </a:solidFill>
+              <a:latin typeface="CMU Serif" panose="02000603000000000000" pitchFamily="2" charset="0"/>
+              <a:ea typeface="CMU Serif" panose="02000603000000000000" pitchFamily="2" charset="0"/>
+              <a:cs typeface="CMU Serif" panose="02000603000000000000" pitchFamily="2" charset="0"/>
+            </a:rPr>
+            <a:t>State-Owned</a:t>
+          </a:r>
+          <a:endParaRPr lang="en-US" sz="2800" kern="1200" dirty="0">
+            <a:solidFill>
+              <a:sysClr val="windowText" lastClr="000000"/>
+            </a:solidFill>
+            <a:latin typeface="CMU Serif" panose="02000603000000000000" pitchFamily="2" charset="0"/>
+            <a:ea typeface="CMU Serif" panose="02000603000000000000" pitchFamily="2" charset="0"/>
+            <a:cs typeface="CMU Serif" panose="02000603000000000000" pitchFamily="2" charset="0"/>
+          </a:endParaRPr>
+        </a:p>
+      </dsp:txBody>
+      <dsp:txXfrm>
+        <a:off x="37041" y="913156"/>
+        <a:ext cx="2326111" cy="1162948"/>
+      </dsp:txXfrm>
+    </dsp:sp>
+    <dsp:sp modelId="{C06513B5-A425-49AE-9F21-48C3FC6D0179}">
+      <dsp:nvSpPr>
+        <dsp:cNvPr id="0" name=""/>
+        <dsp:cNvSpPr/>
+      </dsp:nvSpPr>
+      <dsp:spPr>
+        <a:xfrm>
+          <a:off x="860" y="2220353"/>
+          <a:ext cx="2398473" cy="1235310"/>
+        </a:xfrm>
+        <a:prstGeom prst="roundRect">
+          <a:avLst>
+            <a:gd name="adj" fmla="val 10000"/>
+          </a:avLst>
+        </a:prstGeom>
+        <a:solidFill>
+          <a:srgbClr val="92D050"/>
+        </a:solidFill>
+        <a:ln w="25400" cap="flat" cmpd="sng" algn="ctr">
+          <a:solidFill>
+            <a:sysClr val="window" lastClr="FFFFFF">
+              <a:hueOff val="0"/>
+              <a:satOff val="0"/>
+              <a:lumOff val="0"/>
+              <a:alphaOff val="0"/>
+            </a:sysClr>
+          </a:solidFill>
+          <a:prstDash val="solid"/>
+          <a:miter lim="800000"/>
+        </a:ln>
+        <a:effectLst/>
+      </dsp:spPr>
+      <dsp:style>
+        <a:lnRef idx="2">
+          <a:scrgbClr r="0" g="0" b="0"/>
+        </a:lnRef>
+        <a:fillRef idx="1">
+          <a:scrgbClr r="0" g="0" b="0"/>
+        </a:fillRef>
+        <a:effectRef idx="0">
+          <a:scrgbClr r="0" g="0" b="0"/>
+        </a:effectRef>
+        <a:fontRef idx="minor">
+          <a:schemeClr val="lt1"/>
+        </a:fontRef>
+      </dsp:style>
+      <dsp:txBody>
+        <a:bodyPr spcFirstLastPara="0" vert="horz" wrap="square" lIns="106680" tIns="106680" rIns="106680" bIns="106680" numCol="1" spcCol="1270" anchor="ctr" anchorCtr="0">
+          <a:noAutofit/>
+        </a:bodyPr>
+        <a:lstStyle/>
+        <a:p>
+          <a:pPr lvl="0" algn="ctr" defTabSz="1244600">
+            <a:lnSpc>
+              <a:spcPct val="90000"/>
+            </a:lnSpc>
+            <a:spcBef>
+              <a:spcPct val="0"/>
+            </a:spcBef>
+            <a:spcAft>
+              <a:spcPct val="35000"/>
+            </a:spcAft>
+          </a:pPr>
+          <a:r>
+            <a:rPr lang="en-US" sz="2800" kern="1200" dirty="0" smtClean="0">
+              <a:solidFill>
+                <a:sysClr val="windowText" lastClr="000000"/>
+              </a:solidFill>
+              <a:latin typeface="CMU Serif" panose="02000603000000000000" pitchFamily="2" charset="0"/>
+              <a:ea typeface="CMU Serif" panose="02000603000000000000" pitchFamily="2" charset="0"/>
+              <a:cs typeface="CMU Serif" panose="02000603000000000000" pitchFamily="2" charset="0"/>
+            </a:rPr>
+            <a:t>Islandwide</a:t>
+          </a:r>
+          <a:endParaRPr lang="en-US" sz="2800" kern="1200" dirty="0">
+            <a:solidFill>
+              <a:sysClr val="windowText" lastClr="000000"/>
+            </a:solidFill>
+            <a:latin typeface="CMU Serif" panose="02000603000000000000" pitchFamily="2" charset="0"/>
+            <a:ea typeface="CMU Serif" panose="02000603000000000000" pitchFamily="2" charset="0"/>
+            <a:cs typeface="CMU Serif" panose="02000603000000000000" pitchFamily="2" charset="0"/>
+          </a:endParaRPr>
+        </a:p>
+      </dsp:txBody>
+      <dsp:txXfrm>
+        <a:off x="37041" y="2256534"/>
+        <a:ext cx="2326111" cy="1162948"/>
+      </dsp:txXfrm>
+    </dsp:sp>
+    <dsp:sp modelId="{FD622AE2-9CDC-49F2-86F9-97D7FFF65CC3}">
+      <dsp:nvSpPr>
+        <dsp:cNvPr id="0" name=""/>
+        <dsp:cNvSpPr/>
+      </dsp:nvSpPr>
+      <dsp:spPr>
+        <a:xfrm>
+          <a:off x="860" y="3563730"/>
+          <a:ext cx="2398473" cy="1235310"/>
+        </a:xfrm>
+        <a:prstGeom prst="roundRect">
+          <a:avLst>
+            <a:gd name="adj" fmla="val 10000"/>
+          </a:avLst>
+        </a:prstGeom>
+        <a:solidFill>
+          <a:srgbClr val="92D050"/>
+        </a:solidFill>
+        <a:ln w="25400" cap="flat" cmpd="sng" algn="ctr">
+          <a:solidFill>
+            <a:sysClr val="window" lastClr="FFFFFF">
+              <a:hueOff val="0"/>
+              <a:satOff val="0"/>
+              <a:lumOff val="0"/>
+              <a:alphaOff val="0"/>
+            </a:sysClr>
+          </a:solidFill>
+          <a:prstDash val="solid"/>
+          <a:miter lim="800000"/>
+        </a:ln>
+        <a:effectLst/>
+      </dsp:spPr>
+      <dsp:style>
+        <a:lnRef idx="2">
+          <a:scrgbClr r="0" g="0" b="0"/>
+        </a:lnRef>
+        <a:fillRef idx="1">
+          <a:scrgbClr r="0" g="0" b="0"/>
+        </a:fillRef>
+        <a:effectRef idx="0">
+          <a:scrgbClr r="0" g="0" b="0"/>
+        </a:effectRef>
+        <a:fontRef idx="minor">
+          <a:schemeClr val="lt1"/>
+        </a:fontRef>
+      </dsp:style>
+      <dsp:txBody>
+        <a:bodyPr spcFirstLastPara="0" vert="horz" wrap="square" lIns="106680" tIns="106680" rIns="106680" bIns="106680" numCol="1" spcCol="1270" anchor="ctr" anchorCtr="0">
+          <a:noAutofit/>
+        </a:bodyPr>
+        <a:lstStyle/>
+        <a:p>
+          <a:pPr lvl="0" algn="ctr" defTabSz="1244600">
+            <a:lnSpc>
+              <a:spcPct val="90000"/>
+            </a:lnSpc>
+            <a:spcBef>
+              <a:spcPct val="0"/>
+            </a:spcBef>
+            <a:spcAft>
+              <a:spcPct val="35000"/>
+            </a:spcAft>
+          </a:pPr>
+          <a:r>
+            <a:rPr lang="en-US" sz="2800" kern="1200" dirty="0" smtClean="0">
+              <a:solidFill>
+                <a:sysClr val="windowText" lastClr="000000"/>
+              </a:solidFill>
+              <a:latin typeface="CMU Serif" panose="02000603000000000000" pitchFamily="2" charset="0"/>
+              <a:ea typeface="CMU Serif" panose="02000603000000000000" pitchFamily="2" charset="0"/>
+              <a:cs typeface="CMU Serif" panose="02000603000000000000" pitchFamily="2" charset="0"/>
+            </a:rPr>
+            <a:t>SLTB</a:t>
+          </a:r>
+          <a:endParaRPr lang="en-US" sz="2800" kern="1200" dirty="0">
+            <a:solidFill>
+              <a:sysClr val="windowText" lastClr="000000"/>
+            </a:solidFill>
+            <a:latin typeface="CMU Serif" panose="02000603000000000000" pitchFamily="2" charset="0"/>
+            <a:ea typeface="CMU Serif" panose="02000603000000000000" pitchFamily="2" charset="0"/>
+            <a:cs typeface="CMU Serif" panose="02000603000000000000" pitchFamily="2" charset="0"/>
+          </a:endParaRPr>
+        </a:p>
+      </dsp:txBody>
+      <dsp:txXfrm>
+        <a:off x="37041" y="3599911"/>
+        <a:ext cx="2326111" cy="1162948"/>
+      </dsp:txXfrm>
+    </dsp:sp>
+    <dsp:sp modelId="{A024A686-26C6-4CD9-B119-B97D51F0EED4}">
+      <dsp:nvSpPr>
+        <dsp:cNvPr id="0" name=""/>
+        <dsp:cNvSpPr/>
+      </dsp:nvSpPr>
+      <dsp:spPr>
+        <a:xfrm>
+          <a:off x="2600806" y="876975"/>
+          <a:ext cx="4897683" cy="1235310"/>
+        </a:xfrm>
+        <a:prstGeom prst="roundRect">
+          <a:avLst>
+            <a:gd name="adj" fmla="val 10000"/>
+          </a:avLst>
+        </a:prstGeom>
+        <a:solidFill>
+          <a:srgbClr val="C0504D"/>
+        </a:solidFill>
+        <a:ln w="25400" cap="flat" cmpd="sng" algn="ctr">
+          <a:solidFill>
+            <a:sysClr val="window" lastClr="FFFFFF">
+              <a:hueOff val="0"/>
+              <a:satOff val="0"/>
+              <a:lumOff val="0"/>
+              <a:alphaOff val="0"/>
+            </a:sysClr>
+          </a:solidFill>
+          <a:prstDash val="solid"/>
+          <a:miter lim="800000"/>
+        </a:ln>
+        <a:effectLst/>
+      </dsp:spPr>
+      <dsp:style>
+        <a:lnRef idx="2">
+          <a:scrgbClr r="0" g="0" b="0"/>
+        </a:lnRef>
+        <a:fillRef idx="1">
+          <a:scrgbClr r="0" g="0" b="0"/>
+        </a:fillRef>
+        <a:effectRef idx="0">
+          <a:scrgbClr r="0" g="0" b="0"/>
+        </a:effectRef>
+        <a:fontRef idx="minor">
+          <a:schemeClr val="lt1"/>
+        </a:fontRef>
+      </dsp:style>
+      <dsp:txBody>
+        <a:bodyPr spcFirstLastPara="0" vert="horz" wrap="square" lIns="106680" tIns="106680" rIns="106680" bIns="106680" numCol="1" spcCol="1270" anchor="ctr" anchorCtr="0">
+          <a:noAutofit/>
+        </a:bodyPr>
+        <a:lstStyle/>
+        <a:p>
+          <a:pPr lvl="0" algn="ctr" defTabSz="1244600">
+            <a:lnSpc>
+              <a:spcPct val="90000"/>
+            </a:lnSpc>
+            <a:spcBef>
+              <a:spcPct val="0"/>
+            </a:spcBef>
+            <a:spcAft>
+              <a:spcPct val="35000"/>
+            </a:spcAft>
+          </a:pPr>
+          <a:r>
+            <a:rPr lang="en-US" sz="2800" kern="1200" dirty="0" smtClean="0">
+              <a:solidFill>
+                <a:sysClr val="window" lastClr="FFFFFF"/>
+              </a:solidFill>
+              <a:latin typeface="CMU Serif" panose="02000603000000000000" pitchFamily="2" charset="0"/>
+              <a:ea typeface="CMU Serif" panose="02000603000000000000" pitchFamily="2" charset="0"/>
+              <a:cs typeface="CMU Serif" panose="02000603000000000000" pitchFamily="2" charset="0"/>
+            </a:rPr>
+            <a:t>Privately-Owned</a:t>
+          </a:r>
+          <a:endParaRPr lang="en-US" sz="2800" kern="1200" dirty="0">
+            <a:solidFill>
+              <a:sysClr val="window" lastClr="FFFFFF"/>
+            </a:solidFill>
+            <a:latin typeface="CMU Serif" panose="02000603000000000000" pitchFamily="2" charset="0"/>
+            <a:ea typeface="CMU Serif" panose="02000603000000000000" pitchFamily="2" charset="0"/>
+            <a:cs typeface="CMU Serif" panose="02000603000000000000" pitchFamily="2" charset="0"/>
+          </a:endParaRPr>
+        </a:p>
+      </dsp:txBody>
+      <dsp:txXfrm>
+        <a:off x="2636987" y="913156"/>
+        <a:ext cx="4825321" cy="1162948"/>
+      </dsp:txXfrm>
+    </dsp:sp>
+    <dsp:sp modelId="{67C3DA5D-4E32-4DEC-A233-48E1BC6A8099}">
+      <dsp:nvSpPr>
+        <dsp:cNvPr id="0" name=""/>
+        <dsp:cNvSpPr/>
+      </dsp:nvSpPr>
+      <dsp:spPr>
+        <a:xfrm>
+          <a:off x="2600806" y="2220353"/>
+          <a:ext cx="2398473" cy="1235310"/>
+        </a:xfrm>
+        <a:prstGeom prst="roundRect">
+          <a:avLst>
+            <a:gd name="adj" fmla="val 10000"/>
+          </a:avLst>
+        </a:prstGeom>
+        <a:solidFill>
+          <a:srgbClr val="C0504D"/>
+        </a:solidFill>
+        <a:ln w="25400" cap="flat" cmpd="sng" algn="ctr">
+          <a:solidFill>
+            <a:sysClr val="window" lastClr="FFFFFF">
+              <a:hueOff val="0"/>
+              <a:satOff val="0"/>
+              <a:lumOff val="0"/>
+              <a:alphaOff val="0"/>
+            </a:sysClr>
+          </a:solidFill>
+          <a:prstDash val="solid"/>
+          <a:miter lim="800000"/>
+        </a:ln>
+        <a:effectLst/>
+      </dsp:spPr>
+      <dsp:style>
+        <a:lnRef idx="2">
+          <a:scrgbClr r="0" g="0" b="0"/>
+        </a:lnRef>
+        <a:fillRef idx="1">
+          <a:scrgbClr r="0" g="0" b="0"/>
+        </a:fillRef>
+        <a:effectRef idx="0">
+          <a:scrgbClr r="0" g="0" b="0"/>
+        </a:effectRef>
+        <a:fontRef idx="minor">
+          <a:schemeClr val="lt1"/>
+        </a:fontRef>
+      </dsp:style>
+      <dsp:txBody>
+        <a:bodyPr spcFirstLastPara="0" vert="horz" wrap="square" lIns="106680" tIns="106680" rIns="106680" bIns="106680" numCol="1" spcCol="1270" anchor="ctr" anchorCtr="0">
+          <a:noAutofit/>
+        </a:bodyPr>
+        <a:lstStyle/>
+        <a:p>
+          <a:pPr lvl="0" algn="ctr" defTabSz="1244600">
+            <a:lnSpc>
+              <a:spcPct val="90000"/>
+            </a:lnSpc>
+            <a:spcBef>
+              <a:spcPct val="0"/>
+            </a:spcBef>
+            <a:spcAft>
+              <a:spcPct val="35000"/>
+            </a:spcAft>
+          </a:pPr>
+          <a:r>
+            <a:rPr lang="en-US" sz="2800" kern="1200" dirty="0" smtClean="0">
+              <a:solidFill>
+                <a:sysClr val="window" lastClr="FFFFFF"/>
+              </a:solidFill>
+              <a:latin typeface="CMU Serif" panose="02000603000000000000" pitchFamily="2" charset="0"/>
+              <a:ea typeface="CMU Serif" panose="02000603000000000000" pitchFamily="2" charset="0"/>
+              <a:cs typeface="CMU Serif" panose="02000603000000000000" pitchFamily="2" charset="0"/>
+            </a:rPr>
+            <a:t>Inter-Provincial</a:t>
+          </a:r>
+          <a:endParaRPr lang="en-US" sz="2800" kern="1200" dirty="0">
+            <a:solidFill>
+              <a:sysClr val="window" lastClr="FFFFFF"/>
+            </a:solidFill>
+            <a:latin typeface="CMU Serif" panose="02000603000000000000" pitchFamily="2" charset="0"/>
+            <a:ea typeface="CMU Serif" panose="02000603000000000000" pitchFamily="2" charset="0"/>
+            <a:cs typeface="CMU Serif" panose="02000603000000000000" pitchFamily="2" charset="0"/>
+          </a:endParaRPr>
+        </a:p>
+      </dsp:txBody>
+      <dsp:txXfrm>
+        <a:off x="2636987" y="2256534"/>
+        <a:ext cx="2326111" cy="1162948"/>
+      </dsp:txXfrm>
+    </dsp:sp>
+    <dsp:sp modelId="{6C2E4446-E1FD-4B39-A789-5E18F8C4DE44}">
+      <dsp:nvSpPr>
+        <dsp:cNvPr id="0" name=""/>
+        <dsp:cNvSpPr/>
+      </dsp:nvSpPr>
+      <dsp:spPr>
+        <a:xfrm>
+          <a:off x="2600806" y="3563730"/>
+          <a:ext cx="2398473" cy="1235310"/>
+        </a:xfrm>
+        <a:prstGeom prst="roundRect">
+          <a:avLst>
+            <a:gd name="adj" fmla="val 10000"/>
+          </a:avLst>
+        </a:prstGeom>
+        <a:solidFill>
+          <a:srgbClr val="C0504D"/>
+        </a:solidFill>
+        <a:ln w="25400" cap="flat" cmpd="sng" algn="ctr">
+          <a:solidFill>
+            <a:sysClr val="window" lastClr="FFFFFF">
+              <a:hueOff val="0"/>
+              <a:satOff val="0"/>
+              <a:lumOff val="0"/>
+              <a:alphaOff val="0"/>
+            </a:sysClr>
+          </a:solidFill>
+          <a:prstDash val="solid"/>
+          <a:miter lim="800000"/>
+        </a:ln>
+        <a:effectLst/>
+      </dsp:spPr>
+      <dsp:style>
+        <a:lnRef idx="2">
+          <a:scrgbClr r="0" g="0" b="0"/>
+        </a:lnRef>
+        <a:fillRef idx="1">
+          <a:scrgbClr r="0" g="0" b="0"/>
+        </a:fillRef>
+        <a:effectRef idx="0">
+          <a:scrgbClr r="0" g="0" b="0"/>
+        </a:effectRef>
+        <a:fontRef idx="minor">
+          <a:schemeClr val="lt1"/>
+        </a:fontRef>
+      </dsp:style>
+      <dsp:txBody>
+        <a:bodyPr spcFirstLastPara="0" vert="horz" wrap="square" lIns="106680" tIns="106680" rIns="106680" bIns="106680" numCol="1" spcCol="1270" anchor="ctr" anchorCtr="0">
+          <a:noAutofit/>
+        </a:bodyPr>
+        <a:lstStyle/>
+        <a:p>
+          <a:pPr lvl="0" algn="ctr" defTabSz="1244600">
+            <a:lnSpc>
+              <a:spcPct val="90000"/>
+            </a:lnSpc>
+            <a:spcBef>
+              <a:spcPct val="0"/>
+            </a:spcBef>
+            <a:spcAft>
+              <a:spcPct val="35000"/>
+            </a:spcAft>
+          </a:pPr>
+          <a:r>
+            <a:rPr lang="en-US" sz="2800" kern="1200" dirty="0" smtClean="0">
+              <a:solidFill>
+                <a:sysClr val="window" lastClr="FFFFFF"/>
+              </a:solidFill>
+              <a:latin typeface="CMU Serif" panose="02000603000000000000" pitchFamily="2" charset="0"/>
+              <a:ea typeface="CMU Serif" panose="02000603000000000000" pitchFamily="2" charset="0"/>
+              <a:cs typeface="CMU Serif" panose="02000603000000000000" pitchFamily="2" charset="0"/>
+            </a:rPr>
+            <a:t>NTC</a:t>
+          </a:r>
+          <a:endParaRPr lang="en-US" sz="2800" kern="1200" dirty="0">
+            <a:solidFill>
+              <a:sysClr val="window" lastClr="FFFFFF"/>
+            </a:solidFill>
+            <a:latin typeface="CMU Serif" panose="02000603000000000000" pitchFamily="2" charset="0"/>
+            <a:ea typeface="CMU Serif" panose="02000603000000000000" pitchFamily="2" charset="0"/>
+            <a:cs typeface="CMU Serif" panose="02000603000000000000" pitchFamily="2" charset="0"/>
+          </a:endParaRPr>
+        </a:p>
+      </dsp:txBody>
+      <dsp:txXfrm>
+        <a:off x="2636987" y="3599911"/>
+        <a:ext cx="2326111" cy="1162948"/>
+      </dsp:txXfrm>
+    </dsp:sp>
+    <dsp:sp modelId="{BEB26925-EFC9-422D-A155-A0A6C983FEE4}">
+      <dsp:nvSpPr>
+        <dsp:cNvPr id="0" name=""/>
+        <dsp:cNvSpPr/>
+      </dsp:nvSpPr>
+      <dsp:spPr>
+        <a:xfrm>
+          <a:off x="5100015" y="2220353"/>
+          <a:ext cx="2398473" cy="1235310"/>
+        </a:xfrm>
+        <a:prstGeom prst="roundRect">
+          <a:avLst>
+            <a:gd name="adj" fmla="val 10000"/>
+          </a:avLst>
+        </a:prstGeom>
+        <a:solidFill>
+          <a:srgbClr val="C0504D"/>
+        </a:solidFill>
+        <a:ln w="25400" cap="flat" cmpd="sng" algn="ctr">
+          <a:solidFill>
+            <a:sysClr val="window" lastClr="FFFFFF">
+              <a:hueOff val="0"/>
+              <a:satOff val="0"/>
+              <a:lumOff val="0"/>
+              <a:alphaOff val="0"/>
+            </a:sysClr>
+          </a:solidFill>
+          <a:prstDash val="solid"/>
+          <a:miter lim="800000"/>
+        </a:ln>
+        <a:effectLst/>
+      </dsp:spPr>
+      <dsp:style>
+        <a:lnRef idx="2">
+          <a:scrgbClr r="0" g="0" b="0"/>
+        </a:lnRef>
+        <a:fillRef idx="1">
+          <a:scrgbClr r="0" g="0" b="0"/>
+        </a:fillRef>
+        <a:effectRef idx="0">
+          <a:scrgbClr r="0" g="0" b="0"/>
+        </a:effectRef>
+        <a:fontRef idx="minor">
+          <a:schemeClr val="lt1"/>
+        </a:fontRef>
+      </dsp:style>
+      <dsp:txBody>
+        <a:bodyPr spcFirstLastPara="0" vert="horz" wrap="square" lIns="106680" tIns="106680" rIns="106680" bIns="106680" numCol="1" spcCol="1270" anchor="ctr" anchorCtr="0">
+          <a:noAutofit/>
+        </a:bodyPr>
+        <a:lstStyle/>
+        <a:p>
+          <a:pPr lvl="0" algn="ctr" defTabSz="1244600">
+            <a:lnSpc>
+              <a:spcPct val="90000"/>
+            </a:lnSpc>
+            <a:spcBef>
+              <a:spcPct val="0"/>
+            </a:spcBef>
+            <a:spcAft>
+              <a:spcPct val="35000"/>
+            </a:spcAft>
+          </a:pPr>
+          <a:r>
+            <a:rPr lang="en-US" sz="2800" kern="1200" dirty="0" smtClean="0">
+              <a:solidFill>
+                <a:sysClr val="window" lastClr="FFFFFF"/>
+              </a:solidFill>
+              <a:latin typeface="CMU Serif" panose="02000603000000000000" pitchFamily="2" charset="0"/>
+              <a:ea typeface="CMU Serif" panose="02000603000000000000" pitchFamily="2" charset="0"/>
+              <a:cs typeface="CMU Serif" panose="02000603000000000000" pitchFamily="2" charset="0"/>
+            </a:rPr>
+            <a:t>Intra-Provincial</a:t>
+          </a:r>
+          <a:endParaRPr lang="en-US" sz="2800" kern="1200" dirty="0">
+            <a:solidFill>
+              <a:sysClr val="window" lastClr="FFFFFF"/>
+            </a:solidFill>
+            <a:latin typeface="CMU Serif" panose="02000603000000000000" pitchFamily="2" charset="0"/>
+            <a:ea typeface="CMU Serif" panose="02000603000000000000" pitchFamily="2" charset="0"/>
+            <a:cs typeface="CMU Serif" panose="02000603000000000000" pitchFamily="2" charset="0"/>
+          </a:endParaRPr>
+        </a:p>
+      </dsp:txBody>
+      <dsp:txXfrm>
+        <a:off x="5136196" y="2256534"/>
+        <a:ext cx="2326111" cy="1162948"/>
+      </dsp:txXfrm>
+    </dsp:sp>
+    <dsp:sp modelId="{BE0D5A9F-1897-431A-BACD-71C5447A2A37}">
+      <dsp:nvSpPr>
+        <dsp:cNvPr id="0" name=""/>
+        <dsp:cNvSpPr/>
+      </dsp:nvSpPr>
+      <dsp:spPr>
+        <a:xfrm>
+          <a:off x="5100015" y="3563730"/>
+          <a:ext cx="2398473" cy="1235310"/>
+        </a:xfrm>
+        <a:prstGeom prst="roundRect">
+          <a:avLst>
+            <a:gd name="adj" fmla="val 10000"/>
+          </a:avLst>
+        </a:prstGeom>
+        <a:solidFill>
+          <a:srgbClr val="C0504D"/>
+        </a:solidFill>
+        <a:ln w="25400" cap="flat" cmpd="sng" algn="ctr">
+          <a:solidFill>
+            <a:sysClr val="window" lastClr="FFFFFF">
+              <a:hueOff val="0"/>
+              <a:satOff val="0"/>
+              <a:lumOff val="0"/>
+              <a:alphaOff val="0"/>
+            </a:sysClr>
+          </a:solidFill>
+          <a:prstDash val="solid"/>
+          <a:miter lim="800000"/>
+        </a:ln>
+        <a:effectLst/>
+      </dsp:spPr>
+      <dsp:style>
+        <a:lnRef idx="2">
+          <a:scrgbClr r="0" g="0" b="0"/>
+        </a:lnRef>
+        <a:fillRef idx="1">
+          <a:scrgbClr r="0" g="0" b="0"/>
+        </a:fillRef>
+        <a:effectRef idx="0">
+          <a:scrgbClr r="0" g="0" b="0"/>
+        </a:effectRef>
+        <a:fontRef idx="minor">
+          <a:schemeClr val="lt1"/>
+        </a:fontRef>
+      </dsp:style>
+      <dsp:txBody>
+        <a:bodyPr spcFirstLastPara="0" vert="horz" wrap="square" lIns="106680" tIns="106680" rIns="106680" bIns="106680" numCol="1" spcCol="1270" anchor="ctr" anchorCtr="0">
+          <a:noAutofit/>
+        </a:bodyPr>
+        <a:lstStyle/>
+        <a:p>
+          <a:pPr lvl="0" algn="ctr" defTabSz="1244600">
+            <a:lnSpc>
+              <a:spcPct val="90000"/>
+            </a:lnSpc>
+            <a:spcBef>
+              <a:spcPct val="0"/>
+            </a:spcBef>
+            <a:spcAft>
+              <a:spcPct val="35000"/>
+            </a:spcAft>
+          </a:pPr>
+          <a:r>
+            <a:rPr lang="en-US" sz="2800" kern="1200" dirty="0" smtClean="0">
+              <a:solidFill>
+                <a:sysClr val="window" lastClr="FFFFFF"/>
+              </a:solidFill>
+              <a:latin typeface="CMU Serif" panose="02000603000000000000" pitchFamily="2" charset="0"/>
+              <a:ea typeface="CMU Serif" panose="02000603000000000000" pitchFamily="2" charset="0"/>
+              <a:cs typeface="CMU Serif" panose="02000603000000000000" pitchFamily="2" charset="0"/>
+            </a:rPr>
+            <a:t>RPTA - WP</a:t>
+          </a:r>
+          <a:endParaRPr lang="en-US" sz="2800" kern="1200" dirty="0">
+            <a:solidFill>
+              <a:sysClr val="window" lastClr="FFFFFF"/>
+            </a:solidFill>
+            <a:latin typeface="CMU Serif" panose="02000603000000000000" pitchFamily="2" charset="0"/>
+            <a:ea typeface="CMU Serif" panose="02000603000000000000" pitchFamily="2" charset="0"/>
+            <a:cs typeface="CMU Serif" panose="02000603000000000000" pitchFamily="2" charset="0"/>
+          </a:endParaRPr>
+        </a:p>
+      </dsp:txBody>
+      <dsp:txXfrm>
+        <a:off x="5136196" y="3599911"/>
+        <a:ext cx="2326111" cy="1162948"/>
+      </dsp:txXfrm>
+    </dsp:sp>
   </dsp:spTree>
 </dsp:drawing>
 </file>
@@ -18650,7 +19451,7 @@
             <a:fld id="{3067FCAC-D8DF-4263-B942-EF35631CB3EC}" type="datetimeFigureOut">
               <a:rPr lang="en-US" smtClean="0"/>
               <a:pPr/>
-              <a:t>11/26/2013</a:t>
+              <a:t>11/27/2013</a:t>
             </a:fld>
             <a:endParaRPr lang="en-US"/>
           </a:p>
@@ -18822,7 +19623,7 @@
             <a:fld id="{3067FCAC-D8DF-4263-B942-EF35631CB3EC}" type="datetimeFigureOut">
               <a:rPr lang="en-US" smtClean="0"/>
               <a:pPr/>
-              <a:t>11/26/2013</a:t>
+              <a:t>11/27/2013</a:t>
             </a:fld>
             <a:endParaRPr lang="en-US"/>
           </a:p>
@@ -19004,7 +19805,7 @@
             <a:fld id="{3067FCAC-D8DF-4263-B942-EF35631CB3EC}" type="datetimeFigureOut">
               <a:rPr lang="en-US" smtClean="0"/>
               <a:pPr/>
-              <a:t>11/26/2013</a:t>
+              <a:t>11/27/2013</a:t>
             </a:fld>
             <a:endParaRPr lang="en-US"/>
           </a:p>
@@ -19176,7 +19977,7 @@
             <a:fld id="{3067FCAC-D8DF-4263-B942-EF35631CB3EC}" type="datetimeFigureOut">
               <a:rPr lang="en-US" smtClean="0"/>
               <a:pPr/>
-              <a:t>11/26/2013</a:t>
+              <a:t>11/27/2013</a:t>
             </a:fld>
             <a:endParaRPr lang="en-US"/>
           </a:p>
@@ -19424,7 +20225,7 @@
             <a:fld id="{3067FCAC-D8DF-4263-B942-EF35631CB3EC}" type="datetimeFigureOut">
               <a:rPr lang="en-US" smtClean="0"/>
               <a:pPr/>
-              <a:t>11/26/2013</a:t>
+              <a:t>11/27/2013</a:t>
             </a:fld>
             <a:endParaRPr lang="en-US"/>
           </a:p>
@@ -19658,7 +20459,7 @@
             <a:fld id="{3067FCAC-D8DF-4263-B942-EF35631CB3EC}" type="datetimeFigureOut">
               <a:rPr lang="en-US" smtClean="0"/>
               <a:pPr/>
-              <a:t>11/26/2013</a:t>
+              <a:t>11/27/2013</a:t>
             </a:fld>
             <a:endParaRPr lang="en-US"/>
           </a:p>
@@ -20027,7 +20828,7 @@
             <a:fld id="{3067FCAC-D8DF-4263-B942-EF35631CB3EC}" type="datetimeFigureOut">
               <a:rPr lang="en-US" smtClean="0"/>
               <a:pPr/>
-              <a:t>11/26/2013</a:t>
+              <a:t>11/27/2013</a:t>
             </a:fld>
             <a:endParaRPr lang="en-US"/>
           </a:p>
@@ -20147,7 +20948,7 @@
             <a:fld id="{3067FCAC-D8DF-4263-B942-EF35631CB3EC}" type="datetimeFigureOut">
               <a:rPr lang="en-US" smtClean="0"/>
               <a:pPr/>
-              <a:t>11/26/2013</a:t>
+              <a:t>11/27/2013</a:t>
             </a:fld>
             <a:endParaRPr lang="en-US"/>
           </a:p>
@@ -20244,7 +21045,7 @@
             <a:fld id="{3067FCAC-D8DF-4263-B942-EF35631CB3EC}" type="datetimeFigureOut">
               <a:rPr lang="en-US" smtClean="0"/>
               <a:pPr/>
-              <a:t>11/26/2013</a:t>
+              <a:t>11/27/2013</a:t>
             </a:fld>
             <a:endParaRPr lang="en-US"/>
           </a:p>
@@ -20523,7 +21324,7 @@
             <a:fld id="{3067FCAC-D8DF-4263-B942-EF35631CB3EC}" type="datetimeFigureOut">
               <a:rPr lang="en-US" smtClean="0"/>
               <a:pPr/>
-              <a:t>11/26/2013</a:t>
+              <a:t>11/27/2013</a:t>
             </a:fld>
             <a:endParaRPr lang="en-US"/>
           </a:p>
@@ -20778,7 +21579,7 @@
             <a:fld id="{3067FCAC-D8DF-4263-B942-EF35631CB3EC}" type="datetimeFigureOut">
               <a:rPr lang="en-US" smtClean="0"/>
               <a:pPr/>
-              <a:t>11/26/2013</a:t>
+              <a:t>11/27/2013</a:t>
             </a:fld>
             <a:endParaRPr lang="en-US"/>
           </a:p>
@@ -20993,7 +21794,7 @@
             <a:fld id="{3067FCAC-D8DF-4263-B942-EF35631CB3EC}" type="datetimeFigureOut">
               <a:rPr lang="en-US" smtClean="0"/>
               <a:pPr/>
-              <a:t>11/26/2013</a:t>
+              <a:t>11/27/2013</a:t>
             </a:fld>
             <a:endParaRPr lang="en-US"/>
           </a:p>
@@ -21401,16 +22202,16 @@
       </p:grpSpPr>
       <p:grpSp>
         <p:nvGrpSpPr>
-          <p:cNvPr id="3" name="Group 2"/>
+          <p:cNvPr id="126" name="Group 125"/>
           <p:cNvGrpSpPr/>
           <p:nvPr/>
         </p:nvGrpSpPr>
         <p:grpSpPr>
           <a:xfrm>
-            <a:off x="2881570" y="357469"/>
-            <a:ext cx="6428860" cy="6143063"/>
-            <a:chOff x="2881570" y="357469"/>
-            <a:chExt cx="6428860" cy="6143063"/>
+            <a:off x="1676051" y="618301"/>
+            <a:ext cx="8839898" cy="5621398"/>
+            <a:chOff x="2437702" y="619467"/>
+            <a:chExt cx="8839898" cy="5621398"/>
           </a:xfrm>
         </p:grpSpPr>
         <p:cxnSp>
@@ -21424,8 +22225,8 @@
           </p:nvCxnSpPr>
           <p:spPr>
             <a:xfrm>
-              <a:off x="6883039" y="2635582"/>
-              <a:ext cx="478251" cy="0"/>
+              <a:off x="4037612" y="3430166"/>
+              <a:ext cx="991239" cy="13"/>
             </a:xfrm>
             <a:prstGeom prst="straightConnector1">
               <a:avLst/>
@@ -21460,44 +22261,8 @@
           </p:nvCxnSpPr>
           <p:spPr>
             <a:xfrm>
-              <a:off x="8161245" y="1492407"/>
-              <a:ext cx="0" cy="710688"/>
-            </a:xfrm>
-            <a:prstGeom prst="straightConnector1">
-              <a:avLst/>
-            </a:prstGeom>
-            <a:ln w="25400" cap="rnd">
-              <a:tailEnd type="triangle" w="lg" len="med"/>
-            </a:ln>
-          </p:spPr>
-          <p:style>
-            <a:lnRef idx="1">
-              <a:schemeClr val="accent1"/>
-            </a:lnRef>
-            <a:fillRef idx="0">
-              <a:schemeClr val="accent1"/>
-            </a:fillRef>
-            <a:effectRef idx="0">
-              <a:schemeClr val="accent1"/>
-            </a:effectRef>
-            <a:fontRef idx="minor">
-              <a:schemeClr val="tx1"/>
-            </a:fontRef>
-          </p:style>
-        </p:cxnSp>
-        <p:cxnSp>
-          <p:nvCxnSpPr>
-            <p:cNvPr id="29" name="Straight Arrow Connector 28"/>
-            <p:cNvCxnSpPr>
-              <a:stCxn id="4" idx="3"/>
-              <a:endCxn id="6" idx="1"/>
-            </p:cNvCxnSpPr>
-            <p:nvPr/>
-          </p:nvCxnSpPr>
-          <p:spPr>
-            <a:xfrm>
-              <a:off x="4804878" y="2635580"/>
-              <a:ext cx="478251" cy="2"/>
+              <a:off x="5828806" y="1484443"/>
+              <a:ext cx="0" cy="717770"/>
             </a:xfrm>
             <a:prstGeom prst="straightConnector1">
               <a:avLst/>
@@ -21531,9 +22296,9 @@
             <p:nvPr/>
           </p:nvCxnSpPr>
           <p:spPr>
-            <a:xfrm flipV="1">
-              <a:off x="6899513" y="1059921"/>
-              <a:ext cx="461777" cy="1680"/>
+            <a:xfrm>
+              <a:off x="4037612" y="1051954"/>
+              <a:ext cx="991239" cy="3"/>
             </a:xfrm>
             <a:prstGeom prst="straightConnector1">
               <a:avLst/>
@@ -21557,397 +22322,349 @@
             </a:fontRef>
           </p:style>
         </p:cxnSp>
-        <p:cxnSp>
-          <p:nvCxnSpPr>
-            <p:cNvPr id="61" name="Elbow Connector 60"/>
-            <p:cNvCxnSpPr>
-              <a:stCxn id="8" idx="1"/>
-              <a:endCxn id="45" idx="2"/>
-            </p:cNvCxnSpPr>
+        <p:sp>
+          <p:nvSpPr>
+            <p:cNvPr id="9" name="Flowchart: Alternate Process 8"/>
+            <p:cNvSpPr/>
             <p:nvPr/>
-          </p:nvCxnSpPr>
+          </p:nvSpPr>
           <p:spPr>
-            <a:xfrm rot="10800000">
-              <a:off x="4004924" y="4639611"/>
-              <a:ext cx="3356366" cy="1158471"/>
+            <a:xfrm>
+              <a:off x="5028851" y="619470"/>
+              <a:ext cx="1599910" cy="864973"/>
             </a:xfrm>
-            <a:prstGeom prst="bentConnector2">
+            <a:prstGeom prst="flowChartAlternateProcess">
               <a:avLst/>
             </a:prstGeom>
-            <a:ln w="25400">
-              <a:tailEnd type="triangle" w="lg" len="med"/>
-            </a:ln>
+            <a:noFill/>
           </p:spPr>
           <p:style>
-            <a:lnRef idx="1">
-              <a:schemeClr val="accent1"/>
+            <a:lnRef idx="2">
+              <a:schemeClr val="accent1">
+                <a:shade val="50000"/>
+              </a:schemeClr>
             </a:lnRef>
-            <a:fillRef idx="0">
+            <a:fillRef idx="1">
               <a:schemeClr val="accent1"/>
             </a:fillRef>
             <a:effectRef idx="0">
               <a:schemeClr val="accent1"/>
             </a:effectRef>
             <a:fontRef idx="minor">
-              <a:schemeClr val="tx1"/>
+              <a:schemeClr val="lt1"/>
             </a:fontRef>
           </p:style>
-        </p:cxnSp>
-        <p:cxnSp>
-          <p:nvCxnSpPr>
-            <p:cNvPr id="79" name="Elbow Connector 78"/>
-            <p:cNvCxnSpPr>
-              <a:stCxn id="5" idx="3"/>
-              <a:endCxn id="8" idx="3"/>
-            </p:cNvCxnSpPr>
+          <p:txBody>
+            <a:bodyPr rtlCol="0" anchor="ctr"/>
+            <a:lstStyle/>
+            <a:p>
+              <a:pPr algn="ctr"/>
+              <a:r>
+                <a:rPr lang="en-US" sz="1200" dirty="0" smtClean="0">
+                  <a:solidFill>
+                    <a:schemeClr val="tx1"/>
+                  </a:solidFill>
+                  <a:latin typeface="CMU Serif" panose="02000603000000000000" pitchFamily="2" charset="0"/>
+                  <a:ea typeface="CMU Serif" panose="02000603000000000000" pitchFamily="2" charset="0"/>
+                  <a:cs typeface="CMU Serif" panose="02000603000000000000" pitchFamily="2" charset="0"/>
+                </a:rPr>
+                <a:t>Schedule Generation Module</a:t>
+              </a:r>
+              <a:endParaRPr lang="en-US" sz="1200" dirty="0">
+                <a:solidFill>
+                  <a:schemeClr val="tx1"/>
+                </a:solidFill>
+                <a:latin typeface="CMU Serif" panose="02000603000000000000" pitchFamily="2" charset="0"/>
+                <a:ea typeface="CMU Serif" panose="02000603000000000000" pitchFamily="2" charset="0"/>
+                <a:cs typeface="CMU Serif" panose="02000603000000000000" pitchFamily="2" charset="0"/>
+              </a:endParaRPr>
+            </a:p>
+          </p:txBody>
+        </p:sp>
+        <p:sp>
+          <p:nvSpPr>
+            <p:cNvPr id="10" name="Flowchart: Alternate Process 9"/>
+            <p:cNvSpPr/>
             <p:nvPr/>
-          </p:nvCxnSpPr>
+          </p:nvSpPr>
           <p:spPr>
             <a:xfrm>
-              <a:off x="8961200" y="2635582"/>
-              <a:ext cx="12700" cy="3162499"/>
+              <a:off x="2437702" y="619467"/>
+              <a:ext cx="1599910" cy="864973"/>
             </a:xfrm>
-            <a:prstGeom prst="bentConnector3">
-              <a:avLst>
-                <a:gd name="adj1" fmla="val 1605402"/>
-              </a:avLst>
+            <a:prstGeom prst="flowChartAlternateProcess">
+              <a:avLst/>
             </a:prstGeom>
-            <a:ln w="25400">
-              <a:tailEnd type="triangle" w="lg" len="med"/>
-            </a:ln>
+            <a:noFill/>
           </p:spPr>
           <p:style>
-            <a:lnRef idx="1">
-              <a:schemeClr val="accent1"/>
+            <a:lnRef idx="2">
+              <a:schemeClr val="accent1">
+                <a:shade val="50000"/>
+              </a:schemeClr>
             </a:lnRef>
-            <a:fillRef idx="0">
+            <a:fillRef idx="1">
               <a:schemeClr val="accent1"/>
             </a:fillRef>
             <a:effectRef idx="0">
               <a:schemeClr val="accent1"/>
             </a:effectRef>
             <a:fontRef idx="minor">
-              <a:schemeClr val="tx1"/>
+              <a:schemeClr val="lt1"/>
             </a:fontRef>
           </p:style>
-        </p:cxnSp>
-        <p:cxnSp>
-          <p:nvCxnSpPr>
-            <p:cNvPr id="31" name="Elbow Connector 30"/>
-            <p:cNvCxnSpPr>
-              <a:stCxn id="45" idx="0"/>
-              <a:endCxn id="6" idx="2"/>
-            </p:cNvCxnSpPr>
+          <p:txBody>
+            <a:bodyPr rtlCol="0" anchor="ctr"/>
+            <a:lstStyle/>
+            <a:p>
+              <a:pPr algn="ctr"/>
+              <a:r>
+                <a:rPr lang="en-US" sz="1200" dirty="0" smtClean="0">
+                  <a:solidFill>
+                    <a:schemeClr val="tx1"/>
+                  </a:solidFill>
+                  <a:latin typeface="CMU Serif" panose="02000603000000000000" pitchFamily="2" charset="0"/>
+                  <a:ea typeface="CMU Serif" panose="02000603000000000000" pitchFamily="2" charset="0"/>
+                  <a:cs typeface="CMU Serif" panose="02000603000000000000" pitchFamily="2" charset="0"/>
+                </a:rPr>
+                <a:t>Scheduling </a:t>
+              </a:r>
+              <a:r>
+                <a:rPr lang="en-US" sz="1200" dirty="0" smtClean="0">
+                  <a:solidFill>
+                    <a:schemeClr val="tx1"/>
+                  </a:solidFill>
+                  <a:latin typeface="CMU Serif" panose="02000603000000000000" pitchFamily="2" charset="0"/>
+                  <a:ea typeface="CMU Serif" panose="02000603000000000000" pitchFamily="2" charset="0"/>
+                  <a:cs typeface="CMU Serif" panose="02000603000000000000" pitchFamily="2" charset="0"/>
+                </a:rPr>
+                <a:t>Methodology</a:t>
+              </a:r>
+              <a:endParaRPr lang="en-US" sz="1200" dirty="0">
+                <a:solidFill>
+                  <a:schemeClr val="tx1"/>
+                </a:solidFill>
+                <a:latin typeface="CMU Serif" panose="02000603000000000000" pitchFamily="2" charset="0"/>
+                <a:ea typeface="CMU Serif" panose="02000603000000000000" pitchFamily="2" charset="0"/>
+                <a:cs typeface="CMU Serif" panose="02000603000000000000" pitchFamily="2" charset="0"/>
+              </a:endParaRPr>
+            </a:p>
+          </p:txBody>
+        </p:sp>
+        <p:sp>
+          <p:nvSpPr>
+            <p:cNvPr id="5" name="Flowchart: Alternate Process 4"/>
+            <p:cNvSpPr/>
             <p:nvPr/>
-          </p:nvCxnSpPr>
+          </p:nvSpPr>
           <p:spPr>
-            <a:xfrm rot="5400000" flipH="1" flipV="1">
-              <a:off x="4694839" y="2378154"/>
-              <a:ext cx="698331" cy="2078160"/>
+            <a:xfrm>
+              <a:off x="5028851" y="2202213"/>
+              <a:ext cx="1599910" cy="2455931"/>
             </a:xfrm>
-            <a:prstGeom prst="bentConnector3">
-              <a:avLst>
-                <a:gd name="adj1" fmla="val 50000"/>
-              </a:avLst>
+            <a:prstGeom prst="flowChartAlternateProcess">
+              <a:avLst/>
             </a:prstGeom>
-            <a:ln w="25400">
-              <a:tailEnd type="triangle" w="lg" len="med"/>
-            </a:ln>
+            <a:noFill/>
           </p:spPr>
           <p:style>
-            <a:lnRef idx="1">
-              <a:schemeClr val="accent1"/>
+            <a:lnRef idx="2">
+              <a:schemeClr val="accent1">
+                <a:shade val="50000"/>
+              </a:schemeClr>
             </a:lnRef>
-            <a:fillRef idx="0">
+            <a:fillRef idx="1">
               <a:schemeClr val="accent1"/>
             </a:fillRef>
             <a:effectRef idx="0">
               <a:schemeClr val="accent1"/>
             </a:effectRef>
             <a:fontRef idx="minor">
-              <a:schemeClr val="tx1"/>
+              <a:schemeClr val="lt1"/>
             </a:fontRef>
           </p:style>
-        </p:cxnSp>
-        <p:cxnSp>
-          <p:nvCxnSpPr>
-            <p:cNvPr id="47" name="Straight Arrow Connector 46"/>
-            <p:cNvCxnSpPr>
-              <a:stCxn id="7" idx="1"/>
-              <a:endCxn id="45" idx="3"/>
-            </p:cNvCxnSpPr>
+          <p:txBody>
+            <a:bodyPr rtlCol="0" anchor="ctr"/>
+            <a:lstStyle/>
+            <a:p>
+              <a:pPr algn="ctr"/>
+              <a:r>
+                <a:rPr lang="en-US" sz="1200" dirty="0" smtClean="0">
+                  <a:solidFill>
+                    <a:schemeClr val="tx1"/>
+                  </a:solidFill>
+                  <a:latin typeface="CMU Serif" panose="02000603000000000000" pitchFamily="2" charset="0"/>
+                  <a:ea typeface="CMU Serif" panose="02000603000000000000" pitchFamily="2" charset="0"/>
+                  <a:cs typeface="CMU Serif" panose="02000603000000000000" pitchFamily="2" charset="0"/>
+                </a:rPr>
+                <a:t>Data Analysis</a:t>
+              </a:r>
+            </a:p>
+            <a:p>
+              <a:pPr algn="ctr"/>
+              <a:r>
+                <a:rPr lang="en-US" sz="1200" dirty="0" smtClean="0">
+                  <a:solidFill>
+                    <a:schemeClr val="tx1"/>
+                  </a:solidFill>
+                  <a:latin typeface="CMU Serif" panose="02000603000000000000" pitchFamily="2" charset="0"/>
+                  <a:ea typeface="CMU Serif" panose="02000603000000000000" pitchFamily="2" charset="0"/>
+                  <a:cs typeface="CMU Serif" panose="02000603000000000000" pitchFamily="2" charset="0"/>
+                </a:rPr>
+                <a:t>Module</a:t>
+              </a:r>
+              <a:endParaRPr lang="en-US" sz="1200" dirty="0">
+                <a:solidFill>
+                  <a:schemeClr val="tx1"/>
+                </a:solidFill>
+                <a:latin typeface="CMU Serif" panose="02000603000000000000" pitchFamily="2" charset="0"/>
+                <a:ea typeface="CMU Serif" panose="02000603000000000000" pitchFamily="2" charset="0"/>
+                <a:cs typeface="CMU Serif" panose="02000603000000000000" pitchFamily="2" charset="0"/>
+              </a:endParaRPr>
+            </a:p>
+          </p:txBody>
+        </p:sp>
+        <p:sp>
+          <p:nvSpPr>
+            <p:cNvPr id="6" name="Flowchart: Alternate Process 5"/>
+            <p:cNvSpPr/>
             <p:nvPr/>
-          </p:nvCxnSpPr>
+          </p:nvSpPr>
           <p:spPr>
-            <a:xfrm flipH="1" flipV="1">
-              <a:off x="4804879" y="4203005"/>
-              <a:ext cx="2556411" cy="8236"/>
+            <a:xfrm>
+              <a:off x="2437702" y="2997679"/>
+              <a:ext cx="1599910" cy="864973"/>
             </a:xfrm>
-            <a:prstGeom prst="straightConnector1">
+            <a:prstGeom prst="flowChartAlternateProcess">
               <a:avLst/>
             </a:prstGeom>
-            <a:ln w="25400" cap="rnd">
-              <a:tailEnd type="triangle" w="lg" len="med"/>
-            </a:ln>
+            <a:noFill/>
           </p:spPr>
           <p:style>
-            <a:lnRef idx="1">
-              <a:schemeClr val="accent1"/>
+            <a:lnRef idx="2">
+              <a:schemeClr val="accent1">
+                <a:shade val="50000"/>
+              </a:schemeClr>
             </a:lnRef>
-            <a:fillRef idx="0">
+            <a:fillRef idx="1">
               <a:schemeClr val="accent1"/>
             </a:fillRef>
             <a:effectRef idx="0">
               <a:schemeClr val="accent1"/>
             </a:effectRef>
             <a:fontRef idx="minor">
-              <a:schemeClr val="tx1"/>
+              <a:schemeClr val="lt1"/>
             </a:fontRef>
           </p:style>
-        </p:cxnSp>
-        <p:cxnSp>
-          <p:nvCxnSpPr>
-            <p:cNvPr id="53" name="Straight Arrow Connector 52"/>
-            <p:cNvCxnSpPr>
-              <a:stCxn id="5" idx="2"/>
-              <a:endCxn id="7" idx="0"/>
-            </p:cNvCxnSpPr>
+          <p:txBody>
+            <a:bodyPr rtlCol="0" anchor="ctr"/>
+            <a:lstStyle/>
+            <a:p>
+              <a:pPr algn="ctr"/>
+              <a:r>
+                <a:rPr lang="en-US" sz="1200" dirty="0" smtClean="0">
+                  <a:solidFill>
+                    <a:schemeClr val="tx1"/>
+                  </a:solidFill>
+                  <a:latin typeface="CMU Serif" panose="02000603000000000000" pitchFamily="2" charset="0"/>
+                  <a:ea typeface="CMU Serif" panose="02000603000000000000" pitchFamily="2" charset="0"/>
+                  <a:cs typeface="CMU Serif" panose="02000603000000000000" pitchFamily="2" charset="0"/>
+                </a:rPr>
+                <a:t>Data Storage</a:t>
+              </a:r>
+              <a:endParaRPr lang="en-US" sz="1200" dirty="0">
+                <a:solidFill>
+                  <a:schemeClr val="tx1"/>
+                </a:solidFill>
+                <a:latin typeface="CMU Serif" panose="02000603000000000000" pitchFamily="2" charset="0"/>
+                <a:ea typeface="CMU Serif" panose="02000603000000000000" pitchFamily="2" charset="0"/>
+                <a:cs typeface="CMU Serif" panose="02000603000000000000" pitchFamily="2" charset="0"/>
+              </a:endParaRPr>
+            </a:p>
+          </p:txBody>
+        </p:sp>
+        <p:sp>
+          <p:nvSpPr>
+            <p:cNvPr id="45" name="Flowchart: Alternate Process 44"/>
+            <p:cNvSpPr/>
             <p:nvPr/>
-          </p:nvCxnSpPr>
+          </p:nvSpPr>
           <p:spPr>
             <a:xfrm>
-              <a:off x="8161245" y="3068068"/>
-              <a:ext cx="0" cy="710688"/>
+              <a:off x="10227623" y="2202213"/>
+              <a:ext cx="1049977" cy="2455931"/>
             </a:xfrm>
-            <a:prstGeom prst="straightConnector1">
+            <a:prstGeom prst="flowChartAlternateProcess">
               <a:avLst/>
             </a:prstGeom>
-            <a:ln w="25400" cap="rnd">
-              <a:tailEnd type="triangle" w="lg" len="med"/>
-            </a:ln>
+            <a:noFill/>
           </p:spPr>
           <p:style>
-            <a:lnRef idx="1">
-              <a:schemeClr val="accent1"/>
+            <a:lnRef idx="2">
+              <a:schemeClr val="accent1">
+                <a:shade val="50000"/>
+              </a:schemeClr>
             </a:lnRef>
-            <a:fillRef idx="0">
+            <a:fillRef idx="1">
               <a:schemeClr val="accent1"/>
             </a:fillRef>
             <a:effectRef idx="0">
               <a:schemeClr val="accent1"/>
             </a:effectRef>
             <a:fontRef idx="minor">
-              <a:schemeClr val="tx1"/>
+              <a:schemeClr val="lt1"/>
             </a:fontRef>
           </p:style>
-        </p:cxnSp>
-        <p:grpSp>
-          <p:nvGrpSpPr>
-            <p:cNvPr id="62" name="Group 61"/>
-            <p:cNvGrpSpPr/>
-            <p:nvPr/>
-          </p:nvGrpSpPr>
-          <p:grpSpPr>
-            <a:xfrm>
-              <a:off x="4985564" y="357469"/>
-              <a:ext cx="4324865" cy="1404901"/>
-              <a:chOff x="4992130" y="355409"/>
-              <a:chExt cx="4324865" cy="1404901"/>
-            </a:xfrm>
-          </p:grpSpPr>
-          <p:sp>
-            <p:nvSpPr>
-              <p:cNvPr id="9" name="Flowchart: Alternate Process 8"/>
-              <p:cNvSpPr/>
-              <p:nvPr/>
-            </p:nvSpPr>
-            <p:spPr>
-              <a:xfrm>
-                <a:off x="7367856" y="625374"/>
-                <a:ext cx="1599910" cy="864973"/>
-              </a:xfrm>
-              <a:prstGeom prst="flowChartAlternateProcess">
-                <a:avLst/>
-              </a:prstGeom>
-              <a:noFill/>
-            </p:spPr>
-            <p:style>
-              <a:lnRef idx="2">
-                <a:schemeClr val="accent1">
-                  <a:shade val="50000"/>
-                </a:schemeClr>
-              </a:lnRef>
-              <a:fillRef idx="1">
-                <a:schemeClr val="accent1"/>
-              </a:fillRef>
-              <a:effectRef idx="0">
-                <a:schemeClr val="accent1"/>
-              </a:effectRef>
-              <a:fontRef idx="minor">
-                <a:schemeClr val="lt1"/>
-              </a:fontRef>
-            </p:style>
-            <p:txBody>
-              <a:bodyPr rtlCol="0" anchor="ctr"/>
-              <a:lstStyle/>
-              <a:p>
-                <a:pPr algn="ctr"/>
-                <a:r>
-                  <a:rPr lang="en-US" sz="1600" dirty="0" smtClean="0">
-                    <a:solidFill>
-                      <a:schemeClr val="tx1"/>
-                    </a:solidFill>
-                    <a:latin typeface="CMU Serif" panose="02000603000000000000" pitchFamily="2" charset="0"/>
-                    <a:ea typeface="CMU Serif" panose="02000603000000000000" pitchFamily="2" charset="0"/>
-                    <a:cs typeface="CMU Serif" panose="02000603000000000000" pitchFamily="2" charset="0"/>
-                  </a:rPr>
-                  <a:t>Schedule Generation Module</a:t>
-                </a:r>
-                <a:endParaRPr lang="en-US" sz="1600" dirty="0">
+          <p:txBody>
+            <a:bodyPr rtlCol="0" anchor="ctr"/>
+            <a:lstStyle/>
+            <a:p>
+              <a:pPr algn="ctr"/>
+              <a:r>
+                <a:rPr lang="en-US" sz="1200" dirty="0" smtClean="0">
                   <a:solidFill>
                     <a:schemeClr val="tx1"/>
                   </a:solidFill>
                   <a:latin typeface="CMU Serif" panose="02000603000000000000" pitchFamily="2" charset="0"/>
                   <a:ea typeface="CMU Serif" panose="02000603000000000000" pitchFamily="2" charset="0"/>
                   <a:cs typeface="CMU Serif" panose="02000603000000000000" pitchFamily="2" charset="0"/>
-                </a:endParaRPr>
-              </a:p>
-            </p:txBody>
-          </p:sp>
+                </a:rPr>
+                <a:t>Feedback/Complaints</a:t>
+              </a:r>
+              <a:endParaRPr lang="en-US" sz="1200" dirty="0">
+                <a:solidFill>
+                  <a:schemeClr val="tx1"/>
+                </a:solidFill>
+                <a:latin typeface="CMU Serif" panose="02000603000000000000" pitchFamily="2" charset="0"/>
+                <a:ea typeface="CMU Serif" panose="02000603000000000000" pitchFamily="2" charset="0"/>
+                <a:cs typeface="CMU Serif" panose="02000603000000000000" pitchFamily="2" charset="0"/>
+              </a:endParaRPr>
+            </a:p>
+          </p:txBody>
+        </p:sp>
+        <p:grpSp>
+          <p:nvGrpSpPr>
+            <p:cNvPr id="17" name="Group 16"/>
+            <p:cNvGrpSpPr/>
+            <p:nvPr/>
+          </p:nvGrpSpPr>
+          <p:grpSpPr>
+            <a:xfrm>
+              <a:off x="7620000" y="619470"/>
+              <a:ext cx="1599910" cy="5621395"/>
+              <a:chOff x="7428716" y="619470"/>
+              <a:chExt cx="1599910" cy="5621395"/>
+            </a:xfrm>
+          </p:grpSpPr>
           <p:sp>
             <p:nvSpPr>
-              <p:cNvPr id="10" name="Flowchart: Alternate Process 9"/>
+              <p:cNvPr id="7" name="Flowchart: Alternate Process 6"/>
               <p:cNvSpPr/>
               <p:nvPr/>
             </p:nvSpPr>
             <p:spPr>
               <a:xfrm>
-                <a:off x="5306169" y="627054"/>
-                <a:ext cx="1599910" cy="864973"/>
-              </a:xfrm>
-              <a:prstGeom prst="flowChartAlternateProcess">
-                <a:avLst/>
-              </a:prstGeom>
-              <a:noFill/>
-            </p:spPr>
-            <p:style>
-              <a:lnRef idx="2">
-                <a:schemeClr val="accent1">
-                  <a:shade val="50000"/>
-                </a:schemeClr>
-              </a:lnRef>
-              <a:fillRef idx="1">
-                <a:schemeClr val="accent1"/>
-              </a:fillRef>
-              <a:effectRef idx="0">
-                <a:schemeClr val="accent1"/>
-              </a:effectRef>
-              <a:fontRef idx="minor">
-                <a:schemeClr val="lt1"/>
-              </a:fontRef>
-            </p:style>
-            <p:txBody>
-              <a:bodyPr rtlCol="0" anchor="ctr"/>
-              <a:lstStyle/>
-              <a:p>
-                <a:pPr algn="ctr"/>
-                <a:r>
-                  <a:rPr lang="en-US" sz="1600" dirty="0" smtClean="0">
-                    <a:solidFill>
-                      <a:schemeClr val="tx1"/>
-                    </a:solidFill>
-                    <a:latin typeface="CMU Serif" panose="02000603000000000000" pitchFamily="2" charset="0"/>
-                    <a:ea typeface="CMU Serif" panose="02000603000000000000" pitchFamily="2" charset="0"/>
-                    <a:cs typeface="CMU Serif" panose="02000603000000000000" pitchFamily="2" charset="0"/>
-                  </a:rPr>
-                  <a:t>Scheduling Methodology Plugin</a:t>
-                </a:r>
-                <a:endParaRPr lang="en-US" sz="1600" dirty="0">
-                  <a:solidFill>
-                    <a:schemeClr val="tx1"/>
-                  </a:solidFill>
-                  <a:latin typeface="CMU Serif" panose="02000603000000000000" pitchFamily="2" charset="0"/>
-                  <a:ea typeface="CMU Serif" panose="02000603000000000000" pitchFamily="2" charset="0"/>
-                  <a:cs typeface="CMU Serif" panose="02000603000000000000" pitchFamily="2" charset="0"/>
-                </a:endParaRPr>
-              </a:p>
-            </p:txBody>
-          </p:sp>
-          <p:sp>
-            <p:nvSpPr>
-              <p:cNvPr id="58" name="Rounded Rectangle 57"/>
-              <p:cNvSpPr/>
-              <p:nvPr/>
-            </p:nvSpPr>
-            <p:spPr>
-              <a:xfrm>
-                <a:off x="4992130" y="355409"/>
-                <a:ext cx="4324865" cy="1404901"/>
-              </a:xfrm>
-              <a:prstGeom prst="roundRect">
-                <a:avLst/>
-              </a:prstGeom>
-              <a:noFill/>
-              <a:ln>
-                <a:solidFill>
-                  <a:srgbClr val="FF0000"/>
-                </a:solidFill>
-                <a:prstDash val="dash"/>
-              </a:ln>
-            </p:spPr>
-            <p:style>
-              <a:lnRef idx="2">
-                <a:schemeClr val="accent1">
-                  <a:shade val="50000"/>
-                </a:schemeClr>
-              </a:lnRef>
-              <a:fillRef idx="1">
-                <a:schemeClr val="accent1"/>
-              </a:fillRef>
-              <a:effectRef idx="0">
-                <a:schemeClr val="accent1"/>
-              </a:effectRef>
-              <a:fontRef idx="minor">
-                <a:schemeClr val="lt1"/>
-              </a:fontRef>
-            </p:style>
-            <p:txBody>
-              <a:bodyPr rtlCol="0" anchor="ctr"/>
-              <a:lstStyle/>
-              <a:p>
-                <a:pPr algn="ctr"/>
-                <a:endParaRPr lang="en-US" sz="1600">
-                  <a:latin typeface="CMU Serif" panose="02000603000000000000" pitchFamily="2" charset="0"/>
-                  <a:ea typeface="CMU Serif" panose="02000603000000000000" pitchFamily="2" charset="0"/>
-                  <a:cs typeface="CMU Serif" panose="02000603000000000000" pitchFamily="2" charset="0"/>
-                </a:endParaRPr>
-              </a:p>
-            </p:txBody>
-          </p:sp>
-        </p:grpSp>
-        <p:grpSp>
-          <p:nvGrpSpPr>
-            <p:cNvPr id="60" name="Group 59"/>
-            <p:cNvGrpSpPr/>
-            <p:nvPr/>
-          </p:nvGrpSpPr>
-          <p:grpSpPr>
-            <a:xfrm>
-              <a:off x="2881570" y="1933131"/>
-              <a:ext cx="6428859" cy="1404901"/>
-              <a:chOff x="2888136" y="1931071"/>
-              <a:chExt cx="6428859" cy="1404901"/>
-            </a:xfrm>
-          </p:grpSpPr>
-          <p:sp>
-            <p:nvSpPr>
-              <p:cNvPr id="4" name="Flowchart: Alternate Process 3"/>
-              <p:cNvSpPr/>
-              <p:nvPr/>
-            </p:nvSpPr>
-            <p:spPr>
-              <a:xfrm>
-                <a:off x="3211534" y="2201035"/>
+                <a:off x="7428716" y="2202213"/>
                 <a:ext cx="1599910" cy="864970"/>
               </a:xfrm>
               <a:prstGeom prst="flowChartAlternateProcess">
@@ -21977,7 +22694,7 @@
               <a:p>
                 <a:pPr algn="ctr"/>
                 <a:r>
-                  <a:rPr lang="en-US" sz="1600" dirty="0" smtClean="0">
+                  <a:rPr lang="en-US" sz="1200" dirty="0" smtClean="0">
                     <a:solidFill>
                       <a:schemeClr val="tx1"/>
                     </a:solidFill>
@@ -21985,23 +22702,9 @@
                     <a:ea typeface="CMU Serif" panose="02000603000000000000" pitchFamily="2" charset="0"/>
                     <a:cs typeface="CMU Serif" panose="02000603000000000000" pitchFamily="2" charset="0"/>
                   </a:rPr>
-                  <a:t>Data Gathering</a:t>
+                  <a:t>User View - Scheduler</a:t>
                 </a:r>
-              </a:p>
-              <a:p>
-                <a:pPr algn="ctr"/>
-                <a:r>
-                  <a:rPr lang="en-US" sz="1600" dirty="0" smtClean="0">
-                    <a:solidFill>
-                      <a:schemeClr val="tx1"/>
-                    </a:solidFill>
-                    <a:latin typeface="CMU Serif" panose="02000603000000000000" pitchFamily="2" charset="0"/>
-                    <a:ea typeface="CMU Serif" panose="02000603000000000000" pitchFamily="2" charset="0"/>
-                    <a:cs typeface="CMU Serif" panose="02000603000000000000" pitchFamily="2" charset="0"/>
-                  </a:rPr>
-                  <a:t>Module</a:t>
-                </a:r>
-                <a:endParaRPr lang="en-US" sz="1600" dirty="0">
+                <a:endParaRPr lang="en-US" sz="1200" dirty="0">
                   <a:solidFill>
                     <a:schemeClr val="tx1"/>
                   </a:solidFill>
@@ -22014,14 +22717,14 @@
           </p:sp>
           <p:sp>
             <p:nvSpPr>
-              <p:cNvPr id="5" name="Flowchart: Alternate Process 4"/>
+              <p:cNvPr id="8" name="Flowchart: Alternate Process 7"/>
               <p:cNvSpPr/>
               <p:nvPr/>
             </p:nvSpPr>
             <p:spPr>
               <a:xfrm>
-                <a:off x="7367856" y="2201035"/>
-                <a:ext cx="1599910" cy="864973"/>
+                <a:off x="7428716" y="3784933"/>
+                <a:ext cx="1599910" cy="873211"/>
               </a:xfrm>
               <a:prstGeom prst="flowChartAlternateProcess">
                 <a:avLst/>
@@ -22050,7 +22753,7 @@
               <a:p>
                 <a:pPr algn="ctr"/>
                 <a:r>
-                  <a:rPr lang="en-US" sz="1600" dirty="0" smtClean="0">
+                  <a:rPr lang="en-US" sz="1200" dirty="0" smtClean="0">
                     <a:solidFill>
                       <a:schemeClr val="tx1"/>
                     </a:solidFill>
@@ -22058,23 +22761,9 @@
                     <a:ea typeface="CMU Serif" panose="02000603000000000000" pitchFamily="2" charset="0"/>
                     <a:cs typeface="CMU Serif" panose="02000603000000000000" pitchFamily="2" charset="0"/>
                   </a:rPr>
-                  <a:t>Data Analysis</a:t>
+                  <a:t>User View - Commuter</a:t>
                 </a:r>
-              </a:p>
-              <a:p>
-                <a:pPr algn="ctr"/>
-                <a:r>
-                  <a:rPr lang="en-US" sz="1600" dirty="0" smtClean="0">
-                    <a:solidFill>
-                      <a:schemeClr val="tx1"/>
-                    </a:solidFill>
-                    <a:latin typeface="CMU Serif" panose="02000603000000000000" pitchFamily="2" charset="0"/>
-                    <a:ea typeface="CMU Serif" panose="02000603000000000000" pitchFamily="2" charset="0"/>
-                    <a:cs typeface="CMU Serif" panose="02000603000000000000" pitchFamily="2" charset="0"/>
-                  </a:rPr>
-                  <a:t>Module</a:t>
-                </a:r>
-                <a:endParaRPr lang="en-US" sz="1600" dirty="0">
+                <a:endParaRPr lang="en-US" sz="1200" dirty="0">
                   <a:solidFill>
                     <a:schemeClr val="tx1"/>
                   </a:solidFill>
@@ -22087,138 +22776,13 @@
           </p:sp>
           <p:sp>
             <p:nvSpPr>
-              <p:cNvPr id="6" name="Flowchart: Alternate Process 5"/>
+              <p:cNvPr id="30" name="Flowchart: Alternate Process 29"/>
               <p:cNvSpPr/>
               <p:nvPr/>
             </p:nvSpPr>
             <p:spPr>
               <a:xfrm>
-                <a:off x="5289695" y="2201035"/>
-                <a:ext cx="1599910" cy="864973"/>
-              </a:xfrm>
-              <a:prstGeom prst="flowChartAlternateProcess">
-                <a:avLst/>
-              </a:prstGeom>
-              <a:noFill/>
-            </p:spPr>
-            <p:style>
-              <a:lnRef idx="2">
-                <a:schemeClr val="accent1">
-                  <a:shade val="50000"/>
-                </a:schemeClr>
-              </a:lnRef>
-              <a:fillRef idx="1">
-                <a:schemeClr val="accent1"/>
-              </a:fillRef>
-              <a:effectRef idx="0">
-                <a:schemeClr val="accent1"/>
-              </a:effectRef>
-              <a:fontRef idx="minor">
-                <a:schemeClr val="lt1"/>
-              </a:fontRef>
-            </p:style>
-            <p:txBody>
-              <a:bodyPr rtlCol="0" anchor="ctr"/>
-              <a:lstStyle/>
-              <a:p>
-                <a:pPr algn="ctr"/>
-                <a:r>
-                  <a:rPr lang="en-US" sz="1600" dirty="0" smtClean="0">
-                    <a:solidFill>
-                      <a:schemeClr val="tx1"/>
-                    </a:solidFill>
-                    <a:latin typeface="CMU Serif" panose="02000603000000000000" pitchFamily="2" charset="0"/>
-                    <a:ea typeface="CMU Serif" panose="02000603000000000000" pitchFamily="2" charset="0"/>
-                    <a:cs typeface="CMU Serif" panose="02000603000000000000" pitchFamily="2" charset="0"/>
-                  </a:rPr>
-                  <a:t>Data Storage</a:t>
-                </a:r>
-                <a:endParaRPr lang="en-US" sz="1600" dirty="0">
-                  <a:solidFill>
-                    <a:schemeClr val="tx1"/>
-                  </a:solidFill>
-                  <a:latin typeface="CMU Serif" panose="02000603000000000000" pitchFamily="2" charset="0"/>
-                  <a:ea typeface="CMU Serif" panose="02000603000000000000" pitchFamily="2" charset="0"/>
-                  <a:cs typeface="CMU Serif" panose="02000603000000000000" pitchFamily="2" charset="0"/>
-                </a:endParaRPr>
-              </a:p>
-            </p:txBody>
-          </p:sp>
-          <p:sp>
-            <p:nvSpPr>
-              <p:cNvPr id="72" name="Rounded Rectangle 71"/>
-              <p:cNvSpPr/>
-              <p:nvPr/>
-            </p:nvSpPr>
-            <p:spPr>
-              <a:xfrm>
-                <a:off x="2888136" y="1931071"/>
-                <a:ext cx="6428859" cy="1404901"/>
-              </a:xfrm>
-              <a:prstGeom prst="roundRect">
-                <a:avLst/>
-              </a:prstGeom>
-              <a:noFill/>
-              <a:ln>
-                <a:solidFill>
-                  <a:srgbClr val="FF0000"/>
-                </a:solidFill>
-                <a:prstDash val="dash"/>
-              </a:ln>
-            </p:spPr>
-            <p:style>
-              <a:lnRef idx="2">
-                <a:schemeClr val="accent1">
-                  <a:shade val="50000"/>
-                </a:schemeClr>
-              </a:lnRef>
-              <a:fillRef idx="1">
-                <a:schemeClr val="accent1"/>
-              </a:fillRef>
-              <a:effectRef idx="0">
-                <a:schemeClr val="accent1"/>
-              </a:effectRef>
-              <a:fontRef idx="minor">
-                <a:schemeClr val="lt1"/>
-              </a:fontRef>
-            </p:style>
-            <p:txBody>
-              <a:bodyPr rtlCol="0" anchor="ctr"/>
-              <a:lstStyle/>
-              <a:p>
-                <a:pPr algn="ctr"/>
-                <a:endParaRPr lang="en-US" sz="1600">
-                  <a:latin typeface="CMU Serif" panose="02000603000000000000" pitchFamily="2" charset="0"/>
-                  <a:ea typeface="CMU Serif" panose="02000603000000000000" pitchFamily="2" charset="0"/>
-                  <a:cs typeface="CMU Serif" panose="02000603000000000000" pitchFamily="2" charset="0"/>
-                </a:endParaRPr>
-              </a:p>
-            </p:txBody>
-          </p:sp>
-        </p:grpSp>
-        <p:grpSp>
-          <p:nvGrpSpPr>
-            <p:cNvPr id="63" name="Group 62"/>
-            <p:cNvGrpSpPr/>
-            <p:nvPr/>
-          </p:nvGrpSpPr>
-          <p:grpSpPr>
-            <a:xfrm>
-              <a:off x="7012058" y="3519969"/>
-              <a:ext cx="2298372" cy="2980563"/>
-              <a:chOff x="7018624" y="3517909"/>
-              <a:chExt cx="2298372" cy="2980563"/>
-            </a:xfrm>
-          </p:grpSpPr>
-          <p:sp>
-            <p:nvSpPr>
-              <p:cNvPr id="7" name="Flowchart: Alternate Process 6"/>
-              <p:cNvSpPr/>
-              <p:nvPr/>
-            </p:nvSpPr>
-            <p:spPr>
-              <a:xfrm>
-                <a:off x="7367856" y="3776696"/>
+                <a:off x="7428716" y="5375895"/>
                 <a:ext cx="1599910" cy="864970"/>
               </a:xfrm>
               <a:prstGeom prst="flowChartAlternateProcess">
@@ -22248,7 +22812,7 @@
               <a:p>
                 <a:pPr algn="ctr"/>
                 <a:r>
-                  <a:rPr lang="en-US" sz="1600" dirty="0" smtClean="0">
+                  <a:rPr lang="en-US" sz="1200" dirty="0" smtClean="0">
                     <a:solidFill>
                       <a:schemeClr val="tx1"/>
                     </a:solidFill>
@@ -22256,9 +22820,20 @@
                     <a:ea typeface="CMU Serif" panose="02000603000000000000" pitchFamily="2" charset="0"/>
                     <a:cs typeface="CMU Serif" panose="02000603000000000000" pitchFamily="2" charset="0"/>
                   </a:rPr>
-                  <a:t>User View - Scheduler</a:t>
+                  <a:t>User View </a:t>
                 </a:r>
-                <a:endParaRPr lang="en-US" sz="1600" dirty="0">
+                <a:r>
+                  <a:rPr lang="en-US" sz="1200" dirty="0" smtClean="0">
+                    <a:solidFill>
+                      <a:schemeClr val="tx1"/>
+                    </a:solidFill>
+                    <a:latin typeface="CMU Serif" panose="02000603000000000000" pitchFamily="2" charset="0"/>
+                    <a:ea typeface="CMU Serif" panose="02000603000000000000" pitchFamily="2" charset="0"/>
+                    <a:cs typeface="CMU Serif" panose="02000603000000000000" pitchFamily="2" charset="0"/>
+                  </a:rPr>
+                  <a:t>– Bus Personnel</a:t>
+                </a:r>
+                <a:endParaRPr lang="en-US" sz="1200" dirty="0">
                   <a:solidFill>
                     <a:schemeClr val="tx1"/>
                   </a:solidFill>
@@ -22271,14 +22846,14 @@
           </p:sp>
           <p:sp>
             <p:nvSpPr>
-              <p:cNvPr id="8" name="Flowchart: Alternate Process 7"/>
+              <p:cNvPr id="33" name="Flowchart: Alternate Process 32"/>
               <p:cNvSpPr/>
               <p:nvPr/>
             </p:nvSpPr>
             <p:spPr>
               <a:xfrm>
-                <a:off x="7367856" y="5359415"/>
-                <a:ext cx="1599910" cy="873211"/>
+                <a:off x="7428716" y="619470"/>
+                <a:ext cx="1599910" cy="864970"/>
               </a:xfrm>
               <a:prstGeom prst="flowChartAlternateProcess">
                 <a:avLst/>
@@ -22307,7 +22882,7 @@
               <a:p>
                 <a:pPr algn="ctr"/>
                 <a:r>
-                  <a:rPr lang="en-US" sz="1600" dirty="0" smtClean="0">
+                  <a:rPr lang="en-US" sz="1200" dirty="0" smtClean="0">
                     <a:solidFill>
                       <a:schemeClr val="tx1"/>
                     </a:solidFill>
@@ -22315,9 +22890,20 @@
                     <a:ea typeface="CMU Serif" panose="02000603000000000000" pitchFamily="2" charset="0"/>
                     <a:cs typeface="CMU Serif" panose="02000603000000000000" pitchFamily="2" charset="0"/>
                   </a:rPr>
-                  <a:t>User View - Commuter</a:t>
+                  <a:t>User View </a:t>
                 </a:r>
-                <a:endParaRPr lang="en-US" sz="1600" dirty="0">
+                <a:r>
+                  <a:rPr lang="en-US" sz="1200" dirty="0" smtClean="0">
+                    <a:solidFill>
+                      <a:schemeClr val="tx1"/>
+                    </a:solidFill>
+                    <a:latin typeface="CMU Serif" panose="02000603000000000000" pitchFamily="2" charset="0"/>
+                    <a:ea typeface="CMU Serif" panose="02000603000000000000" pitchFamily="2" charset="0"/>
+                    <a:cs typeface="CMU Serif" panose="02000603000000000000" pitchFamily="2" charset="0"/>
+                  </a:rPr>
+                  <a:t>–Transport Authority</a:t>
+                </a:r>
+                <a:endParaRPr lang="en-US" sz="1200" dirty="0">
                   <a:solidFill>
                     <a:schemeClr val="tx1"/>
                   </a:solidFill>
@@ -22328,183 +22914,349 @@
               </a:p>
             </p:txBody>
           </p:sp>
-          <p:sp>
-            <p:nvSpPr>
-              <p:cNvPr id="73" name="Rounded Rectangle 72"/>
-              <p:cNvSpPr/>
-              <p:nvPr/>
-            </p:nvSpPr>
-            <p:spPr>
-              <a:xfrm>
-                <a:off x="7018624" y="3517909"/>
-                <a:ext cx="2298372" cy="2980563"/>
-              </a:xfrm>
-              <a:prstGeom prst="roundRect">
-                <a:avLst/>
-              </a:prstGeom>
-              <a:noFill/>
-              <a:ln>
-                <a:solidFill>
-                  <a:srgbClr val="FF0000"/>
-                </a:solidFill>
-                <a:prstDash val="dash"/>
-              </a:ln>
-            </p:spPr>
-            <p:style>
-              <a:lnRef idx="2">
-                <a:schemeClr val="accent1">
-                  <a:shade val="50000"/>
-                </a:schemeClr>
-              </a:lnRef>
-              <a:fillRef idx="1">
-                <a:schemeClr val="accent1"/>
-              </a:fillRef>
-              <a:effectRef idx="0">
-                <a:schemeClr val="accent1"/>
-              </a:effectRef>
-              <a:fontRef idx="minor">
-                <a:schemeClr val="lt1"/>
-              </a:fontRef>
-            </p:style>
-            <p:txBody>
-              <a:bodyPr rtlCol="0" anchor="ctr"/>
-              <a:lstStyle/>
-              <a:p>
-                <a:pPr algn="ctr"/>
-                <a:endParaRPr lang="en-US" sz="1600">
-                  <a:latin typeface="CMU Serif" panose="02000603000000000000" pitchFamily="2" charset="0"/>
-                  <a:ea typeface="CMU Serif" panose="02000603000000000000" pitchFamily="2" charset="0"/>
-                  <a:cs typeface="CMU Serif" panose="02000603000000000000" pitchFamily="2" charset="0"/>
-                </a:endParaRPr>
-              </a:p>
-            </p:txBody>
-          </p:sp>
         </p:grpSp>
-        <p:grpSp>
-          <p:nvGrpSpPr>
-            <p:cNvPr id="64" name="Group 63"/>
-            <p:cNvGrpSpPr/>
+        <p:cxnSp>
+          <p:nvCxnSpPr>
+            <p:cNvPr id="27" name="Elbow Connector 26"/>
+            <p:cNvCxnSpPr>
+              <a:stCxn id="5" idx="3"/>
+              <a:endCxn id="33" idx="1"/>
+            </p:cNvCxnSpPr>
             <p:nvPr/>
-          </p:nvGrpSpPr>
-          <p:grpSpPr>
+          </p:nvCxnSpPr>
+          <p:spPr>
+            <a:xfrm flipV="1">
+              <a:off x="6628761" y="1051955"/>
+              <a:ext cx="991239" cy="2378224"/>
+            </a:xfrm>
+            <a:prstGeom prst="bentConnector3">
+              <a:avLst>
+                <a:gd name="adj1" fmla="val 50000"/>
+              </a:avLst>
+            </a:prstGeom>
+            <a:ln w="25400" cap="rnd" cmpd="sng">
+              <a:tailEnd type="triangle" w="lg" len="med"/>
+            </a:ln>
+          </p:spPr>
+          <p:style>
+            <a:lnRef idx="1">
+              <a:schemeClr val="accent1"/>
+            </a:lnRef>
+            <a:fillRef idx="0">
+              <a:schemeClr val="accent1"/>
+            </a:fillRef>
+            <a:effectRef idx="0">
+              <a:schemeClr val="accent1"/>
+            </a:effectRef>
+            <a:fontRef idx="minor">
+              <a:schemeClr val="tx1"/>
+            </a:fontRef>
+          </p:style>
+        </p:cxnSp>
+        <p:cxnSp>
+          <p:nvCxnSpPr>
+            <p:cNvPr id="49" name="Elbow Connector 48"/>
+            <p:cNvCxnSpPr>
+              <a:stCxn id="5" idx="3"/>
+              <a:endCxn id="8" idx="1"/>
+            </p:cNvCxnSpPr>
+            <p:nvPr/>
+          </p:nvCxnSpPr>
+          <p:spPr>
             <a:xfrm>
-              <a:off x="2886995" y="3607996"/>
-              <a:ext cx="2298372" cy="1221437"/>
-              <a:chOff x="2893561" y="3605936"/>
-              <a:chExt cx="2298372" cy="1221437"/>
+              <a:off x="6628761" y="3430179"/>
+              <a:ext cx="991239" cy="791360"/>
             </a:xfrm>
-          </p:grpSpPr>
-          <p:sp>
-            <p:nvSpPr>
-              <p:cNvPr id="45" name="Flowchart: Alternate Process 44"/>
-              <p:cNvSpPr/>
-              <p:nvPr/>
-            </p:nvSpPr>
-            <p:spPr>
-              <a:xfrm>
-                <a:off x="3211535" y="3764339"/>
-                <a:ext cx="1599910" cy="873211"/>
-              </a:xfrm>
-              <a:prstGeom prst="flowChartAlternateProcess">
-                <a:avLst/>
-              </a:prstGeom>
-              <a:noFill/>
-            </p:spPr>
-            <p:style>
-              <a:lnRef idx="2">
-                <a:schemeClr val="accent1">
-                  <a:shade val="50000"/>
-                </a:schemeClr>
-              </a:lnRef>
-              <a:fillRef idx="1">
-                <a:schemeClr val="accent1"/>
-              </a:fillRef>
-              <a:effectRef idx="0">
-                <a:schemeClr val="accent1"/>
-              </a:effectRef>
-              <a:fontRef idx="minor">
-                <a:schemeClr val="lt1"/>
-              </a:fontRef>
-            </p:style>
-            <p:txBody>
-              <a:bodyPr rtlCol="0" anchor="ctr"/>
-              <a:lstStyle/>
-              <a:p>
-                <a:pPr algn="ctr"/>
-                <a:r>
-                  <a:rPr lang="en-US" sz="1600" dirty="0" smtClean="0">
-                    <a:solidFill>
-                      <a:schemeClr val="tx1"/>
-                    </a:solidFill>
-                    <a:latin typeface="CMU Serif" panose="02000603000000000000" pitchFamily="2" charset="0"/>
-                    <a:ea typeface="CMU Serif" panose="02000603000000000000" pitchFamily="2" charset="0"/>
-                    <a:cs typeface="CMU Serif" panose="02000603000000000000" pitchFamily="2" charset="0"/>
-                  </a:rPr>
-                  <a:t>Feedback Subsystem</a:t>
-                </a:r>
-                <a:endParaRPr lang="en-US" sz="1600" dirty="0">
-                  <a:solidFill>
-                    <a:schemeClr val="tx1"/>
-                  </a:solidFill>
-                  <a:latin typeface="CMU Serif" panose="02000603000000000000" pitchFamily="2" charset="0"/>
-                  <a:ea typeface="CMU Serif" panose="02000603000000000000" pitchFamily="2" charset="0"/>
-                  <a:cs typeface="CMU Serif" panose="02000603000000000000" pitchFamily="2" charset="0"/>
-                </a:endParaRPr>
-              </a:p>
-            </p:txBody>
-          </p:sp>
-          <p:sp>
-            <p:nvSpPr>
-              <p:cNvPr id="75" name="Rounded Rectangle 74"/>
-              <p:cNvSpPr/>
-              <p:nvPr/>
-            </p:nvSpPr>
-            <p:spPr>
-              <a:xfrm>
-                <a:off x="2893561" y="3605936"/>
-                <a:ext cx="2298372" cy="1221437"/>
-              </a:xfrm>
-              <a:prstGeom prst="roundRect">
-                <a:avLst/>
-              </a:prstGeom>
-              <a:noFill/>
-              <a:ln>
-                <a:solidFill>
-                  <a:srgbClr val="FF0000"/>
-                </a:solidFill>
-                <a:prstDash val="dash"/>
-              </a:ln>
-            </p:spPr>
-            <p:style>
-              <a:lnRef idx="2">
-                <a:schemeClr val="accent1">
-                  <a:shade val="50000"/>
-                </a:schemeClr>
-              </a:lnRef>
-              <a:fillRef idx="1">
-                <a:schemeClr val="accent1"/>
-              </a:fillRef>
-              <a:effectRef idx="0">
-                <a:schemeClr val="accent1"/>
-              </a:effectRef>
-              <a:fontRef idx="minor">
-                <a:schemeClr val="lt1"/>
-              </a:fontRef>
-            </p:style>
-            <p:txBody>
-              <a:bodyPr rtlCol="0" anchor="ctr"/>
-              <a:lstStyle/>
-              <a:p>
-                <a:pPr algn="ctr"/>
-                <a:endParaRPr lang="en-US" sz="1600">
-                  <a:latin typeface="CMU Serif" panose="02000603000000000000" pitchFamily="2" charset="0"/>
-                  <a:ea typeface="CMU Serif" panose="02000603000000000000" pitchFamily="2" charset="0"/>
-                  <a:cs typeface="CMU Serif" panose="02000603000000000000" pitchFamily="2" charset="0"/>
-                </a:endParaRPr>
-              </a:p>
-            </p:txBody>
-          </p:sp>
-        </p:grpSp>
+            <a:prstGeom prst="bentConnector3">
+              <a:avLst>
+                <a:gd name="adj1" fmla="val 50000"/>
+              </a:avLst>
+            </a:prstGeom>
+            <a:ln w="25400" cap="rnd" cmpd="sng">
+              <a:tailEnd type="triangle" w="lg" len="med"/>
+            </a:ln>
+          </p:spPr>
+          <p:style>
+            <a:lnRef idx="1">
+              <a:schemeClr val="accent1"/>
+            </a:lnRef>
+            <a:fillRef idx="0">
+              <a:schemeClr val="accent1"/>
+            </a:fillRef>
+            <a:effectRef idx="0">
+              <a:schemeClr val="accent1"/>
+            </a:effectRef>
+            <a:fontRef idx="minor">
+              <a:schemeClr val="tx1"/>
+            </a:fontRef>
+          </p:style>
+        </p:cxnSp>
+        <p:cxnSp>
+          <p:nvCxnSpPr>
+            <p:cNvPr id="52" name="Elbow Connector 51"/>
+            <p:cNvCxnSpPr>
+              <a:stCxn id="5" idx="3"/>
+              <a:endCxn id="30" idx="1"/>
+            </p:cNvCxnSpPr>
+            <p:nvPr/>
+          </p:nvCxnSpPr>
+          <p:spPr>
+            <a:xfrm>
+              <a:off x="6628761" y="3430179"/>
+              <a:ext cx="991239" cy="2378201"/>
+            </a:xfrm>
+            <a:prstGeom prst="bentConnector3">
+              <a:avLst>
+                <a:gd name="adj1" fmla="val 50000"/>
+              </a:avLst>
+            </a:prstGeom>
+            <a:ln w="25400" cap="rnd" cmpd="sng">
+              <a:tailEnd type="triangle" w="lg" len="med"/>
+            </a:ln>
+          </p:spPr>
+          <p:style>
+            <a:lnRef idx="1">
+              <a:schemeClr val="accent1"/>
+            </a:lnRef>
+            <a:fillRef idx="0">
+              <a:schemeClr val="accent1"/>
+            </a:fillRef>
+            <a:effectRef idx="0">
+              <a:schemeClr val="accent1"/>
+            </a:effectRef>
+            <a:fontRef idx="minor">
+              <a:schemeClr val="tx1"/>
+            </a:fontRef>
+          </p:style>
+        </p:cxnSp>
+        <p:cxnSp>
+          <p:nvCxnSpPr>
+            <p:cNvPr id="65" name="Elbow Connector 64"/>
+            <p:cNvCxnSpPr>
+              <a:stCxn id="7" idx="3"/>
+              <a:endCxn id="45" idx="1"/>
+            </p:cNvCxnSpPr>
+            <p:nvPr/>
+          </p:nvCxnSpPr>
+          <p:spPr>
+            <a:xfrm>
+              <a:off x="9219910" y="2634698"/>
+              <a:ext cx="1007713" cy="795481"/>
+            </a:xfrm>
+            <a:prstGeom prst="bentConnector3">
+              <a:avLst>
+                <a:gd name="adj1" fmla="val 50000"/>
+              </a:avLst>
+            </a:prstGeom>
+            <a:ln w="25400" cap="rnd" cmpd="sng">
+              <a:tailEnd type="triangle" w="lg" len="med"/>
+            </a:ln>
+          </p:spPr>
+          <p:style>
+            <a:lnRef idx="1">
+              <a:schemeClr val="accent1"/>
+            </a:lnRef>
+            <a:fillRef idx="0">
+              <a:schemeClr val="accent1"/>
+            </a:fillRef>
+            <a:effectRef idx="0">
+              <a:schemeClr val="accent1"/>
+            </a:effectRef>
+            <a:fontRef idx="minor">
+              <a:schemeClr val="tx1"/>
+            </a:fontRef>
+          </p:style>
+        </p:cxnSp>
+        <p:cxnSp>
+          <p:nvCxnSpPr>
+            <p:cNvPr id="66" name="Elbow Connector 65"/>
+            <p:cNvCxnSpPr>
+              <a:stCxn id="8" idx="3"/>
+              <a:endCxn id="45" idx="1"/>
+            </p:cNvCxnSpPr>
+            <p:nvPr/>
+          </p:nvCxnSpPr>
+          <p:spPr>
+            <a:xfrm flipV="1">
+              <a:off x="9219910" y="3430179"/>
+              <a:ext cx="1007713" cy="791360"/>
+            </a:xfrm>
+            <a:prstGeom prst="bentConnector3">
+              <a:avLst>
+                <a:gd name="adj1" fmla="val 50000"/>
+              </a:avLst>
+            </a:prstGeom>
+            <a:ln w="25400" cap="rnd" cmpd="sng">
+              <a:tailEnd type="triangle" w="lg" len="med"/>
+            </a:ln>
+          </p:spPr>
+          <p:style>
+            <a:lnRef idx="1">
+              <a:schemeClr val="accent1"/>
+            </a:lnRef>
+            <a:fillRef idx="0">
+              <a:schemeClr val="accent1"/>
+            </a:fillRef>
+            <a:effectRef idx="0">
+              <a:schemeClr val="accent1"/>
+            </a:effectRef>
+            <a:fontRef idx="minor">
+              <a:schemeClr val="tx1"/>
+            </a:fontRef>
+          </p:style>
+        </p:cxnSp>
+        <p:cxnSp>
+          <p:nvCxnSpPr>
+            <p:cNvPr id="68" name="Elbow Connector 67"/>
+            <p:cNvCxnSpPr>
+              <a:stCxn id="33" idx="3"/>
+              <a:endCxn id="45" idx="1"/>
+            </p:cNvCxnSpPr>
+            <p:nvPr/>
+          </p:nvCxnSpPr>
+          <p:spPr>
+            <a:xfrm>
+              <a:off x="9219910" y="1051955"/>
+              <a:ext cx="1007713" cy="2378224"/>
+            </a:xfrm>
+            <a:prstGeom prst="bentConnector3">
+              <a:avLst>
+                <a:gd name="adj1" fmla="val 50000"/>
+              </a:avLst>
+            </a:prstGeom>
+            <a:ln w="25400" cap="rnd" cmpd="sng">
+              <a:tailEnd type="triangle" w="lg" len="med"/>
+            </a:ln>
+          </p:spPr>
+          <p:style>
+            <a:lnRef idx="1">
+              <a:schemeClr val="accent1"/>
+            </a:lnRef>
+            <a:fillRef idx="0">
+              <a:schemeClr val="accent1"/>
+            </a:fillRef>
+            <a:effectRef idx="0">
+              <a:schemeClr val="accent1"/>
+            </a:effectRef>
+            <a:fontRef idx="minor">
+              <a:schemeClr val="tx1"/>
+            </a:fontRef>
+          </p:style>
+        </p:cxnSp>
+        <p:cxnSp>
+          <p:nvCxnSpPr>
+            <p:cNvPr id="74" name="Elbow Connector 73"/>
+            <p:cNvCxnSpPr>
+              <a:stCxn id="30" idx="3"/>
+              <a:endCxn id="45" idx="1"/>
+            </p:cNvCxnSpPr>
+            <p:nvPr/>
+          </p:nvCxnSpPr>
+          <p:spPr>
+            <a:xfrm flipV="1">
+              <a:off x="9219910" y="3430179"/>
+              <a:ext cx="1007713" cy="2378201"/>
+            </a:xfrm>
+            <a:prstGeom prst="bentConnector3">
+              <a:avLst>
+                <a:gd name="adj1" fmla="val 50000"/>
+              </a:avLst>
+            </a:prstGeom>
+            <a:ln w="25400" cap="rnd" cmpd="sng">
+              <a:tailEnd type="triangle" w="lg" len="med"/>
+            </a:ln>
+          </p:spPr>
+          <p:style>
+            <a:lnRef idx="1">
+              <a:schemeClr val="accent1"/>
+            </a:lnRef>
+            <a:fillRef idx="0">
+              <a:schemeClr val="accent1"/>
+            </a:fillRef>
+            <a:effectRef idx="0">
+              <a:schemeClr val="accent1"/>
+            </a:effectRef>
+            <a:fontRef idx="minor">
+              <a:schemeClr val="tx1"/>
+            </a:fontRef>
+          </p:style>
+        </p:cxnSp>
+        <p:cxnSp>
+          <p:nvCxnSpPr>
+            <p:cNvPr id="76" name="Elbow Connector 75"/>
+            <p:cNvCxnSpPr>
+              <a:stCxn id="45" idx="2"/>
+              <a:endCxn id="5" idx="2"/>
+            </p:cNvCxnSpPr>
+            <p:nvPr/>
+          </p:nvCxnSpPr>
+          <p:spPr>
+            <a:xfrm rot="5400000">
+              <a:off x="8290709" y="2196241"/>
+              <a:ext cx="12700" cy="4923806"/>
+            </a:xfrm>
+            <a:prstGeom prst="bentConnector3">
+              <a:avLst>
+                <a:gd name="adj1" fmla="val 14877551"/>
+              </a:avLst>
+            </a:prstGeom>
+            <a:ln w="25400" cap="rnd" cmpd="sng">
+              <a:tailEnd type="triangle" w="lg" len="med"/>
+            </a:ln>
+          </p:spPr>
+          <p:style>
+            <a:lnRef idx="1">
+              <a:schemeClr val="accent1"/>
+            </a:lnRef>
+            <a:fillRef idx="0">
+              <a:schemeClr val="accent1"/>
+            </a:fillRef>
+            <a:effectRef idx="0">
+              <a:schemeClr val="accent1"/>
+            </a:effectRef>
+            <a:fontRef idx="minor">
+              <a:schemeClr val="tx1"/>
+            </a:fontRef>
+          </p:style>
+        </p:cxnSp>
+        <p:cxnSp>
+          <p:nvCxnSpPr>
+            <p:cNvPr id="106" name="Elbow Connector 105"/>
+            <p:cNvCxnSpPr>
+              <a:stCxn id="5" idx="3"/>
+              <a:endCxn id="7" idx="1"/>
+            </p:cNvCxnSpPr>
+            <p:nvPr/>
+          </p:nvCxnSpPr>
+          <p:spPr>
+            <a:xfrm flipV="1">
+              <a:off x="6628761" y="2634698"/>
+              <a:ext cx="991239" cy="795481"/>
+            </a:xfrm>
+            <a:prstGeom prst="bentConnector3">
+              <a:avLst>
+                <a:gd name="adj1" fmla="val 50000"/>
+              </a:avLst>
+            </a:prstGeom>
+            <a:ln w="25400" cap="rnd" cmpd="sng">
+              <a:tailEnd type="triangle" w="lg" len="med"/>
+            </a:ln>
+          </p:spPr>
+          <p:style>
+            <a:lnRef idx="1">
+              <a:schemeClr val="accent1"/>
+            </a:lnRef>
+            <a:fillRef idx="0">
+              <a:schemeClr val="accent1"/>
+            </a:fillRef>
+            <a:effectRef idx="0">
+              <a:schemeClr val="accent1"/>
+            </a:effectRef>
+            <a:fontRef idx="minor">
+              <a:schemeClr val="tx1"/>
+            </a:fontRef>
+          </p:style>
+        </p:cxnSp>
       </p:grpSp>
     </p:spTree>
     <p:extLst>

--- a/figures.pptx
+++ b/figures.pptx
@@ -550,11 +550,11 @@
         </c:dLbls>
         <c:marker val="1"/>
         <c:smooth val="0"/>
-        <c:axId val="184265584"/>
-        <c:axId val="184266144"/>
+        <c:axId val="397310192"/>
+        <c:axId val="397310752"/>
       </c:lineChart>
       <c:catAx>
-        <c:axId val="184265584"/>
+        <c:axId val="397310192"/>
         <c:scaling>
           <c:orientation val="minMax"/>
         </c:scaling>
@@ -566,7 +566,7 @@
         <c:majorTickMark val="out"/>
         <c:minorTickMark val="none"/>
         <c:tickLblPos val="nextTo"/>
-        <c:crossAx val="184266144"/>
+        <c:crossAx val="397310752"/>
         <c:crosses val="autoZero"/>
         <c:auto val="1"/>
         <c:lblAlgn val="ctr"/>
@@ -574,7 +574,7 @@
         <c:noMultiLvlLbl val="0"/>
       </c:catAx>
       <c:valAx>
-        <c:axId val="184266144"/>
+        <c:axId val="397310752"/>
         <c:scaling>
           <c:orientation val="minMax"/>
         </c:scaling>
@@ -586,13 +586,14 @@
         <c:majorTickMark val="out"/>
         <c:minorTickMark val="none"/>
         <c:tickLblPos val="nextTo"/>
-        <c:crossAx val="184265584"/>
+        <c:crossAx val="397310192"/>
         <c:crosses val="autoZero"/>
         <c:crossBetween val="between"/>
       </c:valAx>
     </c:plotArea>
     <c:legend>
       <c:legendPos val="b"/>
+      <c:layout/>
       <c:overlay val="0"/>
     </c:legend>
     <c:plotVisOnly val="1"/>
@@ -774,11 +775,11 @@
           <c:showBubbleSize val="0"/>
         </c:dLbls>
         <c:gapWidth val="150"/>
-        <c:axId val="176440000"/>
-        <c:axId val="176440560"/>
+        <c:axId val="401344064"/>
+        <c:axId val="401344624"/>
       </c:barChart>
       <c:catAx>
-        <c:axId val="176440000"/>
+        <c:axId val="401344064"/>
         <c:scaling>
           <c:orientation val="minMax"/>
         </c:scaling>
@@ -788,7 +789,7 @@
         <c:majorTickMark val="out"/>
         <c:minorTickMark val="none"/>
         <c:tickLblPos val="nextTo"/>
-        <c:crossAx val="176440560"/>
+        <c:crossAx val="401344624"/>
         <c:crosses val="autoZero"/>
         <c:auto val="1"/>
         <c:lblAlgn val="ctr"/>
@@ -796,7 +797,7 @@
         <c:noMultiLvlLbl val="0"/>
       </c:catAx>
       <c:valAx>
-        <c:axId val="176440560"/>
+        <c:axId val="401344624"/>
         <c:scaling>
           <c:orientation val="minMax"/>
         </c:scaling>
@@ -807,13 +808,14 @@
         <c:majorTickMark val="out"/>
         <c:minorTickMark val="none"/>
         <c:tickLblPos val="nextTo"/>
-        <c:crossAx val="176440000"/>
+        <c:crossAx val="401344064"/>
         <c:crosses val="autoZero"/>
         <c:crossBetween val="between"/>
       </c:valAx>
     </c:plotArea>
     <c:legend>
       <c:legendPos val="b"/>
+      <c:layout/>
       <c:overlay val="0"/>
     </c:legend>
     <c:plotVisOnly val="1"/>
@@ -855,6 +857,7 @@
   </mc:AlternateContent>
   <c:chart>
     <c:title>
+      <c:layout/>
       <c:overlay val="0"/>
       <c:spPr>
         <a:noFill/>
@@ -1037,7 +1040,9 @@
               </c:spPr>
             </c:leaderLines>
             <c:extLst>
-              <c:ext xmlns:c15="http://schemas.microsoft.com/office/drawing/2012/chart" uri="{CE6537A1-D6FC-4f65-9D91-7224C49458BB}"/>
+              <c:ext xmlns:c15="http://schemas.microsoft.com/office/drawing/2012/chart" uri="{CE6537A1-D6FC-4f65-9D91-7224C49458BB}">
+                <c15:layout/>
+              </c:ext>
             </c:extLst>
           </c:dLbls>
           <c:cat>
@@ -1067,19 +1072,19 @@
             <c:numRef>
               <c:f>Sheet1!$B$2:$B$6</c:f>
               <c:numCache>
-                <c:formatCode>General</c:formatCode>
+                <c:formatCode>0%</c:formatCode>
                 <c:ptCount val="5"/>
                 <c:pt idx="0">
-                  <c:v>9</c:v>
+                  <c:v>0.23</c:v>
                 </c:pt>
                 <c:pt idx="1">
-                  <c:v>20</c:v>
+                  <c:v>0.51</c:v>
                 </c:pt>
                 <c:pt idx="2">
-                  <c:v>7</c:v>
+                  <c:v>0.18</c:v>
                 </c:pt>
                 <c:pt idx="3">
-                  <c:v>3</c:v>
+                  <c:v>0.08</c:v>
                 </c:pt>
                 <c:pt idx="4">
                   <c:v>0</c:v>
@@ -1110,6 +1115,7 @@
     </c:plotArea>
     <c:legend>
       <c:legendPos val="b"/>
+      <c:layout/>
       <c:overlay val="0"/>
       <c:spPr>
         <a:noFill/>
@@ -1185,6 +1191,7 @@
   </mc:AlternateContent>
   <c:chart>
     <c:title>
+      <c:layout/>
       <c:overlay val="0"/>
       <c:spPr>
         <a:noFill/>
@@ -1367,7 +1374,9 @@
               </c:spPr>
             </c:leaderLines>
             <c:extLst>
-              <c:ext xmlns:c15="http://schemas.microsoft.com/office/drawing/2012/chart" uri="{CE6537A1-D6FC-4f65-9D91-7224C49458BB}"/>
+              <c:ext xmlns:c15="http://schemas.microsoft.com/office/drawing/2012/chart" uri="{CE6537A1-D6FC-4f65-9D91-7224C49458BB}">
+                <c15:layout/>
+              </c:ext>
             </c:extLst>
           </c:dLbls>
           <c:cat>
@@ -1397,22 +1406,22 @@
             <c:numRef>
               <c:f>Sheet1!$B$2:$B$6</c:f>
               <c:numCache>
-                <c:formatCode>General</c:formatCode>
+                <c:formatCode>0%</c:formatCode>
                 <c:ptCount val="5"/>
                 <c:pt idx="0">
-                  <c:v>12</c:v>
+                  <c:v>0.3</c:v>
                 </c:pt>
                 <c:pt idx="1">
-                  <c:v>16</c:v>
+                  <c:v>0.4</c:v>
                 </c:pt>
                 <c:pt idx="2">
-                  <c:v>9</c:v>
+                  <c:v>0.22</c:v>
                 </c:pt>
                 <c:pt idx="3">
-                  <c:v>2</c:v>
+                  <c:v>0.05</c:v>
                 </c:pt>
                 <c:pt idx="4">
-                  <c:v>1</c:v>
+                  <c:v>0.03</c:v>
                 </c:pt>
               </c:numCache>
             </c:numRef>
@@ -1440,6 +1449,7 @@
     </c:plotArea>
     <c:legend>
       <c:legendPos val="b"/>
+      <c:layout/>
       <c:overlay val="0"/>
       <c:spPr>
         <a:noFill/>
@@ -1515,6 +1525,7 @@
   </mc:AlternateContent>
   <c:chart>
     <c:title>
+      <c:layout/>
       <c:overlay val="0"/>
       <c:spPr>
         <a:noFill/>
@@ -1697,7 +1708,9 @@
               </c:spPr>
             </c:leaderLines>
             <c:extLst>
-              <c:ext xmlns:c15="http://schemas.microsoft.com/office/drawing/2012/chart" uri="{CE6537A1-D6FC-4f65-9D91-7224C49458BB}"/>
+              <c:ext xmlns:c15="http://schemas.microsoft.com/office/drawing/2012/chart" uri="{CE6537A1-D6FC-4f65-9D91-7224C49458BB}">
+                <c15:layout/>
+              </c:ext>
             </c:extLst>
           </c:dLbls>
           <c:cat>
@@ -1727,21 +1740,21 @@
             <c:numRef>
               <c:f>Sheet1!$B$2:$B$6</c:f>
               <c:numCache>
-                <c:formatCode>General</c:formatCode>
+                <c:formatCode>0%</c:formatCode>
                 <c:ptCount val="5"/>
                 <c:pt idx="0">
-                  <c:v>9</c:v>
+                  <c:v>0.23</c:v>
                 </c:pt>
                 <c:pt idx="1">
-                  <c:v>14</c:v>
+                  <c:v>0.36</c:v>
                 </c:pt>
                 <c:pt idx="2">
-                  <c:v>13</c:v>
+                  <c:v>0.33</c:v>
                 </c:pt>
                 <c:pt idx="3">
-                  <c:v>3</c:v>
+                  <c:v>0.08</c:v>
                 </c:pt>
-                <c:pt idx="4">
+                <c:pt idx="4" formatCode="General">
                   <c:v>0</c:v>
                 </c:pt>
               </c:numCache>
@@ -1770,6 +1783,7 @@
     </c:plotArea>
     <c:legend>
       <c:legendPos val="b"/>
+      <c:layout/>
       <c:overlay val="0"/>
       <c:spPr>
         <a:noFill/>
@@ -1845,6 +1859,7 @@
   </mc:AlternateContent>
   <c:chart>
     <c:title>
+      <c:layout/>
       <c:overlay val="0"/>
       <c:spPr>
         <a:noFill/>
@@ -2027,7 +2042,9 @@
               </c:spPr>
             </c:leaderLines>
             <c:extLst>
-              <c:ext xmlns:c15="http://schemas.microsoft.com/office/drawing/2012/chart" uri="{CE6537A1-D6FC-4f65-9D91-7224C49458BB}"/>
+              <c:ext xmlns:c15="http://schemas.microsoft.com/office/drawing/2012/chart" uri="{CE6537A1-D6FC-4f65-9D91-7224C49458BB}">
+                <c15:layout/>
+              </c:ext>
             </c:extLst>
           </c:dLbls>
           <c:cat>
@@ -2057,21 +2074,21 @@
             <c:numRef>
               <c:f>Sheet1!$B$2:$B$6</c:f>
               <c:numCache>
-                <c:formatCode>General</c:formatCode>
+                <c:formatCode>0%</c:formatCode>
                 <c:ptCount val="5"/>
                 <c:pt idx="0">
-                  <c:v>8</c:v>
+                  <c:v>0.21</c:v>
                 </c:pt>
                 <c:pt idx="1">
-                  <c:v>16</c:v>
+                  <c:v>0.41</c:v>
                 </c:pt>
                 <c:pt idx="2">
-                  <c:v>10</c:v>
+                  <c:v>0.26</c:v>
                 </c:pt>
                 <c:pt idx="3">
-                  <c:v>5</c:v>
+                  <c:v>0.13</c:v>
                 </c:pt>
-                <c:pt idx="4">
+                <c:pt idx="4" formatCode="General">
                   <c:v>0</c:v>
                 </c:pt>
               </c:numCache>
@@ -2100,6 +2117,7 @@
     </c:plotArea>
     <c:legend>
       <c:legendPos val="b"/>
+      <c:layout/>
       <c:overlay val="0"/>
       <c:spPr>
         <a:noFill/>
@@ -2174,6 +2192,7 @@
   </mc:AlternateContent>
   <c:chart>
     <c:title>
+      <c:layout/>
       <c:overlay val="0"/>
       <c:spPr>
         <a:noFill/>
@@ -2356,7 +2375,9 @@
               </c:spPr>
             </c:leaderLines>
             <c:extLst>
-              <c:ext xmlns:c15="http://schemas.microsoft.com/office/drawing/2012/chart" uri="{CE6537A1-D6FC-4f65-9D91-7224C49458BB}"/>
+              <c:ext xmlns:c15="http://schemas.microsoft.com/office/drawing/2012/chart" uri="{CE6537A1-D6FC-4f65-9D91-7224C49458BB}">
+                <c15:layout/>
+              </c:ext>
             </c:extLst>
           </c:dLbls>
           <c:cat>
@@ -2386,22 +2407,22 @@
             <c:numRef>
               <c:f>Sheet1!$B$2:$B$6</c:f>
               <c:numCache>
-                <c:formatCode>General</c:formatCode>
+                <c:formatCode>0%</c:formatCode>
                 <c:ptCount val="5"/>
                 <c:pt idx="0">
-                  <c:v>16</c:v>
+                  <c:v>0.41</c:v>
                 </c:pt>
                 <c:pt idx="1">
-                  <c:v>11</c:v>
+                  <c:v>0.28000000000000003</c:v>
                 </c:pt>
                 <c:pt idx="2">
-                  <c:v>9</c:v>
+                  <c:v>0.23</c:v>
                 </c:pt>
                 <c:pt idx="3">
-                  <c:v>2</c:v>
+                  <c:v>0.05</c:v>
                 </c:pt>
                 <c:pt idx="4">
-                  <c:v>1</c:v>
+                  <c:v>0.03</c:v>
                 </c:pt>
               </c:numCache>
             </c:numRef>
@@ -2429,6 +2450,7 @@
     </c:plotArea>
     <c:legend>
       <c:legendPos val="b"/>
+      <c:layout/>
       <c:overlay val="0"/>
       <c:spPr>
         <a:noFill/>
@@ -2504,6 +2526,7 @@
   </mc:AlternateContent>
   <c:chart>
     <c:title>
+      <c:layout/>
       <c:overlay val="0"/>
       <c:spPr>
         <a:noFill/>
@@ -2652,7 +2675,9 @@
               </c:spPr>
             </c:leaderLines>
             <c:extLst>
-              <c:ext xmlns:c15="http://schemas.microsoft.com/office/drawing/2012/chart" uri="{CE6537A1-D6FC-4f65-9D91-7224C49458BB}"/>
+              <c:ext xmlns:c15="http://schemas.microsoft.com/office/drawing/2012/chart" uri="{CE6537A1-D6FC-4f65-9D91-7224C49458BB}">
+                <c15:layout/>
+              </c:ext>
             </c:extLst>
           </c:dLbls>
           <c:cat>
@@ -2676,16 +2701,16 @@
             <c:numRef>
               <c:f>Sheet1!$B$2:$B$4</c:f>
               <c:numCache>
-                <c:formatCode>General</c:formatCode>
+                <c:formatCode>0%</c:formatCode>
                 <c:ptCount val="3"/>
                 <c:pt idx="0">
-                  <c:v>16</c:v>
+                  <c:v>0.41</c:v>
                 </c:pt>
                 <c:pt idx="1">
-                  <c:v>17</c:v>
+                  <c:v>0.44</c:v>
                 </c:pt>
                 <c:pt idx="2">
-                  <c:v>6</c:v>
+                  <c:v>0.15</c:v>
                 </c:pt>
               </c:numCache>
             </c:numRef>
@@ -2713,6 +2738,7 @@
     </c:plotArea>
     <c:legend>
       <c:legendPos val="b"/>
+      <c:layout/>
       <c:overlay val="0"/>
       <c:spPr>
         <a:noFill/>
@@ -13061,807 +13087,6 @@
       <dsp:cNvGrpSpPr/>
     </dsp:nvGrpSpPr>
     <dsp:grpSpPr/>
-    <dsp:sp modelId="{9817433F-A425-4B88-BC11-6293B8B2AD5A}">
-      <dsp:nvSpPr>
-        <dsp:cNvPr id="0" name=""/>
-        <dsp:cNvSpPr/>
-      </dsp:nvSpPr>
-      <dsp:spPr>
-        <a:xfrm>
-          <a:off x="860" y="1558"/>
-          <a:ext cx="7497628" cy="767350"/>
-        </a:xfrm>
-        <a:prstGeom prst="roundRect">
-          <a:avLst>
-            <a:gd name="adj" fmla="val 10000"/>
-          </a:avLst>
-        </a:prstGeom>
-        <a:solidFill>
-          <a:srgbClr val="4F81BD"/>
-        </a:solidFill>
-        <a:ln w="25400" cap="flat" cmpd="sng" algn="ctr">
-          <a:solidFill>
-            <a:sysClr val="window" lastClr="FFFFFF">
-              <a:hueOff val="0"/>
-              <a:satOff val="0"/>
-              <a:lumOff val="0"/>
-              <a:alphaOff val="0"/>
-            </a:sysClr>
-          </a:solidFill>
-          <a:prstDash val="solid"/>
-          <a:miter lim="800000"/>
-        </a:ln>
-        <a:effectLst/>
-      </dsp:spPr>
-      <dsp:style>
-        <a:lnRef idx="2">
-          <a:scrgbClr r="0" g="0" b="0"/>
-        </a:lnRef>
-        <a:fillRef idx="1">
-          <a:scrgbClr r="0" g="0" b="0"/>
-        </a:fillRef>
-        <a:effectRef idx="0">
-          <a:scrgbClr r="0" g="0" b="0"/>
-        </a:effectRef>
-        <a:fontRef idx="minor">
-          <a:schemeClr val="lt1"/>
-        </a:fontRef>
-      </dsp:style>
-      <dsp:txBody>
-        <a:bodyPr spcFirstLastPara="0" vert="horz" wrap="square" lIns="106680" tIns="106680" rIns="106680" bIns="106680" numCol="1" spcCol="1270" anchor="ctr" anchorCtr="0">
-          <a:noAutofit/>
-        </a:bodyPr>
-        <a:lstStyle/>
-        <a:p>
-          <a:pPr lvl="0" algn="ctr" defTabSz="1244600">
-            <a:lnSpc>
-              <a:spcPct val="90000"/>
-            </a:lnSpc>
-            <a:spcBef>
-              <a:spcPct val="0"/>
-            </a:spcBef>
-            <a:spcAft>
-              <a:spcPct val="35000"/>
-            </a:spcAft>
-          </a:pPr>
-          <a:r>
-            <a:rPr lang="en-US" sz="2800" kern="1200" dirty="0" smtClean="0">
-              <a:solidFill>
-                <a:sysClr val="window" lastClr="FFFFFF"/>
-              </a:solidFill>
-              <a:latin typeface="CMU Serif" panose="02000603000000000000" pitchFamily="2" charset="0"/>
-              <a:ea typeface="CMU Serif" panose="02000603000000000000" pitchFamily="2" charset="0"/>
-              <a:cs typeface="CMU Serif" panose="02000603000000000000" pitchFamily="2" charset="0"/>
-            </a:rPr>
-            <a:t>Bus Transport in SL</a:t>
-          </a:r>
-          <a:endParaRPr lang="en-US" sz="2800" kern="1200" dirty="0">
-            <a:solidFill>
-              <a:sysClr val="window" lastClr="FFFFFF"/>
-            </a:solidFill>
-            <a:latin typeface="CMU Serif" panose="02000603000000000000" pitchFamily="2" charset="0"/>
-            <a:ea typeface="CMU Serif" panose="02000603000000000000" pitchFamily="2" charset="0"/>
-            <a:cs typeface="CMU Serif" panose="02000603000000000000" pitchFamily="2" charset="0"/>
-          </a:endParaRPr>
-        </a:p>
-      </dsp:txBody>
-      <dsp:txXfrm>
-        <a:off x="23335" y="24033"/>
-        <a:ext cx="7452678" cy="722400"/>
-      </dsp:txXfrm>
-    </dsp:sp>
-    <dsp:sp modelId="{3B4DD705-ACAD-4DEE-9C51-D46E3A332F4E}">
-      <dsp:nvSpPr>
-        <dsp:cNvPr id="0" name=""/>
-        <dsp:cNvSpPr/>
-      </dsp:nvSpPr>
-      <dsp:spPr>
-        <a:xfrm>
-          <a:off x="860" y="876975"/>
-          <a:ext cx="2398473" cy="1235310"/>
-        </a:xfrm>
-        <a:prstGeom prst="roundRect">
-          <a:avLst>
-            <a:gd name="adj" fmla="val 10000"/>
-          </a:avLst>
-        </a:prstGeom>
-        <a:solidFill>
-          <a:srgbClr val="92D050"/>
-        </a:solidFill>
-        <a:ln w="25400" cap="flat" cmpd="sng" algn="ctr">
-          <a:solidFill>
-            <a:sysClr val="window" lastClr="FFFFFF">
-              <a:hueOff val="0"/>
-              <a:satOff val="0"/>
-              <a:lumOff val="0"/>
-              <a:alphaOff val="0"/>
-            </a:sysClr>
-          </a:solidFill>
-          <a:prstDash val="solid"/>
-          <a:miter lim="800000"/>
-        </a:ln>
-        <a:effectLst/>
-      </dsp:spPr>
-      <dsp:style>
-        <a:lnRef idx="2">
-          <a:scrgbClr r="0" g="0" b="0"/>
-        </a:lnRef>
-        <a:fillRef idx="1">
-          <a:scrgbClr r="0" g="0" b="0"/>
-        </a:fillRef>
-        <a:effectRef idx="0">
-          <a:scrgbClr r="0" g="0" b="0"/>
-        </a:effectRef>
-        <a:fontRef idx="minor">
-          <a:schemeClr val="lt1"/>
-        </a:fontRef>
-      </dsp:style>
-      <dsp:txBody>
-        <a:bodyPr spcFirstLastPara="0" vert="horz" wrap="square" lIns="106680" tIns="106680" rIns="106680" bIns="106680" numCol="1" spcCol="1270" anchor="ctr" anchorCtr="0">
-          <a:noAutofit/>
-        </a:bodyPr>
-        <a:lstStyle/>
-        <a:p>
-          <a:pPr lvl="0" algn="ctr" defTabSz="1244600">
-            <a:lnSpc>
-              <a:spcPct val="90000"/>
-            </a:lnSpc>
-            <a:spcBef>
-              <a:spcPct val="0"/>
-            </a:spcBef>
-            <a:spcAft>
-              <a:spcPct val="35000"/>
-            </a:spcAft>
-          </a:pPr>
-          <a:r>
-            <a:rPr lang="en-US" sz="2800" kern="1200" dirty="0" smtClean="0">
-              <a:solidFill>
-                <a:sysClr val="windowText" lastClr="000000"/>
-              </a:solidFill>
-              <a:latin typeface="CMU Serif" panose="02000603000000000000" pitchFamily="2" charset="0"/>
-              <a:ea typeface="CMU Serif" panose="02000603000000000000" pitchFamily="2" charset="0"/>
-              <a:cs typeface="CMU Serif" panose="02000603000000000000" pitchFamily="2" charset="0"/>
-            </a:rPr>
-            <a:t>State-Owned</a:t>
-          </a:r>
-          <a:endParaRPr lang="en-US" sz="2800" kern="1200" dirty="0">
-            <a:solidFill>
-              <a:sysClr val="windowText" lastClr="000000"/>
-            </a:solidFill>
-            <a:latin typeface="CMU Serif" panose="02000603000000000000" pitchFamily="2" charset="0"/>
-            <a:ea typeface="CMU Serif" panose="02000603000000000000" pitchFamily="2" charset="0"/>
-            <a:cs typeface="CMU Serif" panose="02000603000000000000" pitchFamily="2" charset="0"/>
-          </a:endParaRPr>
-        </a:p>
-      </dsp:txBody>
-      <dsp:txXfrm>
-        <a:off x="37041" y="913156"/>
-        <a:ext cx="2326111" cy="1162948"/>
-      </dsp:txXfrm>
-    </dsp:sp>
-    <dsp:sp modelId="{C06513B5-A425-49AE-9F21-48C3FC6D0179}">
-      <dsp:nvSpPr>
-        <dsp:cNvPr id="0" name=""/>
-        <dsp:cNvSpPr/>
-      </dsp:nvSpPr>
-      <dsp:spPr>
-        <a:xfrm>
-          <a:off x="860" y="2220353"/>
-          <a:ext cx="2398473" cy="1235310"/>
-        </a:xfrm>
-        <a:prstGeom prst="roundRect">
-          <a:avLst>
-            <a:gd name="adj" fmla="val 10000"/>
-          </a:avLst>
-        </a:prstGeom>
-        <a:solidFill>
-          <a:srgbClr val="92D050"/>
-        </a:solidFill>
-        <a:ln w="25400" cap="flat" cmpd="sng" algn="ctr">
-          <a:solidFill>
-            <a:sysClr val="window" lastClr="FFFFFF">
-              <a:hueOff val="0"/>
-              <a:satOff val="0"/>
-              <a:lumOff val="0"/>
-              <a:alphaOff val="0"/>
-            </a:sysClr>
-          </a:solidFill>
-          <a:prstDash val="solid"/>
-          <a:miter lim="800000"/>
-        </a:ln>
-        <a:effectLst/>
-      </dsp:spPr>
-      <dsp:style>
-        <a:lnRef idx="2">
-          <a:scrgbClr r="0" g="0" b="0"/>
-        </a:lnRef>
-        <a:fillRef idx="1">
-          <a:scrgbClr r="0" g="0" b="0"/>
-        </a:fillRef>
-        <a:effectRef idx="0">
-          <a:scrgbClr r="0" g="0" b="0"/>
-        </a:effectRef>
-        <a:fontRef idx="minor">
-          <a:schemeClr val="lt1"/>
-        </a:fontRef>
-      </dsp:style>
-      <dsp:txBody>
-        <a:bodyPr spcFirstLastPara="0" vert="horz" wrap="square" lIns="106680" tIns="106680" rIns="106680" bIns="106680" numCol="1" spcCol="1270" anchor="ctr" anchorCtr="0">
-          <a:noAutofit/>
-        </a:bodyPr>
-        <a:lstStyle/>
-        <a:p>
-          <a:pPr lvl="0" algn="ctr" defTabSz="1244600">
-            <a:lnSpc>
-              <a:spcPct val="90000"/>
-            </a:lnSpc>
-            <a:spcBef>
-              <a:spcPct val="0"/>
-            </a:spcBef>
-            <a:spcAft>
-              <a:spcPct val="35000"/>
-            </a:spcAft>
-          </a:pPr>
-          <a:r>
-            <a:rPr lang="en-US" sz="2800" kern="1200" dirty="0" smtClean="0">
-              <a:solidFill>
-                <a:sysClr val="windowText" lastClr="000000"/>
-              </a:solidFill>
-              <a:latin typeface="CMU Serif" panose="02000603000000000000" pitchFamily="2" charset="0"/>
-              <a:ea typeface="CMU Serif" panose="02000603000000000000" pitchFamily="2" charset="0"/>
-              <a:cs typeface="CMU Serif" panose="02000603000000000000" pitchFamily="2" charset="0"/>
-            </a:rPr>
-            <a:t>Islandwide</a:t>
-          </a:r>
-          <a:endParaRPr lang="en-US" sz="2800" kern="1200" dirty="0">
-            <a:solidFill>
-              <a:sysClr val="windowText" lastClr="000000"/>
-            </a:solidFill>
-            <a:latin typeface="CMU Serif" panose="02000603000000000000" pitchFamily="2" charset="0"/>
-            <a:ea typeface="CMU Serif" panose="02000603000000000000" pitchFamily="2" charset="0"/>
-            <a:cs typeface="CMU Serif" panose="02000603000000000000" pitchFamily="2" charset="0"/>
-          </a:endParaRPr>
-        </a:p>
-      </dsp:txBody>
-      <dsp:txXfrm>
-        <a:off x="37041" y="2256534"/>
-        <a:ext cx="2326111" cy="1162948"/>
-      </dsp:txXfrm>
-    </dsp:sp>
-    <dsp:sp modelId="{FD622AE2-9CDC-49F2-86F9-97D7FFF65CC3}">
-      <dsp:nvSpPr>
-        <dsp:cNvPr id="0" name=""/>
-        <dsp:cNvSpPr/>
-      </dsp:nvSpPr>
-      <dsp:spPr>
-        <a:xfrm>
-          <a:off x="860" y="3563730"/>
-          <a:ext cx="2398473" cy="1235310"/>
-        </a:xfrm>
-        <a:prstGeom prst="roundRect">
-          <a:avLst>
-            <a:gd name="adj" fmla="val 10000"/>
-          </a:avLst>
-        </a:prstGeom>
-        <a:solidFill>
-          <a:srgbClr val="92D050"/>
-        </a:solidFill>
-        <a:ln w="25400" cap="flat" cmpd="sng" algn="ctr">
-          <a:solidFill>
-            <a:sysClr val="window" lastClr="FFFFFF">
-              <a:hueOff val="0"/>
-              <a:satOff val="0"/>
-              <a:lumOff val="0"/>
-              <a:alphaOff val="0"/>
-            </a:sysClr>
-          </a:solidFill>
-          <a:prstDash val="solid"/>
-          <a:miter lim="800000"/>
-        </a:ln>
-        <a:effectLst/>
-      </dsp:spPr>
-      <dsp:style>
-        <a:lnRef idx="2">
-          <a:scrgbClr r="0" g="0" b="0"/>
-        </a:lnRef>
-        <a:fillRef idx="1">
-          <a:scrgbClr r="0" g="0" b="0"/>
-        </a:fillRef>
-        <a:effectRef idx="0">
-          <a:scrgbClr r="0" g="0" b="0"/>
-        </a:effectRef>
-        <a:fontRef idx="minor">
-          <a:schemeClr val="lt1"/>
-        </a:fontRef>
-      </dsp:style>
-      <dsp:txBody>
-        <a:bodyPr spcFirstLastPara="0" vert="horz" wrap="square" lIns="106680" tIns="106680" rIns="106680" bIns="106680" numCol="1" spcCol="1270" anchor="ctr" anchorCtr="0">
-          <a:noAutofit/>
-        </a:bodyPr>
-        <a:lstStyle/>
-        <a:p>
-          <a:pPr lvl="0" algn="ctr" defTabSz="1244600">
-            <a:lnSpc>
-              <a:spcPct val="90000"/>
-            </a:lnSpc>
-            <a:spcBef>
-              <a:spcPct val="0"/>
-            </a:spcBef>
-            <a:spcAft>
-              <a:spcPct val="35000"/>
-            </a:spcAft>
-          </a:pPr>
-          <a:r>
-            <a:rPr lang="en-US" sz="2800" kern="1200" dirty="0" smtClean="0">
-              <a:solidFill>
-                <a:sysClr val="windowText" lastClr="000000"/>
-              </a:solidFill>
-              <a:latin typeface="CMU Serif" panose="02000603000000000000" pitchFamily="2" charset="0"/>
-              <a:ea typeface="CMU Serif" panose="02000603000000000000" pitchFamily="2" charset="0"/>
-              <a:cs typeface="CMU Serif" panose="02000603000000000000" pitchFamily="2" charset="0"/>
-            </a:rPr>
-            <a:t>SLTB</a:t>
-          </a:r>
-          <a:endParaRPr lang="en-US" sz="2800" kern="1200" dirty="0">
-            <a:solidFill>
-              <a:sysClr val="windowText" lastClr="000000"/>
-            </a:solidFill>
-            <a:latin typeface="CMU Serif" panose="02000603000000000000" pitchFamily="2" charset="0"/>
-            <a:ea typeface="CMU Serif" panose="02000603000000000000" pitchFamily="2" charset="0"/>
-            <a:cs typeface="CMU Serif" panose="02000603000000000000" pitchFamily="2" charset="0"/>
-          </a:endParaRPr>
-        </a:p>
-      </dsp:txBody>
-      <dsp:txXfrm>
-        <a:off x="37041" y="3599911"/>
-        <a:ext cx="2326111" cy="1162948"/>
-      </dsp:txXfrm>
-    </dsp:sp>
-    <dsp:sp modelId="{A024A686-26C6-4CD9-B119-B97D51F0EED4}">
-      <dsp:nvSpPr>
-        <dsp:cNvPr id="0" name=""/>
-        <dsp:cNvSpPr/>
-      </dsp:nvSpPr>
-      <dsp:spPr>
-        <a:xfrm>
-          <a:off x="2600806" y="876975"/>
-          <a:ext cx="4897683" cy="1235310"/>
-        </a:xfrm>
-        <a:prstGeom prst="roundRect">
-          <a:avLst>
-            <a:gd name="adj" fmla="val 10000"/>
-          </a:avLst>
-        </a:prstGeom>
-        <a:solidFill>
-          <a:srgbClr val="C0504D"/>
-        </a:solidFill>
-        <a:ln w="25400" cap="flat" cmpd="sng" algn="ctr">
-          <a:solidFill>
-            <a:sysClr val="window" lastClr="FFFFFF">
-              <a:hueOff val="0"/>
-              <a:satOff val="0"/>
-              <a:lumOff val="0"/>
-              <a:alphaOff val="0"/>
-            </a:sysClr>
-          </a:solidFill>
-          <a:prstDash val="solid"/>
-          <a:miter lim="800000"/>
-        </a:ln>
-        <a:effectLst/>
-      </dsp:spPr>
-      <dsp:style>
-        <a:lnRef idx="2">
-          <a:scrgbClr r="0" g="0" b="0"/>
-        </a:lnRef>
-        <a:fillRef idx="1">
-          <a:scrgbClr r="0" g="0" b="0"/>
-        </a:fillRef>
-        <a:effectRef idx="0">
-          <a:scrgbClr r="0" g="0" b="0"/>
-        </a:effectRef>
-        <a:fontRef idx="minor">
-          <a:schemeClr val="lt1"/>
-        </a:fontRef>
-      </dsp:style>
-      <dsp:txBody>
-        <a:bodyPr spcFirstLastPara="0" vert="horz" wrap="square" lIns="106680" tIns="106680" rIns="106680" bIns="106680" numCol="1" spcCol="1270" anchor="ctr" anchorCtr="0">
-          <a:noAutofit/>
-        </a:bodyPr>
-        <a:lstStyle/>
-        <a:p>
-          <a:pPr lvl="0" algn="ctr" defTabSz="1244600">
-            <a:lnSpc>
-              <a:spcPct val="90000"/>
-            </a:lnSpc>
-            <a:spcBef>
-              <a:spcPct val="0"/>
-            </a:spcBef>
-            <a:spcAft>
-              <a:spcPct val="35000"/>
-            </a:spcAft>
-          </a:pPr>
-          <a:r>
-            <a:rPr lang="en-US" sz="2800" kern="1200" dirty="0" smtClean="0">
-              <a:solidFill>
-                <a:sysClr val="window" lastClr="FFFFFF"/>
-              </a:solidFill>
-              <a:latin typeface="CMU Serif" panose="02000603000000000000" pitchFamily="2" charset="0"/>
-              <a:ea typeface="CMU Serif" panose="02000603000000000000" pitchFamily="2" charset="0"/>
-              <a:cs typeface="CMU Serif" panose="02000603000000000000" pitchFamily="2" charset="0"/>
-            </a:rPr>
-            <a:t>Privately-Owned</a:t>
-          </a:r>
-          <a:endParaRPr lang="en-US" sz="2800" kern="1200" dirty="0">
-            <a:solidFill>
-              <a:sysClr val="window" lastClr="FFFFFF"/>
-            </a:solidFill>
-            <a:latin typeface="CMU Serif" panose="02000603000000000000" pitchFamily="2" charset="0"/>
-            <a:ea typeface="CMU Serif" panose="02000603000000000000" pitchFamily="2" charset="0"/>
-            <a:cs typeface="CMU Serif" panose="02000603000000000000" pitchFamily="2" charset="0"/>
-          </a:endParaRPr>
-        </a:p>
-      </dsp:txBody>
-      <dsp:txXfrm>
-        <a:off x="2636987" y="913156"/>
-        <a:ext cx="4825321" cy="1162948"/>
-      </dsp:txXfrm>
-    </dsp:sp>
-    <dsp:sp modelId="{67C3DA5D-4E32-4DEC-A233-48E1BC6A8099}">
-      <dsp:nvSpPr>
-        <dsp:cNvPr id="0" name=""/>
-        <dsp:cNvSpPr/>
-      </dsp:nvSpPr>
-      <dsp:spPr>
-        <a:xfrm>
-          <a:off x="2600806" y="2220353"/>
-          <a:ext cx="2398473" cy="1235310"/>
-        </a:xfrm>
-        <a:prstGeom prst="roundRect">
-          <a:avLst>
-            <a:gd name="adj" fmla="val 10000"/>
-          </a:avLst>
-        </a:prstGeom>
-        <a:solidFill>
-          <a:srgbClr val="C0504D"/>
-        </a:solidFill>
-        <a:ln w="25400" cap="flat" cmpd="sng" algn="ctr">
-          <a:solidFill>
-            <a:sysClr val="window" lastClr="FFFFFF">
-              <a:hueOff val="0"/>
-              <a:satOff val="0"/>
-              <a:lumOff val="0"/>
-              <a:alphaOff val="0"/>
-            </a:sysClr>
-          </a:solidFill>
-          <a:prstDash val="solid"/>
-          <a:miter lim="800000"/>
-        </a:ln>
-        <a:effectLst/>
-      </dsp:spPr>
-      <dsp:style>
-        <a:lnRef idx="2">
-          <a:scrgbClr r="0" g="0" b="0"/>
-        </a:lnRef>
-        <a:fillRef idx="1">
-          <a:scrgbClr r="0" g="0" b="0"/>
-        </a:fillRef>
-        <a:effectRef idx="0">
-          <a:scrgbClr r="0" g="0" b="0"/>
-        </a:effectRef>
-        <a:fontRef idx="minor">
-          <a:schemeClr val="lt1"/>
-        </a:fontRef>
-      </dsp:style>
-      <dsp:txBody>
-        <a:bodyPr spcFirstLastPara="0" vert="horz" wrap="square" lIns="106680" tIns="106680" rIns="106680" bIns="106680" numCol="1" spcCol="1270" anchor="ctr" anchorCtr="0">
-          <a:noAutofit/>
-        </a:bodyPr>
-        <a:lstStyle/>
-        <a:p>
-          <a:pPr lvl="0" algn="ctr" defTabSz="1244600">
-            <a:lnSpc>
-              <a:spcPct val="90000"/>
-            </a:lnSpc>
-            <a:spcBef>
-              <a:spcPct val="0"/>
-            </a:spcBef>
-            <a:spcAft>
-              <a:spcPct val="35000"/>
-            </a:spcAft>
-          </a:pPr>
-          <a:r>
-            <a:rPr lang="en-US" sz="2800" kern="1200" dirty="0" smtClean="0">
-              <a:solidFill>
-                <a:sysClr val="window" lastClr="FFFFFF"/>
-              </a:solidFill>
-              <a:latin typeface="CMU Serif" panose="02000603000000000000" pitchFamily="2" charset="0"/>
-              <a:ea typeface="CMU Serif" panose="02000603000000000000" pitchFamily="2" charset="0"/>
-              <a:cs typeface="CMU Serif" panose="02000603000000000000" pitchFamily="2" charset="0"/>
-            </a:rPr>
-            <a:t>Inter-Provincial</a:t>
-          </a:r>
-          <a:endParaRPr lang="en-US" sz="2800" kern="1200" dirty="0">
-            <a:solidFill>
-              <a:sysClr val="window" lastClr="FFFFFF"/>
-            </a:solidFill>
-            <a:latin typeface="CMU Serif" panose="02000603000000000000" pitchFamily="2" charset="0"/>
-            <a:ea typeface="CMU Serif" panose="02000603000000000000" pitchFamily="2" charset="0"/>
-            <a:cs typeface="CMU Serif" panose="02000603000000000000" pitchFamily="2" charset="0"/>
-          </a:endParaRPr>
-        </a:p>
-      </dsp:txBody>
-      <dsp:txXfrm>
-        <a:off x="2636987" y="2256534"/>
-        <a:ext cx="2326111" cy="1162948"/>
-      </dsp:txXfrm>
-    </dsp:sp>
-    <dsp:sp modelId="{6C2E4446-E1FD-4B39-A789-5E18F8C4DE44}">
-      <dsp:nvSpPr>
-        <dsp:cNvPr id="0" name=""/>
-        <dsp:cNvSpPr/>
-      </dsp:nvSpPr>
-      <dsp:spPr>
-        <a:xfrm>
-          <a:off x="2600806" y="3563730"/>
-          <a:ext cx="2398473" cy="1235310"/>
-        </a:xfrm>
-        <a:prstGeom prst="roundRect">
-          <a:avLst>
-            <a:gd name="adj" fmla="val 10000"/>
-          </a:avLst>
-        </a:prstGeom>
-        <a:solidFill>
-          <a:srgbClr val="C0504D"/>
-        </a:solidFill>
-        <a:ln w="25400" cap="flat" cmpd="sng" algn="ctr">
-          <a:solidFill>
-            <a:sysClr val="window" lastClr="FFFFFF">
-              <a:hueOff val="0"/>
-              <a:satOff val="0"/>
-              <a:lumOff val="0"/>
-              <a:alphaOff val="0"/>
-            </a:sysClr>
-          </a:solidFill>
-          <a:prstDash val="solid"/>
-          <a:miter lim="800000"/>
-        </a:ln>
-        <a:effectLst/>
-      </dsp:spPr>
-      <dsp:style>
-        <a:lnRef idx="2">
-          <a:scrgbClr r="0" g="0" b="0"/>
-        </a:lnRef>
-        <a:fillRef idx="1">
-          <a:scrgbClr r="0" g="0" b="0"/>
-        </a:fillRef>
-        <a:effectRef idx="0">
-          <a:scrgbClr r="0" g="0" b="0"/>
-        </a:effectRef>
-        <a:fontRef idx="minor">
-          <a:schemeClr val="lt1"/>
-        </a:fontRef>
-      </dsp:style>
-      <dsp:txBody>
-        <a:bodyPr spcFirstLastPara="0" vert="horz" wrap="square" lIns="106680" tIns="106680" rIns="106680" bIns="106680" numCol="1" spcCol="1270" anchor="ctr" anchorCtr="0">
-          <a:noAutofit/>
-        </a:bodyPr>
-        <a:lstStyle/>
-        <a:p>
-          <a:pPr lvl="0" algn="ctr" defTabSz="1244600">
-            <a:lnSpc>
-              <a:spcPct val="90000"/>
-            </a:lnSpc>
-            <a:spcBef>
-              <a:spcPct val="0"/>
-            </a:spcBef>
-            <a:spcAft>
-              <a:spcPct val="35000"/>
-            </a:spcAft>
-          </a:pPr>
-          <a:r>
-            <a:rPr lang="en-US" sz="2800" kern="1200" dirty="0" smtClean="0">
-              <a:solidFill>
-                <a:sysClr val="window" lastClr="FFFFFF"/>
-              </a:solidFill>
-              <a:latin typeface="CMU Serif" panose="02000603000000000000" pitchFamily="2" charset="0"/>
-              <a:ea typeface="CMU Serif" panose="02000603000000000000" pitchFamily="2" charset="0"/>
-              <a:cs typeface="CMU Serif" panose="02000603000000000000" pitchFamily="2" charset="0"/>
-            </a:rPr>
-            <a:t>NTC</a:t>
-          </a:r>
-          <a:endParaRPr lang="en-US" sz="2800" kern="1200" dirty="0">
-            <a:solidFill>
-              <a:sysClr val="window" lastClr="FFFFFF"/>
-            </a:solidFill>
-            <a:latin typeface="CMU Serif" panose="02000603000000000000" pitchFamily="2" charset="0"/>
-            <a:ea typeface="CMU Serif" panose="02000603000000000000" pitchFamily="2" charset="0"/>
-            <a:cs typeface="CMU Serif" panose="02000603000000000000" pitchFamily="2" charset="0"/>
-          </a:endParaRPr>
-        </a:p>
-      </dsp:txBody>
-      <dsp:txXfrm>
-        <a:off x="2636987" y="3599911"/>
-        <a:ext cx="2326111" cy="1162948"/>
-      </dsp:txXfrm>
-    </dsp:sp>
-    <dsp:sp modelId="{BEB26925-EFC9-422D-A155-A0A6C983FEE4}">
-      <dsp:nvSpPr>
-        <dsp:cNvPr id="0" name=""/>
-        <dsp:cNvSpPr/>
-      </dsp:nvSpPr>
-      <dsp:spPr>
-        <a:xfrm>
-          <a:off x="5100015" y="2220353"/>
-          <a:ext cx="2398473" cy="1235310"/>
-        </a:xfrm>
-        <a:prstGeom prst="roundRect">
-          <a:avLst>
-            <a:gd name="adj" fmla="val 10000"/>
-          </a:avLst>
-        </a:prstGeom>
-        <a:solidFill>
-          <a:srgbClr val="C0504D"/>
-        </a:solidFill>
-        <a:ln w="25400" cap="flat" cmpd="sng" algn="ctr">
-          <a:solidFill>
-            <a:sysClr val="window" lastClr="FFFFFF">
-              <a:hueOff val="0"/>
-              <a:satOff val="0"/>
-              <a:lumOff val="0"/>
-              <a:alphaOff val="0"/>
-            </a:sysClr>
-          </a:solidFill>
-          <a:prstDash val="solid"/>
-          <a:miter lim="800000"/>
-        </a:ln>
-        <a:effectLst/>
-      </dsp:spPr>
-      <dsp:style>
-        <a:lnRef idx="2">
-          <a:scrgbClr r="0" g="0" b="0"/>
-        </a:lnRef>
-        <a:fillRef idx="1">
-          <a:scrgbClr r="0" g="0" b="0"/>
-        </a:fillRef>
-        <a:effectRef idx="0">
-          <a:scrgbClr r="0" g="0" b="0"/>
-        </a:effectRef>
-        <a:fontRef idx="minor">
-          <a:schemeClr val="lt1"/>
-        </a:fontRef>
-      </dsp:style>
-      <dsp:txBody>
-        <a:bodyPr spcFirstLastPara="0" vert="horz" wrap="square" lIns="106680" tIns="106680" rIns="106680" bIns="106680" numCol="1" spcCol="1270" anchor="ctr" anchorCtr="0">
-          <a:noAutofit/>
-        </a:bodyPr>
-        <a:lstStyle/>
-        <a:p>
-          <a:pPr lvl="0" algn="ctr" defTabSz="1244600">
-            <a:lnSpc>
-              <a:spcPct val="90000"/>
-            </a:lnSpc>
-            <a:spcBef>
-              <a:spcPct val="0"/>
-            </a:spcBef>
-            <a:spcAft>
-              <a:spcPct val="35000"/>
-            </a:spcAft>
-          </a:pPr>
-          <a:r>
-            <a:rPr lang="en-US" sz="2800" kern="1200" dirty="0" smtClean="0">
-              <a:solidFill>
-                <a:sysClr val="window" lastClr="FFFFFF"/>
-              </a:solidFill>
-              <a:latin typeface="CMU Serif" panose="02000603000000000000" pitchFamily="2" charset="0"/>
-              <a:ea typeface="CMU Serif" panose="02000603000000000000" pitchFamily="2" charset="0"/>
-              <a:cs typeface="CMU Serif" panose="02000603000000000000" pitchFamily="2" charset="0"/>
-            </a:rPr>
-            <a:t>Intra-Provincial</a:t>
-          </a:r>
-          <a:endParaRPr lang="en-US" sz="2800" kern="1200" dirty="0">
-            <a:solidFill>
-              <a:sysClr val="window" lastClr="FFFFFF"/>
-            </a:solidFill>
-            <a:latin typeface="CMU Serif" panose="02000603000000000000" pitchFamily="2" charset="0"/>
-            <a:ea typeface="CMU Serif" panose="02000603000000000000" pitchFamily="2" charset="0"/>
-            <a:cs typeface="CMU Serif" panose="02000603000000000000" pitchFamily="2" charset="0"/>
-          </a:endParaRPr>
-        </a:p>
-      </dsp:txBody>
-      <dsp:txXfrm>
-        <a:off x="5136196" y="2256534"/>
-        <a:ext cx="2326111" cy="1162948"/>
-      </dsp:txXfrm>
-    </dsp:sp>
-    <dsp:sp modelId="{BE0D5A9F-1897-431A-BACD-71C5447A2A37}">
-      <dsp:nvSpPr>
-        <dsp:cNvPr id="0" name=""/>
-        <dsp:cNvSpPr/>
-      </dsp:nvSpPr>
-      <dsp:spPr>
-        <a:xfrm>
-          <a:off x="5100015" y="3563730"/>
-          <a:ext cx="2398473" cy="1235310"/>
-        </a:xfrm>
-        <a:prstGeom prst="roundRect">
-          <a:avLst>
-            <a:gd name="adj" fmla="val 10000"/>
-          </a:avLst>
-        </a:prstGeom>
-        <a:solidFill>
-          <a:srgbClr val="C0504D"/>
-        </a:solidFill>
-        <a:ln w="25400" cap="flat" cmpd="sng" algn="ctr">
-          <a:solidFill>
-            <a:sysClr val="window" lastClr="FFFFFF">
-              <a:hueOff val="0"/>
-              <a:satOff val="0"/>
-              <a:lumOff val="0"/>
-              <a:alphaOff val="0"/>
-            </a:sysClr>
-          </a:solidFill>
-          <a:prstDash val="solid"/>
-          <a:miter lim="800000"/>
-        </a:ln>
-        <a:effectLst/>
-      </dsp:spPr>
-      <dsp:style>
-        <a:lnRef idx="2">
-          <a:scrgbClr r="0" g="0" b="0"/>
-        </a:lnRef>
-        <a:fillRef idx="1">
-          <a:scrgbClr r="0" g="0" b="0"/>
-        </a:fillRef>
-        <a:effectRef idx="0">
-          <a:scrgbClr r="0" g="0" b="0"/>
-        </a:effectRef>
-        <a:fontRef idx="minor">
-          <a:schemeClr val="lt1"/>
-        </a:fontRef>
-      </dsp:style>
-      <dsp:txBody>
-        <a:bodyPr spcFirstLastPara="0" vert="horz" wrap="square" lIns="106680" tIns="106680" rIns="106680" bIns="106680" numCol="1" spcCol="1270" anchor="ctr" anchorCtr="0">
-          <a:noAutofit/>
-        </a:bodyPr>
-        <a:lstStyle/>
-        <a:p>
-          <a:pPr lvl="0" algn="ctr" defTabSz="1244600">
-            <a:lnSpc>
-              <a:spcPct val="90000"/>
-            </a:lnSpc>
-            <a:spcBef>
-              <a:spcPct val="0"/>
-            </a:spcBef>
-            <a:spcAft>
-              <a:spcPct val="35000"/>
-            </a:spcAft>
-          </a:pPr>
-          <a:r>
-            <a:rPr lang="en-US" sz="2800" kern="1200" dirty="0" smtClean="0">
-              <a:solidFill>
-                <a:sysClr val="window" lastClr="FFFFFF"/>
-              </a:solidFill>
-              <a:latin typeface="CMU Serif" panose="02000603000000000000" pitchFamily="2" charset="0"/>
-              <a:ea typeface="CMU Serif" panose="02000603000000000000" pitchFamily="2" charset="0"/>
-              <a:cs typeface="CMU Serif" panose="02000603000000000000" pitchFamily="2" charset="0"/>
-            </a:rPr>
-            <a:t>RPTA - WP</a:t>
-          </a:r>
-          <a:endParaRPr lang="en-US" sz="2800" kern="1200" dirty="0">
-            <a:solidFill>
-              <a:sysClr val="window" lastClr="FFFFFF"/>
-            </a:solidFill>
-            <a:latin typeface="CMU Serif" panose="02000603000000000000" pitchFamily="2" charset="0"/>
-            <a:ea typeface="CMU Serif" panose="02000603000000000000" pitchFamily="2" charset="0"/>
-            <a:cs typeface="CMU Serif" panose="02000603000000000000" pitchFamily="2" charset="0"/>
-          </a:endParaRPr>
-        </a:p>
-      </dsp:txBody>
-      <dsp:txXfrm>
-        <a:off x="5136196" y="3599911"/>
-        <a:ext cx="2326111" cy="1162948"/>
-      </dsp:txXfrm>
-    </dsp:sp>
   </dsp:spTree>
 </dsp:drawing>
 </file>
@@ -13898,6 +13123,490 @@
       <dsp:cNvGrpSpPr/>
     </dsp:nvGrpSpPr>
     <dsp:grpSpPr/>
+    <dsp:sp modelId="{64CE5CA0-F1CA-44E8-85C9-151C2218F1E2}">
+      <dsp:nvSpPr>
+        <dsp:cNvPr id="0" name=""/>
+        <dsp:cNvSpPr/>
+      </dsp:nvSpPr>
+      <dsp:spPr>
+        <a:xfrm>
+          <a:off x="416987" y="1451"/>
+          <a:ext cx="2085051" cy="2085051"/>
+        </a:xfrm>
+        <a:prstGeom prst="ellipse">
+          <a:avLst/>
+        </a:prstGeom>
+        <a:solidFill>
+          <a:srgbClr val="9BBB59"/>
+        </a:solidFill>
+        <a:ln w="25400" cap="flat" cmpd="sng" algn="ctr">
+          <a:noFill/>
+          <a:prstDash val="solid"/>
+          <a:miter lim="800000"/>
+        </a:ln>
+        <a:effectLst/>
+      </dsp:spPr>
+      <dsp:style>
+        <a:lnRef idx="2">
+          <a:schemeClr val="accent3">
+            <a:shade val="50000"/>
+          </a:schemeClr>
+        </a:lnRef>
+        <a:fillRef idx="1">
+          <a:schemeClr val="accent3"/>
+        </a:fillRef>
+        <a:effectRef idx="0">
+          <a:schemeClr val="accent3"/>
+        </a:effectRef>
+        <a:fontRef idx="minor">
+          <a:schemeClr val="lt1"/>
+        </a:fontRef>
+      </dsp:style>
+      <dsp:txBody>
+        <a:bodyPr spcFirstLastPara="0" vert="horz" wrap="square" lIns="25400" tIns="25400" rIns="25400" bIns="25400" numCol="1" spcCol="1270" anchor="ctr" anchorCtr="0">
+          <a:noAutofit/>
+        </a:bodyPr>
+        <a:lstStyle/>
+        <a:p>
+          <a:pPr lvl="0" algn="ctr" defTabSz="889000">
+            <a:lnSpc>
+              <a:spcPct val="90000"/>
+            </a:lnSpc>
+            <a:spcBef>
+              <a:spcPct val="0"/>
+            </a:spcBef>
+            <a:spcAft>
+              <a:spcPct val="35000"/>
+            </a:spcAft>
+          </a:pPr>
+          <a:r>
+            <a:rPr lang="en-US" sz="2000" kern="1200" dirty="0" smtClean="0">
+              <a:solidFill>
+                <a:sysClr val="windowText" lastClr="000000"/>
+              </a:solidFill>
+              <a:latin typeface="CMU Serif" panose="02000603000000000000" pitchFamily="2" charset="0"/>
+              <a:ea typeface="CMU Serif" panose="02000603000000000000" pitchFamily="2" charset="0"/>
+              <a:cs typeface="CMU Serif" panose="02000603000000000000" pitchFamily="2" charset="0"/>
+            </a:rPr>
+            <a:t>Create/Edit Schedule</a:t>
+          </a:r>
+          <a:endParaRPr lang="en-US" sz="2000" kern="1200" dirty="0">
+            <a:solidFill>
+              <a:sysClr val="windowText" lastClr="000000"/>
+            </a:solidFill>
+            <a:latin typeface="CMU Serif" panose="02000603000000000000" pitchFamily="2" charset="0"/>
+            <a:ea typeface="CMU Serif" panose="02000603000000000000" pitchFamily="2" charset="0"/>
+            <a:cs typeface="CMU Serif" panose="02000603000000000000" pitchFamily="2" charset="0"/>
+          </a:endParaRPr>
+        </a:p>
+      </dsp:txBody>
+      <dsp:txXfrm>
+        <a:off x="722336" y="306800"/>
+        <a:ext cx="1474353" cy="1474353"/>
+      </dsp:txXfrm>
+    </dsp:sp>
+    <dsp:sp modelId="{51AC4D10-6199-487F-9E93-B779DF35A5D9}">
+      <dsp:nvSpPr>
+        <dsp:cNvPr id="0" name=""/>
+        <dsp:cNvSpPr/>
+      </dsp:nvSpPr>
+      <dsp:spPr>
+        <a:xfrm rot="21599317">
+          <a:off x="2864989" y="691758"/>
+          <a:ext cx="874382" cy="703704"/>
+        </a:xfrm>
+        <a:prstGeom prst="rightArrow">
+          <a:avLst>
+            <a:gd name="adj1" fmla="val 60000"/>
+            <a:gd name="adj2" fmla="val 50000"/>
+          </a:avLst>
+        </a:prstGeom>
+        <a:solidFill>
+          <a:srgbClr val="4F81BD">
+            <a:tint val="60000"/>
+            <a:hueOff val="0"/>
+            <a:satOff val="0"/>
+            <a:lumOff val="0"/>
+            <a:alphaOff val="0"/>
+          </a:srgbClr>
+        </a:solidFill>
+        <a:ln>
+          <a:noFill/>
+        </a:ln>
+        <a:effectLst/>
+      </dsp:spPr>
+      <dsp:style>
+        <a:lnRef idx="0">
+          <a:scrgbClr r="0" g="0" b="0"/>
+        </a:lnRef>
+        <a:fillRef idx="1">
+          <a:scrgbClr r="0" g="0" b="0"/>
+        </a:fillRef>
+        <a:effectRef idx="0">
+          <a:scrgbClr r="0" g="0" b="0"/>
+        </a:effectRef>
+        <a:fontRef idx="minor">
+          <a:schemeClr val="lt1"/>
+        </a:fontRef>
+      </dsp:style>
+      <dsp:txBody>
+        <a:bodyPr spcFirstLastPara="0" vert="horz" wrap="square" lIns="0" tIns="0" rIns="0" bIns="0" numCol="1" spcCol="1270" anchor="ctr" anchorCtr="0">
+          <a:noAutofit/>
+        </a:bodyPr>
+        <a:lstStyle/>
+        <a:p>
+          <a:pPr lvl="0" algn="ctr" defTabSz="711200">
+            <a:lnSpc>
+              <a:spcPct val="90000"/>
+            </a:lnSpc>
+            <a:spcBef>
+              <a:spcPct val="0"/>
+            </a:spcBef>
+            <a:spcAft>
+              <a:spcPct val="35000"/>
+            </a:spcAft>
+          </a:pPr>
+          <a:endParaRPr lang="en-US" sz="1600" kern="1200">
+            <a:solidFill>
+              <a:sysClr val="window" lastClr="FFFFFF"/>
+            </a:solidFill>
+            <a:latin typeface="CMU Serif" panose="02000603000000000000" pitchFamily="2" charset="0"/>
+            <a:ea typeface="CMU Serif" panose="02000603000000000000" pitchFamily="2" charset="0"/>
+            <a:cs typeface="CMU Serif" panose="02000603000000000000" pitchFamily="2" charset="0"/>
+          </a:endParaRPr>
+        </a:p>
+      </dsp:txBody>
+      <dsp:txXfrm>
+        <a:off x="2864989" y="832520"/>
+        <a:ext cx="663271" cy="422222"/>
+      </dsp:txXfrm>
+    </dsp:sp>
+    <dsp:sp modelId="{61837977-8424-4792-BE52-919E318D841F}">
+      <dsp:nvSpPr>
+        <dsp:cNvPr id="0" name=""/>
+        <dsp:cNvSpPr/>
+      </dsp:nvSpPr>
+      <dsp:spPr>
+        <a:xfrm>
+          <a:off x="4151816" y="710"/>
+          <a:ext cx="2085051" cy="2085051"/>
+        </a:xfrm>
+        <a:prstGeom prst="ellipse">
+          <a:avLst/>
+        </a:prstGeom>
+        <a:solidFill>
+          <a:srgbClr val="4F81BD">
+            <a:hueOff val="0"/>
+            <a:satOff val="0"/>
+            <a:lumOff val="0"/>
+            <a:alphaOff val="0"/>
+          </a:srgbClr>
+        </a:solidFill>
+        <a:ln w="25400" cap="flat" cmpd="sng" algn="ctr">
+          <a:solidFill>
+            <a:sysClr val="window" lastClr="FFFFFF">
+              <a:hueOff val="0"/>
+              <a:satOff val="0"/>
+              <a:lumOff val="0"/>
+              <a:alphaOff val="0"/>
+            </a:sysClr>
+          </a:solidFill>
+          <a:prstDash val="solid"/>
+          <a:miter lim="800000"/>
+        </a:ln>
+        <a:effectLst/>
+      </dsp:spPr>
+      <dsp:style>
+        <a:lnRef idx="2">
+          <a:scrgbClr r="0" g="0" b="0"/>
+        </a:lnRef>
+        <a:fillRef idx="1">
+          <a:scrgbClr r="0" g="0" b="0"/>
+        </a:fillRef>
+        <a:effectRef idx="0">
+          <a:scrgbClr r="0" g="0" b="0"/>
+        </a:effectRef>
+        <a:fontRef idx="minor">
+          <a:schemeClr val="lt1"/>
+        </a:fontRef>
+      </dsp:style>
+      <dsp:txBody>
+        <a:bodyPr spcFirstLastPara="0" vert="horz" wrap="square" lIns="25400" tIns="25400" rIns="25400" bIns="25400" numCol="1" spcCol="1270" anchor="ctr" anchorCtr="0">
+          <a:noAutofit/>
+        </a:bodyPr>
+        <a:lstStyle/>
+        <a:p>
+          <a:pPr lvl="0" algn="ctr" defTabSz="889000">
+            <a:lnSpc>
+              <a:spcPct val="90000"/>
+            </a:lnSpc>
+            <a:spcBef>
+              <a:spcPct val="0"/>
+            </a:spcBef>
+            <a:spcAft>
+              <a:spcPct val="35000"/>
+            </a:spcAft>
+          </a:pPr>
+          <a:r>
+            <a:rPr lang="en-US" sz="2000" kern="1200" dirty="0" smtClean="0">
+              <a:solidFill>
+                <a:sysClr val="window" lastClr="FFFFFF"/>
+              </a:solidFill>
+              <a:latin typeface="CMU Serif" panose="02000603000000000000" pitchFamily="2" charset="0"/>
+              <a:ea typeface="CMU Serif" panose="02000603000000000000" pitchFamily="2" charset="0"/>
+              <a:cs typeface="CMU Serif" panose="02000603000000000000" pitchFamily="2" charset="0"/>
+            </a:rPr>
+            <a:t>Monitor Schedule</a:t>
+          </a:r>
+          <a:endParaRPr lang="en-US" sz="2000" kern="1200" dirty="0">
+            <a:solidFill>
+              <a:sysClr val="window" lastClr="FFFFFF"/>
+            </a:solidFill>
+            <a:latin typeface="CMU Serif" panose="02000603000000000000" pitchFamily="2" charset="0"/>
+            <a:ea typeface="CMU Serif" panose="02000603000000000000" pitchFamily="2" charset="0"/>
+            <a:cs typeface="CMU Serif" panose="02000603000000000000" pitchFamily="2" charset="0"/>
+          </a:endParaRPr>
+        </a:p>
+      </dsp:txBody>
+      <dsp:txXfrm>
+        <a:off x="4457165" y="306059"/>
+        <a:ext cx="1474353" cy="1474353"/>
+      </dsp:txXfrm>
+    </dsp:sp>
+    <dsp:sp modelId="{D58441BD-E91E-428B-B53C-EC747FE81758}">
+      <dsp:nvSpPr>
+        <dsp:cNvPr id="0" name=""/>
+        <dsp:cNvSpPr/>
+      </dsp:nvSpPr>
+      <dsp:spPr>
+        <a:xfrm rot="7398612">
+          <a:off x="4033540" y="2011376"/>
+          <a:ext cx="586783" cy="703704"/>
+        </a:xfrm>
+        <a:prstGeom prst="rightArrow">
+          <a:avLst>
+            <a:gd name="adj1" fmla="val 60000"/>
+            <a:gd name="adj2" fmla="val 50000"/>
+          </a:avLst>
+        </a:prstGeom>
+        <a:solidFill>
+          <a:srgbClr val="4F81BD">
+            <a:tint val="60000"/>
+            <a:hueOff val="0"/>
+            <a:satOff val="0"/>
+            <a:lumOff val="0"/>
+            <a:alphaOff val="0"/>
+          </a:srgbClr>
+        </a:solidFill>
+        <a:ln>
+          <a:noFill/>
+        </a:ln>
+        <a:effectLst/>
+      </dsp:spPr>
+      <dsp:style>
+        <a:lnRef idx="0">
+          <a:scrgbClr r="0" g="0" b="0"/>
+        </a:lnRef>
+        <a:fillRef idx="1">
+          <a:scrgbClr r="0" g="0" b="0"/>
+        </a:fillRef>
+        <a:effectRef idx="0">
+          <a:scrgbClr r="0" g="0" b="0"/>
+        </a:effectRef>
+        <a:fontRef idx="minor">
+          <a:schemeClr val="lt1"/>
+        </a:fontRef>
+      </dsp:style>
+      <dsp:txBody>
+        <a:bodyPr spcFirstLastPara="0" vert="horz" wrap="square" lIns="0" tIns="0" rIns="0" bIns="0" numCol="1" spcCol="1270" anchor="ctr" anchorCtr="0">
+          <a:noAutofit/>
+        </a:bodyPr>
+        <a:lstStyle/>
+        <a:p>
+          <a:pPr lvl="0" algn="ctr" defTabSz="711200">
+            <a:lnSpc>
+              <a:spcPct val="90000"/>
+            </a:lnSpc>
+            <a:spcBef>
+              <a:spcPct val="0"/>
+            </a:spcBef>
+            <a:spcAft>
+              <a:spcPct val="35000"/>
+            </a:spcAft>
+          </a:pPr>
+          <a:endParaRPr lang="en-US" sz="1600" kern="1200">
+            <a:solidFill>
+              <a:sysClr val="window" lastClr="FFFFFF"/>
+            </a:solidFill>
+            <a:latin typeface="CMU Serif" panose="02000603000000000000" pitchFamily="2" charset="0"/>
+            <a:ea typeface="CMU Serif" panose="02000603000000000000" pitchFamily="2" charset="0"/>
+            <a:cs typeface="CMU Serif" panose="02000603000000000000" pitchFamily="2" charset="0"/>
+          </a:endParaRPr>
+        </a:p>
+      </dsp:txBody>
+      <dsp:txXfrm rot="10800000">
+        <a:off x="4169894" y="2078560"/>
+        <a:ext cx="410748" cy="422222"/>
+      </dsp:txXfrm>
+    </dsp:sp>
+    <dsp:sp modelId="{DF92A075-14DB-4763-8DCD-163560AA40AD}">
+      <dsp:nvSpPr>
+        <dsp:cNvPr id="0" name=""/>
+        <dsp:cNvSpPr/>
+      </dsp:nvSpPr>
+      <dsp:spPr>
+        <a:xfrm>
+          <a:off x="2398756" y="2668454"/>
+          <a:ext cx="2085051" cy="2085051"/>
+        </a:xfrm>
+        <a:prstGeom prst="ellipse">
+          <a:avLst/>
+        </a:prstGeom>
+        <a:solidFill>
+          <a:srgbClr val="C0504D"/>
+        </a:solidFill>
+        <a:ln w="25400" cap="flat" cmpd="sng" algn="ctr">
+          <a:noFill/>
+          <a:prstDash val="solid"/>
+          <a:miter lim="800000"/>
+        </a:ln>
+        <a:effectLst/>
+      </dsp:spPr>
+      <dsp:style>
+        <a:lnRef idx="2">
+          <a:schemeClr val="accent2">
+            <a:shade val="50000"/>
+          </a:schemeClr>
+        </a:lnRef>
+        <a:fillRef idx="1">
+          <a:schemeClr val="accent2"/>
+        </a:fillRef>
+        <a:effectRef idx="0">
+          <a:schemeClr val="accent2"/>
+        </a:effectRef>
+        <a:fontRef idx="minor">
+          <a:schemeClr val="lt1"/>
+        </a:fontRef>
+      </dsp:style>
+      <dsp:txBody>
+        <a:bodyPr spcFirstLastPara="0" vert="horz" wrap="square" lIns="25400" tIns="25400" rIns="25400" bIns="25400" numCol="1" spcCol="1270" anchor="ctr" anchorCtr="0">
+          <a:noAutofit/>
+        </a:bodyPr>
+        <a:lstStyle/>
+        <a:p>
+          <a:pPr lvl="0" algn="ctr" defTabSz="889000">
+            <a:lnSpc>
+              <a:spcPct val="90000"/>
+            </a:lnSpc>
+            <a:spcBef>
+              <a:spcPct val="0"/>
+            </a:spcBef>
+            <a:spcAft>
+              <a:spcPct val="35000"/>
+            </a:spcAft>
+          </a:pPr>
+          <a:r>
+            <a:rPr lang="en-US" sz="2000" kern="1200" dirty="0" smtClean="0">
+              <a:solidFill>
+                <a:sysClr val="window" lastClr="FFFFFF"/>
+              </a:solidFill>
+              <a:latin typeface="CMU Serif" panose="02000603000000000000" pitchFamily="2" charset="0"/>
+              <a:ea typeface="CMU Serif" panose="02000603000000000000" pitchFamily="2" charset="0"/>
+              <a:cs typeface="CMU Serif" panose="02000603000000000000" pitchFamily="2" charset="0"/>
+            </a:rPr>
+            <a:t>Feedback</a:t>
+          </a:r>
+          <a:endParaRPr lang="en-US" sz="2000" kern="1200" dirty="0">
+            <a:solidFill>
+              <a:sysClr val="window" lastClr="FFFFFF"/>
+            </a:solidFill>
+            <a:latin typeface="CMU Serif" panose="02000603000000000000" pitchFamily="2" charset="0"/>
+            <a:ea typeface="CMU Serif" panose="02000603000000000000" pitchFamily="2" charset="0"/>
+            <a:cs typeface="CMU Serif" panose="02000603000000000000" pitchFamily="2" charset="0"/>
+          </a:endParaRPr>
+        </a:p>
+      </dsp:txBody>
+      <dsp:txXfrm>
+        <a:off x="2704105" y="2973803"/>
+        <a:ext cx="1474353" cy="1474353"/>
+      </dsp:txXfrm>
+    </dsp:sp>
+    <dsp:sp modelId="{B4675DDF-9B93-4A83-8B11-61D2390CD8CA}">
+      <dsp:nvSpPr>
+        <dsp:cNvPr id="0" name=""/>
+        <dsp:cNvSpPr/>
+      </dsp:nvSpPr>
+      <dsp:spPr>
+        <a:xfrm rot="14003105">
+          <a:off x="2133493" y="2040527"/>
+          <a:ext cx="655951" cy="703704"/>
+        </a:xfrm>
+        <a:prstGeom prst="rightArrow">
+          <a:avLst>
+            <a:gd name="adj1" fmla="val 60000"/>
+            <a:gd name="adj2" fmla="val 50000"/>
+          </a:avLst>
+        </a:prstGeom>
+        <a:solidFill>
+          <a:srgbClr val="4F81BD">
+            <a:tint val="60000"/>
+            <a:hueOff val="0"/>
+            <a:satOff val="0"/>
+            <a:lumOff val="0"/>
+            <a:alphaOff val="0"/>
+          </a:srgbClr>
+        </a:solidFill>
+        <a:ln>
+          <a:noFill/>
+        </a:ln>
+        <a:effectLst/>
+      </dsp:spPr>
+      <dsp:style>
+        <a:lnRef idx="0">
+          <a:scrgbClr r="0" g="0" b="0"/>
+        </a:lnRef>
+        <a:fillRef idx="1">
+          <a:scrgbClr r="0" g="0" b="0"/>
+        </a:fillRef>
+        <a:effectRef idx="0">
+          <a:scrgbClr r="0" g="0" b="0"/>
+        </a:effectRef>
+        <a:fontRef idx="minor">
+          <a:schemeClr val="lt1"/>
+        </a:fontRef>
+      </dsp:style>
+      <dsp:txBody>
+        <a:bodyPr spcFirstLastPara="0" vert="horz" wrap="square" lIns="0" tIns="0" rIns="0" bIns="0" numCol="1" spcCol="1270" anchor="ctr" anchorCtr="0">
+          <a:noAutofit/>
+        </a:bodyPr>
+        <a:lstStyle/>
+        <a:p>
+          <a:pPr lvl="0" algn="ctr" defTabSz="711200">
+            <a:lnSpc>
+              <a:spcPct val="90000"/>
+            </a:lnSpc>
+            <a:spcBef>
+              <a:spcPct val="0"/>
+            </a:spcBef>
+            <a:spcAft>
+              <a:spcPct val="35000"/>
+            </a:spcAft>
+          </a:pPr>
+          <a:endParaRPr lang="en-US" sz="1600" kern="1200">
+            <a:solidFill>
+              <a:sysClr val="window" lastClr="FFFFFF"/>
+            </a:solidFill>
+            <a:latin typeface="CMU Serif" panose="02000603000000000000" pitchFamily="2" charset="0"/>
+            <a:ea typeface="CMU Serif" panose="02000603000000000000" pitchFamily="2" charset="0"/>
+            <a:cs typeface="CMU Serif" panose="02000603000000000000" pitchFamily="2" charset="0"/>
+          </a:endParaRPr>
+        </a:p>
+      </dsp:txBody>
+      <dsp:txXfrm rot="10800000">
+        <a:off x="2290570" y="2260244"/>
+        <a:ext cx="459166" cy="422222"/>
+      </dsp:txXfrm>
+    </dsp:sp>
   </dsp:spTree>
 </dsp:drawing>
 </file>
@@ -19451,7 +19160,7 @@
             <a:fld id="{3067FCAC-D8DF-4263-B942-EF35631CB3EC}" type="datetimeFigureOut">
               <a:rPr lang="en-US" smtClean="0"/>
               <a:pPr/>
-              <a:t>11/27/2013</a:t>
+              <a:t>12/5/2013</a:t>
             </a:fld>
             <a:endParaRPr lang="en-US"/>
           </a:p>
@@ -19623,7 +19332,7 @@
             <a:fld id="{3067FCAC-D8DF-4263-B942-EF35631CB3EC}" type="datetimeFigureOut">
               <a:rPr lang="en-US" smtClean="0"/>
               <a:pPr/>
-              <a:t>11/27/2013</a:t>
+              <a:t>12/5/2013</a:t>
             </a:fld>
             <a:endParaRPr lang="en-US"/>
           </a:p>
@@ -19805,7 +19514,7 @@
             <a:fld id="{3067FCAC-D8DF-4263-B942-EF35631CB3EC}" type="datetimeFigureOut">
               <a:rPr lang="en-US" smtClean="0"/>
               <a:pPr/>
-              <a:t>11/27/2013</a:t>
+              <a:t>12/5/2013</a:t>
             </a:fld>
             <a:endParaRPr lang="en-US"/>
           </a:p>
@@ -19977,7 +19686,7 @@
             <a:fld id="{3067FCAC-D8DF-4263-B942-EF35631CB3EC}" type="datetimeFigureOut">
               <a:rPr lang="en-US" smtClean="0"/>
               <a:pPr/>
-              <a:t>11/27/2013</a:t>
+              <a:t>12/5/2013</a:t>
             </a:fld>
             <a:endParaRPr lang="en-US"/>
           </a:p>
@@ -20225,7 +19934,7 @@
             <a:fld id="{3067FCAC-D8DF-4263-B942-EF35631CB3EC}" type="datetimeFigureOut">
               <a:rPr lang="en-US" smtClean="0"/>
               <a:pPr/>
-              <a:t>11/27/2013</a:t>
+              <a:t>12/5/2013</a:t>
             </a:fld>
             <a:endParaRPr lang="en-US"/>
           </a:p>
@@ -20459,7 +20168,7 @@
             <a:fld id="{3067FCAC-D8DF-4263-B942-EF35631CB3EC}" type="datetimeFigureOut">
               <a:rPr lang="en-US" smtClean="0"/>
               <a:pPr/>
-              <a:t>11/27/2013</a:t>
+              <a:t>12/5/2013</a:t>
             </a:fld>
             <a:endParaRPr lang="en-US"/>
           </a:p>
@@ -20828,7 +20537,7 @@
             <a:fld id="{3067FCAC-D8DF-4263-B942-EF35631CB3EC}" type="datetimeFigureOut">
               <a:rPr lang="en-US" smtClean="0"/>
               <a:pPr/>
-              <a:t>11/27/2013</a:t>
+              <a:t>12/5/2013</a:t>
             </a:fld>
             <a:endParaRPr lang="en-US"/>
           </a:p>
@@ -20948,7 +20657,7 @@
             <a:fld id="{3067FCAC-D8DF-4263-B942-EF35631CB3EC}" type="datetimeFigureOut">
               <a:rPr lang="en-US" smtClean="0"/>
               <a:pPr/>
-              <a:t>11/27/2013</a:t>
+              <a:t>12/5/2013</a:t>
             </a:fld>
             <a:endParaRPr lang="en-US"/>
           </a:p>
@@ -21045,7 +20754,7 @@
             <a:fld id="{3067FCAC-D8DF-4263-B942-EF35631CB3EC}" type="datetimeFigureOut">
               <a:rPr lang="en-US" smtClean="0"/>
               <a:pPr/>
-              <a:t>11/27/2013</a:t>
+              <a:t>12/5/2013</a:t>
             </a:fld>
             <a:endParaRPr lang="en-US"/>
           </a:p>
@@ -21324,7 +21033,7 @@
             <a:fld id="{3067FCAC-D8DF-4263-B942-EF35631CB3EC}" type="datetimeFigureOut">
               <a:rPr lang="en-US" smtClean="0"/>
               <a:pPr/>
-              <a:t>11/27/2013</a:t>
+              <a:t>12/5/2013</a:t>
             </a:fld>
             <a:endParaRPr lang="en-US"/>
           </a:p>
@@ -21579,7 +21288,7 @@
             <a:fld id="{3067FCAC-D8DF-4263-B942-EF35631CB3EC}" type="datetimeFigureOut">
               <a:rPr lang="en-US" smtClean="0"/>
               <a:pPr/>
-              <a:t>11/27/2013</a:t>
+              <a:t>12/5/2013</a:t>
             </a:fld>
             <a:endParaRPr lang="en-US"/>
           </a:p>
@@ -21794,7 +21503,7 @@
             <a:fld id="{3067FCAC-D8DF-4263-B942-EF35631CB3EC}" type="datetimeFigureOut">
               <a:rPr lang="en-US" smtClean="0"/>
               <a:pPr/>
-              <a:t>11/27/2013</a:t>
+              <a:t>12/5/2013</a:t>
             </a:fld>
             <a:endParaRPr lang="en-US"/>
           </a:p>
@@ -22427,18 +22136,7 @@
                   <a:ea typeface="CMU Serif" panose="02000603000000000000" pitchFamily="2" charset="0"/>
                   <a:cs typeface="CMU Serif" panose="02000603000000000000" pitchFamily="2" charset="0"/>
                 </a:rPr>
-                <a:t>Scheduling </a:t>
-              </a:r>
-              <a:r>
-                <a:rPr lang="en-US" sz="1200" dirty="0" smtClean="0">
-                  <a:solidFill>
-                    <a:schemeClr val="tx1"/>
-                  </a:solidFill>
-                  <a:latin typeface="CMU Serif" panose="02000603000000000000" pitchFamily="2" charset="0"/>
-                  <a:ea typeface="CMU Serif" panose="02000603000000000000" pitchFamily="2" charset="0"/>
-                  <a:cs typeface="CMU Serif" panose="02000603000000000000" pitchFamily="2" charset="0"/>
-                </a:rPr>
-                <a:t>Methodology</a:t>
+                <a:t>Scheduling Methodology</a:t>
               </a:r>
               <a:endParaRPr lang="en-US" sz="1200" dirty="0">
                 <a:solidFill>
@@ -22820,18 +22518,7 @@
                     <a:ea typeface="CMU Serif" panose="02000603000000000000" pitchFamily="2" charset="0"/>
                     <a:cs typeface="CMU Serif" panose="02000603000000000000" pitchFamily="2" charset="0"/>
                   </a:rPr>
-                  <a:t>User View </a:t>
-                </a:r>
-                <a:r>
-                  <a:rPr lang="en-US" sz="1200" dirty="0" smtClean="0">
-                    <a:solidFill>
-                      <a:schemeClr val="tx1"/>
-                    </a:solidFill>
-                    <a:latin typeface="CMU Serif" panose="02000603000000000000" pitchFamily="2" charset="0"/>
-                    <a:ea typeface="CMU Serif" panose="02000603000000000000" pitchFamily="2" charset="0"/>
-                    <a:cs typeface="CMU Serif" panose="02000603000000000000" pitchFamily="2" charset="0"/>
-                  </a:rPr>
-                  <a:t>– Bus Personnel</a:t>
+                  <a:t>User View – Bus Personnel</a:t>
                 </a:r>
                 <a:endParaRPr lang="en-US" sz="1200" dirty="0">
                   <a:solidFill>
@@ -22890,18 +22577,7 @@
                     <a:ea typeface="CMU Serif" panose="02000603000000000000" pitchFamily="2" charset="0"/>
                     <a:cs typeface="CMU Serif" panose="02000603000000000000" pitchFamily="2" charset="0"/>
                   </a:rPr>
-                  <a:t>User View </a:t>
-                </a:r>
-                <a:r>
-                  <a:rPr lang="en-US" sz="1200" dirty="0" smtClean="0">
-                    <a:solidFill>
-                      <a:schemeClr val="tx1"/>
-                    </a:solidFill>
-                    <a:latin typeface="CMU Serif" panose="02000603000000000000" pitchFamily="2" charset="0"/>
-                    <a:ea typeface="CMU Serif" panose="02000603000000000000" pitchFamily="2" charset="0"/>
-                    <a:cs typeface="CMU Serif" panose="02000603000000000000" pitchFamily="2" charset="0"/>
-                  </a:rPr>
-                  <a:t>–Transport Authority</a:t>
+                  <a:t>User View –Transport Authority</a:t>
                 </a:r>
                 <a:endParaRPr lang="en-US" sz="1200" dirty="0">
                   <a:solidFill>
@@ -23298,7 +22974,7 @@
             <p:ph idx="1"/>
             <p:extLst>
               <p:ext uri="{D42A27DB-BD31-4B8C-83A1-F6EECF244321}">
-                <p14:modId xmlns:p14="http://schemas.microsoft.com/office/powerpoint/2010/main" val="1886214835"/>
+                <p14:modId xmlns:p14="http://schemas.microsoft.com/office/powerpoint/2010/main" val="2940066821"/>
               </p:ext>
             </p:extLst>
           </p:nvPr>
@@ -23353,7 +23029,7 @@
             <p:ph idx="1"/>
             <p:extLst>
               <p:ext uri="{D42A27DB-BD31-4B8C-83A1-F6EECF244321}">
-                <p14:modId xmlns:p14="http://schemas.microsoft.com/office/powerpoint/2010/main" val="2345313664"/>
+                <p14:modId xmlns:p14="http://schemas.microsoft.com/office/powerpoint/2010/main" val="2823250053"/>
               </p:ext>
             </p:extLst>
           </p:nvPr>
@@ -23408,7 +23084,7 @@
             <p:ph idx="1"/>
             <p:extLst>
               <p:ext uri="{D42A27DB-BD31-4B8C-83A1-F6EECF244321}">
-                <p14:modId xmlns:p14="http://schemas.microsoft.com/office/powerpoint/2010/main" val="1763200709"/>
+                <p14:modId xmlns:p14="http://schemas.microsoft.com/office/powerpoint/2010/main" val="810772701"/>
               </p:ext>
             </p:extLst>
           </p:nvPr>
@@ -23463,7 +23139,7 @@
             <p:ph idx="1"/>
             <p:extLst>
               <p:ext uri="{D42A27DB-BD31-4B8C-83A1-F6EECF244321}">
-                <p14:modId xmlns:p14="http://schemas.microsoft.com/office/powerpoint/2010/main" val="3974573856"/>
+                <p14:modId xmlns:p14="http://schemas.microsoft.com/office/powerpoint/2010/main" val="1983155838"/>
               </p:ext>
             </p:extLst>
           </p:nvPr>
@@ -23518,7 +23194,7 @@
             <p:ph idx="1"/>
             <p:extLst>
               <p:ext uri="{D42A27DB-BD31-4B8C-83A1-F6EECF244321}">
-                <p14:modId xmlns:p14="http://schemas.microsoft.com/office/powerpoint/2010/main" val="2764267778"/>
+                <p14:modId xmlns:p14="http://schemas.microsoft.com/office/powerpoint/2010/main" val="4207959200"/>
               </p:ext>
             </p:extLst>
           </p:nvPr>
@@ -23573,7 +23249,7 @@
             <p:ph idx="1"/>
             <p:extLst>
               <p:ext uri="{D42A27DB-BD31-4B8C-83A1-F6EECF244321}">
-                <p14:modId xmlns:p14="http://schemas.microsoft.com/office/powerpoint/2010/main" val="988338482"/>
+                <p14:modId xmlns:p14="http://schemas.microsoft.com/office/powerpoint/2010/main" val="4210826696"/>
               </p:ext>
             </p:extLst>
           </p:nvPr>
